--- a/presentation/Shen Zongyi.pptx
+++ b/presentation/Shen Zongyi.pptx
@@ -11,8 +11,16 @@
     <p:sldId id="259" r:id="rId5"/>
     <p:sldId id="260" r:id="rId6"/>
     <p:sldId id="261" r:id="rId7"/>
-    <p:sldId id="262" r:id="rId8"/>
-    <p:sldId id="263" r:id="rId9"/>
+    <p:sldId id="268" r:id="rId8"/>
+    <p:sldId id="262" r:id="rId9"/>
+    <p:sldId id="263" r:id="rId10"/>
+    <p:sldId id="264" r:id="rId11"/>
+    <p:sldId id="265" r:id="rId12"/>
+    <p:sldId id="266" r:id="rId13"/>
+    <p:sldId id="267" r:id="rId14"/>
+    <p:sldId id="269" r:id="rId15"/>
+    <p:sldId id="270" r:id="rId16"/>
+    <p:sldId id="271" r:id="rId17"/>
   </p:sldIdLst>
   <p:sldSz cx="12192000" cy="6858000"/>
   <p:notesSz cx="6858000" cy="9144000"/>
@@ -3142,6 +3150,3288 @@
     <p:extLst>
       <p:ext uri="{BB962C8B-B14F-4D97-AF65-F5344CB8AC3E}">
         <p14:creationId xmlns:p14="http://schemas.microsoft.com/office/powerpoint/2010/main" val="699420753"/>
+      </p:ext>
+    </p:extLst>
+  </p:cSld>
+  <p:clrMapOvr>
+    <a:masterClrMapping/>
+  </p:clrMapOvr>
+  <p:timing>
+    <p:tnLst>
+      <p:par>
+        <p:cTn id="1" dur="indefinite" restart="never" nodeType="tmRoot"/>
+      </p:par>
+    </p:tnLst>
+  </p:timing>
+</p:sld>
+</file>
+
+<file path=ppt/slides/slide10.xml><?xml version="1.0" encoding="utf-8"?>
+<p:sld xmlns:a="http://schemas.openxmlformats.org/drawingml/2006/main" xmlns:r="http://schemas.openxmlformats.org/officeDocument/2006/relationships" xmlns:p="http://schemas.openxmlformats.org/presentationml/2006/main">
+  <p:cSld>
+    <p:spTree>
+      <p:nvGrpSpPr>
+        <p:cNvPr id="1" name=""/>
+        <p:cNvGrpSpPr/>
+        <p:nvPr/>
+      </p:nvGrpSpPr>
+      <p:grpSpPr>
+        <a:xfrm>
+          <a:off x="0" y="0"/>
+          <a:ext cx="0" cy="0"/>
+          <a:chOff x="0" y="0"/>
+          <a:chExt cx="0" cy="0"/>
+        </a:xfrm>
+      </p:grpSpPr>
+      <p:pic>
+        <p:nvPicPr>
+          <p:cNvPr id="4" name="图片 3" descr="E:\FileRecv\NUS\NGNE\Project\report\figures\power-model.png"/>
+          <p:cNvPicPr/>
+          <p:nvPr/>
+        </p:nvPicPr>
+        <p:blipFill rotWithShape="1">
+          <a:blip r:embed="rId2">
+            <a:extLst>
+              <a:ext uri="{28A0092B-C50C-407E-A947-70E740481C1C}">
+                <a14:useLocalDpi xmlns:a14="http://schemas.microsoft.com/office/drawing/2010/main" val="0"/>
+              </a:ext>
+            </a:extLst>
+          </a:blip>
+          <a:srcRect t="5181" r="5567" b="6809"/>
+          <a:stretch/>
+        </p:blipFill>
+        <p:spPr bwMode="auto">
+          <a:xfrm>
+            <a:off x="3279603" y="0"/>
+            <a:ext cx="8912397" cy="6886231"/>
+          </a:xfrm>
+          <a:prstGeom prst="rect">
+            <a:avLst/>
+          </a:prstGeom>
+          <a:noFill/>
+          <a:ln>
+            <a:noFill/>
+          </a:ln>
+        </p:spPr>
+      </p:pic>
+      <p:sp>
+        <p:nvSpPr>
+          <p:cNvPr id="5" name="文本框 4"/>
+          <p:cNvSpPr txBox="1"/>
+          <p:nvPr/>
+        </p:nvSpPr>
+        <p:spPr>
+          <a:xfrm>
+            <a:off x="656010" y="457200"/>
+            <a:ext cx="2112758" cy="646331"/>
+          </a:xfrm>
+          <a:prstGeom prst="rect">
+            <a:avLst/>
+          </a:prstGeom>
+          <a:noFill/>
+        </p:spPr>
+        <p:txBody>
+          <a:bodyPr wrap="none" rtlCol="0">
+            <a:spAutoFit/>
+          </a:bodyPr>
+          <a:lstStyle/>
+          <a:p>
+            <a:r>
+              <a:rPr lang="en-US" altLang="zh-CN" sz="3600" dirty="0" smtClean="0"/>
+              <a:t>Work flow</a:t>
+            </a:r>
+            <a:endParaRPr lang="zh-CN" altLang="en-US" sz="3600" dirty="0"/>
+          </a:p>
+        </p:txBody>
+      </p:sp>
+      <p:sp>
+        <p:nvSpPr>
+          <p:cNvPr id="7" name="燕尾形 6"/>
+          <p:cNvSpPr/>
+          <p:nvPr/>
+        </p:nvSpPr>
+        <p:spPr>
+          <a:xfrm>
+            <a:off x="486696" y="1784555"/>
+            <a:ext cx="744794" cy="4181168"/>
+          </a:xfrm>
+          <a:prstGeom prst="chevron">
+            <a:avLst/>
+          </a:prstGeom>
+        </p:spPr>
+        <p:style>
+          <a:lnRef idx="2">
+            <a:schemeClr val="accent4">
+              <a:shade val="50000"/>
+            </a:schemeClr>
+          </a:lnRef>
+          <a:fillRef idx="1">
+            <a:schemeClr val="accent4"/>
+          </a:fillRef>
+          <a:effectRef idx="0">
+            <a:schemeClr val="accent4"/>
+          </a:effectRef>
+          <a:fontRef idx="minor">
+            <a:schemeClr val="lt1"/>
+          </a:fontRef>
+        </p:style>
+        <p:txBody>
+          <a:bodyPr rtlCol="0" anchor="ctr"/>
+          <a:lstStyle/>
+          <a:p>
+            <a:pPr algn="ctr"/>
+            <a:endParaRPr lang="zh-CN" altLang="en-US">
+              <a:solidFill>
+                <a:schemeClr val="tx1"/>
+              </a:solidFill>
+            </a:endParaRPr>
+          </a:p>
+        </p:txBody>
+      </p:sp>
+      <p:sp>
+        <p:nvSpPr>
+          <p:cNvPr id="8" name="燕尾形 7"/>
+          <p:cNvSpPr/>
+          <p:nvPr/>
+        </p:nvSpPr>
+        <p:spPr>
+          <a:xfrm>
+            <a:off x="1231490" y="1784555"/>
+            <a:ext cx="744794" cy="4181168"/>
+          </a:xfrm>
+          <a:prstGeom prst="chevron">
+            <a:avLst/>
+          </a:prstGeom>
+        </p:spPr>
+        <p:style>
+          <a:lnRef idx="2">
+            <a:schemeClr val="accent4">
+              <a:shade val="50000"/>
+            </a:schemeClr>
+          </a:lnRef>
+          <a:fillRef idx="1">
+            <a:schemeClr val="accent4"/>
+          </a:fillRef>
+          <a:effectRef idx="0">
+            <a:schemeClr val="accent4"/>
+          </a:effectRef>
+          <a:fontRef idx="minor">
+            <a:schemeClr val="lt1"/>
+          </a:fontRef>
+        </p:style>
+        <p:txBody>
+          <a:bodyPr rtlCol="0" anchor="ctr"/>
+          <a:lstStyle/>
+          <a:p>
+            <a:pPr algn="ctr"/>
+            <a:endParaRPr lang="zh-CN" altLang="en-US">
+              <a:solidFill>
+                <a:schemeClr val="tx1"/>
+              </a:solidFill>
+            </a:endParaRPr>
+          </a:p>
+        </p:txBody>
+      </p:sp>
+      <p:sp>
+        <p:nvSpPr>
+          <p:cNvPr id="9" name="燕尾形 8"/>
+          <p:cNvSpPr/>
+          <p:nvPr/>
+        </p:nvSpPr>
+        <p:spPr>
+          <a:xfrm>
+            <a:off x="2018564" y="1784555"/>
+            <a:ext cx="744794" cy="4181168"/>
+          </a:xfrm>
+          <a:prstGeom prst="chevron">
+            <a:avLst/>
+          </a:prstGeom>
+        </p:spPr>
+        <p:style>
+          <a:lnRef idx="2">
+            <a:schemeClr val="accent4">
+              <a:shade val="50000"/>
+            </a:schemeClr>
+          </a:lnRef>
+          <a:fillRef idx="1">
+            <a:schemeClr val="accent4"/>
+          </a:fillRef>
+          <a:effectRef idx="0">
+            <a:schemeClr val="accent4"/>
+          </a:effectRef>
+          <a:fontRef idx="minor">
+            <a:schemeClr val="lt1"/>
+          </a:fontRef>
+        </p:style>
+        <p:txBody>
+          <a:bodyPr rtlCol="0" anchor="ctr"/>
+          <a:lstStyle/>
+          <a:p>
+            <a:pPr algn="ctr"/>
+            <a:endParaRPr lang="zh-CN" altLang="en-US">
+              <a:solidFill>
+                <a:schemeClr val="tx1"/>
+              </a:solidFill>
+            </a:endParaRPr>
+          </a:p>
+        </p:txBody>
+      </p:sp>
+    </p:spTree>
+    <p:extLst>
+      <p:ext uri="{BB962C8B-B14F-4D97-AF65-F5344CB8AC3E}">
+        <p14:creationId xmlns:p14="http://schemas.microsoft.com/office/powerpoint/2010/main" val="1180336203"/>
+      </p:ext>
+    </p:extLst>
+  </p:cSld>
+  <p:clrMapOvr>
+    <a:masterClrMapping/>
+  </p:clrMapOvr>
+  <p:timing>
+    <p:tnLst>
+      <p:par>
+        <p:cTn id="1" dur="indefinite" restart="never" nodeType="tmRoot"/>
+      </p:par>
+    </p:tnLst>
+  </p:timing>
+</p:sld>
+</file>
+
+<file path=ppt/slides/slide11.xml><?xml version="1.0" encoding="utf-8"?>
+<p:sld xmlns:a="http://schemas.openxmlformats.org/drawingml/2006/main" xmlns:r="http://schemas.openxmlformats.org/officeDocument/2006/relationships" xmlns:p="http://schemas.openxmlformats.org/presentationml/2006/main">
+  <p:cSld>
+    <p:spTree>
+      <p:nvGrpSpPr>
+        <p:cNvPr id="1" name=""/>
+        <p:cNvGrpSpPr/>
+        <p:nvPr/>
+      </p:nvGrpSpPr>
+      <p:grpSpPr>
+        <a:xfrm>
+          <a:off x="0" y="0"/>
+          <a:ext cx="0" cy="0"/>
+          <a:chOff x="0" y="0"/>
+          <a:chExt cx="0" cy="0"/>
+        </a:xfrm>
+      </p:grpSpPr>
+      <p:sp>
+        <p:nvSpPr>
+          <p:cNvPr id="6" name="矩形 5"/>
+          <p:cNvSpPr/>
+          <p:nvPr/>
+        </p:nvSpPr>
+        <p:spPr>
+          <a:xfrm>
+            <a:off x="533399" y="238883"/>
+            <a:ext cx="10483645" cy="507831"/>
+          </a:xfrm>
+          <a:prstGeom prst="rect">
+            <a:avLst/>
+          </a:prstGeom>
+        </p:spPr>
+        <p:txBody>
+          <a:bodyPr wrap="square">
+            <a:spAutoFit/>
+          </a:bodyPr>
+          <a:lstStyle/>
+          <a:p>
+            <a:pPr>
+              <a:lnSpc>
+                <a:spcPct val="150000"/>
+              </a:lnSpc>
+            </a:pPr>
+            <a:r>
+              <a:rPr lang="en-US" altLang="zh-CN" dirty="0" smtClean="0"/>
+              <a:t>2. Let the power model generate the final power report based on the performance counters stored in file.</a:t>
+            </a:r>
+            <a:endParaRPr lang="en-US" altLang="zh-CN" dirty="0" smtClean="0"/>
+          </a:p>
+        </p:txBody>
+      </p:sp>
+      <p:sp>
+        <p:nvSpPr>
+          <p:cNvPr id="7" name="文本框 6"/>
+          <p:cNvSpPr txBox="1"/>
+          <p:nvPr/>
+        </p:nvSpPr>
+        <p:spPr>
+          <a:xfrm>
+            <a:off x="1061883" y="1747644"/>
+            <a:ext cx="10235431" cy="646331"/>
+          </a:xfrm>
+          <a:prstGeom prst="rect">
+            <a:avLst/>
+          </a:prstGeom>
+          <a:noFill/>
+        </p:spPr>
+        <p:txBody>
+          <a:bodyPr wrap="none" rtlCol="0">
+            <a:spAutoFit/>
+          </a:bodyPr>
+          <a:lstStyle/>
+          <a:p>
+            <a:r>
+              <a:rPr lang="en-US" altLang="zh-CN" dirty="0" smtClean="0"/>
+              <a:t>We modified the original </a:t>
+            </a:r>
+            <a:r>
+              <a:rPr lang="en-US" altLang="zh-CN" dirty="0" err="1" smtClean="0"/>
+              <a:t>mcpat_cycle</a:t>
+            </a:r>
+            <a:r>
+              <a:rPr lang="en-US" altLang="zh-CN" dirty="0" smtClean="0"/>
+              <a:t> function to let it output the performance counters during each cycle.</a:t>
+            </a:r>
+          </a:p>
+          <a:p>
+            <a:r>
+              <a:rPr lang="en-US" altLang="zh-CN" dirty="0" smtClean="0"/>
+              <a:t>This is the sample values for all performance counters for one single cycle. </a:t>
+            </a:r>
+            <a:endParaRPr lang="zh-CN" altLang="en-US" dirty="0"/>
+          </a:p>
+        </p:txBody>
+      </p:sp>
+      <p:sp>
+        <p:nvSpPr>
+          <p:cNvPr id="8" name="文本框 7"/>
+          <p:cNvSpPr txBox="1"/>
+          <p:nvPr/>
+        </p:nvSpPr>
+        <p:spPr>
+          <a:xfrm>
+            <a:off x="1061883" y="969713"/>
+            <a:ext cx="9402097" cy="369332"/>
+          </a:xfrm>
+          <a:prstGeom prst="rect">
+            <a:avLst/>
+          </a:prstGeom>
+          <a:noFill/>
+        </p:spPr>
+        <p:txBody>
+          <a:bodyPr wrap="square" rtlCol="0">
+            <a:spAutoFit/>
+          </a:bodyPr>
+          <a:lstStyle/>
+          <a:p>
+            <a:r>
+              <a:rPr lang="en-US" altLang="zh-CN" dirty="0" smtClean="0"/>
+              <a:t>First, we want to know the format of all performance counters and sample values. </a:t>
+            </a:r>
+            <a:endParaRPr lang="zh-CN" altLang="en-US" dirty="0"/>
+          </a:p>
+        </p:txBody>
+      </p:sp>
+      <p:sp>
+        <p:nvSpPr>
+          <p:cNvPr id="9" name="文本框 8"/>
+          <p:cNvSpPr txBox="1"/>
+          <p:nvPr/>
+        </p:nvSpPr>
+        <p:spPr>
+          <a:xfrm>
+            <a:off x="1061883" y="2664074"/>
+            <a:ext cx="9361858" cy="276999"/>
+          </a:xfrm>
+          <a:prstGeom prst="rect">
+            <a:avLst/>
+          </a:prstGeom>
+          <a:noFill/>
+        </p:spPr>
+        <p:txBody>
+          <a:bodyPr wrap="none" rtlCol="0">
+            <a:spAutoFit/>
+          </a:bodyPr>
+          <a:lstStyle/>
+          <a:p>
+            <a:r>
+              <a:rPr lang="en-US" altLang="zh-CN" sz="1200" i="1" dirty="0" smtClean="0"/>
+              <a:t>0  500 18 3 15 4 0 9  512 192 256  7 0  0 0  0 0  0  3 1 0 0  0 0 0 0  14.976000  0.000667  0 0 0  48 2000 264  0.000000 0.000000  0.000000 0.000000</a:t>
+            </a:r>
+            <a:endParaRPr lang="zh-CN" altLang="en-US" sz="1200" i="1" dirty="0"/>
+          </a:p>
+        </p:txBody>
+      </p:sp>
+      <p:sp>
+        <p:nvSpPr>
+          <p:cNvPr id="10" name="文本框 9"/>
+          <p:cNvSpPr txBox="1"/>
+          <p:nvPr/>
+        </p:nvSpPr>
+        <p:spPr>
+          <a:xfrm>
+            <a:off x="1061883" y="3211172"/>
+            <a:ext cx="8796447" cy="923330"/>
+          </a:xfrm>
+          <a:prstGeom prst="rect">
+            <a:avLst/>
+          </a:prstGeom>
+          <a:noFill/>
+        </p:spPr>
+        <p:txBody>
+          <a:bodyPr wrap="none" rtlCol="0">
+            <a:spAutoFit/>
+          </a:bodyPr>
+          <a:lstStyle/>
+          <a:p>
+            <a:r>
+              <a:rPr lang="en-US" altLang="zh-CN" dirty="0" smtClean="0"/>
+              <a:t>Every performance counter is converted to a digit ( double or integer ).</a:t>
+            </a:r>
+          </a:p>
+          <a:p>
+            <a:r>
+              <a:rPr lang="en-US" altLang="zh-CN" dirty="0" smtClean="0"/>
+              <a:t>Every period, </a:t>
+            </a:r>
+            <a:r>
+              <a:rPr lang="en-US" altLang="zh-CN" dirty="0" err="1" smtClean="0"/>
+              <a:t>GPUWattch</a:t>
+            </a:r>
+            <a:r>
+              <a:rPr lang="en-US" altLang="zh-CN" dirty="0" smtClean="0"/>
+              <a:t> will calculate the power for each component based on these data.</a:t>
+            </a:r>
+          </a:p>
+          <a:p>
+            <a:r>
+              <a:rPr lang="en-US" altLang="zh-CN" dirty="0" smtClean="0"/>
+              <a:t>If the application exists for N cycles, then the file will have N/500 lines.</a:t>
+            </a:r>
+          </a:p>
+        </p:txBody>
+      </p:sp>
+      <p:sp>
+        <p:nvSpPr>
+          <p:cNvPr id="11" name="文本框 10"/>
+          <p:cNvSpPr txBox="1"/>
+          <p:nvPr/>
+        </p:nvSpPr>
+        <p:spPr>
+          <a:xfrm>
+            <a:off x="1061883" y="4328652"/>
+            <a:ext cx="10440418" cy="923330"/>
+          </a:xfrm>
+          <a:prstGeom prst="rect">
+            <a:avLst/>
+          </a:prstGeom>
+          <a:noFill/>
+        </p:spPr>
+        <p:txBody>
+          <a:bodyPr wrap="square" rtlCol="0">
+            <a:spAutoFit/>
+          </a:bodyPr>
+          <a:lstStyle/>
+          <a:p>
+            <a:r>
+              <a:rPr lang="en-US" altLang="zh-CN" dirty="0" smtClean="0"/>
+              <a:t>So if we give </a:t>
+            </a:r>
+            <a:r>
+              <a:rPr lang="en-US" altLang="zh-CN" dirty="0" err="1" smtClean="0"/>
+              <a:t>GPUWattch</a:t>
+            </a:r>
+            <a:r>
+              <a:rPr lang="en-US" altLang="zh-CN" dirty="0" smtClean="0"/>
+              <a:t> a file that contains all these values and modify the function </a:t>
+            </a:r>
+            <a:r>
+              <a:rPr lang="en-US" altLang="zh-CN" dirty="0" err="1" smtClean="0"/>
+              <a:t>mcpat_cycle</a:t>
+            </a:r>
+            <a:r>
+              <a:rPr lang="en-US" altLang="zh-CN" dirty="0" smtClean="0"/>
+              <a:t> to let it read in data from file, </a:t>
+            </a:r>
+            <a:r>
+              <a:rPr lang="en-US" altLang="zh-CN" dirty="0" err="1" smtClean="0"/>
+              <a:t>GPUWattch</a:t>
+            </a:r>
+            <a:r>
+              <a:rPr lang="en-US" altLang="zh-CN" dirty="0" smtClean="0"/>
+              <a:t> will generate a power report that is the same as the one generated by simulating all the program</a:t>
+            </a:r>
+            <a:endParaRPr lang="zh-CN" altLang="en-US" dirty="0"/>
+          </a:p>
+        </p:txBody>
+      </p:sp>
+    </p:spTree>
+    <p:extLst>
+      <p:ext uri="{BB962C8B-B14F-4D97-AF65-F5344CB8AC3E}">
+        <p14:creationId xmlns:p14="http://schemas.microsoft.com/office/powerpoint/2010/main" val="1452645937"/>
+      </p:ext>
+    </p:extLst>
+  </p:cSld>
+  <p:clrMapOvr>
+    <a:masterClrMapping/>
+  </p:clrMapOvr>
+  <p:timing>
+    <p:tnLst>
+      <p:par>
+        <p:cTn id="1" dur="indefinite" restart="never" nodeType="tmRoot"/>
+      </p:par>
+    </p:tnLst>
+  </p:timing>
+</p:sld>
+</file>
+
+<file path=ppt/slides/slide12.xml><?xml version="1.0" encoding="utf-8"?>
+<p:sld xmlns:a="http://schemas.openxmlformats.org/drawingml/2006/main" xmlns:r="http://schemas.openxmlformats.org/officeDocument/2006/relationships" xmlns:p="http://schemas.openxmlformats.org/presentationml/2006/main">
+  <p:cSld>
+    <p:spTree>
+      <p:nvGrpSpPr>
+        <p:cNvPr id="1" name=""/>
+        <p:cNvGrpSpPr/>
+        <p:nvPr/>
+      </p:nvGrpSpPr>
+      <p:grpSpPr>
+        <a:xfrm>
+          <a:off x="0" y="0"/>
+          <a:ext cx="0" cy="0"/>
+          <a:chOff x="0" y="0"/>
+          <a:chExt cx="0" cy="0"/>
+        </a:xfrm>
+      </p:grpSpPr>
+      <p:sp>
+        <p:nvSpPr>
+          <p:cNvPr id="8" name="矩形 7"/>
+          <p:cNvSpPr/>
+          <p:nvPr/>
+        </p:nvSpPr>
+        <p:spPr>
+          <a:xfrm>
+            <a:off x="8644742" y="1483305"/>
+            <a:ext cx="1327573" cy="2634826"/>
+          </a:xfrm>
+          <a:prstGeom prst="rect">
+            <a:avLst/>
+          </a:prstGeom>
+        </p:spPr>
+        <p:style>
+          <a:lnRef idx="2">
+            <a:schemeClr val="accent2">
+              <a:shade val="50000"/>
+            </a:schemeClr>
+          </a:lnRef>
+          <a:fillRef idx="1">
+            <a:schemeClr val="accent2"/>
+          </a:fillRef>
+          <a:effectRef idx="0">
+            <a:schemeClr val="accent2"/>
+          </a:effectRef>
+          <a:fontRef idx="minor">
+            <a:schemeClr val="lt1"/>
+          </a:fontRef>
+        </p:style>
+        <p:txBody>
+          <a:bodyPr rtlCol="0" anchor="ctr"/>
+          <a:lstStyle/>
+          <a:p>
+            <a:pPr algn="ctr"/>
+            <a:r>
+              <a:rPr lang="en-US" altLang="zh-CN" dirty="0" err="1" smtClean="0"/>
+              <a:t>GPUWattch</a:t>
+            </a:r>
+            <a:endParaRPr lang="zh-CN" altLang="en-US" dirty="0"/>
+          </a:p>
+        </p:txBody>
+      </p:sp>
+      <p:sp>
+        <p:nvSpPr>
+          <p:cNvPr id="9" name="剪去单角的矩形 8"/>
+          <p:cNvSpPr/>
+          <p:nvPr/>
+        </p:nvSpPr>
+        <p:spPr>
+          <a:xfrm>
+            <a:off x="8749067" y="4903091"/>
+            <a:ext cx="1118922" cy="1356852"/>
+          </a:xfrm>
+          <a:prstGeom prst="snip1Rect">
+            <a:avLst/>
+          </a:prstGeom>
+        </p:spPr>
+        <p:style>
+          <a:lnRef idx="2">
+            <a:schemeClr val="accent1">
+              <a:shade val="50000"/>
+            </a:schemeClr>
+          </a:lnRef>
+          <a:fillRef idx="1">
+            <a:schemeClr val="accent1"/>
+          </a:fillRef>
+          <a:effectRef idx="0">
+            <a:schemeClr val="accent1"/>
+          </a:effectRef>
+          <a:fontRef idx="minor">
+            <a:schemeClr val="lt1"/>
+          </a:fontRef>
+        </p:style>
+        <p:txBody>
+          <a:bodyPr rtlCol="0" anchor="ctr"/>
+          <a:lstStyle/>
+          <a:p>
+            <a:pPr algn="ctr"/>
+            <a:r>
+              <a:rPr lang="en-US" altLang="zh-CN" dirty="0" smtClean="0"/>
+              <a:t>power report</a:t>
+            </a:r>
+            <a:endParaRPr lang="zh-CN" altLang="en-US" dirty="0"/>
+          </a:p>
+        </p:txBody>
+      </p:sp>
+      <p:sp>
+        <p:nvSpPr>
+          <p:cNvPr id="10" name="右弧形箭头 9"/>
+          <p:cNvSpPr/>
+          <p:nvPr/>
+        </p:nvSpPr>
+        <p:spPr>
+          <a:xfrm>
+            <a:off x="9972315" y="2602342"/>
+            <a:ext cx="1216196" cy="2979175"/>
+          </a:xfrm>
+          <a:prstGeom prst="curvedLeftArrow">
+            <a:avLst/>
+          </a:prstGeom>
+          <a:solidFill>
+            <a:schemeClr val="accent6">
+              <a:lumMod val="20000"/>
+              <a:lumOff val="80000"/>
+            </a:schemeClr>
+          </a:solidFill>
+          <a:ln>
+            <a:solidFill>
+              <a:schemeClr val="bg2">
+                <a:lumMod val="10000"/>
+              </a:schemeClr>
+            </a:solidFill>
+          </a:ln>
+        </p:spPr>
+        <p:style>
+          <a:lnRef idx="2">
+            <a:schemeClr val="accent1">
+              <a:shade val="50000"/>
+            </a:schemeClr>
+          </a:lnRef>
+          <a:fillRef idx="1">
+            <a:schemeClr val="accent1"/>
+          </a:fillRef>
+          <a:effectRef idx="0">
+            <a:schemeClr val="accent1"/>
+          </a:effectRef>
+          <a:fontRef idx="minor">
+            <a:schemeClr val="lt1"/>
+          </a:fontRef>
+        </p:style>
+        <p:txBody>
+          <a:bodyPr rtlCol="0" anchor="ctr"/>
+          <a:lstStyle/>
+          <a:p>
+            <a:pPr algn="ctr"/>
+            <a:endParaRPr lang="zh-CN" altLang="en-US">
+              <a:solidFill>
+                <a:schemeClr val="tx1"/>
+              </a:solidFill>
+            </a:endParaRPr>
+          </a:p>
+        </p:txBody>
+      </p:sp>
+      <p:sp>
+        <p:nvSpPr>
+          <p:cNvPr id="11" name="剪去对角的矩形 10"/>
+          <p:cNvSpPr/>
+          <p:nvPr/>
+        </p:nvSpPr>
+        <p:spPr>
+          <a:xfrm>
+            <a:off x="5349138" y="2367116"/>
+            <a:ext cx="1781903" cy="1039761"/>
+          </a:xfrm>
+          <a:prstGeom prst="snip2DiagRect">
+            <a:avLst/>
+          </a:prstGeom>
+          <a:solidFill>
+            <a:schemeClr val="accent6">
+              <a:lumMod val="20000"/>
+              <a:lumOff val="80000"/>
+            </a:schemeClr>
+          </a:solidFill>
+        </p:spPr>
+        <p:style>
+          <a:lnRef idx="2">
+            <a:schemeClr val="accent1">
+              <a:shade val="50000"/>
+            </a:schemeClr>
+          </a:lnRef>
+          <a:fillRef idx="1">
+            <a:schemeClr val="accent1"/>
+          </a:fillRef>
+          <a:effectRef idx="0">
+            <a:schemeClr val="accent1"/>
+          </a:effectRef>
+          <a:fontRef idx="minor">
+            <a:schemeClr val="lt1"/>
+          </a:fontRef>
+        </p:style>
+        <p:txBody>
+          <a:bodyPr rtlCol="0" anchor="ctr"/>
+          <a:lstStyle/>
+          <a:p>
+            <a:pPr algn="ctr"/>
+            <a:endParaRPr lang="en-US" altLang="zh-CN" dirty="0" smtClean="0">
+              <a:solidFill>
+                <a:schemeClr val="tx1"/>
+              </a:solidFill>
+            </a:endParaRPr>
+          </a:p>
+          <a:p>
+            <a:pPr algn="ctr"/>
+            <a:r>
+              <a:rPr lang="en-US" altLang="zh-CN" dirty="0" smtClean="0">
+                <a:solidFill>
+                  <a:schemeClr val="tx1"/>
+                </a:solidFill>
+              </a:rPr>
+              <a:t>file storing performance counters</a:t>
+            </a:r>
+          </a:p>
+          <a:p>
+            <a:pPr algn="ctr"/>
+            <a:endParaRPr lang="zh-CN" altLang="en-US" dirty="0">
+              <a:solidFill>
+                <a:schemeClr val="tx1"/>
+              </a:solidFill>
+            </a:endParaRPr>
+          </a:p>
+        </p:txBody>
+      </p:sp>
+      <p:cxnSp>
+        <p:nvCxnSpPr>
+          <p:cNvPr id="12" name="直接箭头连接符 11"/>
+          <p:cNvCxnSpPr/>
+          <p:nvPr/>
+        </p:nvCxnSpPr>
+        <p:spPr>
+          <a:xfrm>
+            <a:off x="7131041" y="2923621"/>
+            <a:ext cx="1618026" cy="0"/>
+          </a:xfrm>
+          <a:prstGeom prst="straightConnector1">
+            <a:avLst/>
+          </a:prstGeom>
+          <a:ln w="76200">
+            <a:tailEnd type="triangle"/>
+          </a:ln>
+        </p:spPr>
+        <p:style>
+          <a:lnRef idx="3">
+            <a:schemeClr val="dk1"/>
+          </a:lnRef>
+          <a:fillRef idx="0">
+            <a:schemeClr val="dk1"/>
+          </a:fillRef>
+          <a:effectRef idx="2">
+            <a:schemeClr val="dk1"/>
+          </a:effectRef>
+          <a:fontRef idx="minor">
+            <a:schemeClr val="tx1"/>
+          </a:fontRef>
+        </p:style>
+      </p:cxnSp>
+      <p:sp>
+        <p:nvSpPr>
+          <p:cNvPr id="13" name="文本框 12"/>
+          <p:cNvSpPr txBox="1"/>
+          <p:nvPr/>
+        </p:nvSpPr>
+        <p:spPr>
+          <a:xfrm>
+            <a:off x="7101699" y="2581292"/>
+            <a:ext cx="1570686" cy="276999"/>
+          </a:xfrm>
+          <a:prstGeom prst="rect">
+            <a:avLst/>
+          </a:prstGeom>
+          <a:noFill/>
+        </p:spPr>
+        <p:txBody>
+          <a:bodyPr wrap="none" rtlCol="0">
+            <a:spAutoFit/>
+          </a:bodyPr>
+          <a:lstStyle/>
+          <a:p>
+            <a:r>
+              <a:rPr lang="en-US" altLang="zh-CN" sz="1200" dirty="0" smtClean="0"/>
+              <a:t>performance counters</a:t>
+            </a:r>
+            <a:endParaRPr lang="zh-CN" altLang="en-US" sz="1200" dirty="0"/>
+          </a:p>
+        </p:txBody>
+      </p:sp>
+      <p:sp>
+        <p:nvSpPr>
+          <p:cNvPr id="14" name="文本框 13"/>
+          <p:cNvSpPr txBox="1"/>
+          <p:nvPr/>
+        </p:nvSpPr>
+        <p:spPr>
+          <a:xfrm>
+            <a:off x="7255904" y="565918"/>
+            <a:ext cx="2098588" cy="369332"/>
+          </a:xfrm>
+          <a:prstGeom prst="rect">
+            <a:avLst/>
+          </a:prstGeom>
+          <a:noFill/>
+        </p:spPr>
+        <p:txBody>
+          <a:bodyPr wrap="none" rtlCol="0">
+            <a:spAutoFit/>
+          </a:bodyPr>
+          <a:lstStyle/>
+          <a:p>
+            <a:r>
+              <a:rPr lang="en-US" altLang="zh-CN" dirty="0" smtClean="0"/>
+              <a:t>Now we can do this</a:t>
+            </a:r>
+            <a:r>
+              <a:rPr lang="en-US" altLang="zh-CN" dirty="0"/>
+              <a:t>!</a:t>
+            </a:r>
+            <a:endParaRPr lang="zh-CN" altLang="en-US" dirty="0"/>
+          </a:p>
+        </p:txBody>
+      </p:sp>
+      <p:sp>
+        <p:nvSpPr>
+          <p:cNvPr id="15" name="文本框 14"/>
+          <p:cNvSpPr txBox="1"/>
+          <p:nvPr/>
+        </p:nvSpPr>
+        <p:spPr>
+          <a:xfrm>
+            <a:off x="219562" y="519751"/>
+            <a:ext cx="5460341" cy="461665"/>
+          </a:xfrm>
+          <a:prstGeom prst="rect">
+            <a:avLst/>
+          </a:prstGeom>
+          <a:noFill/>
+        </p:spPr>
+        <p:txBody>
+          <a:bodyPr wrap="none" rtlCol="0">
+            <a:spAutoFit/>
+          </a:bodyPr>
+          <a:lstStyle/>
+          <a:p>
+            <a:r>
+              <a:rPr lang="en-US" altLang="zh-CN" sz="2400" dirty="0" smtClean="0"/>
+              <a:t>But where is the data to feed </a:t>
+            </a:r>
+            <a:r>
+              <a:rPr lang="en-US" altLang="zh-CN" sz="2400" dirty="0" err="1" smtClean="0"/>
+              <a:t>GPUWattch</a:t>
+            </a:r>
+            <a:r>
+              <a:rPr lang="en-US" altLang="zh-CN" sz="2400" dirty="0" smtClean="0"/>
+              <a:t>?</a:t>
+            </a:r>
+            <a:endParaRPr lang="zh-CN" altLang="en-US" sz="2400" dirty="0"/>
+          </a:p>
+        </p:txBody>
+      </p:sp>
+      <p:sp>
+        <p:nvSpPr>
+          <p:cNvPr id="16" name="矩形 15"/>
+          <p:cNvSpPr/>
+          <p:nvPr/>
+        </p:nvSpPr>
+        <p:spPr>
+          <a:xfrm>
+            <a:off x="324985" y="1641277"/>
+            <a:ext cx="3968063" cy="3318933"/>
+          </a:xfrm>
+          <a:prstGeom prst="rect">
+            <a:avLst/>
+          </a:prstGeom>
+          <a:noFill/>
+        </p:spPr>
+        <p:style>
+          <a:lnRef idx="2">
+            <a:schemeClr val="accent1">
+              <a:shade val="50000"/>
+            </a:schemeClr>
+          </a:lnRef>
+          <a:fillRef idx="1">
+            <a:schemeClr val="accent1"/>
+          </a:fillRef>
+          <a:effectRef idx="0">
+            <a:schemeClr val="accent1"/>
+          </a:effectRef>
+          <a:fontRef idx="minor">
+            <a:schemeClr val="lt1"/>
+          </a:fontRef>
+        </p:style>
+        <p:txBody>
+          <a:bodyPr rtlCol="0" anchor="ctr"/>
+          <a:lstStyle/>
+          <a:p>
+            <a:pPr algn="ctr"/>
+            <a:endParaRPr lang="zh-CN" altLang="en-US"/>
+          </a:p>
+        </p:txBody>
+      </p:sp>
+      <p:sp>
+        <p:nvSpPr>
+          <p:cNvPr id="17" name="矩形 16"/>
+          <p:cNvSpPr/>
+          <p:nvPr/>
+        </p:nvSpPr>
+        <p:spPr>
+          <a:xfrm>
+            <a:off x="2721635" y="1925757"/>
+            <a:ext cx="1327573" cy="2634826"/>
+          </a:xfrm>
+          <a:prstGeom prst="rect">
+            <a:avLst/>
+          </a:prstGeom>
+        </p:spPr>
+        <p:style>
+          <a:lnRef idx="2">
+            <a:schemeClr val="accent2">
+              <a:shade val="50000"/>
+            </a:schemeClr>
+          </a:lnRef>
+          <a:fillRef idx="1">
+            <a:schemeClr val="accent2"/>
+          </a:fillRef>
+          <a:effectRef idx="0">
+            <a:schemeClr val="accent2"/>
+          </a:effectRef>
+          <a:fontRef idx="minor">
+            <a:schemeClr val="lt1"/>
+          </a:fontRef>
+        </p:style>
+        <p:txBody>
+          <a:bodyPr rtlCol="0" anchor="ctr"/>
+          <a:lstStyle/>
+          <a:p>
+            <a:pPr algn="ctr"/>
+            <a:r>
+              <a:rPr lang="en-US" altLang="zh-CN" dirty="0" err="1" smtClean="0"/>
+              <a:t>GPUWattch</a:t>
+            </a:r>
+            <a:endParaRPr lang="zh-CN" altLang="en-US" dirty="0"/>
+          </a:p>
+        </p:txBody>
+      </p:sp>
+      <p:sp>
+        <p:nvSpPr>
+          <p:cNvPr id="18" name="文本框 17"/>
+          <p:cNvSpPr txBox="1"/>
+          <p:nvPr/>
+        </p:nvSpPr>
+        <p:spPr>
+          <a:xfrm>
+            <a:off x="560942" y="1837703"/>
+            <a:ext cx="1274708" cy="369332"/>
+          </a:xfrm>
+          <a:prstGeom prst="rect">
+            <a:avLst/>
+          </a:prstGeom>
+          <a:noFill/>
+        </p:spPr>
+        <p:txBody>
+          <a:bodyPr wrap="none" rtlCol="0">
+            <a:spAutoFit/>
+          </a:bodyPr>
+          <a:lstStyle/>
+          <a:p>
+            <a:r>
+              <a:rPr lang="en-US" altLang="zh-CN" dirty="0" smtClean="0"/>
+              <a:t>GPGPU-Sim</a:t>
+            </a:r>
+            <a:endParaRPr lang="zh-CN" altLang="en-US" dirty="0"/>
+          </a:p>
+        </p:txBody>
+      </p:sp>
+      <p:cxnSp>
+        <p:nvCxnSpPr>
+          <p:cNvPr id="19" name="直接箭头连接符 18"/>
+          <p:cNvCxnSpPr>
+            <a:endCxn id="17" idx="1"/>
+          </p:cNvCxnSpPr>
+          <p:nvPr/>
+        </p:nvCxnSpPr>
+        <p:spPr>
+          <a:xfrm>
+            <a:off x="716728" y="3243170"/>
+            <a:ext cx="2004907" cy="0"/>
+          </a:xfrm>
+          <a:prstGeom prst="straightConnector1">
+            <a:avLst/>
+          </a:prstGeom>
+          <a:ln w="76200">
+            <a:tailEnd type="triangle"/>
+          </a:ln>
+        </p:spPr>
+        <p:style>
+          <a:lnRef idx="3">
+            <a:schemeClr val="dk1"/>
+          </a:lnRef>
+          <a:fillRef idx="0">
+            <a:schemeClr val="dk1"/>
+          </a:fillRef>
+          <a:effectRef idx="2">
+            <a:schemeClr val="dk1"/>
+          </a:effectRef>
+          <a:fontRef idx="minor">
+            <a:schemeClr val="tx1"/>
+          </a:fontRef>
+        </p:style>
+      </p:cxnSp>
+      <p:sp>
+        <p:nvSpPr>
+          <p:cNvPr id="20" name="文本框 19"/>
+          <p:cNvSpPr txBox="1"/>
+          <p:nvPr/>
+        </p:nvSpPr>
+        <p:spPr>
+          <a:xfrm>
+            <a:off x="737967" y="2890775"/>
+            <a:ext cx="1570686" cy="276999"/>
+          </a:xfrm>
+          <a:prstGeom prst="rect">
+            <a:avLst/>
+          </a:prstGeom>
+          <a:noFill/>
+        </p:spPr>
+        <p:txBody>
+          <a:bodyPr wrap="none" rtlCol="0">
+            <a:spAutoFit/>
+          </a:bodyPr>
+          <a:lstStyle/>
+          <a:p>
+            <a:r>
+              <a:rPr lang="en-US" altLang="zh-CN" sz="1200" dirty="0" smtClean="0"/>
+              <a:t>performance counters</a:t>
+            </a:r>
+            <a:endParaRPr lang="zh-CN" altLang="en-US" sz="1200" dirty="0"/>
+          </a:p>
+        </p:txBody>
+      </p:sp>
+      <p:sp>
+        <p:nvSpPr>
+          <p:cNvPr id="25" name="右箭头 24"/>
+          <p:cNvSpPr/>
+          <p:nvPr/>
+        </p:nvSpPr>
+        <p:spPr>
+          <a:xfrm rot="20564748">
+            <a:off x="4046727" y="2707900"/>
+            <a:ext cx="1359628" cy="642748"/>
+          </a:xfrm>
+          <a:prstGeom prst="rightArrow">
+            <a:avLst/>
+          </a:prstGeom>
+        </p:spPr>
+        <p:style>
+          <a:lnRef idx="1">
+            <a:schemeClr val="accent6"/>
+          </a:lnRef>
+          <a:fillRef idx="2">
+            <a:schemeClr val="accent6"/>
+          </a:fillRef>
+          <a:effectRef idx="1">
+            <a:schemeClr val="accent6"/>
+          </a:effectRef>
+          <a:fontRef idx="minor">
+            <a:schemeClr val="dk1"/>
+          </a:fontRef>
+        </p:style>
+        <p:txBody>
+          <a:bodyPr rtlCol="0" anchor="ctr"/>
+          <a:lstStyle/>
+          <a:p>
+            <a:pPr algn="ctr"/>
+            <a:endParaRPr lang="zh-CN" altLang="en-US"/>
+          </a:p>
+        </p:txBody>
+      </p:sp>
+      <p:sp>
+        <p:nvSpPr>
+          <p:cNvPr id="26" name="文本框 25"/>
+          <p:cNvSpPr txBox="1"/>
+          <p:nvPr/>
+        </p:nvSpPr>
+        <p:spPr>
+          <a:xfrm>
+            <a:off x="1719181" y="5456903"/>
+            <a:ext cx="5862374" cy="369332"/>
+          </a:xfrm>
+          <a:prstGeom prst="rect">
+            <a:avLst/>
+          </a:prstGeom>
+          <a:noFill/>
+        </p:spPr>
+        <p:txBody>
+          <a:bodyPr wrap="none" rtlCol="0">
+            <a:spAutoFit/>
+          </a:bodyPr>
+          <a:lstStyle/>
+          <a:p>
+            <a:r>
+              <a:rPr lang="en-US" altLang="zh-CN" dirty="0" smtClean="0"/>
+              <a:t>This is not good. We need another way to generate the data.</a:t>
+            </a:r>
+            <a:endParaRPr lang="zh-CN" altLang="en-US" dirty="0"/>
+          </a:p>
+        </p:txBody>
+      </p:sp>
+    </p:spTree>
+    <p:extLst>
+      <p:ext uri="{BB962C8B-B14F-4D97-AF65-F5344CB8AC3E}">
+        <p14:creationId xmlns:p14="http://schemas.microsoft.com/office/powerpoint/2010/main" val="2627147933"/>
+      </p:ext>
+    </p:extLst>
+  </p:cSld>
+  <p:clrMapOvr>
+    <a:masterClrMapping/>
+  </p:clrMapOvr>
+  <p:timing>
+    <p:tnLst>
+      <p:par>
+        <p:cTn id="1" dur="indefinite" restart="never" nodeType="tmRoot">
+          <p:childTnLst>
+            <p:seq concurrent="1" nextAc="seek">
+              <p:cTn id="2" dur="indefinite" nodeType="mainSeq">
+                <p:childTnLst>
+                  <p:par>
+                    <p:cTn id="3" fill="hold">
+                      <p:stCondLst>
+                        <p:cond delay="indefinite"/>
+                      </p:stCondLst>
+                      <p:childTnLst>
+                        <p:par>
+                          <p:cTn id="4" fill="hold">
+                            <p:stCondLst>
+                              <p:cond delay="0"/>
+                            </p:stCondLst>
+                            <p:childTnLst>
+                              <p:par>
+                                <p:cTn id="5" presetID="1" presetClass="entr" presetSubtype="0" fill="hold" grpId="0" nodeType="clickEffect">
+                                  <p:stCondLst>
+                                    <p:cond delay="0"/>
+                                  </p:stCondLst>
+                                  <p:childTnLst>
+                                    <p:set>
+                                      <p:cBhvr>
+                                        <p:cTn id="6" dur="1" fill="hold">
+                                          <p:stCondLst>
+                                            <p:cond delay="0"/>
+                                          </p:stCondLst>
+                                        </p:cTn>
+                                        <p:tgtEl>
+                                          <p:spTgt spid="15"/>
+                                        </p:tgtEl>
+                                        <p:attrNameLst>
+                                          <p:attrName>style.visibility</p:attrName>
+                                        </p:attrNameLst>
+                                      </p:cBhvr>
+                                      <p:to>
+                                        <p:strVal val="visible"/>
+                                      </p:to>
+                                    </p:set>
+                                  </p:childTnLst>
+                                </p:cTn>
+                              </p:par>
+                            </p:childTnLst>
+                          </p:cTn>
+                        </p:par>
+                      </p:childTnLst>
+                    </p:cTn>
+                  </p:par>
+                  <p:par>
+                    <p:cTn id="7" fill="hold">
+                      <p:stCondLst>
+                        <p:cond delay="indefinite"/>
+                      </p:stCondLst>
+                      <p:childTnLst>
+                        <p:par>
+                          <p:cTn id="8" fill="hold">
+                            <p:stCondLst>
+                              <p:cond delay="0"/>
+                            </p:stCondLst>
+                            <p:childTnLst>
+                              <p:par>
+                                <p:cTn id="9" presetID="2" presetClass="entr" presetSubtype="4" fill="hold" grpId="0" nodeType="clickEffect">
+                                  <p:stCondLst>
+                                    <p:cond delay="0"/>
+                                  </p:stCondLst>
+                                  <p:childTnLst>
+                                    <p:set>
+                                      <p:cBhvr>
+                                        <p:cTn id="10" dur="1" fill="hold">
+                                          <p:stCondLst>
+                                            <p:cond delay="0"/>
+                                          </p:stCondLst>
+                                        </p:cTn>
+                                        <p:tgtEl>
+                                          <p:spTgt spid="16"/>
+                                        </p:tgtEl>
+                                        <p:attrNameLst>
+                                          <p:attrName>style.visibility</p:attrName>
+                                        </p:attrNameLst>
+                                      </p:cBhvr>
+                                      <p:to>
+                                        <p:strVal val="visible"/>
+                                      </p:to>
+                                    </p:set>
+                                    <p:anim calcmode="lin" valueType="num">
+                                      <p:cBhvr additive="base">
+                                        <p:cTn id="11" dur="500" fill="hold"/>
+                                        <p:tgtEl>
+                                          <p:spTgt spid="16"/>
+                                        </p:tgtEl>
+                                        <p:attrNameLst>
+                                          <p:attrName>ppt_x</p:attrName>
+                                        </p:attrNameLst>
+                                      </p:cBhvr>
+                                      <p:tavLst>
+                                        <p:tav tm="0">
+                                          <p:val>
+                                            <p:strVal val="#ppt_x"/>
+                                          </p:val>
+                                        </p:tav>
+                                        <p:tav tm="100000">
+                                          <p:val>
+                                            <p:strVal val="#ppt_x"/>
+                                          </p:val>
+                                        </p:tav>
+                                      </p:tavLst>
+                                    </p:anim>
+                                    <p:anim calcmode="lin" valueType="num">
+                                      <p:cBhvr additive="base">
+                                        <p:cTn id="12" dur="500" fill="hold"/>
+                                        <p:tgtEl>
+                                          <p:spTgt spid="16"/>
+                                        </p:tgtEl>
+                                        <p:attrNameLst>
+                                          <p:attrName>ppt_y</p:attrName>
+                                        </p:attrNameLst>
+                                      </p:cBhvr>
+                                      <p:tavLst>
+                                        <p:tav tm="0">
+                                          <p:val>
+                                            <p:strVal val="1+#ppt_h/2"/>
+                                          </p:val>
+                                        </p:tav>
+                                        <p:tav tm="100000">
+                                          <p:val>
+                                            <p:strVal val="#ppt_y"/>
+                                          </p:val>
+                                        </p:tav>
+                                      </p:tavLst>
+                                    </p:anim>
+                                  </p:childTnLst>
+                                </p:cTn>
+                              </p:par>
+                              <p:par>
+                                <p:cTn id="13" presetID="2" presetClass="entr" presetSubtype="4" fill="hold" grpId="0" nodeType="withEffect">
+                                  <p:stCondLst>
+                                    <p:cond delay="0"/>
+                                  </p:stCondLst>
+                                  <p:childTnLst>
+                                    <p:set>
+                                      <p:cBhvr>
+                                        <p:cTn id="14" dur="1" fill="hold">
+                                          <p:stCondLst>
+                                            <p:cond delay="0"/>
+                                          </p:stCondLst>
+                                        </p:cTn>
+                                        <p:tgtEl>
+                                          <p:spTgt spid="17"/>
+                                        </p:tgtEl>
+                                        <p:attrNameLst>
+                                          <p:attrName>style.visibility</p:attrName>
+                                        </p:attrNameLst>
+                                      </p:cBhvr>
+                                      <p:to>
+                                        <p:strVal val="visible"/>
+                                      </p:to>
+                                    </p:set>
+                                    <p:anim calcmode="lin" valueType="num">
+                                      <p:cBhvr additive="base">
+                                        <p:cTn id="15" dur="500" fill="hold"/>
+                                        <p:tgtEl>
+                                          <p:spTgt spid="17"/>
+                                        </p:tgtEl>
+                                        <p:attrNameLst>
+                                          <p:attrName>ppt_x</p:attrName>
+                                        </p:attrNameLst>
+                                      </p:cBhvr>
+                                      <p:tavLst>
+                                        <p:tav tm="0">
+                                          <p:val>
+                                            <p:strVal val="#ppt_x"/>
+                                          </p:val>
+                                        </p:tav>
+                                        <p:tav tm="100000">
+                                          <p:val>
+                                            <p:strVal val="#ppt_x"/>
+                                          </p:val>
+                                        </p:tav>
+                                      </p:tavLst>
+                                    </p:anim>
+                                    <p:anim calcmode="lin" valueType="num">
+                                      <p:cBhvr additive="base">
+                                        <p:cTn id="16" dur="500" fill="hold"/>
+                                        <p:tgtEl>
+                                          <p:spTgt spid="17"/>
+                                        </p:tgtEl>
+                                        <p:attrNameLst>
+                                          <p:attrName>ppt_y</p:attrName>
+                                        </p:attrNameLst>
+                                      </p:cBhvr>
+                                      <p:tavLst>
+                                        <p:tav tm="0">
+                                          <p:val>
+                                            <p:strVal val="1+#ppt_h/2"/>
+                                          </p:val>
+                                        </p:tav>
+                                        <p:tav tm="100000">
+                                          <p:val>
+                                            <p:strVal val="#ppt_y"/>
+                                          </p:val>
+                                        </p:tav>
+                                      </p:tavLst>
+                                    </p:anim>
+                                  </p:childTnLst>
+                                </p:cTn>
+                              </p:par>
+                              <p:par>
+                                <p:cTn id="17" presetID="2" presetClass="entr" presetSubtype="4" fill="hold" grpId="0" nodeType="withEffect">
+                                  <p:stCondLst>
+                                    <p:cond delay="0"/>
+                                  </p:stCondLst>
+                                  <p:childTnLst>
+                                    <p:set>
+                                      <p:cBhvr>
+                                        <p:cTn id="18" dur="1" fill="hold">
+                                          <p:stCondLst>
+                                            <p:cond delay="0"/>
+                                          </p:stCondLst>
+                                        </p:cTn>
+                                        <p:tgtEl>
+                                          <p:spTgt spid="18"/>
+                                        </p:tgtEl>
+                                        <p:attrNameLst>
+                                          <p:attrName>style.visibility</p:attrName>
+                                        </p:attrNameLst>
+                                      </p:cBhvr>
+                                      <p:to>
+                                        <p:strVal val="visible"/>
+                                      </p:to>
+                                    </p:set>
+                                    <p:anim calcmode="lin" valueType="num">
+                                      <p:cBhvr additive="base">
+                                        <p:cTn id="19" dur="500" fill="hold"/>
+                                        <p:tgtEl>
+                                          <p:spTgt spid="18"/>
+                                        </p:tgtEl>
+                                        <p:attrNameLst>
+                                          <p:attrName>ppt_x</p:attrName>
+                                        </p:attrNameLst>
+                                      </p:cBhvr>
+                                      <p:tavLst>
+                                        <p:tav tm="0">
+                                          <p:val>
+                                            <p:strVal val="#ppt_x"/>
+                                          </p:val>
+                                        </p:tav>
+                                        <p:tav tm="100000">
+                                          <p:val>
+                                            <p:strVal val="#ppt_x"/>
+                                          </p:val>
+                                        </p:tav>
+                                      </p:tavLst>
+                                    </p:anim>
+                                    <p:anim calcmode="lin" valueType="num">
+                                      <p:cBhvr additive="base">
+                                        <p:cTn id="20" dur="500" fill="hold"/>
+                                        <p:tgtEl>
+                                          <p:spTgt spid="18"/>
+                                        </p:tgtEl>
+                                        <p:attrNameLst>
+                                          <p:attrName>ppt_y</p:attrName>
+                                        </p:attrNameLst>
+                                      </p:cBhvr>
+                                      <p:tavLst>
+                                        <p:tav tm="0">
+                                          <p:val>
+                                            <p:strVal val="1+#ppt_h/2"/>
+                                          </p:val>
+                                        </p:tav>
+                                        <p:tav tm="100000">
+                                          <p:val>
+                                            <p:strVal val="#ppt_y"/>
+                                          </p:val>
+                                        </p:tav>
+                                      </p:tavLst>
+                                    </p:anim>
+                                  </p:childTnLst>
+                                </p:cTn>
+                              </p:par>
+                              <p:par>
+                                <p:cTn id="21" presetID="2" presetClass="entr" presetSubtype="4" fill="hold" nodeType="withEffect">
+                                  <p:stCondLst>
+                                    <p:cond delay="0"/>
+                                  </p:stCondLst>
+                                  <p:childTnLst>
+                                    <p:set>
+                                      <p:cBhvr>
+                                        <p:cTn id="22" dur="1" fill="hold">
+                                          <p:stCondLst>
+                                            <p:cond delay="0"/>
+                                          </p:stCondLst>
+                                        </p:cTn>
+                                        <p:tgtEl>
+                                          <p:spTgt spid="19"/>
+                                        </p:tgtEl>
+                                        <p:attrNameLst>
+                                          <p:attrName>style.visibility</p:attrName>
+                                        </p:attrNameLst>
+                                      </p:cBhvr>
+                                      <p:to>
+                                        <p:strVal val="visible"/>
+                                      </p:to>
+                                    </p:set>
+                                    <p:anim calcmode="lin" valueType="num">
+                                      <p:cBhvr additive="base">
+                                        <p:cTn id="23" dur="500" fill="hold"/>
+                                        <p:tgtEl>
+                                          <p:spTgt spid="19"/>
+                                        </p:tgtEl>
+                                        <p:attrNameLst>
+                                          <p:attrName>ppt_x</p:attrName>
+                                        </p:attrNameLst>
+                                      </p:cBhvr>
+                                      <p:tavLst>
+                                        <p:tav tm="0">
+                                          <p:val>
+                                            <p:strVal val="#ppt_x"/>
+                                          </p:val>
+                                        </p:tav>
+                                        <p:tav tm="100000">
+                                          <p:val>
+                                            <p:strVal val="#ppt_x"/>
+                                          </p:val>
+                                        </p:tav>
+                                      </p:tavLst>
+                                    </p:anim>
+                                    <p:anim calcmode="lin" valueType="num">
+                                      <p:cBhvr additive="base">
+                                        <p:cTn id="24" dur="500" fill="hold"/>
+                                        <p:tgtEl>
+                                          <p:spTgt spid="19"/>
+                                        </p:tgtEl>
+                                        <p:attrNameLst>
+                                          <p:attrName>ppt_y</p:attrName>
+                                        </p:attrNameLst>
+                                      </p:cBhvr>
+                                      <p:tavLst>
+                                        <p:tav tm="0">
+                                          <p:val>
+                                            <p:strVal val="1+#ppt_h/2"/>
+                                          </p:val>
+                                        </p:tav>
+                                        <p:tav tm="100000">
+                                          <p:val>
+                                            <p:strVal val="#ppt_y"/>
+                                          </p:val>
+                                        </p:tav>
+                                      </p:tavLst>
+                                    </p:anim>
+                                  </p:childTnLst>
+                                </p:cTn>
+                              </p:par>
+                              <p:par>
+                                <p:cTn id="25" presetID="2" presetClass="entr" presetSubtype="4" fill="hold" grpId="0" nodeType="withEffect">
+                                  <p:stCondLst>
+                                    <p:cond delay="0"/>
+                                  </p:stCondLst>
+                                  <p:childTnLst>
+                                    <p:set>
+                                      <p:cBhvr>
+                                        <p:cTn id="26" dur="1" fill="hold">
+                                          <p:stCondLst>
+                                            <p:cond delay="0"/>
+                                          </p:stCondLst>
+                                        </p:cTn>
+                                        <p:tgtEl>
+                                          <p:spTgt spid="20"/>
+                                        </p:tgtEl>
+                                        <p:attrNameLst>
+                                          <p:attrName>style.visibility</p:attrName>
+                                        </p:attrNameLst>
+                                      </p:cBhvr>
+                                      <p:to>
+                                        <p:strVal val="visible"/>
+                                      </p:to>
+                                    </p:set>
+                                    <p:anim calcmode="lin" valueType="num">
+                                      <p:cBhvr additive="base">
+                                        <p:cTn id="27" dur="500" fill="hold"/>
+                                        <p:tgtEl>
+                                          <p:spTgt spid="20"/>
+                                        </p:tgtEl>
+                                        <p:attrNameLst>
+                                          <p:attrName>ppt_x</p:attrName>
+                                        </p:attrNameLst>
+                                      </p:cBhvr>
+                                      <p:tavLst>
+                                        <p:tav tm="0">
+                                          <p:val>
+                                            <p:strVal val="#ppt_x"/>
+                                          </p:val>
+                                        </p:tav>
+                                        <p:tav tm="100000">
+                                          <p:val>
+                                            <p:strVal val="#ppt_x"/>
+                                          </p:val>
+                                        </p:tav>
+                                      </p:tavLst>
+                                    </p:anim>
+                                    <p:anim calcmode="lin" valueType="num">
+                                      <p:cBhvr additive="base">
+                                        <p:cTn id="28" dur="500" fill="hold"/>
+                                        <p:tgtEl>
+                                          <p:spTgt spid="20"/>
+                                        </p:tgtEl>
+                                        <p:attrNameLst>
+                                          <p:attrName>ppt_y</p:attrName>
+                                        </p:attrNameLst>
+                                      </p:cBhvr>
+                                      <p:tavLst>
+                                        <p:tav tm="0">
+                                          <p:val>
+                                            <p:strVal val="1+#ppt_h/2"/>
+                                          </p:val>
+                                        </p:tav>
+                                        <p:tav tm="100000">
+                                          <p:val>
+                                            <p:strVal val="#ppt_y"/>
+                                          </p:val>
+                                        </p:tav>
+                                      </p:tavLst>
+                                    </p:anim>
+                                  </p:childTnLst>
+                                </p:cTn>
+                              </p:par>
+                              <p:par>
+                                <p:cTn id="29" presetID="2" presetClass="entr" presetSubtype="4" fill="hold" grpId="0" nodeType="withEffect">
+                                  <p:stCondLst>
+                                    <p:cond delay="0"/>
+                                  </p:stCondLst>
+                                  <p:childTnLst>
+                                    <p:set>
+                                      <p:cBhvr>
+                                        <p:cTn id="30" dur="1" fill="hold">
+                                          <p:stCondLst>
+                                            <p:cond delay="0"/>
+                                          </p:stCondLst>
+                                        </p:cTn>
+                                        <p:tgtEl>
+                                          <p:spTgt spid="25"/>
+                                        </p:tgtEl>
+                                        <p:attrNameLst>
+                                          <p:attrName>style.visibility</p:attrName>
+                                        </p:attrNameLst>
+                                      </p:cBhvr>
+                                      <p:to>
+                                        <p:strVal val="visible"/>
+                                      </p:to>
+                                    </p:set>
+                                    <p:anim calcmode="lin" valueType="num">
+                                      <p:cBhvr additive="base">
+                                        <p:cTn id="31" dur="500" fill="hold"/>
+                                        <p:tgtEl>
+                                          <p:spTgt spid="25"/>
+                                        </p:tgtEl>
+                                        <p:attrNameLst>
+                                          <p:attrName>ppt_x</p:attrName>
+                                        </p:attrNameLst>
+                                      </p:cBhvr>
+                                      <p:tavLst>
+                                        <p:tav tm="0">
+                                          <p:val>
+                                            <p:strVal val="#ppt_x"/>
+                                          </p:val>
+                                        </p:tav>
+                                        <p:tav tm="100000">
+                                          <p:val>
+                                            <p:strVal val="#ppt_x"/>
+                                          </p:val>
+                                        </p:tav>
+                                      </p:tavLst>
+                                    </p:anim>
+                                    <p:anim calcmode="lin" valueType="num">
+                                      <p:cBhvr additive="base">
+                                        <p:cTn id="32" dur="500" fill="hold"/>
+                                        <p:tgtEl>
+                                          <p:spTgt spid="25"/>
+                                        </p:tgtEl>
+                                        <p:attrNameLst>
+                                          <p:attrName>ppt_y</p:attrName>
+                                        </p:attrNameLst>
+                                      </p:cBhvr>
+                                      <p:tavLst>
+                                        <p:tav tm="0">
+                                          <p:val>
+                                            <p:strVal val="1+#ppt_h/2"/>
+                                          </p:val>
+                                        </p:tav>
+                                        <p:tav tm="100000">
+                                          <p:val>
+                                            <p:strVal val="#ppt_y"/>
+                                          </p:val>
+                                        </p:tav>
+                                      </p:tavLst>
+                                    </p:anim>
+                                  </p:childTnLst>
+                                </p:cTn>
+                              </p:par>
+                            </p:childTnLst>
+                          </p:cTn>
+                        </p:par>
+                      </p:childTnLst>
+                    </p:cTn>
+                  </p:par>
+                  <p:par>
+                    <p:cTn id="33" fill="hold">
+                      <p:stCondLst>
+                        <p:cond delay="indefinite"/>
+                      </p:stCondLst>
+                      <p:childTnLst>
+                        <p:par>
+                          <p:cTn id="34" fill="hold">
+                            <p:stCondLst>
+                              <p:cond delay="0"/>
+                            </p:stCondLst>
+                            <p:childTnLst>
+                              <p:par>
+                                <p:cTn id="35" presetID="1" presetClass="entr" presetSubtype="0" fill="hold" grpId="0" nodeType="clickEffect">
+                                  <p:stCondLst>
+                                    <p:cond delay="0"/>
+                                  </p:stCondLst>
+                                  <p:childTnLst>
+                                    <p:set>
+                                      <p:cBhvr>
+                                        <p:cTn id="36" dur="1" fill="hold">
+                                          <p:stCondLst>
+                                            <p:cond delay="0"/>
+                                          </p:stCondLst>
+                                        </p:cTn>
+                                        <p:tgtEl>
+                                          <p:spTgt spid="26"/>
+                                        </p:tgtEl>
+                                        <p:attrNameLst>
+                                          <p:attrName>style.visibility</p:attrName>
+                                        </p:attrNameLst>
+                                      </p:cBhvr>
+                                      <p:to>
+                                        <p:strVal val="visible"/>
+                                      </p:to>
+                                    </p:set>
+                                  </p:childTnLst>
+                                </p:cTn>
+                              </p:par>
+                            </p:childTnLst>
+                          </p:cTn>
+                        </p:par>
+                      </p:childTnLst>
+                    </p:cTn>
+                  </p:par>
+                </p:childTnLst>
+              </p:cTn>
+              <p:prevCondLst>
+                <p:cond evt="onPrev" delay="0">
+                  <p:tgtEl>
+                    <p:sldTgt/>
+                  </p:tgtEl>
+                </p:cond>
+              </p:prevCondLst>
+              <p:nextCondLst>
+                <p:cond evt="onNext" delay="0">
+                  <p:tgtEl>
+                    <p:sldTgt/>
+                  </p:tgtEl>
+                </p:cond>
+              </p:nextCondLst>
+            </p:seq>
+          </p:childTnLst>
+        </p:cTn>
+      </p:par>
+    </p:tnLst>
+    <p:bldLst>
+      <p:bldP spid="15" grpId="0"/>
+      <p:bldP spid="16" grpId="0" animBg="1"/>
+      <p:bldP spid="17" grpId="0" animBg="1"/>
+      <p:bldP spid="18" grpId="0"/>
+      <p:bldP spid="20" grpId="0"/>
+      <p:bldP spid="25" grpId="0" animBg="1"/>
+      <p:bldP spid="26" grpId="0"/>
+    </p:bldLst>
+  </p:timing>
+</p:sld>
+</file>
+
+<file path=ppt/slides/slide13.xml><?xml version="1.0" encoding="utf-8"?>
+<p:sld xmlns:a="http://schemas.openxmlformats.org/drawingml/2006/main" xmlns:r="http://schemas.openxmlformats.org/officeDocument/2006/relationships" xmlns:p="http://schemas.openxmlformats.org/presentationml/2006/main">
+  <p:cSld>
+    <p:spTree>
+      <p:nvGrpSpPr>
+        <p:cNvPr id="1" name=""/>
+        <p:cNvGrpSpPr/>
+        <p:nvPr/>
+      </p:nvGrpSpPr>
+      <p:grpSpPr>
+        <a:xfrm>
+          <a:off x="0" y="0"/>
+          <a:ext cx="0" cy="0"/>
+          <a:chOff x="0" y="0"/>
+          <a:chExt cx="0" cy="0"/>
+        </a:xfrm>
+      </p:grpSpPr>
+      <p:sp>
+        <p:nvSpPr>
+          <p:cNvPr id="4" name="矩形 3"/>
+          <p:cNvSpPr/>
+          <p:nvPr/>
+        </p:nvSpPr>
+        <p:spPr>
+          <a:xfrm>
+            <a:off x="400664" y="216761"/>
+            <a:ext cx="6096000" cy="507831"/>
+          </a:xfrm>
+          <a:prstGeom prst="rect">
+            <a:avLst/>
+          </a:prstGeom>
+        </p:spPr>
+        <p:txBody>
+          <a:bodyPr>
+            <a:spAutoFit/>
+          </a:bodyPr>
+          <a:lstStyle/>
+          <a:p>
+            <a:pPr>
+              <a:lnSpc>
+                <a:spcPct val="150000"/>
+              </a:lnSpc>
+            </a:pPr>
+            <a:r>
+              <a:rPr lang="en-US" altLang="zh-CN" dirty="0" smtClean="0"/>
+              <a:t>3. Use </a:t>
+            </a:r>
+            <a:r>
+              <a:rPr lang="en-US" altLang="zh-CN" dirty="0" err="1" smtClean="0"/>
+              <a:t>nvprof</a:t>
+            </a:r>
+            <a:r>
+              <a:rPr lang="en-US" altLang="zh-CN" dirty="0" smtClean="0"/>
+              <a:t> to generate power metrics of CUDA applications</a:t>
+            </a:r>
+            <a:endParaRPr lang="en-US" altLang="zh-CN" dirty="0" smtClean="0"/>
+          </a:p>
+        </p:txBody>
+      </p:sp>
+      <p:sp>
+        <p:nvSpPr>
+          <p:cNvPr id="5" name="文本框 4"/>
+          <p:cNvSpPr txBox="1"/>
+          <p:nvPr/>
+        </p:nvSpPr>
+        <p:spPr>
+          <a:xfrm>
+            <a:off x="648282" y="1084007"/>
+            <a:ext cx="2800382" cy="400110"/>
+          </a:xfrm>
+          <a:prstGeom prst="rect">
+            <a:avLst/>
+          </a:prstGeom>
+          <a:noFill/>
+        </p:spPr>
+        <p:txBody>
+          <a:bodyPr wrap="none" rtlCol="0">
+            <a:spAutoFit/>
+          </a:bodyPr>
+          <a:lstStyle/>
+          <a:p>
+            <a:r>
+              <a:rPr lang="en-US" altLang="zh-CN" sz="2000" dirty="0" smtClean="0"/>
+              <a:t>What will </a:t>
+            </a:r>
+            <a:r>
+              <a:rPr lang="en-US" altLang="zh-CN" sz="2000" dirty="0" err="1" smtClean="0"/>
+              <a:t>nvprof</a:t>
+            </a:r>
+            <a:r>
+              <a:rPr lang="en-US" altLang="zh-CN" sz="2000" dirty="0" smtClean="0"/>
+              <a:t> give us?</a:t>
+            </a:r>
+            <a:endParaRPr lang="zh-CN" altLang="en-US" sz="2000" dirty="0"/>
+          </a:p>
+        </p:txBody>
+      </p:sp>
+      <p:sp>
+        <p:nvSpPr>
+          <p:cNvPr id="6" name="文本框 5"/>
+          <p:cNvSpPr txBox="1"/>
+          <p:nvPr/>
+        </p:nvSpPr>
+        <p:spPr>
+          <a:xfrm>
+            <a:off x="648282" y="1762433"/>
+            <a:ext cx="4519186" cy="369332"/>
+          </a:xfrm>
+          <a:prstGeom prst="rect">
+            <a:avLst/>
+          </a:prstGeom>
+          <a:noFill/>
+        </p:spPr>
+        <p:txBody>
+          <a:bodyPr wrap="none" rtlCol="0">
+            <a:spAutoFit/>
+          </a:bodyPr>
+          <a:lstStyle/>
+          <a:p>
+            <a:r>
+              <a:rPr lang="en-US" altLang="zh-CN" dirty="0" smtClean="0"/>
+              <a:t>It can only give us the metrics of each kernel…</a:t>
+            </a:r>
+            <a:endParaRPr lang="zh-CN" altLang="en-US" dirty="0"/>
+          </a:p>
+        </p:txBody>
+      </p:sp>
+      <p:graphicFrame>
+        <p:nvGraphicFramePr>
+          <p:cNvPr id="8" name="表格 7"/>
+          <p:cNvGraphicFramePr>
+            <a:graphicFrameLocks noGrp="1"/>
+          </p:cNvGraphicFramePr>
+          <p:nvPr>
+            <p:extLst>
+              <p:ext uri="{D42A27DB-BD31-4B8C-83A1-F6EECF244321}">
+                <p14:modId xmlns:p14="http://schemas.microsoft.com/office/powerpoint/2010/main" val="3422291291"/>
+              </p:ext>
+            </p:extLst>
+          </p:nvPr>
+        </p:nvGraphicFramePr>
+        <p:xfrm>
+          <a:off x="400668" y="2804217"/>
+          <a:ext cx="11080950" cy="525780"/>
+        </p:xfrm>
+        <a:graphic>
+          <a:graphicData uri="http://schemas.openxmlformats.org/drawingml/2006/table">
+            <a:tbl>
+              <a:tblPr/>
+              <a:tblGrid>
+                <a:gridCol w="1846825"/>
+                <a:gridCol w="1846825"/>
+                <a:gridCol w="1846825"/>
+                <a:gridCol w="1846825"/>
+                <a:gridCol w="1846825"/>
+                <a:gridCol w="1846825"/>
+              </a:tblGrid>
+              <a:tr h="182880">
+                <a:tc>
+                  <a:txBody>
+                    <a:bodyPr/>
+                    <a:lstStyle/>
+                    <a:p>
+                      <a:pPr algn="l" fontAlgn="ctr"/>
+                      <a:r>
+                        <a:rPr lang="en-US" sz="1100" b="0" i="0" u="none" strike="noStrike" dirty="0">
+                          <a:solidFill>
+                            <a:srgbClr val="000000"/>
+                          </a:solidFill>
+                          <a:effectLst/>
+                          <a:latin typeface="宋体" panose="02010600030101010101" pitchFamily="2" charset="-122"/>
+                          <a:ea typeface="宋体" panose="02010600030101010101" pitchFamily="2" charset="-122"/>
+                        </a:rPr>
+                        <a:t>Device</a:t>
+                      </a:r>
+                    </a:p>
+                  </a:txBody>
+                  <a:tcPr marL="7620" marR="7620" marT="7620" marB="0" anchor="ctr">
+                    <a:lnL>
+                      <a:noFill/>
+                    </a:lnL>
+                    <a:lnR>
+                      <a:noFill/>
+                    </a:lnR>
+                    <a:lnT>
+                      <a:noFill/>
+                    </a:lnT>
+                    <a:lnB>
+                      <a:noFill/>
+                    </a:lnB>
+                  </a:tcPr>
+                </a:tc>
+                <a:tc>
+                  <a:txBody>
+                    <a:bodyPr/>
+                    <a:lstStyle/>
+                    <a:p>
+                      <a:pPr algn="l" fontAlgn="ctr"/>
+                      <a:r>
+                        <a:rPr lang="en-US" sz="1100" b="0" i="0" u="none" strike="noStrike">
+                          <a:solidFill>
+                            <a:srgbClr val="000000"/>
+                          </a:solidFill>
+                          <a:effectLst/>
+                          <a:latin typeface="宋体" panose="02010600030101010101" pitchFamily="2" charset="-122"/>
+                          <a:ea typeface="宋体" panose="02010600030101010101" pitchFamily="2" charset="-122"/>
+                        </a:rPr>
+                        <a:t>Kernel</a:t>
+                      </a:r>
+                    </a:p>
+                  </a:txBody>
+                  <a:tcPr marL="7620" marR="7620" marT="7620" marB="0" anchor="ctr">
+                    <a:lnL>
+                      <a:noFill/>
+                    </a:lnL>
+                    <a:lnR>
+                      <a:noFill/>
+                    </a:lnR>
+                    <a:lnT>
+                      <a:noFill/>
+                    </a:lnT>
+                    <a:lnB>
+                      <a:noFill/>
+                    </a:lnB>
+                  </a:tcPr>
+                </a:tc>
+                <a:tc>
+                  <a:txBody>
+                    <a:bodyPr/>
+                    <a:lstStyle/>
+                    <a:p>
+                      <a:pPr algn="l" fontAlgn="ctr"/>
+                      <a:r>
+                        <a:rPr lang="en-US" sz="1100" b="0" i="0" u="none" strike="noStrike">
+                          <a:solidFill>
+                            <a:srgbClr val="000000"/>
+                          </a:solidFill>
+                          <a:effectLst/>
+                          <a:latin typeface="宋体" panose="02010600030101010101" pitchFamily="2" charset="-122"/>
+                          <a:ea typeface="宋体" panose="02010600030101010101" pitchFamily="2" charset="-122"/>
+                        </a:rPr>
+                        <a:t>Invocations</a:t>
+                      </a:r>
+                    </a:p>
+                  </a:txBody>
+                  <a:tcPr marL="7620" marR="7620" marT="7620" marB="0" anchor="ctr">
+                    <a:lnL>
+                      <a:noFill/>
+                    </a:lnL>
+                    <a:lnR>
+                      <a:noFill/>
+                    </a:lnR>
+                    <a:lnT>
+                      <a:noFill/>
+                    </a:lnT>
+                    <a:lnB>
+                      <a:noFill/>
+                    </a:lnB>
+                  </a:tcPr>
+                </a:tc>
+                <a:tc>
+                  <a:txBody>
+                    <a:bodyPr/>
+                    <a:lstStyle/>
+                    <a:p>
+                      <a:pPr algn="l" fontAlgn="ctr"/>
+                      <a:r>
+                        <a:rPr lang="en-US" sz="1100" b="0" i="0" u="none" strike="noStrike">
+                          <a:solidFill>
+                            <a:srgbClr val="000000"/>
+                          </a:solidFill>
+                          <a:effectLst/>
+                          <a:latin typeface="宋体" panose="02010600030101010101" pitchFamily="2" charset="-122"/>
+                          <a:ea typeface="宋体" panose="02010600030101010101" pitchFamily="2" charset="-122"/>
+                        </a:rPr>
+                        <a:t>Metric Name</a:t>
+                      </a:r>
+                    </a:p>
+                  </a:txBody>
+                  <a:tcPr marL="7620" marR="7620" marT="7620" marB="0" anchor="ctr">
+                    <a:lnL>
+                      <a:noFill/>
+                    </a:lnL>
+                    <a:lnR>
+                      <a:noFill/>
+                    </a:lnR>
+                    <a:lnT>
+                      <a:noFill/>
+                    </a:lnT>
+                    <a:lnB>
+                      <a:noFill/>
+                    </a:lnB>
+                  </a:tcPr>
+                </a:tc>
+                <a:tc>
+                  <a:txBody>
+                    <a:bodyPr/>
+                    <a:lstStyle/>
+                    <a:p>
+                      <a:pPr algn="l" fontAlgn="ctr"/>
+                      <a:r>
+                        <a:rPr lang="en-US" sz="1100" b="0" i="0" u="none" strike="noStrike">
+                          <a:solidFill>
+                            <a:srgbClr val="000000"/>
+                          </a:solidFill>
+                          <a:effectLst/>
+                          <a:latin typeface="宋体" panose="02010600030101010101" pitchFamily="2" charset="-122"/>
+                          <a:ea typeface="宋体" panose="02010600030101010101" pitchFamily="2" charset="-122"/>
+                        </a:rPr>
+                        <a:t>Metric Description</a:t>
+                      </a:r>
+                    </a:p>
+                  </a:txBody>
+                  <a:tcPr marL="7620" marR="7620" marT="7620" marB="0" anchor="ctr">
+                    <a:lnL>
+                      <a:noFill/>
+                    </a:lnL>
+                    <a:lnR>
+                      <a:noFill/>
+                    </a:lnR>
+                    <a:lnT>
+                      <a:noFill/>
+                    </a:lnT>
+                    <a:lnB>
+                      <a:noFill/>
+                    </a:lnB>
+                  </a:tcPr>
+                </a:tc>
+                <a:tc>
+                  <a:txBody>
+                    <a:bodyPr/>
+                    <a:lstStyle/>
+                    <a:p>
+                      <a:pPr algn="l" fontAlgn="ctr"/>
+                      <a:r>
+                        <a:rPr lang="en-US" sz="1100" b="0" i="0" u="none" strike="noStrike" dirty="0" err="1" smtClean="0">
+                          <a:solidFill>
+                            <a:srgbClr val="000000"/>
+                          </a:solidFill>
+                          <a:effectLst/>
+                          <a:latin typeface="宋体" panose="02010600030101010101" pitchFamily="2" charset="-122"/>
+                          <a:ea typeface="宋体" panose="02010600030101010101" pitchFamily="2" charset="-122"/>
+                        </a:rPr>
+                        <a:t>Avg</a:t>
+                      </a:r>
+                      <a:endParaRPr lang="en-US" sz="1100" b="0" i="0" u="none" strike="noStrike" dirty="0">
+                        <a:solidFill>
+                          <a:srgbClr val="000000"/>
+                        </a:solidFill>
+                        <a:effectLst/>
+                        <a:latin typeface="宋体" panose="02010600030101010101" pitchFamily="2" charset="-122"/>
+                        <a:ea typeface="宋体" panose="02010600030101010101" pitchFamily="2" charset="-122"/>
+                      </a:endParaRPr>
+                    </a:p>
+                  </a:txBody>
+                  <a:tcPr marL="7620" marR="7620" marT="7620" marB="0" anchor="ctr">
+                    <a:lnL>
+                      <a:noFill/>
+                    </a:lnL>
+                    <a:lnR>
+                      <a:noFill/>
+                    </a:lnR>
+                    <a:lnT>
+                      <a:noFill/>
+                    </a:lnT>
+                    <a:lnB>
+                      <a:noFill/>
+                    </a:lnB>
+                  </a:tcPr>
+                </a:tc>
+              </a:tr>
+              <a:tr h="182880">
+                <a:tc>
+                  <a:txBody>
+                    <a:bodyPr/>
+                    <a:lstStyle/>
+                    <a:p>
+                      <a:pPr algn="l" fontAlgn="ctr"/>
+                      <a:r>
+                        <a:rPr lang="en-US" sz="1100" b="0" i="0" u="none" strike="noStrike" dirty="0">
+                          <a:solidFill>
+                            <a:srgbClr val="000000"/>
+                          </a:solidFill>
+                          <a:effectLst/>
+                          <a:latin typeface="宋体" panose="02010600030101010101" pitchFamily="2" charset="-122"/>
+                          <a:ea typeface="宋体" panose="02010600030101010101" pitchFamily="2" charset="-122"/>
+                        </a:rPr>
+                        <a:t>TITAN V (0)</a:t>
+                      </a:r>
+                    </a:p>
+                  </a:txBody>
+                  <a:tcPr marL="7620" marR="7620" marT="7620" marB="0" anchor="ctr">
+                    <a:lnL>
+                      <a:noFill/>
+                    </a:lnL>
+                    <a:lnR>
+                      <a:noFill/>
+                    </a:lnR>
+                    <a:lnT>
+                      <a:noFill/>
+                    </a:lnT>
+                    <a:lnB>
+                      <a:noFill/>
+                    </a:lnB>
+                  </a:tcPr>
+                </a:tc>
+                <a:tc>
+                  <a:txBody>
+                    <a:bodyPr/>
+                    <a:lstStyle/>
+                    <a:p>
+                      <a:pPr algn="l" fontAlgn="ctr"/>
+                      <a:r>
+                        <a:rPr lang="en-US" sz="1100" b="0" i="0" u="none" strike="noStrike">
+                          <a:solidFill>
+                            <a:srgbClr val="000000"/>
+                          </a:solidFill>
+                          <a:effectLst/>
+                          <a:latin typeface="宋体" panose="02010600030101010101" pitchFamily="2" charset="-122"/>
+                          <a:ea typeface="宋体" panose="02010600030101010101" pitchFamily="2" charset="-122"/>
+                        </a:rPr>
+                        <a:t>executeThirdLayer(float*, float*, float*)</a:t>
+                      </a:r>
+                    </a:p>
+                  </a:txBody>
+                  <a:tcPr marL="7620" marR="7620" marT="7620" marB="0" anchor="ctr">
+                    <a:lnL>
+                      <a:noFill/>
+                    </a:lnL>
+                    <a:lnR>
+                      <a:noFill/>
+                    </a:lnR>
+                    <a:lnT>
+                      <a:noFill/>
+                    </a:lnT>
+                    <a:lnB>
+                      <a:noFill/>
+                    </a:lnB>
+                  </a:tcPr>
+                </a:tc>
+                <a:tc>
+                  <a:txBody>
+                    <a:bodyPr/>
+                    <a:lstStyle/>
+                    <a:p>
+                      <a:pPr algn="r" fontAlgn="ctr"/>
+                      <a:r>
+                        <a:rPr lang="en-US" altLang="zh-CN" sz="1100" b="0" i="0" u="none" strike="noStrike" dirty="0">
+                          <a:solidFill>
+                            <a:srgbClr val="000000"/>
+                          </a:solidFill>
+                          <a:effectLst/>
+                          <a:latin typeface="宋体" panose="02010600030101010101" pitchFamily="2" charset="-122"/>
+                          <a:ea typeface="宋体" panose="02010600030101010101" pitchFamily="2" charset="-122"/>
+                        </a:rPr>
+                        <a:t>1</a:t>
+                      </a:r>
+                    </a:p>
+                  </a:txBody>
+                  <a:tcPr marL="7620" marR="7620" marT="7620" marB="0" anchor="ctr">
+                    <a:lnL>
+                      <a:noFill/>
+                    </a:lnL>
+                    <a:lnR>
+                      <a:noFill/>
+                    </a:lnR>
+                    <a:lnT>
+                      <a:noFill/>
+                    </a:lnT>
+                    <a:lnB>
+                      <a:noFill/>
+                    </a:lnB>
+                  </a:tcPr>
+                </a:tc>
+                <a:tc>
+                  <a:txBody>
+                    <a:bodyPr/>
+                    <a:lstStyle/>
+                    <a:p>
+                      <a:pPr algn="l" fontAlgn="ctr"/>
+                      <a:r>
+                        <a:rPr lang="en-US" sz="1100" b="0" i="0" u="none" strike="noStrike">
+                          <a:solidFill>
+                            <a:srgbClr val="000000"/>
+                          </a:solidFill>
+                          <a:effectLst/>
+                          <a:latin typeface="宋体" panose="02010600030101010101" pitchFamily="2" charset="-122"/>
+                          <a:ea typeface="宋体" panose="02010600030101010101" pitchFamily="2" charset="-122"/>
+                        </a:rPr>
+                        <a:t>inst_per_warp</a:t>
+                      </a:r>
+                    </a:p>
+                  </a:txBody>
+                  <a:tcPr marL="7620" marR="7620" marT="7620" marB="0" anchor="ctr">
+                    <a:lnL>
+                      <a:noFill/>
+                    </a:lnL>
+                    <a:lnR>
+                      <a:noFill/>
+                    </a:lnR>
+                    <a:lnT>
+                      <a:noFill/>
+                    </a:lnT>
+                    <a:lnB>
+                      <a:noFill/>
+                    </a:lnB>
+                  </a:tcPr>
+                </a:tc>
+                <a:tc>
+                  <a:txBody>
+                    <a:bodyPr/>
+                    <a:lstStyle/>
+                    <a:p>
+                      <a:pPr algn="l" fontAlgn="ctr"/>
+                      <a:r>
+                        <a:rPr lang="en-US" sz="1100" b="0" i="0" u="none" strike="noStrike">
+                          <a:solidFill>
+                            <a:srgbClr val="000000"/>
+                          </a:solidFill>
+                          <a:effectLst/>
+                          <a:latin typeface="宋体" panose="02010600030101010101" pitchFamily="2" charset="-122"/>
+                          <a:ea typeface="宋体" panose="02010600030101010101" pitchFamily="2" charset="-122"/>
+                        </a:rPr>
+                        <a:t>Instructions per warp</a:t>
+                      </a:r>
+                    </a:p>
+                  </a:txBody>
+                  <a:tcPr marL="7620" marR="7620" marT="7620" marB="0" anchor="ctr">
+                    <a:lnL>
+                      <a:noFill/>
+                    </a:lnL>
+                    <a:lnR>
+                      <a:noFill/>
+                    </a:lnR>
+                    <a:lnT>
+                      <a:noFill/>
+                    </a:lnT>
+                    <a:lnB>
+                      <a:noFill/>
+                    </a:lnB>
+                  </a:tcPr>
+                </a:tc>
+                <a:tc>
+                  <a:txBody>
+                    <a:bodyPr/>
+                    <a:lstStyle/>
+                    <a:p>
+                      <a:pPr algn="r" fontAlgn="ctr"/>
+                      <a:r>
+                        <a:rPr lang="en-US" altLang="zh-CN" sz="1100" b="0" i="0" u="none" strike="noStrike" dirty="0">
+                          <a:solidFill>
+                            <a:srgbClr val="000000"/>
+                          </a:solidFill>
+                          <a:effectLst/>
+                          <a:latin typeface="宋体" panose="02010600030101010101" pitchFamily="2" charset="-122"/>
+                          <a:ea typeface="宋体" panose="02010600030101010101" pitchFamily="2" charset="-122"/>
+                        </a:rPr>
+                        <a:t>10093.48</a:t>
+                      </a:r>
+                    </a:p>
+                  </a:txBody>
+                  <a:tcPr marL="7620" marR="7620" marT="7620" marB="0" anchor="ctr">
+                    <a:lnL>
+                      <a:noFill/>
+                    </a:lnL>
+                    <a:lnR>
+                      <a:noFill/>
+                    </a:lnR>
+                    <a:lnT>
+                      <a:noFill/>
+                    </a:lnT>
+                    <a:lnB>
+                      <a:noFill/>
+                    </a:lnB>
+                  </a:tcPr>
+                </a:tc>
+              </a:tr>
+            </a:tbl>
+          </a:graphicData>
+        </a:graphic>
+      </p:graphicFrame>
+      <p:sp>
+        <p:nvSpPr>
+          <p:cNvPr id="9" name="文本框 8"/>
+          <p:cNvSpPr txBox="1"/>
+          <p:nvPr/>
+        </p:nvSpPr>
+        <p:spPr>
+          <a:xfrm>
+            <a:off x="1224116" y="4114800"/>
+            <a:ext cx="6932026" cy="646331"/>
+          </a:xfrm>
+          <a:prstGeom prst="rect">
+            <a:avLst/>
+          </a:prstGeom>
+          <a:noFill/>
+        </p:spPr>
+        <p:txBody>
+          <a:bodyPr wrap="none" rtlCol="0">
+            <a:spAutoFit/>
+          </a:bodyPr>
+          <a:lstStyle/>
+          <a:p>
+            <a:r>
+              <a:rPr lang="en-US" altLang="zh-CN" dirty="0" smtClean="0"/>
+              <a:t>What we want is the metrics for each sampling period ( like 500 cycles) ,</a:t>
+            </a:r>
+          </a:p>
+          <a:p>
+            <a:r>
+              <a:rPr lang="en-US" altLang="zh-CN" dirty="0" smtClean="0"/>
+              <a:t>but what we have is the metrics for each kernel.</a:t>
+            </a:r>
+            <a:endParaRPr lang="zh-CN" altLang="en-US" dirty="0"/>
+          </a:p>
+        </p:txBody>
+      </p:sp>
+    </p:spTree>
+    <p:extLst>
+      <p:ext uri="{BB962C8B-B14F-4D97-AF65-F5344CB8AC3E}">
+        <p14:creationId xmlns:p14="http://schemas.microsoft.com/office/powerpoint/2010/main" val="204147647"/>
+      </p:ext>
+    </p:extLst>
+  </p:cSld>
+  <p:clrMapOvr>
+    <a:masterClrMapping/>
+  </p:clrMapOvr>
+  <p:timing>
+    <p:tnLst>
+      <p:par>
+        <p:cTn id="1" dur="indefinite" restart="never" nodeType="tmRoot"/>
+      </p:par>
+    </p:tnLst>
+  </p:timing>
+</p:sld>
+</file>
+
+<file path=ppt/slides/slide14.xml><?xml version="1.0" encoding="utf-8"?>
+<p:sld xmlns:a="http://schemas.openxmlformats.org/drawingml/2006/main" xmlns:r="http://schemas.openxmlformats.org/officeDocument/2006/relationships" xmlns:p="http://schemas.openxmlformats.org/presentationml/2006/main">
+  <p:cSld>
+    <p:spTree>
+      <p:nvGrpSpPr>
+        <p:cNvPr id="1" name=""/>
+        <p:cNvGrpSpPr/>
+        <p:nvPr/>
+      </p:nvGrpSpPr>
+      <p:grpSpPr>
+        <a:xfrm>
+          <a:off x="0" y="0"/>
+          <a:ext cx="0" cy="0"/>
+          <a:chOff x="0" y="0"/>
+          <a:chExt cx="0" cy="0"/>
+        </a:xfrm>
+      </p:grpSpPr>
+      <p:sp>
+        <p:nvSpPr>
+          <p:cNvPr id="4" name="文本框 3"/>
+          <p:cNvSpPr txBox="1"/>
+          <p:nvPr/>
+        </p:nvSpPr>
+        <p:spPr>
+          <a:xfrm>
+            <a:off x="523568" y="530942"/>
+            <a:ext cx="5752024" cy="369332"/>
+          </a:xfrm>
+          <a:prstGeom prst="rect">
+            <a:avLst/>
+          </a:prstGeom>
+          <a:noFill/>
+        </p:spPr>
+        <p:txBody>
+          <a:bodyPr wrap="none" rtlCol="0">
+            <a:spAutoFit/>
+          </a:bodyPr>
+          <a:lstStyle/>
+          <a:p>
+            <a:r>
+              <a:rPr lang="en-US" altLang="zh-CN" dirty="0" smtClean="0"/>
+              <a:t>Luckily, if we see more about how the power is calculated…</a:t>
+            </a:r>
+            <a:endParaRPr lang="zh-CN" altLang="en-US" dirty="0"/>
+          </a:p>
+        </p:txBody>
+      </p:sp>
+      <p:sp>
+        <p:nvSpPr>
+          <p:cNvPr id="5" name="文本框 4"/>
+          <p:cNvSpPr txBox="1"/>
+          <p:nvPr/>
+        </p:nvSpPr>
+        <p:spPr>
+          <a:xfrm>
+            <a:off x="523568" y="1275735"/>
+            <a:ext cx="9123844" cy="646331"/>
+          </a:xfrm>
+          <a:prstGeom prst="rect">
+            <a:avLst/>
+          </a:prstGeom>
+          <a:noFill/>
+        </p:spPr>
+        <p:txBody>
+          <a:bodyPr wrap="none" rtlCol="0">
+            <a:spAutoFit/>
+          </a:bodyPr>
+          <a:lstStyle/>
+          <a:p>
+            <a:r>
+              <a:rPr lang="en-US" altLang="zh-CN" dirty="0" smtClean="0"/>
+              <a:t>GPGPU-Sim set a constant for each operation, and the calculation is the number of each type of </a:t>
+            </a:r>
+          </a:p>
+          <a:p>
+            <a:r>
+              <a:rPr lang="en-US" altLang="zh-CN" dirty="0" smtClean="0"/>
+              <a:t>operation multiples their according</a:t>
+            </a:r>
+            <a:r>
+              <a:rPr lang="zh-CN" altLang="en-US" dirty="0" smtClean="0"/>
+              <a:t> </a:t>
+            </a:r>
+            <a:r>
+              <a:rPr lang="en-US" altLang="zh-CN" dirty="0" smtClean="0"/>
+              <a:t>constant.</a:t>
+            </a:r>
+          </a:p>
+        </p:txBody>
+      </p:sp>
+      <mc:AlternateContent xmlns:mc="http://schemas.openxmlformats.org/markup-compatibility/2006">
+        <mc:Choice xmlns:a14="http://schemas.microsoft.com/office/drawing/2010/main" Requires="a14">
+          <p:sp>
+            <p:nvSpPr>
+              <p:cNvPr id="6" name="文本框 5"/>
+              <p:cNvSpPr txBox="1"/>
+              <p:nvPr/>
+            </p:nvSpPr>
+            <p:spPr>
+              <a:xfrm>
+                <a:off x="1983662" y="2853812"/>
+                <a:ext cx="5811014" cy="276999"/>
+              </a:xfrm>
+              <a:prstGeom prst="rect">
+                <a:avLst/>
+              </a:prstGeom>
+              <a:noFill/>
+            </p:spPr>
+            <p:txBody>
+              <a:bodyPr wrap="none" lIns="0" tIns="0" rIns="0" bIns="0" rtlCol="0">
+                <a:spAutoFit/>
+              </a:bodyPr>
+              <a:lstStyle/>
+              <a:p>
+                <a14:m>
+                  <m:oMath xmlns:m="http://schemas.openxmlformats.org/officeDocument/2006/math">
+                    <m:r>
+                      <a:rPr lang="en-US" altLang="zh-CN" b="0" i="1" smtClean="0">
+                        <a:latin typeface="Cambria Math" panose="02040503050406030204" pitchFamily="18" charset="0"/>
+                      </a:rPr>
+                      <m:t> </m:t>
+                    </m:r>
+                    <m:r>
+                      <a:rPr lang="en-US" altLang="zh-CN" b="0" i="1" smtClean="0">
+                        <a:latin typeface="Cambria Math" panose="02040503050406030204" pitchFamily="18" charset="0"/>
+                      </a:rPr>
+                      <m:t>𝑐𝑜𝑚𝑝𝑜𝑛𝑒𝑛</m:t>
+                    </m:r>
+                    <m:sSup>
+                      <m:sSupPr>
+                        <m:ctrlPr>
+                          <a:rPr lang="en-US" altLang="zh-CN" b="0" i="1" smtClean="0">
+                            <a:latin typeface="Cambria Math" panose="02040503050406030204" pitchFamily="18" charset="0"/>
+                          </a:rPr>
+                        </m:ctrlPr>
+                      </m:sSupPr>
+                      <m:e>
+                        <m:r>
+                          <a:rPr lang="en-US" altLang="zh-CN" b="0" i="1" smtClean="0">
+                            <a:latin typeface="Cambria Math" panose="02040503050406030204" pitchFamily="18" charset="0"/>
+                          </a:rPr>
+                          <m:t>𝑡</m:t>
+                        </m:r>
+                      </m:e>
+                      <m:sup>
+                        <m:r>
+                          <a:rPr lang="en-US" altLang="zh-CN" b="0" i="1" smtClean="0">
+                            <a:latin typeface="Cambria Math" panose="02040503050406030204" pitchFamily="18" charset="0"/>
+                          </a:rPr>
+                          <m:t>′</m:t>
+                        </m:r>
+                      </m:sup>
+                    </m:sSup>
+                    <m:r>
+                      <a:rPr lang="en-US" altLang="zh-CN" b="0" i="1" smtClean="0">
+                        <a:latin typeface="Cambria Math" panose="02040503050406030204" pitchFamily="18" charset="0"/>
+                      </a:rPr>
+                      <m:t>𝑠</m:t>
+                    </m:r>
+                    <m:r>
+                      <a:rPr lang="en-US" altLang="zh-CN" b="0" i="1" smtClean="0">
+                        <a:latin typeface="Cambria Math" panose="02040503050406030204" pitchFamily="18" charset="0"/>
+                      </a:rPr>
+                      <m:t> </m:t>
+                    </m:r>
+                    <m:r>
+                      <a:rPr lang="en-US" altLang="zh-CN" b="0" i="1" smtClean="0">
+                        <a:latin typeface="Cambria Math" panose="02040503050406030204" pitchFamily="18" charset="0"/>
+                      </a:rPr>
+                      <m:t>𝑝𝑜𝑤𝑒𝑟</m:t>
+                    </m:r>
+                    <m:r>
+                      <a:rPr lang="en-US" altLang="zh-CN" i="1" smtClean="0">
+                        <a:latin typeface="Cambria Math" panose="02040503050406030204" pitchFamily="18" charset="0"/>
+                      </a:rPr>
+                      <m:t>=</m:t>
+                    </m:r>
+                    <m:r>
+                      <a:rPr lang="en-US" altLang="zh-CN" b="0" i="1" smtClean="0">
+                        <a:latin typeface="Cambria Math" panose="02040503050406030204" pitchFamily="18" charset="0"/>
+                      </a:rPr>
+                      <m:t>𝑐𝑜𝑛𝑠𝑡𝑎𝑛𝑡</m:t>
+                    </m:r>
+                    <m:r>
+                      <a:rPr lang="en-US" altLang="zh-CN" b="0" i="1" smtClean="0">
+                        <a:latin typeface="Cambria Math" panose="02040503050406030204" pitchFamily="18" charset="0"/>
+                      </a:rPr>
+                      <m:t> ∗(</m:t>
+                    </m:r>
+                    <m:r>
+                      <a:rPr lang="en-US" altLang="zh-CN" b="0" i="1" smtClean="0">
+                        <a:latin typeface="Cambria Math" panose="02040503050406030204" pitchFamily="18" charset="0"/>
+                      </a:rPr>
+                      <m:t>𝑛𝑢𝑚𝑏𝑒𝑟</m:t>
+                    </m:r>
+                  </m:oMath>
+                </a14:m>
+                <a:r>
+                  <a:rPr lang="zh-CN" altLang="en-US" dirty="0" smtClean="0"/>
+                  <a:t> </a:t>
+                </a:r>
+                <a:r>
+                  <a:rPr lang="en-US" altLang="zh-CN" dirty="0" smtClean="0"/>
+                  <a:t>of operations)</a:t>
+                </a:r>
+                <a:endParaRPr lang="zh-CN" altLang="en-US" dirty="0"/>
+              </a:p>
+            </p:txBody>
+          </p:sp>
+        </mc:Choice>
+        <mc:Fallback>
+          <p:sp>
+            <p:nvSpPr>
+              <p:cNvPr id="6" name="文本框 5"/>
+              <p:cNvSpPr txBox="1">
+                <a:spLocks noRot="1" noChangeAspect="1" noMove="1" noResize="1" noEditPoints="1" noAdjustHandles="1" noChangeArrowheads="1" noChangeShapeType="1" noTextEdit="1"/>
+              </p:cNvSpPr>
+              <p:nvPr/>
+            </p:nvSpPr>
+            <p:spPr>
+              <a:xfrm>
+                <a:off x="1983662" y="2853812"/>
+                <a:ext cx="5811014" cy="276999"/>
+              </a:xfrm>
+              <a:prstGeom prst="rect">
+                <a:avLst/>
+              </a:prstGeom>
+              <a:blipFill rotWithShape="0">
+                <a:blip r:embed="rId2"/>
+                <a:stretch>
+                  <a:fillRect l="-629" t="-28261" r="-2725" b="-50000"/>
+                </a:stretch>
+              </a:blipFill>
+            </p:spPr>
+            <p:txBody>
+              <a:bodyPr/>
+              <a:lstStyle/>
+              <a:p>
+                <a:r>
+                  <a:rPr lang="zh-CN" altLang="en-US">
+                    <a:noFill/>
+                  </a:rPr>
+                  <a:t> </a:t>
+                </a:r>
+              </a:p>
+            </p:txBody>
+          </p:sp>
+        </mc:Fallback>
+      </mc:AlternateContent>
+      <p:sp>
+        <p:nvSpPr>
+          <p:cNvPr id="8" name="文本框 7"/>
+          <p:cNvSpPr txBox="1"/>
+          <p:nvPr/>
+        </p:nvSpPr>
+        <p:spPr>
+          <a:xfrm>
+            <a:off x="523568" y="2025982"/>
+            <a:ext cx="2488182" cy="369332"/>
+          </a:xfrm>
+          <a:prstGeom prst="rect">
+            <a:avLst/>
+          </a:prstGeom>
+          <a:noFill/>
+        </p:spPr>
+        <p:txBody>
+          <a:bodyPr wrap="none" rtlCol="0">
+            <a:spAutoFit/>
+          </a:bodyPr>
+          <a:lstStyle/>
+          <a:p>
+            <a:r>
+              <a:rPr lang="en-US" altLang="zh-CN" dirty="0" smtClean="0"/>
+              <a:t>In each sampling period:</a:t>
+            </a:r>
+            <a:endParaRPr lang="zh-CN" altLang="en-US" dirty="0"/>
+          </a:p>
+        </p:txBody>
+      </p:sp>
+      <p:sp>
+        <p:nvSpPr>
+          <p:cNvPr id="9" name="文本框 8"/>
+          <p:cNvSpPr txBox="1"/>
+          <p:nvPr/>
+        </p:nvSpPr>
+        <p:spPr>
+          <a:xfrm>
+            <a:off x="523568" y="3419393"/>
+            <a:ext cx="1418978" cy="369332"/>
+          </a:xfrm>
+          <a:prstGeom prst="rect">
+            <a:avLst/>
+          </a:prstGeom>
+          <a:noFill/>
+        </p:spPr>
+        <p:txBody>
+          <a:bodyPr wrap="none" rtlCol="0">
+            <a:spAutoFit/>
+          </a:bodyPr>
+          <a:lstStyle/>
+          <a:p>
+            <a:r>
+              <a:rPr lang="en-US" altLang="zh-CN" dirty="0" smtClean="0"/>
+              <a:t>This is linear!</a:t>
+            </a:r>
+            <a:endParaRPr lang="zh-CN" altLang="en-US" dirty="0"/>
+          </a:p>
+        </p:txBody>
+      </p:sp>
+      <p:sp>
+        <p:nvSpPr>
+          <p:cNvPr id="10" name="文本框 9"/>
+          <p:cNvSpPr txBox="1"/>
+          <p:nvPr/>
+        </p:nvSpPr>
+        <p:spPr>
+          <a:xfrm>
+            <a:off x="523568" y="4260389"/>
+            <a:ext cx="8216288" cy="646331"/>
+          </a:xfrm>
+          <a:prstGeom prst="rect">
+            <a:avLst/>
+          </a:prstGeom>
+          <a:noFill/>
+        </p:spPr>
+        <p:txBody>
+          <a:bodyPr wrap="none" rtlCol="0">
+            <a:spAutoFit/>
+          </a:bodyPr>
+          <a:lstStyle/>
+          <a:p>
+            <a:r>
+              <a:rPr lang="en-US" altLang="zh-CN" dirty="0" smtClean="0"/>
+              <a:t>We can transfer the performance counters for each kernel to </a:t>
+            </a:r>
+            <a:r>
+              <a:rPr lang="en-US" altLang="zh-CN" dirty="0" err="1" smtClean="0"/>
+              <a:t>GPUWattch</a:t>
+            </a:r>
+            <a:r>
+              <a:rPr lang="en-US" altLang="zh-CN" dirty="0" smtClean="0"/>
+              <a:t> to calculate!</a:t>
+            </a:r>
+          </a:p>
+          <a:p>
+            <a:r>
+              <a:rPr lang="en-US" altLang="zh-CN" dirty="0" smtClean="0"/>
+              <a:t>This means that we view this kernel only has one sampling period to finish. </a:t>
+            </a:r>
+            <a:endParaRPr lang="zh-CN" altLang="en-US" dirty="0"/>
+          </a:p>
+        </p:txBody>
+      </p:sp>
+      <p:sp>
+        <p:nvSpPr>
+          <p:cNvPr id="11" name="文本框 10"/>
+          <p:cNvSpPr txBox="1"/>
+          <p:nvPr/>
+        </p:nvSpPr>
+        <p:spPr>
+          <a:xfrm>
+            <a:off x="523568" y="5560142"/>
+            <a:ext cx="10102645" cy="830997"/>
+          </a:xfrm>
+          <a:prstGeom prst="rect">
+            <a:avLst/>
+          </a:prstGeom>
+          <a:noFill/>
+        </p:spPr>
+        <p:txBody>
+          <a:bodyPr wrap="square" rtlCol="0">
+            <a:spAutoFit/>
+          </a:bodyPr>
+          <a:lstStyle/>
+          <a:p>
+            <a:r>
+              <a:rPr lang="en-US" altLang="zh-CN" sz="2400" dirty="0" smtClean="0"/>
+              <a:t>OK, we can transfer the data now… Wait! the metrics from </a:t>
+            </a:r>
+            <a:r>
+              <a:rPr lang="en-US" altLang="zh-CN" sz="2400" dirty="0" err="1" smtClean="0"/>
+              <a:t>nvprof</a:t>
+            </a:r>
+            <a:r>
+              <a:rPr lang="en-US" altLang="zh-CN" sz="2400" dirty="0" smtClean="0"/>
+              <a:t> are not well matched with </a:t>
+            </a:r>
+            <a:r>
+              <a:rPr lang="en-US" altLang="zh-CN" sz="2400" dirty="0" err="1" smtClean="0"/>
+              <a:t>GPUWattch’s</a:t>
+            </a:r>
+            <a:r>
+              <a:rPr lang="en-US" altLang="zh-CN" sz="2400" dirty="0" smtClean="0"/>
+              <a:t> performance counters!</a:t>
+            </a:r>
+            <a:endParaRPr lang="zh-CN" altLang="en-US" sz="2400" dirty="0"/>
+          </a:p>
+        </p:txBody>
+      </p:sp>
+    </p:spTree>
+    <p:extLst>
+      <p:ext uri="{BB962C8B-B14F-4D97-AF65-F5344CB8AC3E}">
+        <p14:creationId xmlns:p14="http://schemas.microsoft.com/office/powerpoint/2010/main" val="1031319336"/>
+      </p:ext>
+    </p:extLst>
+  </p:cSld>
+  <p:clrMapOvr>
+    <a:masterClrMapping/>
+  </p:clrMapOvr>
+  <p:timing>
+    <p:tnLst>
+      <p:par>
+        <p:cTn id="1" dur="indefinite" restart="never" nodeType="tmRoot"/>
+      </p:par>
+    </p:tnLst>
+  </p:timing>
+</p:sld>
+</file>
+
+<file path=ppt/slides/slide15.xml><?xml version="1.0" encoding="utf-8"?>
+<p:sld xmlns:a="http://schemas.openxmlformats.org/drawingml/2006/main" xmlns:r="http://schemas.openxmlformats.org/officeDocument/2006/relationships" xmlns:p="http://schemas.openxmlformats.org/presentationml/2006/main">
+  <p:cSld>
+    <p:spTree>
+      <p:nvGrpSpPr>
+        <p:cNvPr id="1" name=""/>
+        <p:cNvGrpSpPr/>
+        <p:nvPr/>
+      </p:nvGrpSpPr>
+      <p:grpSpPr>
+        <a:xfrm>
+          <a:off x="0" y="0"/>
+          <a:ext cx="0" cy="0"/>
+          <a:chOff x="0" y="0"/>
+          <a:chExt cx="0" cy="0"/>
+        </a:xfrm>
+      </p:grpSpPr>
+      <p:sp>
+        <p:nvSpPr>
+          <p:cNvPr id="5" name="矩形 4"/>
+          <p:cNvSpPr/>
+          <p:nvPr/>
+        </p:nvSpPr>
+        <p:spPr>
+          <a:xfrm>
+            <a:off x="290051" y="178618"/>
+            <a:ext cx="6449961" cy="923330"/>
+          </a:xfrm>
+          <a:prstGeom prst="rect">
+            <a:avLst/>
+          </a:prstGeom>
+        </p:spPr>
+        <p:txBody>
+          <a:bodyPr wrap="square">
+            <a:spAutoFit/>
+          </a:bodyPr>
+          <a:lstStyle/>
+          <a:p>
+            <a:pPr>
+              <a:lnSpc>
+                <a:spcPct val="150000"/>
+              </a:lnSpc>
+            </a:pPr>
+            <a:r>
+              <a:rPr lang="en-US" altLang="zh-CN" dirty="0" smtClean="0"/>
+              <a:t>4. Transform the power metrics from </a:t>
+            </a:r>
+            <a:r>
+              <a:rPr lang="en-US" altLang="zh-CN" dirty="0" err="1" smtClean="0"/>
+              <a:t>nvprof</a:t>
+            </a:r>
+            <a:r>
+              <a:rPr lang="en-US" altLang="zh-CN" dirty="0" smtClean="0"/>
+              <a:t> to the performance counters which can satisfy GPGPU-Sim’s power model</a:t>
+            </a:r>
+            <a:endParaRPr lang="en-US" altLang="zh-CN" dirty="0" smtClean="0"/>
+          </a:p>
+        </p:txBody>
+      </p:sp>
+      <p:sp>
+        <p:nvSpPr>
+          <p:cNvPr id="6" name="文本框 5"/>
+          <p:cNvSpPr txBox="1"/>
+          <p:nvPr/>
+        </p:nvSpPr>
+        <p:spPr>
+          <a:xfrm>
+            <a:off x="290051" y="1371600"/>
+            <a:ext cx="5864747" cy="369332"/>
+          </a:xfrm>
+          <a:prstGeom prst="rect">
+            <a:avLst/>
+          </a:prstGeom>
+          <a:noFill/>
+        </p:spPr>
+        <p:txBody>
+          <a:bodyPr wrap="none" rtlCol="0">
+            <a:spAutoFit/>
+          </a:bodyPr>
+          <a:lstStyle/>
+          <a:p>
+            <a:r>
+              <a:rPr lang="en-US" altLang="zh-CN" dirty="0" smtClean="0"/>
+              <a:t>The performance counters can be divided into 3 categories…</a:t>
+            </a:r>
+            <a:endParaRPr lang="zh-CN" altLang="en-US" dirty="0"/>
+          </a:p>
+        </p:txBody>
+      </p:sp>
+      <p:sp>
+        <p:nvSpPr>
+          <p:cNvPr id="7" name="文本框 6"/>
+          <p:cNvSpPr txBox="1"/>
+          <p:nvPr/>
+        </p:nvSpPr>
+        <p:spPr>
+          <a:xfrm>
+            <a:off x="390832" y="2227006"/>
+            <a:ext cx="7750278" cy="646331"/>
+          </a:xfrm>
+          <a:prstGeom prst="rect">
+            <a:avLst/>
+          </a:prstGeom>
+          <a:noFill/>
+        </p:spPr>
+        <p:txBody>
+          <a:bodyPr wrap="square" rtlCol="0">
+            <a:spAutoFit/>
+          </a:bodyPr>
+          <a:lstStyle/>
+          <a:p>
+            <a:pPr marL="342900" indent="-342900">
+              <a:buAutoNum type="arabicPeriod"/>
+            </a:pPr>
+            <a:r>
+              <a:rPr lang="en-US" altLang="zh-CN" dirty="0" smtClean="0"/>
+              <a:t>can be found directly in </a:t>
+            </a:r>
+            <a:r>
+              <a:rPr lang="en-US" altLang="zh-CN" dirty="0" err="1" smtClean="0"/>
+              <a:t>nvprof’s</a:t>
+            </a:r>
+            <a:r>
+              <a:rPr lang="en-US" altLang="zh-CN" dirty="0" smtClean="0"/>
+              <a:t> metrics </a:t>
+            </a:r>
+          </a:p>
+          <a:p>
+            <a:r>
+              <a:rPr lang="en-US" altLang="zh-CN" dirty="0"/>
+              <a:t>	</a:t>
+            </a:r>
+            <a:r>
+              <a:rPr lang="en-US" altLang="zh-CN" dirty="0" smtClean="0"/>
+              <a:t>Like </a:t>
+            </a:r>
+            <a:r>
+              <a:rPr lang="en-US" altLang="zh-CN" i="1" dirty="0" smtClean="0"/>
+              <a:t>integer operations</a:t>
+            </a:r>
+            <a:r>
+              <a:rPr lang="en-US" altLang="zh-CN" dirty="0" smtClean="0"/>
+              <a:t>, this is included in </a:t>
+            </a:r>
+            <a:r>
+              <a:rPr lang="en-US" altLang="zh-CN" dirty="0" err="1" smtClean="0"/>
+              <a:t>nvprof’s</a:t>
+            </a:r>
+            <a:r>
+              <a:rPr lang="en-US" altLang="zh-CN" dirty="0" smtClean="0"/>
+              <a:t> output  </a:t>
+            </a:r>
+            <a:endParaRPr lang="zh-CN" altLang="en-US" dirty="0"/>
+          </a:p>
+        </p:txBody>
+      </p:sp>
+      <p:sp>
+        <p:nvSpPr>
+          <p:cNvPr id="8" name="文本框 7"/>
+          <p:cNvSpPr txBox="1"/>
+          <p:nvPr/>
+        </p:nvSpPr>
+        <p:spPr>
+          <a:xfrm>
+            <a:off x="390832" y="3429000"/>
+            <a:ext cx="8069645" cy="646331"/>
+          </a:xfrm>
+          <a:prstGeom prst="rect">
+            <a:avLst/>
+          </a:prstGeom>
+          <a:noFill/>
+        </p:spPr>
+        <p:txBody>
+          <a:bodyPr wrap="none" rtlCol="0">
+            <a:spAutoFit/>
+          </a:bodyPr>
+          <a:lstStyle/>
+          <a:p>
+            <a:pPr marL="342900" indent="-342900">
+              <a:buAutoNum type="arabicPeriod" startAt="2"/>
+            </a:pPr>
+            <a:r>
+              <a:rPr lang="en-US" altLang="zh-CN" dirty="0" smtClean="0"/>
+              <a:t>can not be found directly, but can be derived from </a:t>
+            </a:r>
+            <a:r>
+              <a:rPr lang="en-US" altLang="zh-CN" dirty="0" err="1" smtClean="0"/>
+              <a:t>nvprof’s</a:t>
+            </a:r>
+            <a:r>
+              <a:rPr lang="en-US" altLang="zh-CN" dirty="0" smtClean="0"/>
+              <a:t> metrics</a:t>
+            </a:r>
+          </a:p>
+          <a:p>
+            <a:r>
+              <a:rPr lang="en-US" altLang="zh-CN" dirty="0"/>
+              <a:t>	</a:t>
+            </a:r>
+            <a:r>
+              <a:rPr lang="en-US" altLang="zh-CN" dirty="0" smtClean="0"/>
+              <a:t>Like </a:t>
+            </a:r>
+            <a:r>
+              <a:rPr lang="en-US" altLang="zh-CN" i="1" dirty="0" err="1" smtClean="0"/>
+              <a:t>fp</a:t>
+            </a:r>
+            <a:r>
+              <a:rPr lang="en-US" altLang="zh-CN" i="1" dirty="0" smtClean="0"/>
+              <a:t> operations</a:t>
+            </a:r>
+            <a:r>
+              <a:rPr lang="en-US" altLang="zh-CN" dirty="0" smtClean="0"/>
+              <a:t>, this in </a:t>
+            </a:r>
+            <a:r>
+              <a:rPr lang="en-US" altLang="zh-CN" dirty="0" err="1" smtClean="0"/>
+              <a:t>nvprof</a:t>
+            </a:r>
+            <a:r>
+              <a:rPr lang="en-US" altLang="zh-CN" dirty="0" smtClean="0"/>
+              <a:t> is divided into 3 metrics: </a:t>
+            </a:r>
+            <a:r>
+              <a:rPr lang="en-US" altLang="zh-CN" i="1" dirty="0" smtClean="0"/>
+              <a:t>fp32, fp64, fp16</a:t>
+            </a:r>
+            <a:endParaRPr lang="zh-CN" altLang="en-US" i="1" dirty="0"/>
+          </a:p>
+        </p:txBody>
+      </p:sp>
+      <p:sp>
+        <p:nvSpPr>
+          <p:cNvPr id="9" name="文本框 8"/>
+          <p:cNvSpPr txBox="1"/>
+          <p:nvPr/>
+        </p:nvSpPr>
+        <p:spPr>
+          <a:xfrm>
+            <a:off x="8015748" y="2344994"/>
+            <a:ext cx="1358064" cy="369332"/>
+          </a:xfrm>
+          <a:prstGeom prst="rect">
+            <a:avLst/>
+          </a:prstGeom>
+          <a:noFill/>
+        </p:spPr>
+        <p:txBody>
+          <a:bodyPr wrap="none" rtlCol="0">
+            <a:spAutoFit/>
+          </a:bodyPr>
+          <a:lstStyle/>
+          <a:p>
+            <a:r>
+              <a:rPr lang="en-US" altLang="zh-CN" dirty="0" smtClean="0"/>
+              <a:t>This is good!</a:t>
+            </a:r>
+            <a:endParaRPr lang="zh-CN" altLang="en-US" dirty="0"/>
+          </a:p>
+        </p:txBody>
+      </p:sp>
+      <p:sp>
+        <p:nvSpPr>
+          <p:cNvPr id="10" name="文本框 9"/>
+          <p:cNvSpPr txBox="1"/>
+          <p:nvPr/>
+        </p:nvSpPr>
+        <p:spPr>
+          <a:xfrm>
+            <a:off x="8694780" y="3567499"/>
+            <a:ext cx="1533433" cy="369332"/>
+          </a:xfrm>
+          <a:prstGeom prst="rect">
+            <a:avLst/>
+          </a:prstGeom>
+          <a:noFill/>
+        </p:spPr>
+        <p:txBody>
+          <a:bodyPr wrap="none" rtlCol="0">
+            <a:spAutoFit/>
+          </a:bodyPr>
+          <a:lstStyle/>
+          <a:p>
+            <a:r>
+              <a:rPr lang="en-US" altLang="zh-CN" dirty="0" smtClean="0"/>
+              <a:t>This is still OK!</a:t>
+            </a:r>
+            <a:endParaRPr lang="zh-CN" altLang="en-US" dirty="0"/>
+          </a:p>
+        </p:txBody>
+      </p:sp>
+      <p:sp>
+        <p:nvSpPr>
+          <p:cNvPr id="11" name="文本框 10"/>
+          <p:cNvSpPr txBox="1"/>
+          <p:nvPr/>
+        </p:nvSpPr>
+        <p:spPr>
+          <a:xfrm>
+            <a:off x="390832" y="4989871"/>
+            <a:ext cx="7166642" cy="646331"/>
+          </a:xfrm>
+          <a:prstGeom prst="rect">
+            <a:avLst/>
+          </a:prstGeom>
+          <a:noFill/>
+        </p:spPr>
+        <p:txBody>
+          <a:bodyPr wrap="none" rtlCol="0">
+            <a:spAutoFit/>
+          </a:bodyPr>
+          <a:lstStyle/>
+          <a:p>
+            <a:r>
+              <a:rPr lang="en-US" altLang="zh-CN" dirty="0" smtClean="0"/>
+              <a:t>3.   can neither be found directly or derived…</a:t>
+            </a:r>
+          </a:p>
+          <a:p>
+            <a:r>
+              <a:rPr lang="en-US" altLang="zh-CN" dirty="0"/>
+              <a:t>	</a:t>
+            </a:r>
+            <a:r>
+              <a:rPr lang="en-US" altLang="zh-CN" dirty="0" smtClean="0"/>
+              <a:t>Like </a:t>
+            </a:r>
+            <a:r>
+              <a:rPr lang="en-US" altLang="zh-CN" i="1" dirty="0" smtClean="0"/>
+              <a:t>idle cores</a:t>
+            </a:r>
+            <a:r>
+              <a:rPr lang="en-US" altLang="zh-CN" dirty="0" smtClean="0"/>
+              <a:t>, </a:t>
+            </a:r>
+            <a:r>
+              <a:rPr lang="en-US" altLang="zh-CN" dirty="0" err="1" smtClean="0"/>
+              <a:t>nvprof</a:t>
+            </a:r>
+            <a:r>
+              <a:rPr lang="en-US" altLang="zh-CN" dirty="0" smtClean="0"/>
+              <a:t> does not offer any information about this…</a:t>
+            </a:r>
+            <a:endParaRPr lang="zh-CN" altLang="en-US" i="1" dirty="0"/>
+          </a:p>
+        </p:txBody>
+      </p:sp>
+      <p:sp>
+        <p:nvSpPr>
+          <p:cNvPr id="12" name="笑脸 11"/>
+          <p:cNvSpPr/>
+          <p:nvPr/>
+        </p:nvSpPr>
+        <p:spPr>
+          <a:xfrm>
+            <a:off x="10549189" y="4989871"/>
+            <a:ext cx="914400" cy="914400"/>
+          </a:xfrm>
+          <a:prstGeom prst="smileyFace">
+            <a:avLst>
+              <a:gd name="adj" fmla="val -4653"/>
+            </a:avLst>
+          </a:prstGeom>
+        </p:spPr>
+        <p:style>
+          <a:lnRef idx="2">
+            <a:schemeClr val="accent4">
+              <a:shade val="50000"/>
+            </a:schemeClr>
+          </a:lnRef>
+          <a:fillRef idx="1">
+            <a:schemeClr val="accent4"/>
+          </a:fillRef>
+          <a:effectRef idx="0">
+            <a:schemeClr val="accent4"/>
+          </a:effectRef>
+          <a:fontRef idx="minor">
+            <a:schemeClr val="lt1"/>
+          </a:fontRef>
+        </p:style>
+        <p:txBody>
+          <a:bodyPr rtlCol="0" anchor="ctr"/>
+          <a:lstStyle/>
+          <a:p>
+            <a:pPr algn="ctr"/>
+            <a:endParaRPr lang="zh-CN" altLang="en-US"/>
+          </a:p>
+        </p:txBody>
+      </p:sp>
+      <p:sp>
+        <p:nvSpPr>
+          <p:cNvPr id="13" name="文本框 12"/>
+          <p:cNvSpPr txBox="1"/>
+          <p:nvPr/>
+        </p:nvSpPr>
+        <p:spPr>
+          <a:xfrm>
+            <a:off x="8264013" y="5128370"/>
+            <a:ext cx="1578637" cy="369332"/>
+          </a:xfrm>
+          <a:prstGeom prst="rect">
+            <a:avLst/>
+          </a:prstGeom>
+          <a:noFill/>
+        </p:spPr>
+        <p:txBody>
+          <a:bodyPr wrap="none" rtlCol="0">
+            <a:spAutoFit/>
+          </a:bodyPr>
+          <a:lstStyle/>
+          <a:p>
+            <a:r>
+              <a:rPr lang="en-US" altLang="zh-CN" dirty="0" smtClean="0"/>
+              <a:t>This is too sad!</a:t>
+            </a:r>
+            <a:endParaRPr lang="zh-CN" altLang="en-US" dirty="0"/>
+          </a:p>
+        </p:txBody>
+      </p:sp>
+    </p:spTree>
+    <p:extLst>
+      <p:ext uri="{BB962C8B-B14F-4D97-AF65-F5344CB8AC3E}">
+        <p14:creationId xmlns:p14="http://schemas.microsoft.com/office/powerpoint/2010/main" val="514005908"/>
+      </p:ext>
+    </p:extLst>
+  </p:cSld>
+  <p:clrMapOvr>
+    <a:masterClrMapping/>
+  </p:clrMapOvr>
+  <p:timing>
+    <p:tnLst>
+      <p:par>
+        <p:cTn id="1" dur="indefinite" restart="never" nodeType="tmRoot"/>
+      </p:par>
+    </p:tnLst>
+  </p:timing>
+</p:sld>
+</file>
+
+<file path=ppt/slides/slide16.xml><?xml version="1.0" encoding="utf-8"?>
+<p:sld xmlns:a="http://schemas.openxmlformats.org/drawingml/2006/main" xmlns:r="http://schemas.openxmlformats.org/officeDocument/2006/relationships" xmlns:p="http://schemas.openxmlformats.org/presentationml/2006/main">
+  <p:cSld>
+    <p:spTree>
+      <p:nvGrpSpPr>
+        <p:cNvPr id="1" name=""/>
+        <p:cNvGrpSpPr/>
+        <p:nvPr/>
+      </p:nvGrpSpPr>
+      <p:grpSpPr>
+        <a:xfrm>
+          <a:off x="0" y="0"/>
+          <a:ext cx="0" cy="0"/>
+          <a:chOff x="0" y="0"/>
+          <a:chExt cx="0" cy="0"/>
+        </a:xfrm>
+      </p:grpSpPr>
+      <p:sp>
+        <p:nvSpPr>
+          <p:cNvPr id="4" name="文本框 3"/>
+          <p:cNvSpPr txBox="1"/>
+          <p:nvPr/>
+        </p:nvSpPr>
+        <p:spPr>
+          <a:xfrm>
+            <a:off x="228600" y="339213"/>
+            <a:ext cx="9591728" cy="369332"/>
+          </a:xfrm>
+          <a:prstGeom prst="rect">
+            <a:avLst/>
+          </a:prstGeom>
+          <a:noFill/>
+        </p:spPr>
+        <p:txBody>
+          <a:bodyPr wrap="none" rtlCol="0">
+            <a:spAutoFit/>
+          </a:bodyPr>
+          <a:lstStyle/>
+          <a:p>
+            <a:r>
+              <a:rPr lang="en-US" altLang="zh-CN" dirty="0" smtClean="0"/>
+              <a:t>To deal with those “missing” performance counters, we have to estimate them as correct as possible</a:t>
+            </a:r>
+            <a:endParaRPr lang="zh-CN" altLang="en-US" dirty="0"/>
+          </a:p>
+        </p:txBody>
+      </p:sp>
+    </p:spTree>
+    <p:extLst>
+      <p:ext uri="{BB962C8B-B14F-4D97-AF65-F5344CB8AC3E}">
+        <p14:creationId xmlns:p14="http://schemas.microsoft.com/office/powerpoint/2010/main" val="4078986352"/>
       </p:ext>
     </p:extLst>
   </p:cSld>
@@ -5569,16 +8859,46 @@
           <a:chExt cx="0" cy="0"/>
         </a:xfrm>
       </p:grpSpPr>
-      <p:sp>
-        <p:nvSpPr>
-          <p:cNvPr id="4" name="文本框 3"/>
+      <p:pic>
+        <p:nvPicPr>
+          <p:cNvPr id="5" name="图片 4"/>
+          <p:cNvPicPr>
+            <a:picLocks noChangeAspect="1"/>
+          </p:cNvPicPr>
+          <p:nvPr/>
+        </p:nvPicPr>
+        <p:blipFill>
+          <a:blip r:embed="rId2">
+            <a:extLst>
+              <a:ext uri="{28A0092B-C50C-407E-A947-70E740481C1C}">
+                <a14:useLocalDpi xmlns:a14="http://schemas.microsoft.com/office/drawing/2010/main" val="0"/>
+              </a:ext>
+            </a:extLst>
+          </a:blip>
+          <a:stretch>
+            <a:fillRect/>
+          </a:stretch>
+        </p:blipFill>
+        <p:spPr>
+          <a:xfrm>
+            <a:off x="1027018" y="516193"/>
+            <a:ext cx="10904880" cy="6858000"/>
+          </a:xfrm>
+          <a:prstGeom prst="rect">
+            <a:avLst/>
+          </a:prstGeom>
+        </p:spPr>
+      </p:pic>
+      <p:sp>
+        <p:nvSpPr>
+          <p:cNvPr id="6" name="文本框 5"/>
           <p:cNvSpPr txBox="1"/>
           <p:nvPr/>
         </p:nvSpPr>
         <p:spPr>
           <a:xfrm>
-            <a:off x="781665" y="604684"/>
-            <a:ext cx="4979889" cy="523220"/>
+            <a:off x="501445" y="206477"/>
+            <a:ext cx="5405454" cy="461665"/>
           </a:xfrm>
           <a:prstGeom prst="rect">
             <a:avLst/>
@@ -5592,31 +8912,60 @@
           <a:lstStyle/>
           <a:p>
             <a:r>
-              <a:rPr lang="en-US" altLang="zh-CN" dirty="0" smtClean="0"/>
-              <a:t>The most important function </a:t>
-            </a:r>
-            <a:r>
-              <a:rPr lang="en-US" altLang="zh-CN" sz="2800" dirty="0" err="1" smtClean="0"/>
-              <a:t>mcpat_cycle</a:t>
-            </a:r>
-            <a:r>
-              <a:rPr lang="en-US" altLang="zh-CN" sz="2800" dirty="0" smtClean="0"/>
-              <a:t>()</a:t>
-            </a:r>
-            <a:endParaRPr lang="zh-CN" altLang="en-US" dirty="0"/>
-          </a:p>
-        </p:txBody>
-      </p:sp>
-      <p:sp>
-        <p:nvSpPr>
-          <p:cNvPr id="5" name="文本框 4"/>
+              <a:rPr lang="en-US" altLang="zh-CN" sz="2400" dirty="0" smtClean="0"/>
+              <a:t>How GPGPU-Sim generate a power report</a:t>
+            </a:r>
+            <a:endParaRPr lang="zh-CN" altLang="en-US" sz="2400" dirty="0"/>
+          </a:p>
+        </p:txBody>
+      </p:sp>
+    </p:spTree>
+    <p:extLst>
+      <p:ext uri="{BB962C8B-B14F-4D97-AF65-F5344CB8AC3E}">
+        <p14:creationId xmlns:p14="http://schemas.microsoft.com/office/powerpoint/2010/main" val="654011969"/>
+      </p:ext>
+    </p:extLst>
+  </p:cSld>
+  <p:clrMapOvr>
+    <a:masterClrMapping/>
+  </p:clrMapOvr>
+  <p:timing>
+    <p:tnLst>
+      <p:par>
+        <p:cTn id="1" dur="indefinite" restart="never" nodeType="tmRoot"/>
+      </p:par>
+    </p:tnLst>
+  </p:timing>
+</p:sld>
+</file>
+
+<file path=ppt/slides/slide8.xml><?xml version="1.0" encoding="utf-8"?>
+<p:sld xmlns:a="http://schemas.openxmlformats.org/drawingml/2006/main" xmlns:r="http://schemas.openxmlformats.org/officeDocument/2006/relationships" xmlns:p="http://schemas.openxmlformats.org/presentationml/2006/main">
+  <p:cSld>
+    <p:spTree>
+      <p:nvGrpSpPr>
+        <p:cNvPr id="1" name=""/>
+        <p:cNvGrpSpPr/>
+        <p:nvPr/>
+      </p:nvGrpSpPr>
+      <p:grpSpPr>
+        <a:xfrm>
+          <a:off x="0" y="0"/>
+          <a:ext cx="0" cy="0"/>
+          <a:chOff x="0" y="0"/>
+          <a:chExt cx="0" cy="0"/>
+        </a:xfrm>
+      </p:grpSpPr>
+      <p:sp>
+        <p:nvSpPr>
+          <p:cNvPr id="4" name="文本框 3"/>
           <p:cNvSpPr txBox="1"/>
           <p:nvPr/>
         </p:nvSpPr>
         <p:spPr>
           <a:xfrm>
-            <a:off x="2013154" y="1224116"/>
-            <a:ext cx="8395632" cy="646331"/>
+            <a:off x="781665" y="604684"/>
+            <a:ext cx="4761881" cy="523220"/>
           </a:xfrm>
           <a:prstGeom prst="rect">
             <a:avLst/>
@@ -5631,13 +8980,11 @@
           <a:p>
             <a:r>
               <a:rPr lang="en-US" altLang="zh-CN" dirty="0" smtClean="0"/>
-              <a:t>Every sample period (500 cycles by default), this function will be activated and calculate</a:t>
-            </a:r>
-          </a:p>
-          <a:p>
-            <a:r>
-              <a:rPr lang="en-US" altLang="zh-CN" dirty="0" smtClean="0"/>
-              <a:t>the power for each component. The results will be stored.</a:t>
+              <a:t>The most important function </a:t>
+            </a:r>
+            <a:r>
+              <a:rPr lang="en-US" altLang="zh-CN" sz="2800" dirty="0" err="1" smtClean="0"/>
+              <a:t>mcpat_cycle</a:t>
             </a:r>
             <a:endParaRPr lang="zh-CN" altLang="en-US" dirty="0"/>
           </a:p>
@@ -5645,14 +8992,14 @@
       </p:sp>
       <p:sp>
         <p:nvSpPr>
-          <p:cNvPr id="6" name="文本框 5"/>
+          <p:cNvPr id="5" name="文本框 4"/>
           <p:cNvSpPr txBox="1"/>
           <p:nvPr/>
         </p:nvSpPr>
         <p:spPr>
           <a:xfrm>
-            <a:off x="781665" y="2064774"/>
-            <a:ext cx="10805650" cy="523220"/>
+            <a:off x="2013154" y="1224116"/>
+            <a:ext cx="8395632" cy="646331"/>
           </a:xfrm>
           <a:prstGeom prst="rect">
             <a:avLst/>
@@ -5667,23 +9014,13 @@
           <a:p>
             <a:r>
               <a:rPr lang="en-US" altLang="zh-CN" dirty="0" smtClean="0"/>
-              <a:t>The function to generate the power  </a:t>
-            </a:r>
-            <a:r>
-              <a:rPr lang="en-US" altLang="zh-CN" sz="2800" dirty="0" err="1" smtClean="0"/>
-              <a:t>gpgpu_sim_wrapper</a:t>
-            </a:r>
-            <a:r>
-              <a:rPr lang="en-US" altLang="zh-CN" sz="2800" dirty="0" smtClean="0"/>
-              <a:t>::</a:t>
-            </a:r>
-            <a:r>
-              <a:rPr lang="en-US" altLang="zh-CN" sz="2800" dirty="0" err="1" smtClean="0"/>
-              <a:t>print_power_kernel_stats</a:t>
-            </a:r>
-            <a:r>
-              <a:rPr lang="en-US" altLang="zh-CN" sz="2800" dirty="0" smtClean="0"/>
-              <a:t>()</a:t>
+              <a:t>Every sample period (500 cycles by default), this function will be activated and calculate</a:t>
+            </a:r>
+          </a:p>
+          <a:p>
+            <a:r>
+              <a:rPr lang="en-US" altLang="zh-CN" dirty="0" smtClean="0"/>
+              <a:t>the power for each component. The results will be stored.</a:t>
             </a:r>
             <a:endParaRPr lang="zh-CN" altLang="en-US" dirty="0"/>
           </a:p>
@@ -5691,14 +9028,14 @@
       </p:sp>
       <p:sp>
         <p:nvSpPr>
-          <p:cNvPr id="7" name="文本框 6"/>
+          <p:cNvPr id="6" name="文本框 5"/>
           <p:cNvSpPr txBox="1"/>
           <p:nvPr/>
         </p:nvSpPr>
         <p:spPr>
           <a:xfrm>
-            <a:off x="2116394" y="3134032"/>
-            <a:ext cx="8120749" cy="646331"/>
+            <a:off x="781665" y="2064774"/>
+            <a:ext cx="10805650" cy="523220"/>
           </a:xfrm>
           <a:prstGeom prst="rect">
             <a:avLst/>
@@ -5713,6 +9050,52 @@
           <a:p>
             <a:r>
               <a:rPr lang="en-US" altLang="zh-CN" dirty="0" smtClean="0"/>
+              <a:t>The function to generate the power  </a:t>
+            </a:r>
+            <a:r>
+              <a:rPr lang="en-US" altLang="zh-CN" sz="2800" dirty="0" err="1" smtClean="0"/>
+              <a:t>gpgpu_sim_wrapper</a:t>
+            </a:r>
+            <a:r>
+              <a:rPr lang="en-US" altLang="zh-CN" sz="2800" dirty="0" smtClean="0"/>
+              <a:t>::</a:t>
+            </a:r>
+            <a:r>
+              <a:rPr lang="en-US" altLang="zh-CN" sz="2800" dirty="0" err="1" smtClean="0"/>
+              <a:t>print_power_kernel_stats</a:t>
+            </a:r>
+            <a:r>
+              <a:rPr lang="en-US" altLang="zh-CN" sz="2800" dirty="0" smtClean="0"/>
+              <a:t>()</a:t>
+            </a:r>
+            <a:endParaRPr lang="zh-CN" altLang="en-US" dirty="0"/>
+          </a:p>
+        </p:txBody>
+      </p:sp>
+      <p:sp>
+        <p:nvSpPr>
+          <p:cNvPr id="7" name="文本框 6"/>
+          <p:cNvSpPr txBox="1"/>
+          <p:nvPr/>
+        </p:nvSpPr>
+        <p:spPr>
+          <a:xfrm>
+            <a:off x="2116394" y="3134032"/>
+            <a:ext cx="8120749" cy="646331"/>
+          </a:xfrm>
+          <a:prstGeom prst="rect">
+            <a:avLst/>
+          </a:prstGeom>
+          <a:noFill/>
+        </p:spPr>
+        <p:txBody>
+          <a:bodyPr wrap="none" rtlCol="0">
+            <a:spAutoFit/>
+          </a:bodyPr>
+          <a:lstStyle/>
+          <a:p>
+            <a:r>
+              <a:rPr lang="en-US" altLang="zh-CN" dirty="0" smtClean="0"/>
               <a:t>At the end of each kernel, this function will be called and generate the power report </a:t>
             </a:r>
           </a:p>
@@ -5727,7 +9110,7 @@
             </a:r>
             <a:r>
               <a:rPr lang="en-US" altLang="zh-CN" dirty="0" smtClean="0"/>
-              <a:t>().</a:t>
+              <a:t>.</a:t>
             </a:r>
             <a:endParaRPr lang="zh-CN" altLang="en-US" dirty="0"/>
           </a:p>
@@ -5938,7 +9321,7 @@
 </p:sld>
 </file>
 
-<file path=ppt/slides/slide8.xml><?xml version="1.0" encoding="utf-8"?>
+<file path=ppt/slides/slide9.xml><?xml version="1.0" encoding="utf-8"?>
 <p:sld xmlns:a="http://schemas.openxmlformats.org/drawingml/2006/main" xmlns:r="http://schemas.openxmlformats.org/officeDocument/2006/relationships" xmlns:p="http://schemas.openxmlformats.org/presentationml/2006/main">
   <p:cSld>
     <p:spTree>
@@ -5963,8 +9346,8 @@
         </p:nvSpPr>
         <p:spPr>
           <a:xfrm>
-            <a:off x="752168" y="597310"/>
-            <a:ext cx="4878515" cy="923330"/>
+            <a:off x="5818238" y="185323"/>
+            <a:ext cx="2676832" cy="2554545"/>
           </a:xfrm>
           <a:prstGeom prst="rect">
             <a:avLst/>
@@ -5972,14 +9355,14 @@
           <a:noFill/>
         </p:spPr>
         <p:txBody>
-          <a:bodyPr wrap="none" rtlCol="0">
+          <a:bodyPr wrap="square" rtlCol="0">
             <a:spAutoFit/>
           </a:bodyPr>
           <a:lstStyle/>
           <a:p>
             <a:r>
-              <a:rPr lang="en-US" altLang="zh-CN" dirty="0" smtClean="0"/>
-              <a:t>Find a set of object files that </a:t>
+              <a:rPr lang="en-US" altLang="zh-CN" sz="2000" dirty="0" smtClean="0"/>
+              <a:t>Third, find a set of object files that </a:t>
             </a:r>
           </a:p>
           <a:p>
@@ -5987,7 +9370,15 @@
               <a:buAutoNum type="arabicPeriod"/>
             </a:pPr>
             <a:r>
-              <a:rPr lang="en-US" altLang="zh-CN" dirty="0" smtClean="0"/>
+              <a:rPr lang="en-US" altLang="zh-CN" sz="2000" dirty="0" smtClean="0"/>
+              <a:t> </a:t>
+            </a:r>
+            <a:r>
+              <a:rPr lang="en-US" altLang="zh-CN" sz="2000" dirty="0" smtClean="0">
+                <a:solidFill>
+                  <a:srgbClr val="FF0000"/>
+                </a:solidFill>
+              </a:rPr>
               <a:t>contains all the functions/variables we need </a:t>
             </a:r>
           </a:p>
@@ -5996,10 +9387,313 @@
               <a:buAutoNum type="arabicPeriod"/>
             </a:pPr>
             <a:r>
-              <a:rPr lang="en-US" altLang="zh-CN" dirty="0" smtClean="0"/>
+              <a:rPr lang="en-US" altLang="zh-CN" sz="2000" dirty="0" smtClean="0"/>
+              <a:t> </a:t>
+            </a:r>
+            <a:r>
+              <a:rPr lang="en-US" altLang="zh-CN" sz="2000" dirty="0" smtClean="0">
+                <a:solidFill>
+                  <a:srgbClr val="FF0000"/>
+                </a:solidFill>
+              </a:rPr>
               <a:t>do not rely on other object files or libraries</a:t>
             </a:r>
-            <a:endParaRPr lang="zh-CN" altLang="en-US" dirty="0"/>
+            <a:endParaRPr lang="zh-CN" altLang="en-US" sz="2000" dirty="0">
+              <a:solidFill>
+                <a:srgbClr val="FF0000"/>
+              </a:solidFill>
+            </a:endParaRPr>
+          </a:p>
+        </p:txBody>
+      </p:sp>
+      <p:sp>
+        <p:nvSpPr>
+          <p:cNvPr id="6" name="文本框 5"/>
+          <p:cNvSpPr txBox="1"/>
+          <p:nvPr/>
+        </p:nvSpPr>
+        <p:spPr>
+          <a:xfrm>
+            <a:off x="331839" y="185323"/>
+            <a:ext cx="2676833" cy="2862322"/>
+          </a:xfrm>
+          <a:prstGeom prst="rect">
+            <a:avLst/>
+          </a:prstGeom>
+          <a:noFill/>
+        </p:spPr>
+        <p:txBody>
+          <a:bodyPr wrap="square" rtlCol="0">
+            <a:spAutoFit/>
+          </a:bodyPr>
+          <a:lstStyle/>
+          <a:p>
+            <a:r>
+              <a:rPr lang="en-US" altLang="zh-CN" sz="2000" dirty="0" smtClean="0"/>
+              <a:t>First, write a main.cc</a:t>
+            </a:r>
+            <a:r>
+              <a:rPr lang="zh-CN" altLang="en-US" sz="2000" dirty="0" smtClean="0"/>
+              <a:t> </a:t>
+            </a:r>
+            <a:r>
+              <a:rPr lang="en-US" altLang="zh-CN" sz="2000" dirty="0" smtClean="0"/>
+              <a:t>to use the functions with </a:t>
+            </a:r>
+            <a:r>
+              <a:rPr lang="en-US" altLang="zh-CN" sz="2000" dirty="0" smtClean="0">
+                <a:solidFill>
+                  <a:srgbClr val="FF0000"/>
+                </a:solidFill>
+              </a:rPr>
+              <a:t>the same logic </a:t>
+            </a:r>
+            <a:r>
+              <a:rPr lang="en-US" altLang="zh-CN" sz="2000" dirty="0" smtClean="0"/>
+              <a:t>as GPGPU-Sim uses. </a:t>
+            </a:r>
+          </a:p>
+          <a:p>
+            <a:endParaRPr lang="en-US" altLang="zh-CN" sz="2000" dirty="0" smtClean="0"/>
+          </a:p>
+          <a:p>
+            <a:r>
+              <a:rPr lang="en-US" altLang="zh-CN" sz="2000" dirty="0" smtClean="0"/>
+              <a:t>Make sure if we can use these functions, we will generate a power report.</a:t>
+            </a:r>
+          </a:p>
+        </p:txBody>
+      </p:sp>
+      <p:sp>
+        <p:nvSpPr>
+          <p:cNvPr id="7" name="文本框 6"/>
+          <p:cNvSpPr txBox="1"/>
+          <p:nvPr/>
+        </p:nvSpPr>
+        <p:spPr>
+          <a:xfrm>
+            <a:off x="3097163" y="4521917"/>
+            <a:ext cx="2610462" cy="1938992"/>
+          </a:xfrm>
+          <a:prstGeom prst="rect">
+            <a:avLst/>
+          </a:prstGeom>
+          <a:noFill/>
+        </p:spPr>
+        <p:txBody>
+          <a:bodyPr wrap="square" rtlCol="0">
+            <a:spAutoFit/>
+          </a:bodyPr>
+          <a:lstStyle/>
+          <a:p>
+            <a:r>
+              <a:rPr lang="en-US" altLang="zh-CN" sz="2000" dirty="0" smtClean="0"/>
+              <a:t>Second, find a set of  </a:t>
+            </a:r>
+          </a:p>
+          <a:p>
+            <a:r>
+              <a:rPr lang="en-US" altLang="zh-CN" sz="2000" dirty="0" smtClean="0"/>
+              <a:t>.h files that define the functions and variables we use.</a:t>
+            </a:r>
+          </a:p>
+          <a:p>
+            <a:r>
+              <a:rPr lang="en-US" altLang="zh-CN" sz="2000" dirty="0" smtClean="0"/>
+              <a:t>And, include them in our main.cc.</a:t>
+            </a:r>
+            <a:endParaRPr lang="zh-CN" altLang="en-US" sz="2000" dirty="0"/>
+          </a:p>
+        </p:txBody>
+      </p:sp>
+      <p:sp>
+        <p:nvSpPr>
+          <p:cNvPr id="8" name="文本框 7"/>
+          <p:cNvSpPr txBox="1"/>
+          <p:nvPr/>
+        </p:nvSpPr>
+        <p:spPr>
+          <a:xfrm>
+            <a:off x="8672052" y="4521917"/>
+            <a:ext cx="3318386" cy="1323439"/>
+          </a:xfrm>
+          <a:prstGeom prst="rect">
+            <a:avLst/>
+          </a:prstGeom>
+          <a:noFill/>
+        </p:spPr>
+        <p:txBody>
+          <a:bodyPr wrap="square" rtlCol="0">
+            <a:spAutoFit/>
+          </a:bodyPr>
+          <a:lstStyle/>
+          <a:p>
+            <a:r>
+              <a:rPr lang="en-US" altLang="zh-CN" sz="2000" dirty="0" smtClean="0"/>
+              <a:t>Design the compile command,</a:t>
+            </a:r>
+          </a:p>
+          <a:p>
+            <a:r>
+              <a:rPr lang="en-US" altLang="zh-CN" sz="2000" dirty="0" smtClean="0"/>
+              <a:t> include all the .h files in</a:t>
+            </a:r>
+          </a:p>
+          <a:p>
+            <a:r>
+              <a:rPr lang="en-US" altLang="zh-CN" sz="2000" dirty="0" smtClean="0"/>
+              <a:t> the –I option and all the .o files</a:t>
+            </a:r>
+            <a:endParaRPr lang="zh-CN" altLang="en-US" sz="2000" dirty="0"/>
+          </a:p>
+        </p:txBody>
+      </p:sp>
+      <p:sp>
+        <p:nvSpPr>
+          <p:cNvPr id="9" name="直角上箭头 8"/>
+          <p:cNvSpPr/>
+          <p:nvPr/>
+        </p:nvSpPr>
+        <p:spPr>
+          <a:xfrm rot="5400000">
+            <a:off x="570542" y="3426273"/>
+            <a:ext cx="2664000" cy="2050026"/>
+          </a:xfrm>
+          <a:prstGeom prst="bentUpArrow">
+            <a:avLst>
+              <a:gd name="adj1" fmla="val 11691"/>
+              <a:gd name="adj2" fmla="val 25000"/>
+              <a:gd name="adj3" fmla="val 25000"/>
+            </a:avLst>
+          </a:prstGeom>
+          <a:solidFill>
+            <a:schemeClr val="accent4">
+              <a:lumMod val="20000"/>
+              <a:lumOff val="80000"/>
+            </a:schemeClr>
+          </a:solidFill>
+        </p:spPr>
+        <p:style>
+          <a:lnRef idx="2">
+            <a:schemeClr val="accent1">
+              <a:shade val="50000"/>
+            </a:schemeClr>
+          </a:lnRef>
+          <a:fillRef idx="1">
+            <a:schemeClr val="accent1"/>
+          </a:fillRef>
+          <a:effectRef idx="0">
+            <a:schemeClr val="accent1"/>
+          </a:effectRef>
+          <a:fontRef idx="minor">
+            <a:schemeClr val="lt1"/>
+          </a:fontRef>
+        </p:style>
+        <p:txBody>
+          <a:bodyPr rtlCol="0" anchor="ctr"/>
+          <a:lstStyle/>
+          <a:p>
+            <a:pPr algn="ctr"/>
+            <a:endParaRPr lang="zh-CN" altLang="en-US"/>
+          </a:p>
+        </p:txBody>
+      </p:sp>
+      <p:sp>
+        <p:nvSpPr>
+          <p:cNvPr id="10" name="直角上箭头 9"/>
+          <p:cNvSpPr/>
+          <p:nvPr/>
+        </p:nvSpPr>
+        <p:spPr>
+          <a:xfrm rot="5400000">
+            <a:off x="6315039" y="3354632"/>
+            <a:ext cx="2664000" cy="2050026"/>
+          </a:xfrm>
+          <a:prstGeom prst="bentUpArrow">
+            <a:avLst>
+              <a:gd name="adj1" fmla="val 11691"/>
+              <a:gd name="adj2" fmla="val 25000"/>
+              <a:gd name="adj3" fmla="val 25000"/>
+            </a:avLst>
+          </a:prstGeom>
+          <a:solidFill>
+            <a:schemeClr val="accent4">
+              <a:lumMod val="20000"/>
+              <a:lumOff val="80000"/>
+            </a:schemeClr>
+          </a:solidFill>
+        </p:spPr>
+        <p:style>
+          <a:lnRef idx="2">
+            <a:schemeClr val="accent1">
+              <a:shade val="50000"/>
+            </a:schemeClr>
+          </a:lnRef>
+          <a:fillRef idx="1">
+            <a:schemeClr val="accent1"/>
+          </a:fillRef>
+          <a:effectRef idx="0">
+            <a:schemeClr val="accent1"/>
+          </a:effectRef>
+          <a:fontRef idx="minor">
+            <a:schemeClr val="lt1"/>
+          </a:fontRef>
+        </p:style>
+        <p:txBody>
+          <a:bodyPr rtlCol="0" anchor="ctr"/>
+          <a:lstStyle/>
+          <a:p>
+            <a:pPr algn="ctr"/>
+            <a:endParaRPr lang="zh-CN" altLang="en-US"/>
+          </a:p>
+        </p:txBody>
+      </p:sp>
+      <p:sp>
+        <p:nvSpPr>
+          <p:cNvPr id="11" name="圆角右箭头 10"/>
+          <p:cNvSpPr/>
+          <p:nvPr/>
+        </p:nvSpPr>
+        <p:spPr>
+          <a:xfrm>
+            <a:off x="3805083" y="1054510"/>
+            <a:ext cx="1732935" cy="3052916"/>
+          </a:xfrm>
+          <a:prstGeom prst="bentArrow">
+            <a:avLst>
+              <a:gd name="adj1" fmla="val 12234"/>
+              <a:gd name="adj2" fmla="val 24148"/>
+              <a:gd name="adj3" fmla="val 35638"/>
+              <a:gd name="adj4" fmla="val 0"/>
+            </a:avLst>
+          </a:prstGeom>
+        </p:spPr>
+        <p:style>
+          <a:lnRef idx="2">
+            <a:schemeClr val="accent1">
+              <a:shade val="50000"/>
+            </a:schemeClr>
+          </a:lnRef>
+          <a:fillRef idx="1">
+            <a:schemeClr val="accent1"/>
+          </a:fillRef>
+          <a:effectRef idx="0">
+            <a:schemeClr val="accent1"/>
+          </a:effectRef>
+          <a:fontRef idx="minor">
+            <a:schemeClr val="lt1"/>
+          </a:fontRef>
+        </p:style>
+        <p:txBody>
+          <a:bodyPr rtlCol="0" anchor="ctr"/>
+          <a:lstStyle/>
+          <a:p>
+            <a:pPr algn="ctr"/>
+            <a:endParaRPr lang="zh-CN" altLang="en-US">
+              <a:solidFill>
+                <a:schemeClr val="tx1"/>
+              </a:solidFill>
+            </a:endParaRPr>
           </a:p>
         </p:txBody>
       </p:sp>

--- a/presentation/Shen Zongyi.pptx
+++ b/presentation/Shen Zongyi.pptx
@@ -4,6 +4,9 @@
   <p:sldMasterIdLst>
     <p:sldMasterId id="2147483648" r:id="rId1"/>
   </p:sldMasterIdLst>
+  <p:notesMasterIdLst>
+    <p:notesMasterId r:id="rId28"/>
+  </p:notesMasterIdLst>
   <p:sldIdLst>
     <p:sldId id="256" r:id="rId2"/>
     <p:sldId id="257" r:id="rId3"/>
@@ -21,6 +24,16 @@
     <p:sldId id="269" r:id="rId15"/>
     <p:sldId id="270" r:id="rId16"/>
     <p:sldId id="271" r:id="rId17"/>
+    <p:sldId id="272" r:id="rId18"/>
+    <p:sldId id="273" r:id="rId19"/>
+    <p:sldId id="274" r:id="rId20"/>
+    <p:sldId id="275" r:id="rId21"/>
+    <p:sldId id="276" r:id="rId22"/>
+    <p:sldId id="277" r:id="rId23"/>
+    <p:sldId id="278" r:id="rId24"/>
+    <p:sldId id="279" r:id="rId25"/>
+    <p:sldId id="280" r:id="rId26"/>
+    <p:sldId id="281" r:id="rId27"/>
   </p:sldIdLst>
   <p:sldSz cx="12192000" cy="6858000"/>
   <p:notesSz cx="6858000" cy="9144000"/>
@@ -120,6 +133,1493 @@
     </a:lvl9pPr>
   </p:defaultTextStyle>
 </p:presentation>
+</file>
+
+<file path=ppt/charts/chart1.xml><?xml version="1.0" encoding="utf-8"?>
+<c:chartSpace xmlns:c="http://schemas.openxmlformats.org/drawingml/2006/chart" xmlns:a="http://schemas.openxmlformats.org/drawingml/2006/main" xmlns:r="http://schemas.openxmlformats.org/officeDocument/2006/relationships">
+  <c:date1904 val="0"/>
+  <c:lang val="zh-CN"/>
+  <c:roundedCorners val="0"/>
+  <mc:AlternateContent xmlns:mc="http://schemas.openxmlformats.org/markup-compatibility/2006">
+    <mc:Choice xmlns:c14="http://schemas.microsoft.com/office/drawing/2007/8/2/chart" Requires="c14">
+      <c14:style val="102"/>
+    </mc:Choice>
+    <mc:Fallback>
+      <c:style val="2"/>
+    </mc:Fallback>
+  </mc:AlternateContent>
+  <c:chart>
+    <c:title>
+      <c:tx>
+        <c:rich>
+          <a:bodyPr rot="0" spcFirstLastPara="1" vertOverflow="ellipsis" vert="horz" wrap="square" anchor="ctr" anchorCtr="1"/>
+          <a:lstStyle/>
+          <a:p>
+            <a:pPr>
+              <a:defRPr sz="1400" b="0" i="0" u="none" strike="noStrike" kern="1200" spc="0" baseline="0">
+                <a:solidFill>
+                  <a:schemeClr val="tx1">
+                    <a:lumMod val="65000"/>
+                    <a:lumOff val="35000"/>
+                  </a:schemeClr>
+                </a:solidFill>
+                <a:latin typeface="+mn-lt"/>
+                <a:ea typeface="+mn-ea"/>
+                <a:cs typeface="+mn-cs"/>
+              </a:defRPr>
+            </a:pPr>
+            <a:r>
+              <a:rPr lang="en-US" altLang="zh-CN"/>
+              <a:t>Power(Watts) for NN</a:t>
+            </a:r>
+            <a:endParaRPr lang="zh-CN" altLang="en-US"/>
+          </a:p>
+        </c:rich>
+      </c:tx>
+      <c:layout/>
+      <c:overlay val="0"/>
+      <c:spPr>
+        <a:noFill/>
+        <a:ln>
+          <a:noFill/>
+        </a:ln>
+        <a:effectLst/>
+      </c:spPr>
+      <c:txPr>
+        <a:bodyPr rot="0" spcFirstLastPara="1" vertOverflow="ellipsis" vert="horz" wrap="square" anchor="ctr" anchorCtr="1"/>
+        <a:lstStyle/>
+        <a:p>
+          <a:pPr>
+            <a:defRPr sz="1400" b="0" i="0" u="none" strike="noStrike" kern="1200" spc="0" baseline="0">
+              <a:solidFill>
+                <a:schemeClr val="tx1">
+                  <a:lumMod val="65000"/>
+                  <a:lumOff val="35000"/>
+                </a:schemeClr>
+              </a:solidFill>
+              <a:latin typeface="+mn-lt"/>
+              <a:ea typeface="+mn-ea"/>
+              <a:cs typeface="+mn-cs"/>
+            </a:defRPr>
+          </a:pPr>
+          <a:endParaRPr lang="zh-CN"/>
+        </a:p>
+      </c:txPr>
+    </c:title>
+    <c:autoTitleDeleted val="0"/>
+    <c:plotArea>
+      <c:layout/>
+      <c:barChart>
+        <c:barDir val="col"/>
+        <c:grouping val="clustered"/>
+        <c:varyColors val="0"/>
+        <c:ser>
+          <c:idx val="0"/>
+          <c:order val="0"/>
+          <c:tx>
+            <c:strRef>
+              <c:f>Sheet1!$A$2</c:f>
+              <c:strCache>
+                <c:ptCount val="1"/>
+                <c:pt idx="0">
+                  <c:v>original GPGPU-Sim</c:v>
+                </c:pt>
+              </c:strCache>
+            </c:strRef>
+          </c:tx>
+          <c:spPr>
+            <a:solidFill>
+              <a:schemeClr val="accent1"/>
+            </a:solidFill>
+            <a:ln>
+              <a:noFill/>
+            </a:ln>
+            <a:effectLst/>
+          </c:spPr>
+          <c:invertIfNegative val="0"/>
+          <c:dLbls>
+            <c:spPr>
+              <a:noFill/>
+              <a:ln>
+                <a:noFill/>
+              </a:ln>
+              <a:effectLst/>
+            </c:spPr>
+            <c:txPr>
+              <a:bodyPr rot="0" spcFirstLastPara="1" vertOverflow="ellipsis" vert="horz" wrap="square" lIns="38100" tIns="19050" rIns="38100" bIns="19050" anchor="ctr" anchorCtr="1">
+                <a:spAutoFit/>
+              </a:bodyPr>
+              <a:lstStyle/>
+              <a:p>
+                <a:pPr>
+                  <a:defRPr sz="900" b="0" i="0" u="none" strike="noStrike" kern="1200" baseline="0">
+                    <a:solidFill>
+                      <a:schemeClr val="tx1">
+                        <a:lumMod val="75000"/>
+                        <a:lumOff val="25000"/>
+                      </a:schemeClr>
+                    </a:solidFill>
+                    <a:latin typeface="+mn-lt"/>
+                    <a:ea typeface="+mn-ea"/>
+                    <a:cs typeface="+mn-cs"/>
+                  </a:defRPr>
+                </a:pPr>
+                <a:endParaRPr lang="zh-CN"/>
+              </a:p>
+            </c:txPr>
+            <c:showLegendKey val="0"/>
+            <c:showVal val="1"/>
+            <c:showCatName val="0"/>
+            <c:showSerName val="0"/>
+            <c:showPercent val="0"/>
+            <c:showBubbleSize val="0"/>
+            <c:showLeaderLines val="0"/>
+            <c:extLst>
+              <c:ext xmlns:c15="http://schemas.microsoft.com/office/drawing/2012/chart" uri="{CE6537A1-D6FC-4f65-9D91-7224C49458BB}">
+                <c15:layout/>
+                <c15:showLeaderLines val="1"/>
+                <c15:leaderLines>
+                  <c:spPr>
+                    <a:ln w="9525" cap="flat" cmpd="sng" algn="ctr">
+                      <a:solidFill>
+                        <a:schemeClr val="tx1">
+                          <a:lumMod val="35000"/>
+                          <a:lumOff val="65000"/>
+                        </a:schemeClr>
+                      </a:solidFill>
+                      <a:round/>
+                    </a:ln>
+                    <a:effectLst/>
+                  </c:spPr>
+                </c15:leaderLines>
+              </c:ext>
+            </c:extLst>
+          </c:dLbls>
+          <c:trendline>
+            <c:spPr>
+              <a:ln w="19050" cap="rnd">
+                <a:solidFill>
+                  <a:schemeClr val="accent1"/>
+                </a:solidFill>
+                <a:prstDash val="sysDot"/>
+              </a:ln>
+              <a:effectLst/>
+            </c:spPr>
+            <c:trendlineType val="poly"/>
+            <c:order val="6"/>
+            <c:dispRSqr val="0"/>
+            <c:dispEq val="0"/>
+          </c:trendline>
+          <c:cat>
+            <c:strRef>
+              <c:f>Sheet1!$D$1:$G$1</c:f>
+              <c:strCache>
+                <c:ptCount val="4"/>
+                <c:pt idx="0">
+                  <c:v>NN1</c:v>
+                </c:pt>
+                <c:pt idx="1">
+                  <c:v>NN2</c:v>
+                </c:pt>
+                <c:pt idx="2">
+                  <c:v>NN3</c:v>
+                </c:pt>
+                <c:pt idx="3">
+                  <c:v>NN4</c:v>
+                </c:pt>
+              </c:strCache>
+            </c:strRef>
+          </c:cat>
+          <c:val>
+            <c:numRef>
+              <c:f>Sheet1!$D$2:$G$2</c:f>
+              <c:numCache>
+                <c:formatCode>General</c:formatCode>
+                <c:ptCount val="4"/>
+                <c:pt idx="0">
+                  <c:v>13.5419</c:v>
+                </c:pt>
+                <c:pt idx="1">
+                  <c:v>16.2804</c:v>
+                </c:pt>
+                <c:pt idx="2">
+                  <c:v>18.5307</c:v>
+                </c:pt>
+                <c:pt idx="3">
+                  <c:v>12.4724</c:v>
+                </c:pt>
+              </c:numCache>
+            </c:numRef>
+          </c:val>
+        </c:ser>
+        <c:ser>
+          <c:idx val="1"/>
+          <c:order val="1"/>
+          <c:tx>
+            <c:strRef>
+              <c:f>Sheet1!$A$3</c:f>
+              <c:strCache>
+                <c:ptCount val="1"/>
+                <c:pt idx="0">
+                  <c:v>Our model</c:v>
+                </c:pt>
+              </c:strCache>
+            </c:strRef>
+          </c:tx>
+          <c:spPr>
+            <a:solidFill>
+              <a:schemeClr val="accent2"/>
+            </a:solidFill>
+            <a:ln>
+              <a:noFill/>
+            </a:ln>
+            <a:effectLst/>
+          </c:spPr>
+          <c:invertIfNegative val="0"/>
+          <c:dLbls>
+            <c:spPr>
+              <a:noFill/>
+              <a:ln>
+                <a:noFill/>
+              </a:ln>
+              <a:effectLst/>
+            </c:spPr>
+            <c:txPr>
+              <a:bodyPr rot="0" spcFirstLastPara="1" vertOverflow="ellipsis" vert="horz" wrap="square" lIns="38100" tIns="19050" rIns="38100" bIns="19050" anchor="ctr" anchorCtr="1">
+                <a:spAutoFit/>
+              </a:bodyPr>
+              <a:lstStyle/>
+              <a:p>
+                <a:pPr>
+                  <a:defRPr sz="900" b="0" i="0" u="none" strike="noStrike" kern="1200" baseline="0">
+                    <a:solidFill>
+                      <a:schemeClr val="tx1">
+                        <a:lumMod val="75000"/>
+                        <a:lumOff val="25000"/>
+                      </a:schemeClr>
+                    </a:solidFill>
+                    <a:latin typeface="+mn-lt"/>
+                    <a:ea typeface="+mn-ea"/>
+                    <a:cs typeface="+mn-cs"/>
+                  </a:defRPr>
+                </a:pPr>
+                <a:endParaRPr lang="zh-CN"/>
+              </a:p>
+            </c:txPr>
+            <c:showLegendKey val="0"/>
+            <c:showVal val="1"/>
+            <c:showCatName val="0"/>
+            <c:showSerName val="0"/>
+            <c:showPercent val="0"/>
+            <c:showBubbleSize val="0"/>
+            <c:showLeaderLines val="0"/>
+            <c:extLst>
+              <c:ext xmlns:c15="http://schemas.microsoft.com/office/drawing/2012/chart" uri="{CE6537A1-D6FC-4f65-9D91-7224C49458BB}">
+                <c15:layout/>
+                <c15:showLeaderLines val="1"/>
+                <c15:leaderLines>
+                  <c:spPr>
+                    <a:ln w="9525" cap="flat" cmpd="sng" algn="ctr">
+                      <a:solidFill>
+                        <a:schemeClr val="tx1">
+                          <a:lumMod val="35000"/>
+                          <a:lumOff val="65000"/>
+                        </a:schemeClr>
+                      </a:solidFill>
+                      <a:round/>
+                    </a:ln>
+                    <a:effectLst/>
+                  </c:spPr>
+                </c15:leaderLines>
+              </c:ext>
+            </c:extLst>
+          </c:dLbls>
+          <c:trendline>
+            <c:spPr>
+              <a:ln w="19050" cap="rnd">
+                <a:solidFill>
+                  <a:schemeClr val="accent2"/>
+                </a:solidFill>
+                <a:prstDash val="sysDot"/>
+              </a:ln>
+              <a:effectLst/>
+            </c:spPr>
+            <c:trendlineType val="linear"/>
+            <c:dispRSqr val="0"/>
+            <c:dispEq val="0"/>
+          </c:trendline>
+          <c:cat>
+            <c:strRef>
+              <c:f>Sheet1!$D$1:$G$1</c:f>
+              <c:strCache>
+                <c:ptCount val="4"/>
+                <c:pt idx="0">
+                  <c:v>NN1</c:v>
+                </c:pt>
+                <c:pt idx="1">
+                  <c:v>NN2</c:v>
+                </c:pt>
+                <c:pt idx="2">
+                  <c:v>NN3</c:v>
+                </c:pt>
+                <c:pt idx="3">
+                  <c:v>NN4</c:v>
+                </c:pt>
+              </c:strCache>
+            </c:strRef>
+          </c:cat>
+          <c:val>
+            <c:numRef>
+              <c:f>Sheet1!$D$3:$G$3</c:f>
+              <c:numCache>
+                <c:formatCode>General</c:formatCode>
+                <c:ptCount val="4"/>
+                <c:pt idx="0">
+                  <c:v>26.120100000000001</c:v>
+                </c:pt>
+                <c:pt idx="1">
+                  <c:v>26.099399999999999</c:v>
+                </c:pt>
+                <c:pt idx="2">
+                  <c:v>26.103100000000001</c:v>
+                </c:pt>
+                <c:pt idx="3">
+                  <c:v>26.116700000000002</c:v>
+                </c:pt>
+              </c:numCache>
+            </c:numRef>
+          </c:val>
+        </c:ser>
+        <c:dLbls>
+          <c:showLegendKey val="0"/>
+          <c:showVal val="0"/>
+          <c:showCatName val="0"/>
+          <c:showSerName val="0"/>
+          <c:showPercent val="0"/>
+          <c:showBubbleSize val="0"/>
+        </c:dLbls>
+        <c:gapWidth val="219"/>
+        <c:overlap val="-27"/>
+        <c:axId val="362674560"/>
+        <c:axId val="362672208"/>
+      </c:barChart>
+      <c:catAx>
+        <c:axId val="362674560"/>
+        <c:scaling>
+          <c:orientation val="minMax"/>
+        </c:scaling>
+        <c:delete val="0"/>
+        <c:axPos val="b"/>
+        <c:numFmt formatCode="General" sourceLinked="1"/>
+        <c:majorTickMark val="none"/>
+        <c:minorTickMark val="none"/>
+        <c:tickLblPos val="nextTo"/>
+        <c:spPr>
+          <a:noFill/>
+          <a:ln w="9525" cap="flat" cmpd="sng" algn="ctr">
+            <a:solidFill>
+              <a:schemeClr val="tx1">
+                <a:lumMod val="15000"/>
+                <a:lumOff val="85000"/>
+              </a:schemeClr>
+            </a:solidFill>
+            <a:round/>
+          </a:ln>
+          <a:effectLst/>
+        </c:spPr>
+        <c:txPr>
+          <a:bodyPr rot="-60000000" spcFirstLastPara="1" vertOverflow="ellipsis" vert="horz" wrap="square" anchor="ctr" anchorCtr="1"/>
+          <a:lstStyle/>
+          <a:p>
+            <a:pPr>
+              <a:defRPr sz="900" b="0" i="0" u="none" strike="noStrike" kern="1200" baseline="0">
+                <a:solidFill>
+                  <a:schemeClr val="tx1">
+                    <a:lumMod val="65000"/>
+                    <a:lumOff val="35000"/>
+                  </a:schemeClr>
+                </a:solidFill>
+                <a:latin typeface="+mn-lt"/>
+                <a:ea typeface="+mn-ea"/>
+                <a:cs typeface="+mn-cs"/>
+              </a:defRPr>
+            </a:pPr>
+            <a:endParaRPr lang="zh-CN"/>
+          </a:p>
+        </c:txPr>
+        <c:crossAx val="362672208"/>
+        <c:crosses val="autoZero"/>
+        <c:auto val="1"/>
+        <c:lblAlgn val="ctr"/>
+        <c:lblOffset val="100"/>
+        <c:noMultiLvlLbl val="0"/>
+      </c:catAx>
+      <c:valAx>
+        <c:axId val="362672208"/>
+        <c:scaling>
+          <c:orientation val="minMax"/>
+        </c:scaling>
+        <c:delete val="0"/>
+        <c:axPos val="l"/>
+        <c:majorGridlines>
+          <c:spPr>
+            <a:ln w="9525" cap="flat" cmpd="sng" algn="ctr">
+              <a:solidFill>
+                <a:schemeClr val="tx1">
+                  <a:lumMod val="15000"/>
+                  <a:lumOff val="85000"/>
+                </a:schemeClr>
+              </a:solidFill>
+              <a:round/>
+            </a:ln>
+            <a:effectLst/>
+          </c:spPr>
+        </c:majorGridlines>
+        <c:numFmt formatCode="General" sourceLinked="1"/>
+        <c:majorTickMark val="none"/>
+        <c:minorTickMark val="none"/>
+        <c:tickLblPos val="nextTo"/>
+        <c:spPr>
+          <a:noFill/>
+          <a:ln>
+            <a:noFill/>
+          </a:ln>
+          <a:effectLst/>
+        </c:spPr>
+        <c:txPr>
+          <a:bodyPr rot="-60000000" spcFirstLastPara="1" vertOverflow="ellipsis" vert="horz" wrap="square" anchor="ctr" anchorCtr="1"/>
+          <a:lstStyle/>
+          <a:p>
+            <a:pPr>
+              <a:defRPr sz="900" b="0" i="0" u="none" strike="noStrike" kern="1200" baseline="0">
+                <a:solidFill>
+                  <a:schemeClr val="tx1">
+                    <a:lumMod val="65000"/>
+                    <a:lumOff val="35000"/>
+                  </a:schemeClr>
+                </a:solidFill>
+                <a:latin typeface="+mn-lt"/>
+                <a:ea typeface="+mn-ea"/>
+                <a:cs typeface="+mn-cs"/>
+              </a:defRPr>
+            </a:pPr>
+            <a:endParaRPr lang="zh-CN"/>
+          </a:p>
+        </c:txPr>
+        <c:crossAx val="362674560"/>
+        <c:crosses val="autoZero"/>
+        <c:crossBetween val="between"/>
+      </c:valAx>
+      <c:spPr>
+        <a:noFill/>
+        <a:ln>
+          <a:noFill/>
+        </a:ln>
+        <a:effectLst/>
+      </c:spPr>
+    </c:plotArea>
+    <c:plotVisOnly val="1"/>
+    <c:dispBlanksAs val="gap"/>
+    <c:showDLblsOverMax val="0"/>
+  </c:chart>
+  <c:spPr>
+    <a:noFill/>
+    <a:ln>
+      <a:noFill/>
+    </a:ln>
+    <a:effectLst/>
+  </c:spPr>
+  <c:txPr>
+    <a:bodyPr/>
+    <a:lstStyle/>
+    <a:p>
+      <a:pPr>
+        <a:defRPr/>
+      </a:pPr>
+      <a:endParaRPr lang="zh-CN"/>
+    </a:p>
+  </c:txPr>
+  <c:externalData r:id="rId3">
+    <c:autoUpdate val="0"/>
+  </c:externalData>
+</c:chartSpace>
+</file>
+
+<file path=ppt/charts/colors1.xml><?xml version="1.0" encoding="utf-8"?>
+<cs:colorStyle xmlns:cs="http://schemas.microsoft.com/office/drawing/2012/chartStyle" xmlns:a="http://schemas.openxmlformats.org/drawingml/2006/main" meth="cycle" id="10">
+  <a:schemeClr val="accent1"/>
+  <a:schemeClr val="accent2"/>
+  <a:schemeClr val="accent3"/>
+  <a:schemeClr val="accent4"/>
+  <a:schemeClr val="accent5"/>
+  <a:schemeClr val="accent6"/>
+  <cs:variation/>
+  <cs:variation>
+    <a:lumMod val="60000"/>
+  </cs:variation>
+  <cs:variation>
+    <a:lumMod val="80000"/>
+    <a:lumOff val="20000"/>
+  </cs:variation>
+  <cs:variation>
+    <a:lumMod val="80000"/>
+  </cs:variation>
+  <cs:variation>
+    <a:lumMod val="60000"/>
+    <a:lumOff val="40000"/>
+  </cs:variation>
+  <cs:variation>
+    <a:lumMod val="50000"/>
+  </cs:variation>
+  <cs:variation>
+    <a:lumMod val="70000"/>
+    <a:lumOff val="30000"/>
+  </cs:variation>
+  <cs:variation>
+    <a:lumMod val="70000"/>
+  </cs:variation>
+  <cs:variation>
+    <a:lumMod val="50000"/>
+    <a:lumOff val="50000"/>
+  </cs:variation>
+</cs:colorStyle>
+</file>
+
+<file path=ppt/charts/style1.xml><?xml version="1.0" encoding="utf-8"?>
+<cs:chartStyle xmlns:cs="http://schemas.microsoft.com/office/drawing/2012/chartStyle" xmlns:a="http://schemas.openxmlformats.org/drawingml/2006/main" id="201">
+  <cs:axisTitle>
+    <cs:lnRef idx="0"/>
+    <cs:fillRef idx="0"/>
+    <cs:effectRef idx="0"/>
+    <cs:fontRef idx="minor">
+      <a:schemeClr val="tx1">
+        <a:lumMod val="65000"/>
+        <a:lumOff val="35000"/>
+      </a:schemeClr>
+    </cs:fontRef>
+    <cs:defRPr sz="1000" kern="1200"/>
+  </cs:axisTitle>
+  <cs:categoryAxis>
+    <cs:lnRef idx="0"/>
+    <cs:fillRef idx="0"/>
+    <cs:effectRef idx="0"/>
+    <cs:fontRef idx="minor">
+      <a:schemeClr val="tx1">
+        <a:lumMod val="65000"/>
+        <a:lumOff val="35000"/>
+      </a:schemeClr>
+    </cs:fontRef>
+    <cs:spPr>
+      <a:ln w="9525" cap="flat" cmpd="sng" algn="ctr">
+        <a:solidFill>
+          <a:schemeClr val="tx1">
+            <a:lumMod val="15000"/>
+            <a:lumOff val="85000"/>
+          </a:schemeClr>
+        </a:solidFill>
+        <a:round/>
+      </a:ln>
+    </cs:spPr>
+    <cs:defRPr sz="900" kern="1200"/>
+  </cs:categoryAxis>
+  <cs:chartArea mods="allowNoFillOverride allowNoLineOverride">
+    <cs:lnRef idx="0"/>
+    <cs:fillRef idx="0"/>
+    <cs:effectRef idx="0"/>
+    <cs:fontRef idx="minor">
+      <a:schemeClr val="tx1"/>
+    </cs:fontRef>
+    <cs:spPr>
+      <a:solidFill>
+        <a:schemeClr val="bg1"/>
+      </a:solidFill>
+      <a:ln w="9525" cap="flat" cmpd="sng" algn="ctr">
+        <a:solidFill>
+          <a:schemeClr val="tx1">
+            <a:lumMod val="15000"/>
+            <a:lumOff val="85000"/>
+          </a:schemeClr>
+        </a:solidFill>
+        <a:round/>
+      </a:ln>
+    </cs:spPr>
+    <cs:defRPr sz="1000" kern="1200"/>
+  </cs:chartArea>
+  <cs:dataLabel>
+    <cs:lnRef idx="0"/>
+    <cs:fillRef idx="0"/>
+    <cs:effectRef idx="0"/>
+    <cs:fontRef idx="minor">
+      <a:schemeClr val="tx1">
+        <a:lumMod val="75000"/>
+        <a:lumOff val="25000"/>
+      </a:schemeClr>
+    </cs:fontRef>
+    <cs:defRPr sz="900" kern="1200"/>
+  </cs:dataLabel>
+  <cs:dataLabelCallout>
+    <cs:lnRef idx="0"/>
+    <cs:fillRef idx="0"/>
+    <cs:effectRef idx="0"/>
+    <cs:fontRef idx="minor">
+      <a:schemeClr val="dk1">
+        <a:lumMod val="65000"/>
+        <a:lumOff val="35000"/>
+      </a:schemeClr>
+    </cs:fontRef>
+    <cs:spPr>
+      <a:solidFill>
+        <a:schemeClr val="lt1"/>
+      </a:solidFill>
+      <a:ln>
+        <a:solidFill>
+          <a:schemeClr val="dk1">
+            <a:lumMod val="25000"/>
+            <a:lumOff val="75000"/>
+          </a:schemeClr>
+        </a:solidFill>
+      </a:ln>
+    </cs:spPr>
+    <cs:defRPr sz="900" kern="1200"/>
+    <cs:bodyPr rot="0" spcFirstLastPara="1" vertOverflow="clip" horzOverflow="clip" vert="horz" wrap="square" lIns="36576" tIns="18288" rIns="36576" bIns="18288" anchor="ctr" anchorCtr="1">
+      <a:spAutoFit/>
+    </cs:bodyPr>
+  </cs:dataLabelCallout>
+  <cs:dataPoint>
+    <cs:lnRef idx="0"/>
+    <cs:fillRef idx="1">
+      <cs:styleClr val="auto"/>
+    </cs:fillRef>
+    <cs:effectRef idx="0"/>
+    <cs:fontRef idx="minor">
+      <a:schemeClr val="tx1"/>
+    </cs:fontRef>
+  </cs:dataPoint>
+  <cs:dataPoint3D>
+    <cs:lnRef idx="0"/>
+    <cs:fillRef idx="1">
+      <cs:styleClr val="auto"/>
+    </cs:fillRef>
+    <cs:effectRef idx="0"/>
+    <cs:fontRef idx="minor">
+      <a:schemeClr val="tx1"/>
+    </cs:fontRef>
+  </cs:dataPoint3D>
+  <cs:dataPointLine>
+    <cs:lnRef idx="0">
+      <cs:styleClr val="auto"/>
+    </cs:lnRef>
+    <cs:fillRef idx="1"/>
+    <cs:effectRef idx="0"/>
+    <cs:fontRef idx="minor">
+      <a:schemeClr val="tx1"/>
+    </cs:fontRef>
+    <cs:spPr>
+      <a:ln w="28575" cap="rnd">
+        <a:solidFill>
+          <a:schemeClr val="phClr"/>
+        </a:solidFill>
+        <a:round/>
+      </a:ln>
+    </cs:spPr>
+  </cs:dataPointLine>
+  <cs:dataPointMarker>
+    <cs:lnRef idx="0">
+      <cs:styleClr val="auto"/>
+    </cs:lnRef>
+    <cs:fillRef idx="1">
+      <cs:styleClr val="auto"/>
+    </cs:fillRef>
+    <cs:effectRef idx="0"/>
+    <cs:fontRef idx="minor">
+      <a:schemeClr val="tx1"/>
+    </cs:fontRef>
+    <cs:spPr>
+      <a:ln w="9525">
+        <a:solidFill>
+          <a:schemeClr val="phClr"/>
+        </a:solidFill>
+      </a:ln>
+    </cs:spPr>
+  </cs:dataPointMarker>
+  <cs:dataPointMarkerLayout symbol="circle" size="5"/>
+  <cs:dataPointWireframe>
+    <cs:lnRef idx="0">
+      <cs:styleClr val="auto"/>
+    </cs:lnRef>
+    <cs:fillRef idx="1"/>
+    <cs:effectRef idx="0"/>
+    <cs:fontRef idx="minor">
+      <a:schemeClr val="tx1"/>
+    </cs:fontRef>
+    <cs:spPr>
+      <a:ln w="9525" cap="rnd">
+        <a:solidFill>
+          <a:schemeClr val="phClr"/>
+        </a:solidFill>
+        <a:round/>
+      </a:ln>
+    </cs:spPr>
+  </cs:dataPointWireframe>
+  <cs:dataTable>
+    <cs:lnRef idx="0"/>
+    <cs:fillRef idx="0"/>
+    <cs:effectRef idx="0"/>
+    <cs:fontRef idx="minor">
+      <a:schemeClr val="tx1">
+        <a:lumMod val="65000"/>
+        <a:lumOff val="35000"/>
+      </a:schemeClr>
+    </cs:fontRef>
+    <cs:spPr>
+      <a:noFill/>
+      <a:ln w="9525" cap="flat" cmpd="sng" algn="ctr">
+        <a:solidFill>
+          <a:schemeClr val="tx1">
+            <a:lumMod val="15000"/>
+            <a:lumOff val="85000"/>
+          </a:schemeClr>
+        </a:solidFill>
+        <a:round/>
+      </a:ln>
+    </cs:spPr>
+    <cs:defRPr sz="900" kern="1200"/>
+  </cs:dataTable>
+  <cs:downBar>
+    <cs:lnRef idx="0"/>
+    <cs:fillRef idx="0"/>
+    <cs:effectRef idx="0"/>
+    <cs:fontRef idx="minor">
+      <a:schemeClr val="dk1"/>
+    </cs:fontRef>
+    <cs:spPr>
+      <a:solidFill>
+        <a:schemeClr val="dk1">
+          <a:lumMod val="65000"/>
+          <a:lumOff val="35000"/>
+        </a:schemeClr>
+      </a:solidFill>
+      <a:ln w="9525">
+        <a:solidFill>
+          <a:schemeClr val="tx1">
+            <a:lumMod val="65000"/>
+            <a:lumOff val="35000"/>
+          </a:schemeClr>
+        </a:solidFill>
+      </a:ln>
+    </cs:spPr>
+  </cs:downBar>
+  <cs:dropLine>
+    <cs:lnRef idx="0"/>
+    <cs:fillRef idx="0"/>
+    <cs:effectRef idx="0"/>
+    <cs:fontRef idx="minor">
+      <a:schemeClr val="tx1"/>
+    </cs:fontRef>
+    <cs:spPr>
+      <a:ln w="9525" cap="flat" cmpd="sng" algn="ctr">
+        <a:solidFill>
+          <a:schemeClr val="tx1">
+            <a:lumMod val="35000"/>
+            <a:lumOff val="65000"/>
+          </a:schemeClr>
+        </a:solidFill>
+        <a:round/>
+      </a:ln>
+    </cs:spPr>
+  </cs:dropLine>
+  <cs:errorBar>
+    <cs:lnRef idx="0"/>
+    <cs:fillRef idx="0"/>
+    <cs:effectRef idx="0"/>
+    <cs:fontRef idx="minor">
+      <a:schemeClr val="tx1"/>
+    </cs:fontRef>
+    <cs:spPr>
+      <a:ln w="9525" cap="flat" cmpd="sng" algn="ctr">
+        <a:solidFill>
+          <a:schemeClr val="tx1">
+            <a:lumMod val="65000"/>
+            <a:lumOff val="35000"/>
+          </a:schemeClr>
+        </a:solidFill>
+        <a:round/>
+      </a:ln>
+    </cs:spPr>
+  </cs:errorBar>
+  <cs:floor>
+    <cs:lnRef idx="0"/>
+    <cs:fillRef idx="0"/>
+    <cs:effectRef idx="0"/>
+    <cs:fontRef idx="minor">
+      <a:schemeClr val="tx1"/>
+    </cs:fontRef>
+    <cs:spPr>
+      <a:noFill/>
+      <a:ln>
+        <a:noFill/>
+      </a:ln>
+    </cs:spPr>
+  </cs:floor>
+  <cs:gridlineMajor>
+    <cs:lnRef idx="0"/>
+    <cs:fillRef idx="0"/>
+    <cs:effectRef idx="0"/>
+    <cs:fontRef idx="minor">
+      <a:schemeClr val="tx1"/>
+    </cs:fontRef>
+    <cs:spPr>
+      <a:ln w="9525" cap="flat" cmpd="sng" algn="ctr">
+        <a:solidFill>
+          <a:schemeClr val="tx1">
+            <a:lumMod val="15000"/>
+            <a:lumOff val="85000"/>
+          </a:schemeClr>
+        </a:solidFill>
+        <a:round/>
+      </a:ln>
+    </cs:spPr>
+  </cs:gridlineMajor>
+  <cs:gridlineMinor>
+    <cs:lnRef idx="0"/>
+    <cs:fillRef idx="0"/>
+    <cs:effectRef idx="0"/>
+    <cs:fontRef idx="minor">
+      <a:schemeClr val="tx1"/>
+    </cs:fontRef>
+    <cs:spPr>
+      <a:ln w="9525" cap="flat" cmpd="sng" algn="ctr">
+        <a:solidFill>
+          <a:schemeClr val="tx1">
+            <a:lumMod val="5000"/>
+            <a:lumOff val="95000"/>
+          </a:schemeClr>
+        </a:solidFill>
+        <a:round/>
+      </a:ln>
+    </cs:spPr>
+  </cs:gridlineMinor>
+  <cs:hiLoLine>
+    <cs:lnRef idx="0"/>
+    <cs:fillRef idx="0"/>
+    <cs:effectRef idx="0"/>
+    <cs:fontRef idx="minor">
+      <a:schemeClr val="tx1"/>
+    </cs:fontRef>
+    <cs:spPr>
+      <a:ln w="9525" cap="flat" cmpd="sng" algn="ctr">
+        <a:solidFill>
+          <a:schemeClr val="tx1">
+            <a:lumMod val="75000"/>
+            <a:lumOff val="25000"/>
+          </a:schemeClr>
+        </a:solidFill>
+        <a:round/>
+      </a:ln>
+    </cs:spPr>
+  </cs:hiLoLine>
+  <cs:leaderLine>
+    <cs:lnRef idx="0"/>
+    <cs:fillRef idx="0"/>
+    <cs:effectRef idx="0"/>
+    <cs:fontRef idx="minor">
+      <a:schemeClr val="tx1"/>
+    </cs:fontRef>
+    <cs:spPr>
+      <a:ln w="9525" cap="flat" cmpd="sng" algn="ctr">
+        <a:solidFill>
+          <a:schemeClr val="tx1">
+            <a:lumMod val="35000"/>
+            <a:lumOff val="65000"/>
+          </a:schemeClr>
+        </a:solidFill>
+        <a:round/>
+      </a:ln>
+    </cs:spPr>
+  </cs:leaderLine>
+  <cs:legend>
+    <cs:lnRef idx="0"/>
+    <cs:fillRef idx="0"/>
+    <cs:effectRef idx="0"/>
+    <cs:fontRef idx="minor">
+      <a:schemeClr val="tx1">
+        <a:lumMod val="65000"/>
+        <a:lumOff val="35000"/>
+      </a:schemeClr>
+    </cs:fontRef>
+    <cs:defRPr sz="900" kern="1200"/>
+  </cs:legend>
+  <cs:plotArea mods="allowNoFillOverride allowNoLineOverride">
+    <cs:lnRef idx="0"/>
+    <cs:fillRef idx="0"/>
+    <cs:effectRef idx="0"/>
+    <cs:fontRef idx="minor">
+      <a:schemeClr val="tx1"/>
+    </cs:fontRef>
+  </cs:plotArea>
+  <cs:plotArea3D mods="allowNoFillOverride allowNoLineOverride">
+    <cs:lnRef idx="0"/>
+    <cs:fillRef idx="0"/>
+    <cs:effectRef idx="0"/>
+    <cs:fontRef idx="minor">
+      <a:schemeClr val="tx1"/>
+    </cs:fontRef>
+  </cs:plotArea3D>
+  <cs:seriesAxis>
+    <cs:lnRef idx="0"/>
+    <cs:fillRef idx="0"/>
+    <cs:effectRef idx="0"/>
+    <cs:fontRef idx="minor">
+      <a:schemeClr val="tx1">
+        <a:lumMod val="65000"/>
+        <a:lumOff val="35000"/>
+      </a:schemeClr>
+    </cs:fontRef>
+    <cs:defRPr sz="900" kern="1200"/>
+  </cs:seriesAxis>
+  <cs:seriesLine>
+    <cs:lnRef idx="0"/>
+    <cs:fillRef idx="0"/>
+    <cs:effectRef idx="0"/>
+    <cs:fontRef idx="minor">
+      <a:schemeClr val="tx1"/>
+    </cs:fontRef>
+    <cs:spPr>
+      <a:ln w="9525" cap="flat" cmpd="sng" algn="ctr">
+        <a:solidFill>
+          <a:schemeClr val="tx1">
+            <a:lumMod val="35000"/>
+            <a:lumOff val="65000"/>
+          </a:schemeClr>
+        </a:solidFill>
+        <a:round/>
+      </a:ln>
+    </cs:spPr>
+  </cs:seriesLine>
+  <cs:title>
+    <cs:lnRef idx="0"/>
+    <cs:fillRef idx="0"/>
+    <cs:effectRef idx="0"/>
+    <cs:fontRef idx="minor">
+      <a:schemeClr val="tx1">
+        <a:lumMod val="65000"/>
+        <a:lumOff val="35000"/>
+      </a:schemeClr>
+    </cs:fontRef>
+    <cs:defRPr sz="1400" b="0" kern="1200" spc="0" baseline="0"/>
+  </cs:title>
+  <cs:trendline>
+    <cs:lnRef idx="0">
+      <cs:styleClr val="auto"/>
+    </cs:lnRef>
+    <cs:fillRef idx="0"/>
+    <cs:effectRef idx="0"/>
+    <cs:fontRef idx="minor">
+      <a:schemeClr val="tx1"/>
+    </cs:fontRef>
+    <cs:spPr>
+      <a:ln w="19050" cap="rnd">
+        <a:solidFill>
+          <a:schemeClr val="phClr"/>
+        </a:solidFill>
+        <a:prstDash val="sysDot"/>
+      </a:ln>
+    </cs:spPr>
+  </cs:trendline>
+  <cs:trendlineLabel>
+    <cs:lnRef idx="0"/>
+    <cs:fillRef idx="0"/>
+    <cs:effectRef idx="0"/>
+    <cs:fontRef idx="minor">
+      <a:schemeClr val="tx1">
+        <a:lumMod val="65000"/>
+        <a:lumOff val="35000"/>
+      </a:schemeClr>
+    </cs:fontRef>
+    <cs:defRPr sz="900" kern="1200"/>
+  </cs:trendlineLabel>
+  <cs:upBar>
+    <cs:lnRef idx="0"/>
+    <cs:fillRef idx="0"/>
+    <cs:effectRef idx="0"/>
+    <cs:fontRef idx="minor">
+      <a:schemeClr val="dk1"/>
+    </cs:fontRef>
+    <cs:spPr>
+      <a:solidFill>
+        <a:schemeClr val="lt1"/>
+      </a:solidFill>
+      <a:ln w="9525">
+        <a:solidFill>
+          <a:schemeClr val="tx1">
+            <a:lumMod val="15000"/>
+            <a:lumOff val="85000"/>
+          </a:schemeClr>
+        </a:solidFill>
+      </a:ln>
+    </cs:spPr>
+  </cs:upBar>
+  <cs:valueAxis>
+    <cs:lnRef idx="0"/>
+    <cs:fillRef idx="0"/>
+    <cs:effectRef idx="0"/>
+    <cs:fontRef idx="minor">
+      <a:schemeClr val="tx1">
+        <a:lumMod val="65000"/>
+        <a:lumOff val="35000"/>
+      </a:schemeClr>
+    </cs:fontRef>
+    <cs:defRPr sz="900" kern="1200"/>
+  </cs:valueAxis>
+  <cs:wall>
+    <cs:lnRef idx="0"/>
+    <cs:fillRef idx="0"/>
+    <cs:effectRef idx="0"/>
+    <cs:fontRef idx="minor">
+      <a:schemeClr val="tx1"/>
+    </cs:fontRef>
+    <cs:spPr>
+      <a:noFill/>
+      <a:ln>
+        <a:noFill/>
+      </a:ln>
+    </cs:spPr>
+  </cs:wall>
+</cs:chartStyle>
+</file>
+
+<file path=ppt/notesMasters/notesMaster1.xml><?xml version="1.0" encoding="utf-8"?>
+<p:notesMaster xmlns:a="http://schemas.openxmlformats.org/drawingml/2006/main" xmlns:r="http://schemas.openxmlformats.org/officeDocument/2006/relationships" xmlns:p="http://schemas.openxmlformats.org/presentationml/2006/main">
+  <p:cSld>
+    <p:bg>
+      <p:bgRef idx="1001">
+        <a:schemeClr val="bg1"/>
+      </p:bgRef>
+    </p:bg>
+    <p:spTree>
+      <p:nvGrpSpPr>
+        <p:cNvPr id="1" name=""/>
+        <p:cNvGrpSpPr/>
+        <p:nvPr/>
+      </p:nvGrpSpPr>
+      <p:grpSpPr>
+        <a:xfrm>
+          <a:off x="0" y="0"/>
+          <a:ext cx="0" cy="0"/>
+          <a:chOff x="0" y="0"/>
+          <a:chExt cx="0" cy="0"/>
+        </a:xfrm>
+      </p:grpSpPr>
+      <p:sp>
+        <p:nvSpPr>
+          <p:cNvPr id="2" name="页眉占位符 1"/>
+          <p:cNvSpPr>
+            <a:spLocks noGrp="1"/>
+          </p:cNvSpPr>
+          <p:nvPr>
+            <p:ph type="hdr" sz="quarter"/>
+          </p:nvPr>
+        </p:nvSpPr>
+        <p:spPr>
+          <a:xfrm>
+            <a:off x="0" y="0"/>
+            <a:ext cx="2971800" cy="458788"/>
+          </a:xfrm>
+          <a:prstGeom prst="rect">
+            <a:avLst/>
+          </a:prstGeom>
+        </p:spPr>
+        <p:txBody>
+          <a:bodyPr vert="horz" lIns="91440" tIns="45720" rIns="91440" bIns="45720" rtlCol="0"/>
+          <a:lstStyle>
+            <a:lvl1pPr algn="l">
+              <a:defRPr sz="1200"/>
+            </a:lvl1pPr>
+          </a:lstStyle>
+          <a:p>
+            <a:endParaRPr lang="zh-CN" altLang="en-US"/>
+          </a:p>
+        </p:txBody>
+      </p:sp>
+      <p:sp>
+        <p:nvSpPr>
+          <p:cNvPr id="3" name="日期占位符 2"/>
+          <p:cNvSpPr>
+            <a:spLocks noGrp="1"/>
+          </p:cNvSpPr>
+          <p:nvPr>
+            <p:ph type="dt" idx="1"/>
+          </p:nvPr>
+        </p:nvSpPr>
+        <p:spPr>
+          <a:xfrm>
+            <a:off x="3884613" y="0"/>
+            <a:ext cx="2971800" cy="458788"/>
+          </a:xfrm>
+          <a:prstGeom prst="rect">
+            <a:avLst/>
+          </a:prstGeom>
+        </p:spPr>
+        <p:txBody>
+          <a:bodyPr vert="horz" lIns="91440" tIns="45720" rIns="91440" bIns="45720" rtlCol="0"/>
+          <a:lstStyle>
+            <a:lvl1pPr algn="r">
+              <a:defRPr sz="1200"/>
+            </a:lvl1pPr>
+          </a:lstStyle>
+          <a:p>
+            <a:fld id="{4A4CD552-C2DA-4EA3-A654-3390C2092824}" type="datetimeFigureOut">
+              <a:rPr lang="zh-CN" altLang="en-US" smtClean="0"/>
+              <a:t>2019/4/24</a:t>
+            </a:fld>
+            <a:endParaRPr lang="zh-CN" altLang="en-US"/>
+          </a:p>
+        </p:txBody>
+      </p:sp>
+      <p:sp>
+        <p:nvSpPr>
+          <p:cNvPr id="4" name="幻灯片图像占位符 3"/>
+          <p:cNvSpPr>
+            <a:spLocks noGrp="1" noRot="1" noChangeAspect="1"/>
+          </p:cNvSpPr>
+          <p:nvPr>
+            <p:ph type="sldImg" idx="2"/>
+          </p:nvPr>
+        </p:nvSpPr>
+        <p:spPr>
+          <a:xfrm>
+            <a:off x="685800" y="1143000"/>
+            <a:ext cx="5486400" cy="3086100"/>
+          </a:xfrm>
+          <a:prstGeom prst="rect">
+            <a:avLst/>
+          </a:prstGeom>
+          <a:noFill/>
+          <a:ln w="12700">
+            <a:solidFill>
+              <a:prstClr val="black"/>
+            </a:solidFill>
+          </a:ln>
+        </p:spPr>
+        <p:txBody>
+          <a:bodyPr vert="horz" lIns="91440" tIns="45720" rIns="91440" bIns="45720" rtlCol="0" anchor="ctr"/>
+          <a:lstStyle/>
+          <a:p>
+            <a:endParaRPr lang="zh-CN" altLang="en-US"/>
+          </a:p>
+        </p:txBody>
+      </p:sp>
+      <p:sp>
+        <p:nvSpPr>
+          <p:cNvPr id="5" name="备注占位符 4"/>
+          <p:cNvSpPr>
+            <a:spLocks noGrp="1"/>
+          </p:cNvSpPr>
+          <p:nvPr>
+            <p:ph type="body" sz="quarter" idx="3"/>
+          </p:nvPr>
+        </p:nvSpPr>
+        <p:spPr>
+          <a:xfrm>
+            <a:off x="685800" y="4400550"/>
+            <a:ext cx="5486400" cy="3600450"/>
+          </a:xfrm>
+          <a:prstGeom prst="rect">
+            <a:avLst/>
+          </a:prstGeom>
+        </p:spPr>
+        <p:txBody>
+          <a:bodyPr vert="horz" lIns="91440" tIns="45720" rIns="91440" bIns="45720" rtlCol="0"/>
+          <a:lstStyle/>
+          <a:p>
+            <a:pPr lvl="0"/>
+            <a:r>
+              <a:rPr lang="zh-CN" altLang="en-US" smtClean="0"/>
+              <a:t>单击此处编辑母版文本样式</a:t>
+            </a:r>
+          </a:p>
+          <a:p>
+            <a:pPr lvl="1"/>
+            <a:r>
+              <a:rPr lang="zh-CN" altLang="en-US" smtClean="0"/>
+              <a:t>第二级</a:t>
+            </a:r>
+          </a:p>
+          <a:p>
+            <a:pPr lvl="2"/>
+            <a:r>
+              <a:rPr lang="zh-CN" altLang="en-US" smtClean="0"/>
+              <a:t>第三级</a:t>
+            </a:r>
+          </a:p>
+          <a:p>
+            <a:pPr lvl="3"/>
+            <a:r>
+              <a:rPr lang="zh-CN" altLang="en-US" smtClean="0"/>
+              <a:t>第四级</a:t>
+            </a:r>
+          </a:p>
+          <a:p>
+            <a:pPr lvl="4"/>
+            <a:r>
+              <a:rPr lang="zh-CN" altLang="en-US" smtClean="0"/>
+              <a:t>第五级</a:t>
+            </a:r>
+            <a:endParaRPr lang="zh-CN" altLang="en-US"/>
+          </a:p>
+        </p:txBody>
+      </p:sp>
+      <p:sp>
+        <p:nvSpPr>
+          <p:cNvPr id="6" name="页脚占位符 5"/>
+          <p:cNvSpPr>
+            <a:spLocks noGrp="1"/>
+          </p:cNvSpPr>
+          <p:nvPr>
+            <p:ph type="ftr" sz="quarter" idx="4"/>
+          </p:nvPr>
+        </p:nvSpPr>
+        <p:spPr>
+          <a:xfrm>
+            <a:off x="0" y="8685213"/>
+            <a:ext cx="2971800" cy="458787"/>
+          </a:xfrm>
+          <a:prstGeom prst="rect">
+            <a:avLst/>
+          </a:prstGeom>
+        </p:spPr>
+        <p:txBody>
+          <a:bodyPr vert="horz" lIns="91440" tIns="45720" rIns="91440" bIns="45720" rtlCol="0" anchor="b"/>
+          <a:lstStyle>
+            <a:lvl1pPr algn="l">
+              <a:defRPr sz="1200"/>
+            </a:lvl1pPr>
+          </a:lstStyle>
+          <a:p>
+            <a:endParaRPr lang="zh-CN" altLang="en-US"/>
+          </a:p>
+        </p:txBody>
+      </p:sp>
+      <p:sp>
+        <p:nvSpPr>
+          <p:cNvPr id="7" name="灯片编号占位符 6"/>
+          <p:cNvSpPr>
+            <a:spLocks noGrp="1"/>
+          </p:cNvSpPr>
+          <p:nvPr>
+            <p:ph type="sldNum" sz="quarter" idx="5"/>
+          </p:nvPr>
+        </p:nvSpPr>
+        <p:spPr>
+          <a:xfrm>
+            <a:off x="3884613" y="8685213"/>
+            <a:ext cx="2971800" cy="458787"/>
+          </a:xfrm>
+          <a:prstGeom prst="rect">
+            <a:avLst/>
+          </a:prstGeom>
+        </p:spPr>
+        <p:txBody>
+          <a:bodyPr vert="horz" lIns="91440" tIns="45720" rIns="91440" bIns="45720" rtlCol="0" anchor="b"/>
+          <a:lstStyle>
+            <a:lvl1pPr algn="r">
+              <a:defRPr sz="1200"/>
+            </a:lvl1pPr>
+          </a:lstStyle>
+          <a:p>
+            <a:fld id="{620645E4-F9B0-431D-BD31-F0D3FAC7D489}" type="slidenum">
+              <a:rPr lang="zh-CN" altLang="en-US" smtClean="0"/>
+              <a:t>‹#›</a:t>
+            </a:fld>
+            <a:endParaRPr lang="zh-CN" altLang="en-US"/>
+          </a:p>
+        </p:txBody>
+      </p:sp>
+    </p:spTree>
+    <p:extLst>
+      <p:ext uri="{BB962C8B-B14F-4D97-AF65-F5344CB8AC3E}">
+        <p14:creationId xmlns:p14="http://schemas.microsoft.com/office/powerpoint/2010/main" val="2083487564"/>
+      </p:ext>
+    </p:extLst>
+  </p:cSld>
+  <p:clrMap bg1="lt1" tx1="dk1" bg2="lt2" tx2="dk2" accent1="accent1" accent2="accent2" accent3="accent3" accent4="accent4" accent5="accent5" accent6="accent6" hlink="hlink" folHlink="folHlink"/>
+  <p:notesStyle>
+    <a:lvl1pPr marL="0" algn="l" defTabSz="914400" rtl="0" eaLnBrk="1" latinLnBrk="0" hangingPunct="1">
+      <a:defRPr sz="1200" kern="1200">
+        <a:solidFill>
+          <a:schemeClr val="tx1"/>
+        </a:solidFill>
+        <a:latin typeface="+mn-lt"/>
+        <a:ea typeface="+mn-ea"/>
+        <a:cs typeface="+mn-cs"/>
+      </a:defRPr>
+    </a:lvl1pPr>
+    <a:lvl2pPr marL="457200" algn="l" defTabSz="914400" rtl="0" eaLnBrk="1" latinLnBrk="0" hangingPunct="1">
+      <a:defRPr sz="1200" kern="1200">
+        <a:solidFill>
+          <a:schemeClr val="tx1"/>
+        </a:solidFill>
+        <a:latin typeface="+mn-lt"/>
+        <a:ea typeface="+mn-ea"/>
+        <a:cs typeface="+mn-cs"/>
+      </a:defRPr>
+    </a:lvl2pPr>
+    <a:lvl3pPr marL="914400" algn="l" defTabSz="914400" rtl="0" eaLnBrk="1" latinLnBrk="0" hangingPunct="1">
+      <a:defRPr sz="1200" kern="1200">
+        <a:solidFill>
+          <a:schemeClr val="tx1"/>
+        </a:solidFill>
+        <a:latin typeface="+mn-lt"/>
+        <a:ea typeface="+mn-ea"/>
+        <a:cs typeface="+mn-cs"/>
+      </a:defRPr>
+    </a:lvl3pPr>
+    <a:lvl4pPr marL="1371600" algn="l" defTabSz="914400" rtl="0" eaLnBrk="1" latinLnBrk="0" hangingPunct="1">
+      <a:defRPr sz="1200" kern="1200">
+        <a:solidFill>
+          <a:schemeClr val="tx1"/>
+        </a:solidFill>
+        <a:latin typeface="+mn-lt"/>
+        <a:ea typeface="+mn-ea"/>
+        <a:cs typeface="+mn-cs"/>
+      </a:defRPr>
+    </a:lvl4pPr>
+    <a:lvl5pPr marL="1828800" algn="l" defTabSz="914400" rtl="0" eaLnBrk="1" latinLnBrk="0" hangingPunct="1">
+      <a:defRPr sz="1200" kern="1200">
+        <a:solidFill>
+          <a:schemeClr val="tx1"/>
+        </a:solidFill>
+        <a:latin typeface="+mn-lt"/>
+        <a:ea typeface="+mn-ea"/>
+        <a:cs typeface="+mn-cs"/>
+      </a:defRPr>
+    </a:lvl5pPr>
+    <a:lvl6pPr marL="2286000" algn="l" defTabSz="914400" rtl="0" eaLnBrk="1" latinLnBrk="0" hangingPunct="1">
+      <a:defRPr sz="1200" kern="1200">
+        <a:solidFill>
+          <a:schemeClr val="tx1"/>
+        </a:solidFill>
+        <a:latin typeface="+mn-lt"/>
+        <a:ea typeface="+mn-ea"/>
+        <a:cs typeface="+mn-cs"/>
+      </a:defRPr>
+    </a:lvl6pPr>
+    <a:lvl7pPr marL="2743200" algn="l" defTabSz="914400" rtl="0" eaLnBrk="1" latinLnBrk="0" hangingPunct="1">
+      <a:defRPr sz="1200" kern="1200">
+        <a:solidFill>
+          <a:schemeClr val="tx1"/>
+        </a:solidFill>
+        <a:latin typeface="+mn-lt"/>
+        <a:ea typeface="+mn-ea"/>
+        <a:cs typeface="+mn-cs"/>
+      </a:defRPr>
+    </a:lvl7pPr>
+    <a:lvl8pPr marL="3200400" algn="l" defTabSz="914400" rtl="0" eaLnBrk="1" latinLnBrk="0" hangingPunct="1">
+      <a:defRPr sz="1200" kern="1200">
+        <a:solidFill>
+          <a:schemeClr val="tx1"/>
+        </a:solidFill>
+        <a:latin typeface="+mn-lt"/>
+        <a:ea typeface="+mn-ea"/>
+        <a:cs typeface="+mn-cs"/>
+      </a:defRPr>
+    </a:lvl8pPr>
+    <a:lvl9pPr marL="3657600" algn="l" defTabSz="914400" rtl="0" eaLnBrk="1" latinLnBrk="0" hangingPunct="1">
+      <a:defRPr sz="1200" kern="1200">
+        <a:solidFill>
+          <a:schemeClr val="tx1"/>
+        </a:solidFill>
+        <a:latin typeface="+mn-lt"/>
+        <a:ea typeface="+mn-ea"/>
+        <a:cs typeface="+mn-cs"/>
+      </a:defRPr>
+    </a:lvl9pPr>
+  </p:notesStyle>
+</p:notesMaster>
+</file>
+
+<file path=ppt/notesSlides/notesSlide1.xml><?xml version="1.0" encoding="utf-8"?>
+<p:notes xmlns:a="http://schemas.openxmlformats.org/drawingml/2006/main" xmlns:r="http://schemas.openxmlformats.org/officeDocument/2006/relationships" xmlns:p="http://schemas.openxmlformats.org/presentationml/2006/main">
+  <p:cSld>
+    <p:spTree>
+      <p:nvGrpSpPr>
+        <p:cNvPr id="1" name=""/>
+        <p:cNvGrpSpPr/>
+        <p:nvPr/>
+      </p:nvGrpSpPr>
+      <p:grpSpPr>
+        <a:xfrm>
+          <a:off x="0" y="0"/>
+          <a:ext cx="0" cy="0"/>
+          <a:chOff x="0" y="0"/>
+          <a:chExt cx="0" cy="0"/>
+        </a:xfrm>
+      </p:grpSpPr>
+      <p:sp>
+        <p:nvSpPr>
+          <p:cNvPr id="2" name="幻灯片图像占位符 1"/>
+          <p:cNvSpPr>
+            <a:spLocks noGrp="1" noRot="1" noChangeAspect="1"/>
+          </p:cNvSpPr>
+          <p:nvPr>
+            <p:ph type="sldImg"/>
+          </p:nvPr>
+        </p:nvSpPr>
+        <p:spPr/>
+      </p:sp>
+      <p:sp>
+        <p:nvSpPr>
+          <p:cNvPr id="3" name="备注占位符 2"/>
+          <p:cNvSpPr>
+            <a:spLocks noGrp="1"/>
+          </p:cNvSpPr>
+          <p:nvPr>
+            <p:ph type="body" idx="1"/>
+          </p:nvPr>
+        </p:nvSpPr>
+        <p:spPr/>
+        <p:txBody>
+          <a:bodyPr/>
+          <a:lstStyle/>
+          <a:p>
+            <a:endParaRPr lang="zh-CN" altLang="en-US" dirty="0"/>
+          </a:p>
+        </p:txBody>
+      </p:sp>
+      <p:sp>
+        <p:nvSpPr>
+          <p:cNvPr id="4" name="灯片编号占位符 3"/>
+          <p:cNvSpPr>
+            <a:spLocks noGrp="1"/>
+          </p:cNvSpPr>
+          <p:nvPr>
+            <p:ph type="sldNum" sz="quarter" idx="10"/>
+          </p:nvPr>
+        </p:nvSpPr>
+        <p:spPr/>
+        <p:txBody>
+          <a:bodyPr/>
+          <a:lstStyle/>
+          <a:p>
+            <a:fld id="{620645E4-F9B0-431D-BD31-F0D3FAC7D489}" type="slidenum">
+              <a:rPr lang="zh-CN" altLang="en-US" smtClean="0"/>
+              <a:t>25</a:t>
+            </a:fld>
+            <a:endParaRPr lang="zh-CN" altLang="en-US"/>
+          </a:p>
+        </p:txBody>
+      </p:sp>
+    </p:spTree>
+    <p:extLst>
+      <p:ext uri="{BB962C8B-B14F-4D97-AF65-F5344CB8AC3E}">
+        <p14:creationId xmlns:p14="http://schemas.microsoft.com/office/powerpoint/2010/main" val="3428639391"/>
+      </p:ext>
+    </p:extLst>
+  </p:cSld>
+  <p:clrMapOvr>
+    <a:masterClrMapping/>
+  </p:clrMapOvr>
+</p:notes>
 </file>
 
 <file path=ppt/slideLayouts/slideLayout1.xml><?xml version="1.0" encoding="utf-8"?>
@@ -5579,7 +7079,7 @@
         <p:spPr>
           <a:xfrm>
             <a:off x="523568" y="1275735"/>
-            <a:ext cx="9123844" cy="646331"/>
+            <a:ext cx="8835432" cy="646331"/>
           </a:xfrm>
           <a:prstGeom prst="rect">
             <a:avLst/>
@@ -5594,13 +7094,13 @@
           <a:p>
             <a:r>
               <a:rPr lang="en-US" altLang="zh-CN" dirty="0" smtClean="0"/>
-              <a:t>GPGPU-Sim set a constant for each operation, and the calculation is the number of each type of </a:t>
+              <a:t>GPGPU-Sim set a constant representing the power for each operation, and the calculation is </a:t>
             </a:r>
           </a:p>
           <a:p>
             <a:r>
               <a:rPr lang="en-US" altLang="zh-CN" dirty="0" smtClean="0"/>
-              <a:t>operation multiples their according</a:t>
+              <a:t>the number of each type of operation multiples their according</a:t>
             </a:r>
             <a:r>
               <a:rPr lang="zh-CN" altLang="en-US" dirty="0" smtClean="0"/>
@@ -6361,6 +7861,90 @@
           </a:p>
         </p:txBody>
       </p:sp>
+      <p:sp>
+        <p:nvSpPr>
+          <p:cNvPr id="14" name="笑脸 13"/>
+          <p:cNvSpPr/>
+          <p:nvPr/>
+        </p:nvSpPr>
+        <p:spPr>
+          <a:xfrm>
+            <a:off x="10549189" y="3479631"/>
+            <a:ext cx="914400" cy="914400"/>
+          </a:xfrm>
+          <a:prstGeom prst="smileyFace">
+            <a:avLst>
+              <a:gd name="adj" fmla="val 186"/>
+            </a:avLst>
+          </a:prstGeom>
+        </p:spPr>
+        <p:style>
+          <a:lnRef idx="2">
+            <a:schemeClr val="accent4">
+              <a:shade val="50000"/>
+            </a:schemeClr>
+          </a:lnRef>
+          <a:fillRef idx="1">
+            <a:schemeClr val="accent4"/>
+          </a:fillRef>
+          <a:effectRef idx="0">
+            <a:schemeClr val="accent4"/>
+          </a:effectRef>
+          <a:fontRef idx="minor">
+            <a:schemeClr val="lt1"/>
+          </a:fontRef>
+        </p:style>
+        <p:txBody>
+          <a:bodyPr rtlCol="0" anchor="ctr"/>
+          <a:lstStyle/>
+          <a:p>
+            <a:pPr algn="ctr"/>
+            <a:endParaRPr lang="zh-CN" altLang="en-US"/>
+          </a:p>
+        </p:txBody>
+      </p:sp>
+      <p:sp>
+        <p:nvSpPr>
+          <p:cNvPr id="15" name="笑脸 14"/>
+          <p:cNvSpPr/>
+          <p:nvPr/>
+        </p:nvSpPr>
+        <p:spPr>
+          <a:xfrm>
+            <a:off x="10549189" y="2072460"/>
+            <a:ext cx="914400" cy="914400"/>
+          </a:xfrm>
+          <a:prstGeom prst="smileyFace">
+            <a:avLst>
+              <a:gd name="adj" fmla="val 4653"/>
+            </a:avLst>
+          </a:prstGeom>
+        </p:spPr>
+        <p:style>
+          <a:lnRef idx="2">
+            <a:schemeClr val="accent4">
+              <a:shade val="50000"/>
+            </a:schemeClr>
+          </a:lnRef>
+          <a:fillRef idx="1">
+            <a:schemeClr val="accent4"/>
+          </a:fillRef>
+          <a:effectRef idx="0">
+            <a:schemeClr val="accent4"/>
+          </a:effectRef>
+          <a:fontRef idx="minor">
+            <a:schemeClr val="lt1"/>
+          </a:fontRef>
+        </p:style>
+        <p:txBody>
+          <a:bodyPr rtlCol="0" anchor="ctr"/>
+          <a:lstStyle/>
+          <a:p>
+            <a:pPr algn="ctr"/>
+            <a:endParaRPr lang="zh-CN" altLang="en-US"/>
+          </a:p>
+        </p:txBody>
+      </p:sp>
     </p:spTree>
     <p:extLst>
       <p:ext uri="{BB962C8B-B14F-4D97-AF65-F5344CB8AC3E}">
@@ -6428,6 +8012,303 @@
           </a:p>
         </p:txBody>
       </p:sp>
+      <p:sp>
+        <p:nvSpPr>
+          <p:cNvPr id="7" name="文本框 6"/>
+          <p:cNvSpPr txBox="1"/>
+          <p:nvPr/>
+        </p:nvSpPr>
+        <p:spPr>
+          <a:xfrm>
+            <a:off x="228600" y="1032387"/>
+            <a:ext cx="6341806" cy="369332"/>
+          </a:xfrm>
+          <a:prstGeom prst="rect">
+            <a:avLst/>
+          </a:prstGeom>
+          <a:noFill/>
+        </p:spPr>
+        <p:txBody>
+          <a:bodyPr wrap="square" rtlCol="0">
+            <a:spAutoFit/>
+          </a:bodyPr>
+          <a:lstStyle/>
+          <a:p>
+            <a:r>
+              <a:rPr lang="en-US" altLang="zh-CN" dirty="0" smtClean="0"/>
+              <a:t>Some important performance counters we transform:</a:t>
+            </a:r>
+            <a:endParaRPr lang="zh-CN" altLang="en-US" dirty="0"/>
+          </a:p>
+        </p:txBody>
+      </p:sp>
+      <p:sp>
+        <p:nvSpPr>
+          <p:cNvPr id="8" name="文本框 7"/>
+          <p:cNvSpPr txBox="1"/>
+          <p:nvPr/>
+        </p:nvSpPr>
+        <p:spPr>
+          <a:xfrm>
+            <a:off x="1342103" y="1725561"/>
+            <a:ext cx="8609408" cy="1200329"/>
+          </a:xfrm>
+          <a:prstGeom prst="rect">
+            <a:avLst/>
+          </a:prstGeom>
+          <a:noFill/>
+        </p:spPr>
+        <p:txBody>
+          <a:bodyPr wrap="none" rtlCol="0">
+            <a:spAutoFit/>
+          </a:bodyPr>
+          <a:lstStyle/>
+          <a:p>
+            <a:r>
+              <a:rPr lang="en-US" altLang="zh-CN" i="1" dirty="0" smtClean="0"/>
+              <a:t>register file read</a:t>
+            </a:r>
+            <a:r>
+              <a:rPr lang="en-US" altLang="zh-CN" dirty="0" smtClean="0"/>
+              <a:t>: we set this performance counter as </a:t>
+            </a:r>
+            <a:r>
+              <a:rPr lang="en-US" altLang="zh-CN" i="1" dirty="0" smtClean="0"/>
+              <a:t>instructions executed </a:t>
+            </a:r>
+            <a:r>
+              <a:rPr lang="en-US" altLang="zh-CN" dirty="0" smtClean="0"/>
+              <a:t>* 2</a:t>
+            </a:r>
+          </a:p>
+          <a:p>
+            <a:r>
+              <a:rPr lang="en-US" altLang="zh-CN" i="1" dirty="0" smtClean="0"/>
+              <a:t>register file write</a:t>
+            </a:r>
+            <a:r>
+              <a:rPr lang="en-US" altLang="zh-CN" dirty="0" smtClean="0"/>
+              <a:t>: we set this performance counter as </a:t>
+            </a:r>
+            <a:r>
+              <a:rPr lang="en-US" altLang="zh-CN" i="1" dirty="0" smtClean="0"/>
+              <a:t>instructions executed </a:t>
+            </a:r>
+            <a:r>
+              <a:rPr lang="en-US" altLang="zh-CN" dirty="0" smtClean="0"/>
+              <a:t>* 1</a:t>
+            </a:r>
+          </a:p>
+          <a:p>
+            <a:r>
+              <a:rPr lang="en-US" altLang="zh-CN" i="1" dirty="0" smtClean="0"/>
+              <a:t>non register file operation</a:t>
+            </a:r>
+            <a:r>
+              <a:rPr lang="en-US" altLang="zh-CN" dirty="0" smtClean="0"/>
+              <a:t>: we set this performance counter as </a:t>
+            </a:r>
+            <a:r>
+              <a:rPr lang="en-US" altLang="zh-CN" i="1" dirty="0" smtClean="0"/>
+              <a:t>instructions executed </a:t>
+            </a:r>
+            <a:r>
+              <a:rPr lang="en-US" altLang="zh-CN" dirty="0" smtClean="0"/>
+              <a:t>* 0.25</a:t>
+            </a:r>
+          </a:p>
+          <a:p>
+            <a:endParaRPr lang="zh-CN" altLang="en-US" dirty="0"/>
+          </a:p>
+        </p:txBody>
+      </p:sp>
+      <p:sp>
+        <p:nvSpPr>
+          <p:cNvPr id="9" name="文本框 8"/>
+          <p:cNvSpPr txBox="1"/>
+          <p:nvPr/>
+        </p:nvSpPr>
+        <p:spPr>
+          <a:xfrm>
+            <a:off x="966019" y="3252019"/>
+            <a:ext cx="2790187" cy="369332"/>
+          </a:xfrm>
+          <a:prstGeom prst="rect">
+            <a:avLst/>
+          </a:prstGeom>
+          <a:noFill/>
+        </p:spPr>
+        <p:txBody>
+          <a:bodyPr wrap="none" rtlCol="0">
+            <a:spAutoFit/>
+          </a:bodyPr>
+          <a:lstStyle/>
+          <a:p>
+            <a:r>
+              <a:rPr lang="en-US" altLang="zh-CN" dirty="0" smtClean="0"/>
+              <a:t>A normal instruction(MIPS):</a:t>
+            </a:r>
+            <a:endParaRPr lang="zh-CN" altLang="en-US" dirty="0"/>
+          </a:p>
+        </p:txBody>
+      </p:sp>
+      <p:sp>
+        <p:nvSpPr>
+          <p:cNvPr id="10" name="文本框 9"/>
+          <p:cNvSpPr txBox="1"/>
+          <p:nvPr/>
+        </p:nvSpPr>
+        <p:spPr>
+          <a:xfrm>
+            <a:off x="2942303" y="3996813"/>
+            <a:ext cx="1641796" cy="369332"/>
+          </a:xfrm>
+          <a:prstGeom prst="rect">
+            <a:avLst/>
+          </a:prstGeom>
+          <a:noFill/>
+        </p:spPr>
+        <p:txBody>
+          <a:bodyPr wrap="none" rtlCol="0">
+            <a:spAutoFit/>
+          </a:bodyPr>
+          <a:lstStyle/>
+          <a:p>
+            <a:r>
+              <a:rPr lang="en-US" altLang="zh-CN" i="1" dirty="0"/>
+              <a:t>add </a:t>
+            </a:r>
+            <a:r>
+              <a:rPr lang="en-US" altLang="zh-CN" i="1" dirty="0" smtClean="0"/>
+              <a:t>$t0,$</a:t>
+            </a:r>
+            <a:r>
+              <a:rPr lang="en-US" altLang="zh-CN" i="1" dirty="0"/>
+              <a:t>t1,$t2</a:t>
+            </a:r>
+            <a:endParaRPr lang="zh-CN" altLang="en-US" i="1" dirty="0"/>
+          </a:p>
+        </p:txBody>
+      </p:sp>
+      <p:sp>
+        <p:nvSpPr>
+          <p:cNvPr id="11" name="文本框 10"/>
+          <p:cNvSpPr txBox="1"/>
+          <p:nvPr/>
+        </p:nvSpPr>
+        <p:spPr>
+          <a:xfrm>
+            <a:off x="6268065" y="3258149"/>
+            <a:ext cx="1319336" cy="923330"/>
+          </a:xfrm>
+          <a:prstGeom prst="rect">
+            <a:avLst/>
+          </a:prstGeom>
+          <a:noFill/>
+        </p:spPr>
+        <p:txBody>
+          <a:bodyPr wrap="none" rtlCol="0">
+            <a:spAutoFit/>
+          </a:bodyPr>
+          <a:lstStyle/>
+          <a:p>
+            <a:r>
+              <a:rPr lang="en-US" altLang="zh-CN" dirty="0" smtClean="0"/>
+              <a:t>Read $t1</a:t>
+            </a:r>
+          </a:p>
+          <a:p>
+            <a:r>
+              <a:rPr lang="en-US" altLang="zh-CN" dirty="0" smtClean="0"/>
+              <a:t>Read $t2</a:t>
+            </a:r>
+          </a:p>
+          <a:p>
+            <a:r>
+              <a:rPr lang="en-US" altLang="zh-CN" dirty="0" smtClean="0"/>
+              <a:t>Write to $t0</a:t>
+            </a:r>
+            <a:endParaRPr lang="zh-CN" altLang="en-US" dirty="0"/>
+          </a:p>
+        </p:txBody>
+      </p:sp>
+      <p:sp>
+        <p:nvSpPr>
+          <p:cNvPr id="12" name="右箭头 11"/>
+          <p:cNvSpPr/>
+          <p:nvPr/>
+        </p:nvSpPr>
+        <p:spPr>
+          <a:xfrm rot="20426062">
+            <a:off x="4783564" y="3531928"/>
+            <a:ext cx="1445342" cy="422435"/>
+          </a:xfrm>
+          <a:prstGeom prst="rightArrow">
+            <a:avLst>
+              <a:gd name="adj1" fmla="val 18539"/>
+              <a:gd name="adj2" fmla="val 50000"/>
+            </a:avLst>
+          </a:prstGeom>
+        </p:spPr>
+        <p:style>
+          <a:lnRef idx="0">
+            <a:schemeClr val="accent4"/>
+          </a:lnRef>
+          <a:fillRef idx="3">
+            <a:schemeClr val="accent4"/>
+          </a:fillRef>
+          <a:effectRef idx="3">
+            <a:schemeClr val="accent4"/>
+          </a:effectRef>
+          <a:fontRef idx="minor">
+            <a:schemeClr val="lt1"/>
+          </a:fontRef>
+        </p:style>
+        <p:txBody>
+          <a:bodyPr rtlCol="0" anchor="ctr"/>
+          <a:lstStyle/>
+          <a:p>
+            <a:pPr algn="ctr"/>
+            <a:endParaRPr lang="zh-CN" altLang="en-US"/>
+          </a:p>
+        </p:txBody>
+      </p:sp>
+      <p:sp>
+        <p:nvSpPr>
+          <p:cNvPr id="13" name="文本框 12"/>
+          <p:cNvSpPr txBox="1"/>
+          <p:nvPr/>
+        </p:nvSpPr>
+        <p:spPr>
+          <a:xfrm>
+            <a:off x="5840362" y="4366145"/>
+            <a:ext cx="2947923" cy="646331"/>
+          </a:xfrm>
+          <a:prstGeom prst="rect">
+            <a:avLst/>
+          </a:prstGeom>
+          <a:noFill/>
+        </p:spPr>
+        <p:txBody>
+          <a:bodyPr wrap="none" rtlCol="0">
+            <a:spAutoFit/>
+          </a:bodyPr>
+          <a:lstStyle/>
+          <a:p>
+            <a:r>
+              <a:rPr lang="en-US" altLang="zh-CN" dirty="0" smtClean="0"/>
+              <a:t>2 register file read operations</a:t>
+            </a:r>
+          </a:p>
+          <a:p>
+            <a:r>
+              <a:rPr lang="en-US" altLang="zh-CN" dirty="0" smtClean="0"/>
+              <a:t>1 register file write operation</a:t>
+            </a:r>
+            <a:endParaRPr lang="zh-CN" altLang="en-US" dirty="0"/>
+          </a:p>
+        </p:txBody>
+      </p:sp>
     </p:spTree>
     <p:extLst>
       <p:ext uri="{BB962C8B-B14F-4D97-AF65-F5344CB8AC3E}">
@@ -6444,6 +8325,1131 @@
         <p:cTn id="1" dur="indefinite" restart="never" nodeType="tmRoot"/>
       </p:par>
     </p:tnLst>
+  </p:timing>
+</p:sld>
+</file>
+
+<file path=ppt/slides/slide17.xml><?xml version="1.0" encoding="utf-8"?>
+<p:sld xmlns:a="http://schemas.openxmlformats.org/drawingml/2006/main" xmlns:r="http://schemas.openxmlformats.org/officeDocument/2006/relationships" xmlns:p="http://schemas.openxmlformats.org/presentationml/2006/main">
+  <p:cSld>
+    <p:spTree>
+      <p:nvGrpSpPr>
+        <p:cNvPr id="1" name=""/>
+        <p:cNvGrpSpPr/>
+        <p:nvPr/>
+      </p:nvGrpSpPr>
+      <p:grpSpPr>
+        <a:xfrm>
+          <a:off x="0" y="0"/>
+          <a:ext cx="0" cy="0"/>
+          <a:chOff x="0" y="0"/>
+          <a:chExt cx="0" cy="0"/>
+        </a:xfrm>
+      </p:grpSpPr>
+      <p:sp>
+        <p:nvSpPr>
+          <p:cNvPr id="4" name="文本框 3"/>
+          <p:cNvSpPr txBox="1"/>
+          <p:nvPr/>
+        </p:nvSpPr>
+        <p:spPr>
+          <a:xfrm>
+            <a:off x="1850923" y="523568"/>
+            <a:ext cx="2031325" cy="369332"/>
+          </a:xfrm>
+          <a:prstGeom prst="rect">
+            <a:avLst/>
+          </a:prstGeom>
+          <a:noFill/>
+        </p:spPr>
+        <p:txBody>
+          <a:bodyPr wrap="none" rtlCol="0">
+            <a:spAutoFit/>
+          </a:bodyPr>
+          <a:lstStyle/>
+          <a:p>
+            <a:r>
+              <a:rPr lang="en-US" altLang="zh-CN" i="1" dirty="0" smtClean="0"/>
+              <a:t>div	$t5,$t6</a:t>
+            </a:r>
+            <a:r>
+              <a:rPr lang="en-US" altLang="zh-CN" dirty="0" smtClean="0"/>
+              <a:t>	</a:t>
+            </a:r>
+            <a:endParaRPr lang="zh-CN" altLang="en-US" dirty="0"/>
+          </a:p>
+        </p:txBody>
+      </p:sp>
+      <p:sp>
+        <p:nvSpPr>
+          <p:cNvPr id="7" name="文本框 6"/>
+          <p:cNvSpPr txBox="1"/>
+          <p:nvPr/>
+        </p:nvSpPr>
+        <p:spPr>
+          <a:xfrm>
+            <a:off x="1850923" y="1076632"/>
+            <a:ext cx="2846439" cy="369332"/>
+          </a:xfrm>
+          <a:prstGeom prst="rect">
+            <a:avLst/>
+          </a:prstGeom>
+          <a:noFill/>
+        </p:spPr>
+        <p:txBody>
+          <a:bodyPr wrap="square" rtlCol="0">
+            <a:spAutoFit/>
+          </a:bodyPr>
+          <a:lstStyle/>
+          <a:p>
+            <a:r>
+              <a:rPr lang="en-US" altLang="zh-CN" i="1" dirty="0" err="1" smtClean="0"/>
+              <a:t>addi</a:t>
+            </a:r>
+            <a:r>
+              <a:rPr lang="en-US" altLang="zh-CN" i="1" dirty="0" smtClean="0"/>
+              <a:t>	$t2,$t3, 5</a:t>
+            </a:r>
+            <a:endParaRPr lang="zh-CN" altLang="en-US" i="1" dirty="0"/>
+          </a:p>
+        </p:txBody>
+      </p:sp>
+      <p:sp>
+        <p:nvSpPr>
+          <p:cNvPr id="8" name="文本框 7"/>
+          <p:cNvSpPr txBox="1"/>
+          <p:nvPr/>
+        </p:nvSpPr>
+        <p:spPr>
+          <a:xfrm>
+            <a:off x="1850923" y="1784556"/>
+            <a:ext cx="1874231" cy="369332"/>
+          </a:xfrm>
+          <a:prstGeom prst="rect">
+            <a:avLst/>
+          </a:prstGeom>
+          <a:noFill/>
+        </p:spPr>
+        <p:txBody>
+          <a:bodyPr wrap="none" rtlCol="0">
+            <a:spAutoFit/>
+          </a:bodyPr>
+          <a:lstStyle/>
+          <a:p>
+            <a:r>
+              <a:rPr lang="en-US" altLang="zh-CN" i="1" dirty="0" smtClean="0"/>
+              <a:t>move	$a0, $t2</a:t>
+            </a:r>
+            <a:endParaRPr lang="zh-CN" altLang="en-US" i="1" dirty="0"/>
+          </a:p>
+        </p:txBody>
+      </p:sp>
+      <p:sp>
+        <p:nvSpPr>
+          <p:cNvPr id="10" name="矩形 9"/>
+          <p:cNvSpPr/>
+          <p:nvPr/>
+        </p:nvSpPr>
+        <p:spPr>
+          <a:xfrm>
+            <a:off x="5003365" y="153302"/>
+            <a:ext cx="1005403" cy="2215991"/>
+          </a:xfrm>
+          <a:prstGeom prst="rect">
+            <a:avLst/>
+          </a:prstGeom>
+          <a:noFill/>
+        </p:spPr>
+        <p:txBody>
+          <a:bodyPr wrap="none" lIns="91440" tIns="45720" rIns="91440" bIns="45720">
+            <a:spAutoFit/>
+          </a:bodyPr>
+          <a:lstStyle/>
+          <a:p>
+            <a:pPr algn="ctr"/>
+            <a:r>
+              <a:rPr lang="en-US" altLang="zh-CN" sz="13800" b="1" cap="none" spc="0" dirty="0" smtClean="0">
+                <a:ln w="10160">
+                  <a:solidFill>
+                    <a:schemeClr val="accent5"/>
+                  </a:solidFill>
+                  <a:prstDash val="solid"/>
+                </a:ln>
+                <a:solidFill>
+                  <a:srgbClr val="FFFFFF"/>
+                </a:solidFill>
+                <a:effectLst>
+                  <a:outerShdw blurRad="38100" dist="22860" dir="5400000" algn="tl" rotWithShape="0">
+                    <a:srgbClr val="000000">
+                      <a:alpha val="30000"/>
+                    </a:srgbClr>
+                  </a:outerShdw>
+                </a:effectLst>
+              </a:rPr>
+              <a:t>?</a:t>
+            </a:r>
+            <a:endParaRPr lang="zh-CN" altLang="en-US" sz="13800" b="1" cap="none" spc="0" dirty="0">
+              <a:ln w="10160">
+                <a:solidFill>
+                  <a:schemeClr val="accent5"/>
+                </a:solidFill>
+                <a:prstDash val="solid"/>
+              </a:ln>
+              <a:solidFill>
+                <a:srgbClr val="FFFFFF"/>
+              </a:solidFill>
+              <a:effectLst>
+                <a:outerShdw blurRad="38100" dist="22860" dir="5400000" algn="tl" rotWithShape="0">
+                  <a:srgbClr val="000000">
+                    <a:alpha val="30000"/>
+                  </a:srgbClr>
+                </a:outerShdw>
+              </a:effectLst>
+            </a:endParaRPr>
+          </a:p>
+        </p:txBody>
+      </p:sp>
+      <p:sp>
+        <p:nvSpPr>
+          <p:cNvPr id="11" name="文本框 10"/>
+          <p:cNvSpPr txBox="1"/>
+          <p:nvPr/>
+        </p:nvSpPr>
+        <p:spPr>
+          <a:xfrm>
+            <a:off x="1850923" y="3362632"/>
+            <a:ext cx="6779035" cy="923330"/>
+          </a:xfrm>
+          <a:prstGeom prst="rect">
+            <a:avLst/>
+          </a:prstGeom>
+          <a:noFill/>
+        </p:spPr>
+        <p:txBody>
+          <a:bodyPr wrap="none" rtlCol="0">
+            <a:spAutoFit/>
+          </a:bodyPr>
+          <a:lstStyle/>
+          <a:p>
+            <a:r>
+              <a:rPr lang="en-US" altLang="zh-CN" dirty="0" smtClean="0"/>
+              <a:t>If we want to estimate the register file operations more accurate, </a:t>
+            </a:r>
+          </a:p>
+          <a:p>
+            <a:r>
+              <a:rPr lang="en-US" altLang="zh-CN" dirty="0" smtClean="0"/>
+              <a:t>we have to get the number of different types of assembly instructions.</a:t>
+            </a:r>
+          </a:p>
+          <a:p>
+            <a:r>
+              <a:rPr lang="en-US" altLang="zh-CN" dirty="0" smtClean="0"/>
+              <a:t>Now we can not get this.</a:t>
+            </a:r>
+            <a:endParaRPr lang="zh-CN" altLang="en-US" dirty="0"/>
+          </a:p>
+        </p:txBody>
+      </p:sp>
+      <p:sp>
+        <p:nvSpPr>
+          <p:cNvPr id="12" name="文本框 11"/>
+          <p:cNvSpPr txBox="1"/>
+          <p:nvPr/>
+        </p:nvSpPr>
+        <p:spPr>
+          <a:xfrm>
+            <a:off x="1850923" y="4848375"/>
+            <a:ext cx="7814447" cy="646331"/>
+          </a:xfrm>
+          <a:prstGeom prst="rect">
+            <a:avLst/>
+          </a:prstGeom>
+          <a:noFill/>
+        </p:spPr>
+        <p:txBody>
+          <a:bodyPr wrap="none" rtlCol="0">
+            <a:spAutoFit/>
+          </a:bodyPr>
+          <a:lstStyle/>
+          <a:p>
+            <a:r>
+              <a:rPr lang="en-US" altLang="zh-CN" dirty="0" smtClean="0"/>
+              <a:t>This may not be correct, but we have to set the number of register file operations</a:t>
+            </a:r>
+          </a:p>
+          <a:p>
+            <a:r>
+              <a:rPr lang="en-US" altLang="zh-CN" dirty="0" smtClean="0"/>
+              <a:t>manually based on the instruction number</a:t>
+            </a:r>
+            <a:endParaRPr lang="zh-CN" altLang="en-US" dirty="0"/>
+          </a:p>
+        </p:txBody>
+      </p:sp>
+    </p:spTree>
+    <p:extLst>
+      <p:ext uri="{BB962C8B-B14F-4D97-AF65-F5344CB8AC3E}">
+        <p14:creationId xmlns:p14="http://schemas.microsoft.com/office/powerpoint/2010/main" val="1660126198"/>
+      </p:ext>
+    </p:extLst>
+  </p:cSld>
+  <p:clrMapOvr>
+    <a:masterClrMapping/>
+  </p:clrMapOvr>
+  <p:timing>
+    <p:tnLst>
+      <p:par>
+        <p:cTn id="1" dur="indefinite" restart="never" nodeType="tmRoot"/>
+      </p:par>
+    </p:tnLst>
+  </p:timing>
+</p:sld>
+</file>
+
+<file path=ppt/slides/slide18.xml><?xml version="1.0" encoding="utf-8"?>
+<p:sld xmlns:a="http://schemas.openxmlformats.org/drawingml/2006/main" xmlns:r="http://schemas.openxmlformats.org/officeDocument/2006/relationships" xmlns:p="http://schemas.openxmlformats.org/presentationml/2006/main">
+  <p:cSld>
+    <p:spTree>
+      <p:nvGrpSpPr>
+        <p:cNvPr id="1" name=""/>
+        <p:cNvGrpSpPr/>
+        <p:nvPr/>
+      </p:nvGrpSpPr>
+      <p:grpSpPr>
+        <a:xfrm>
+          <a:off x="0" y="0"/>
+          <a:ext cx="0" cy="0"/>
+          <a:chOff x="0" y="0"/>
+          <a:chExt cx="0" cy="0"/>
+        </a:xfrm>
+      </p:grpSpPr>
+      <p:sp>
+        <p:nvSpPr>
+          <p:cNvPr id="4" name="文本框 3"/>
+          <p:cNvSpPr txBox="1"/>
+          <p:nvPr/>
+        </p:nvSpPr>
+        <p:spPr>
+          <a:xfrm>
+            <a:off x="862781" y="707923"/>
+            <a:ext cx="184731" cy="369332"/>
+          </a:xfrm>
+          <a:prstGeom prst="rect">
+            <a:avLst/>
+          </a:prstGeom>
+          <a:noFill/>
+        </p:spPr>
+        <p:txBody>
+          <a:bodyPr wrap="none" rtlCol="0">
+            <a:spAutoFit/>
+          </a:bodyPr>
+          <a:lstStyle/>
+          <a:p>
+            <a:endParaRPr lang="zh-CN" altLang="en-US" dirty="0"/>
+          </a:p>
+        </p:txBody>
+      </p:sp>
+      <p:sp>
+        <p:nvSpPr>
+          <p:cNvPr id="5" name="文本框 4"/>
+          <p:cNvSpPr txBox="1"/>
+          <p:nvPr/>
+        </p:nvSpPr>
+        <p:spPr>
+          <a:xfrm>
+            <a:off x="730045" y="855406"/>
+            <a:ext cx="2602315" cy="369332"/>
+          </a:xfrm>
+          <a:prstGeom prst="rect">
+            <a:avLst/>
+          </a:prstGeom>
+          <a:noFill/>
+        </p:spPr>
+        <p:txBody>
+          <a:bodyPr wrap="none" rtlCol="0">
+            <a:spAutoFit/>
+          </a:bodyPr>
+          <a:lstStyle/>
+          <a:p>
+            <a:r>
+              <a:rPr lang="en-US" altLang="zh-CN" dirty="0" smtClean="0"/>
+              <a:t>instruction cache hit/miss</a:t>
+            </a:r>
+            <a:endParaRPr lang="zh-CN" altLang="en-US" dirty="0"/>
+          </a:p>
+        </p:txBody>
+      </p:sp>
+      <p:sp>
+        <p:nvSpPr>
+          <p:cNvPr id="6" name="文本框 5"/>
+          <p:cNvSpPr txBox="1"/>
+          <p:nvPr/>
+        </p:nvSpPr>
+        <p:spPr>
+          <a:xfrm>
+            <a:off x="730045" y="1504336"/>
+            <a:ext cx="2398285" cy="369332"/>
+          </a:xfrm>
+          <a:prstGeom prst="rect">
+            <a:avLst/>
+          </a:prstGeom>
+          <a:noFill/>
+        </p:spPr>
+        <p:txBody>
+          <a:bodyPr wrap="none" rtlCol="0">
+            <a:spAutoFit/>
+          </a:bodyPr>
+          <a:lstStyle/>
+          <a:p>
+            <a:r>
+              <a:rPr lang="en-US" altLang="zh-CN" dirty="0" smtClean="0"/>
+              <a:t>constant cache hit/miss</a:t>
+            </a:r>
+            <a:endParaRPr lang="zh-CN" altLang="en-US" dirty="0"/>
+          </a:p>
+        </p:txBody>
+      </p:sp>
+      <p:sp>
+        <p:nvSpPr>
+          <p:cNvPr id="10" name="矩形 9"/>
+          <p:cNvSpPr/>
+          <p:nvPr/>
+        </p:nvSpPr>
+        <p:spPr>
+          <a:xfrm>
+            <a:off x="730045" y="2153266"/>
+            <a:ext cx="6096000" cy="369332"/>
+          </a:xfrm>
+          <a:prstGeom prst="rect">
+            <a:avLst/>
+          </a:prstGeom>
+        </p:spPr>
+        <p:txBody>
+          <a:bodyPr>
+            <a:spAutoFit/>
+          </a:bodyPr>
+          <a:lstStyle/>
+          <a:p>
+            <a:r>
+              <a:rPr lang="en-US" altLang="zh-CN" dirty="0" smtClean="0"/>
+              <a:t>dram </a:t>
+            </a:r>
+            <a:r>
+              <a:rPr lang="en-US" altLang="zh-CN" dirty="0" err="1" smtClean="0"/>
+              <a:t>precharge</a:t>
+            </a:r>
+            <a:r>
+              <a:rPr lang="en-US" altLang="zh-CN" dirty="0" smtClean="0"/>
+              <a:t> access</a:t>
+            </a:r>
+            <a:endParaRPr lang="en-US" altLang="zh-CN" dirty="0"/>
+          </a:p>
+        </p:txBody>
+      </p:sp>
+      <p:sp>
+        <p:nvSpPr>
+          <p:cNvPr id="12" name="文本框 11"/>
+          <p:cNvSpPr txBox="1"/>
+          <p:nvPr/>
+        </p:nvSpPr>
+        <p:spPr>
+          <a:xfrm>
+            <a:off x="730045" y="2802196"/>
+            <a:ext cx="1351652" cy="369332"/>
+          </a:xfrm>
+          <a:prstGeom prst="rect">
+            <a:avLst/>
+          </a:prstGeom>
+          <a:noFill/>
+        </p:spPr>
+        <p:txBody>
+          <a:bodyPr wrap="none" rtlCol="0">
+            <a:spAutoFit/>
+          </a:bodyPr>
+          <a:lstStyle/>
+          <a:p>
+            <a:r>
+              <a:rPr lang="en-US" altLang="zh-CN" dirty="0" smtClean="0"/>
+              <a:t>SFU pipeline</a:t>
+            </a:r>
+            <a:endParaRPr lang="zh-CN" altLang="en-US" dirty="0"/>
+          </a:p>
+        </p:txBody>
+      </p:sp>
+      <p:sp>
+        <p:nvSpPr>
+          <p:cNvPr id="13" name="文本框 12"/>
+          <p:cNvSpPr txBox="1"/>
+          <p:nvPr/>
+        </p:nvSpPr>
+        <p:spPr>
+          <a:xfrm>
+            <a:off x="730045" y="3510116"/>
+            <a:ext cx="4730975" cy="369332"/>
+          </a:xfrm>
+          <a:prstGeom prst="rect">
+            <a:avLst/>
+          </a:prstGeom>
+          <a:noFill/>
+        </p:spPr>
+        <p:txBody>
+          <a:bodyPr wrap="none" rtlCol="0">
+            <a:spAutoFit/>
+          </a:bodyPr>
+          <a:lstStyle/>
+          <a:p>
+            <a:r>
+              <a:rPr lang="en-US" altLang="zh-CN" dirty="0" smtClean="0"/>
+              <a:t>Network on chip(SIMT to Mem or Mem to SIMT)</a:t>
+            </a:r>
+            <a:endParaRPr lang="zh-CN" altLang="en-US" dirty="0"/>
+          </a:p>
+        </p:txBody>
+      </p:sp>
+      <p:sp>
+        <p:nvSpPr>
+          <p:cNvPr id="14" name="右大括号 13"/>
+          <p:cNvSpPr/>
+          <p:nvPr/>
+        </p:nvSpPr>
+        <p:spPr>
+          <a:xfrm>
+            <a:off x="5351461" y="707923"/>
+            <a:ext cx="435077" cy="3443748"/>
+          </a:xfrm>
+          <a:prstGeom prst="rightBrace">
+            <a:avLst/>
+          </a:prstGeom>
+        </p:spPr>
+        <p:style>
+          <a:lnRef idx="1">
+            <a:schemeClr val="accent1"/>
+          </a:lnRef>
+          <a:fillRef idx="0">
+            <a:schemeClr val="accent1"/>
+          </a:fillRef>
+          <a:effectRef idx="0">
+            <a:schemeClr val="accent1"/>
+          </a:effectRef>
+          <a:fontRef idx="minor">
+            <a:schemeClr val="tx1"/>
+          </a:fontRef>
+        </p:style>
+        <p:txBody>
+          <a:bodyPr rtlCol="0" anchor="ctr"/>
+          <a:lstStyle/>
+          <a:p>
+            <a:pPr algn="ctr"/>
+            <a:endParaRPr lang="zh-CN" altLang="en-US"/>
+          </a:p>
+        </p:txBody>
+      </p:sp>
+      <p:sp>
+        <p:nvSpPr>
+          <p:cNvPr id="15" name="文本框 14"/>
+          <p:cNvSpPr txBox="1"/>
+          <p:nvPr/>
+        </p:nvSpPr>
+        <p:spPr>
+          <a:xfrm>
+            <a:off x="5919722" y="2198964"/>
+            <a:ext cx="5834743" cy="830997"/>
+          </a:xfrm>
+          <a:prstGeom prst="rect">
+            <a:avLst/>
+          </a:prstGeom>
+          <a:noFill/>
+        </p:spPr>
+        <p:txBody>
+          <a:bodyPr wrap="square" rtlCol="0">
+            <a:spAutoFit/>
+          </a:bodyPr>
+          <a:lstStyle/>
+          <a:p>
+            <a:r>
+              <a:rPr lang="en-US" altLang="zh-CN" sz="2400" dirty="0" smtClean="0"/>
+              <a:t>We set these performance counters as the average number in original GPGPU-Sim</a:t>
+            </a:r>
+          </a:p>
+        </p:txBody>
+      </p:sp>
+      <p:sp>
+        <p:nvSpPr>
+          <p:cNvPr id="16" name="文本框 15"/>
+          <p:cNvSpPr txBox="1"/>
+          <p:nvPr/>
+        </p:nvSpPr>
+        <p:spPr>
+          <a:xfrm>
+            <a:off x="730045" y="5479026"/>
+            <a:ext cx="10008445" cy="369332"/>
+          </a:xfrm>
+          <a:prstGeom prst="rect">
+            <a:avLst/>
+          </a:prstGeom>
+          <a:noFill/>
+        </p:spPr>
+        <p:txBody>
+          <a:bodyPr wrap="none" rtlCol="0">
+            <a:spAutoFit/>
+          </a:bodyPr>
+          <a:lstStyle/>
+          <a:p>
+            <a:r>
+              <a:rPr lang="en-US" altLang="zh-CN" dirty="0" smtClean="0"/>
+              <a:t>When dealing with the performance counter </a:t>
+            </a:r>
+            <a:r>
+              <a:rPr lang="en-US" altLang="zh-CN" i="1" dirty="0" smtClean="0"/>
+              <a:t>IDLE CORE, </a:t>
+            </a:r>
+            <a:r>
+              <a:rPr lang="en-US" altLang="zh-CN" dirty="0" smtClean="0"/>
+              <a:t> we found we cannot just set it as the average….</a:t>
+            </a:r>
+            <a:endParaRPr lang="zh-CN" altLang="en-US" i="1" dirty="0"/>
+          </a:p>
+        </p:txBody>
+      </p:sp>
+      <p:sp>
+        <p:nvSpPr>
+          <p:cNvPr id="17" name="文本框 16"/>
+          <p:cNvSpPr txBox="1"/>
+          <p:nvPr/>
+        </p:nvSpPr>
+        <p:spPr>
+          <a:xfrm>
+            <a:off x="5919722" y="3171528"/>
+            <a:ext cx="6121035" cy="923330"/>
+          </a:xfrm>
+          <a:prstGeom prst="rect">
+            <a:avLst/>
+          </a:prstGeom>
+          <a:noFill/>
+        </p:spPr>
+        <p:txBody>
+          <a:bodyPr wrap="none" rtlCol="0">
+            <a:spAutoFit/>
+          </a:bodyPr>
+          <a:lstStyle/>
+          <a:p>
+            <a:r>
+              <a:rPr lang="en-US" altLang="zh-CN" dirty="0" smtClean="0"/>
+              <a:t>Actually in original GPGPU-Sim we scan the performance </a:t>
+            </a:r>
+          </a:p>
+          <a:p>
+            <a:r>
+              <a:rPr lang="en-US" altLang="zh-CN" dirty="0" smtClean="0"/>
+              <a:t>counters for each sampling period, these are often 0. Even they</a:t>
+            </a:r>
+          </a:p>
+          <a:p>
+            <a:r>
+              <a:rPr lang="en-US" altLang="zh-CN" dirty="0" smtClean="0"/>
+              <a:t>are not 0, they are very small. </a:t>
+            </a:r>
+          </a:p>
+        </p:txBody>
+      </p:sp>
+    </p:spTree>
+    <p:extLst>
+      <p:ext uri="{BB962C8B-B14F-4D97-AF65-F5344CB8AC3E}">
+        <p14:creationId xmlns:p14="http://schemas.microsoft.com/office/powerpoint/2010/main" val="3779169472"/>
+      </p:ext>
+    </p:extLst>
+  </p:cSld>
+  <p:clrMapOvr>
+    <a:masterClrMapping/>
+  </p:clrMapOvr>
+  <p:timing>
+    <p:tnLst>
+      <p:par>
+        <p:cTn id="1" dur="indefinite" restart="never" nodeType="tmRoot"/>
+      </p:par>
+    </p:tnLst>
+  </p:timing>
+</p:sld>
+</file>
+
+<file path=ppt/slides/slide19.xml><?xml version="1.0" encoding="utf-8"?>
+<p:sld xmlns:a="http://schemas.openxmlformats.org/drawingml/2006/main" xmlns:r="http://schemas.openxmlformats.org/officeDocument/2006/relationships" xmlns:p="http://schemas.openxmlformats.org/presentationml/2006/main">
+  <p:cSld>
+    <p:spTree>
+      <p:nvGrpSpPr>
+        <p:cNvPr id="1" name=""/>
+        <p:cNvGrpSpPr/>
+        <p:nvPr/>
+      </p:nvGrpSpPr>
+      <p:grpSpPr>
+        <a:xfrm>
+          <a:off x="0" y="0"/>
+          <a:ext cx="0" cy="0"/>
+          <a:chOff x="0" y="0"/>
+          <a:chExt cx="0" cy="0"/>
+        </a:xfrm>
+      </p:grpSpPr>
+      <p:sp>
+        <p:nvSpPr>
+          <p:cNvPr id="4" name="矩形 3"/>
+          <p:cNvSpPr/>
+          <p:nvPr/>
+        </p:nvSpPr>
+        <p:spPr>
+          <a:xfrm>
+            <a:off x="267929" y="327373"/>
+            <a:ext cx="6096000" cy="923330"/>
+          </a:xfrm>
+          <a:prstGeom prst="rect">
+            <a:avLst/>
+          </a:prstGeom>
+        </p:spPr>
+        <p:txBody>
+          <a:bodyPr>
+            <a:spAutoFit/>
+          </a:bodyPr>
+          <a:lstStyle/>
+          <a:p>
+            <a:pPr>
+              <a:lnSpc>
+                <a:spcPct val="150000"/>
+              </a:lnSpc>
+            </a:pPr>
+            <a:r>
+              <a:rPr lang="en-US" altLang="zh-CN" dirty="0" smtClean="0"/>
+              <a:t>5. Change configuration files to make our power model more realistic </a:t>
+            </a:r>
+            <a:endParaRPr lang="en-US" altLang="zh-CN" dirty="0"/>
+          </a:p>
+        </p:txBody>
+      </p:sp>
+      <p:sp>
+        <p:nvSpPr>
+          <p:cNvPr id="5" name="文本框 4"/>
+          <p:cNvSpPr txBox="1"/>
+          <p:nvPr/>
+        </p:nvSpPr>
+        <p:spPr>
+          <a:xfrm>
+            <a:off x="1061884" y="1821427"/>
+            <a:ext cx="9910916" cy="646331"/>
+          </a:xfrm>
+          <a:prstGeom prst="rect">
+            <a:avLst/>
+          </a:prstGeom>
+          <a:noFill/>
+        </p:spPr>
+        <p:txBody>
+          <a:bodyPr wrap="square" rtlCol="0">
+            <a:spAutoFit/>
+          </a:bodyPr>
+          <a:lstStyle/>
+          <a:p>
+            <a:r>
+              <a:rPr lang="en-US" altLang="zh-CN" dirty="0" smtClean="0"/>
+              <a:t>The architecture GPGPU-Sim use by default is GTX480, which has 480 cores(shown in its official website). In GPGPU-Sim, number of cores is set as 16.</a:t>
+            </a:r>
+            <a:endParaRPr lang="zh-CN" altLang="en-US" dirty="0"/>
+          </a:p>
+        </p:txBody>
+      </p:sp>
+      <p:sp>
+        <p:nvSpPr>
+          <p:cNvPr id="6" name="文本框 5"/>
+          <p:cNvSpPr txBox="1"/>
+          <p:nvPr/>
+        </p:nvSpPr>
+        <p:spPr>
+          <a:xfrm>
+            <a:off x="1017639" y="4660490"/>
+            <a:ext cx="8331640" cy="369332"/>
+          </a:xfrm>
+          <a:prstGeom prst="rect">
+            <a:avLst/>
+          </a:prstGeom>
+          <a:noFill/>
+        </p:spPr>
+        <p:txBody>
+          <a:bodyPr wrap="none" rtlCol="0">
+            <a:spAutoFit/>
+          </a:bodyPr>
+          <a:lstStyle/>
+          <a:p>
+            <a:r>
+              <a:rPr lang="en-US" altLang="zh-CN" dirty="0" smtClean="0"/>
+              <a:t>The machine on which we use </a:t>
+            </a:r>
+            <a:r>
+              <a:rPr lang="en-US" altLang="zh-CN" dirty="0" err="1" smtClean="0"/>
+              <a:t>nvprof</a:t>
+            </a:r>
+            <a:r>
+              <a:rPr lang="en-US" altLang="zh-CN" dirty="0" smtClean="0"/>
+              <a:t> to get power metrics is TITAN V. It has 5120 cores!</a:t>
+            </a:r>
+            <a:endParaRPr lang="zh-CN" altLang="en-US" dirty="0"/>
+          </a:p>
+        </p:txBody>
+      </p:sp>
+      <p:sp>
+        <p:nvSpPr>
+          <p:cNvPr id="7" name="文本框 6"/>
+          <p:cNvSpPr txBox="1"/>
+          <p:nvPr/>
+        </p:nvSpPr>
+        <p:spPr>
+          <a:xfrm>
+            <a:off x="2182761" y="2453632"/>
+            <a:ext cx="6933821" cy="369332"/>
+          </a:xfrm>
+          <a:prstGeom prst="rect">
+            <a:avLst/>
+          </a:prstGeom>
+          <a:noFill/>
+        </p:spPr>
+        <p:txBody>
+          <a:bodyPr wrap="none" rtlCol="0">
+            <a:spAutoFit/>
+          </a:bodyPr>
+          <a:lstStyle/>
+          <a:p>
+            <a:r>
+              <a:rPr lang="en-US" altLang="zh-CN" dirty="0" smtClean="0"/>
+              <a:t>The average number of </a:t>
+            </a:r>
+            <a:r>
+              <a:rPr lang="en-US" altLang="zh-CN" i="1" dirty="0" smtClean="0"/>
+              <a:t>IDLE CORE </a:t>
+            </a:r>
+            <a:r>
+              <a:rPr lang="en-US" altLang="zh-CN" dirty="0" smtClean="0"/>
+              <a:t>is 14.96 for one benchmark we chose.</a:t>
+            </a:r>
+            <a:endParaRPr lang="zh-CN" altLang="en-US" i="1" dirty="0"/>
+          </a:p>
+        </p:txBody>
+      </p:sp>
+      <p:sp>
+        <p:nvSpPr>
+          <p:cNvPr id="8" name="文本框 7"/>
+          <p:cNvSpPr txBox="1"/>
+          <p:nvPr/>
+        </p:nvSpPr>
+        <p:spPr>
+          <a:xfrm>
+            <a:off x="2182761" y="5231214"/>
+            <a:ext cx="5688993" cy="369332"/>
+          </a:xfrm>
+          <a:prstGeom prst="rect">
+            <a:avLst/>
+          </a:prstGeom>
+          <a:noFill/>
+        </p:spPr>
+        <p:txBody>
+          <a:bodyPr wrap="none" rtlCol="0">
+            <a:spAutoFit/>
+          </a:bodyPr>
+          <a:lstStyle/>
+          <a:p>
+            <a:r>
+              <a:rPr lang="en-US" altLang="zh-CN" dirty="0" smtClean="0"/>
+              <a:t>We cannot directly set the performance counter manually!</a:t>
+            </a:r>
+            <a:endParaRPr lang="zh-CN" altLang="en-US" dirty="0"/>
+          </a:p>
+        </p:txBody>
+      </p:sp>
+      <p:sp>
+        <p:nvSpPr>
+          <p:cNvPr id="9" name="下箭头 8"/>
+          <p:cNvSpPr/>
+          <p:nvPr/>
+        </p:nvSpPr>
+        <p:spPr>
+          <a:xfrm>
+            <a:off x="4297080" y="2967337"/>
+            <a:ext cx="634181" cy="1408783"/>
+          </a:xfrm>
+          <a:prstGeom prst="downArrow">
+            <a:avLst/>
+          </a:prstGeom>
+          <a:solidFill>
+            <a:schemeClr val="accent6">
+              <a:lumMod val="20000"/>
+              <a:lumOff val="80000"/>
+            </a:schemeClr>
+          </a:solidFill>
+        </p:spPr>
+        <p:style>
+          <a:lnRef idx="2">
+            <a:schemeClr val="accent6">
+              <a:shade val="50000"/>
+            </a:schemeClr>
+          </a:lnRef>
+          <a:fillRef idx="1">
+            <a:schemeClr val="accent6"/>
+          </a:fillRef>
+          <a:effectRef idx="0">
+            <a:schemeClr val="accent6"/>
+          </a:effectRef>
+          <a:fontRef idx="minor">
+            <a:schemeClr val="lt1"/>
+          </a:fontRef>
+        </p:style>
+        <p:txBody>
+          <a:bodyPr rtlCol="0" anchor="ctr"/>
+          <a:lstStyle/>
+          <a:p>
+            <a:pPr algn="ctr"/>
+            <a:endParaRPr lang="zh-CN" altLang="en-US"/>
+          </a:p>
+        </p:txBody>
+      </p:sp>
+      <p:sp>
+        <p:nvSpPr>
+          <p:cNvPr id="10" name="矩形 9"/>
+          <p:cNvSpPr/>
+          <p:nvPr/>
+        </p:nvSpPr>
+        <p:spPr>
+          <a:xfrm>
+            <a:off x="5528805" y="3169561"/>
+            <a:ext cx="3587777" cy="923330"/>
+          </a:xfrm>
+          <a:prstGeom prst="rect">
+            <a:avLst/>
+          </a:prstGeom>
+          <a:noFill/>
+        </p:spPr>
+        <p:txBody>
+          <a:bodyPr wrap="none" lIns="91440" tIns="45720" rIns="91440" bIns="45720">
+            <a:spAutoFit/>
+          </a:bodyPr>
+          <a:lstStyle/>
+          <a:p>
+            <a:pPr algn="ctr"/>
+            <a:r>
+              <a:rPr lang="en-US" altLang="zh-CN" sz="5400" b="1" cap="none" spc="0" dirty="0" smtClean="0">
+                <a:ln w="10160">
+                  <a:solidFill>
+                    <a:schemeClr val="accent5"/>
+                  </a:solidFill>
+                  <a:prstDash val="solid"/>
+                </a:ln>
+                <a:solidFill>
+                  <a:srgbClr val="FFFFFF"/>
+                </a:solidFill>
+                <a:effectLst>
+                  <a:outerShdw blurRad="38100" dist="22860" dir="5400000" algn="tl" rotWithShape="0">
+                    <a:srgbClr val="000000">
+                      <a:alpha val="30000"/>
+                    </a:srgbClr>
+                  </a:outerShdw>
+                </a:effectLst>
+              </a:rPr>
+              <a:t>A huge gap!</a:t>
+            </a:r>
+            <a:endParaRPr lang="zh-CN" altLang="en-US" sz="5400" b="1" cap="none" spc="0" dirty="0">
+              <a:ln w="10160">
+                <a:solidFill>
+                  <a:schemeClr val="accent5"/>
+                </a:solidFill>
+                <a:prstDash val="solid"/>
+              </a:ln>
+              <a:solidFill>
+                <a:srgbClr val="FFFFFF"/>
+              </a:solidFill>
+              <a:effectLst>
+                <a:outerShdw blurRad="38100" dist="22860" dir="5400000" algn="tl" rotWithShape="0">
+                  <a:srgbClr val="000000">
+                    <a:alpha val="30000"/>
+                  </a:srgbClr>
+                </a:outerShdw>
+              </a:effectLst>
+            </a:endParaRPr>
+          </a:p>
+        </p:txBody>
+      </p:sp>
+    </p:spTree>
+    <p:extLst>
+      <p:ext uri="{BB962C8B-B14F-4D97-AF65-F5344CB8AC3E}">
+        <p14:creationId xmlns:p14="http://schemas.microsoft.com/office/powerpoint/2010/main" val="1832745915"/>
+      </p:ext>
+    </p:extLst>
+  </p:cSld>
+  <p:clrMapOvr>
+    <a:masterClrMapping/>
+  </p:clrMapOvr>
+  <p:timing>
+    <p:tnLst>
+      <p:par>
+        <p:cTn id="1" dur="indefinite" restart="never" nodeType="tmRoot">
+          <p:childTnLst>
+            <p:seq concurrent="1" nextAc="seek">
+              <p:cTn id="2" dur="indefinite" nodeType="mainSeq">
+                <p:childTnLst>
+                  <p:par>
+                    <p:cTn id="3" fill="hold">
+                      <p:stCondLst>
+                        <p:cond delay="indefinite"/>
+                      </p:stCondLst>
+                      <p:childTnLst>
+                        <p:par>
+                          <p:cTn id="4" fill="hold">
+                            <p:stCondLst>
+                              <p:cond delay="0"/>
+                            </p:stCondLst>
+                            <p:childTnLst>
+                              <p:par>
+                                <p:cTn id="5" presetID="1" presetClass="entr" presetSubtype="0" fill="hold" grpId="0" nodeType="clickEffect">
+                                  <p:stCondLst>
+                                    <p:cond delay="0"/>
+                                  </p:stCondLst>
+                                  <p:childTnLst>
+                                    <p:set>
+                                      <p:cBhvr>
+                                        <p:cTn id="6" dur="1" fill="hold">
+                                          <p:stCondLst>
+                                            <p:cond delay="0"/>
+                                          </p:stCondLst>
+                                        </p:cTn>
+                                        <p:tgtEl>
+                                          <p:spTgt spid="9"/>
+                                        </p:tgtEl>
+                                        <p:attrNameLst>
+                                          <p:attrName>style.visibility</p:attrName>
+                                        </p:attrNameLst>
+                                      </p:cBhvr>
+                                      <p:to>
+                                        <p:strVal val="visible"/>
+                                      </p:to>
+                                    </p:set>
+                                  </p:childTnLst>
+                                </p:cTn>
+                              </p:par>
+                            </p:childTnLst>
+                          </p:cTn>
+                        </p:par>
+                      </p:childTnLst>
+                    </p:cTn>
+                  </p:par>
+                  <p:par>
+                    <p:cTn id="7" fill="hold">
+                      <p:stCondLst>
+                        <p:cond delay="indefinite"/>
+                      </p:stCondLst>
+                      <p:childTnLst>
+                        <p:par>
+                          <p:cTn id="8" fill="hold">
+                            <p:stCondLst>
+                              <p:cond delay="0"/>
+                            </p:stCondLst>
+                            <p:childTnLst>
+                              <p:par>
+                                <p:cTn id="9" presetID="1" presetClass="entr" presetSubtype="0" fill="hold" grpId="0" nodeType="clickEffect">
+                                  <p:stCondLst>
+                                    <p:cond delay="0"/>
+                                  </p:stCondLst>
+                                  <p:childTnLst>
+                                    <p:set>
+                                      <p:cBhvr>
+                                        <p:cTn id="10" dur="1" fill="hold">
+                                          <p:stCondLst>
+                                            <p:cond delay="0"/>
+                                          </p:stCondLst>
+                                        </p:cTn>
+                                        <p:tgtEl>
+                                          <p:spTgt spid="10"/>
+                                        </p:tgtEl>
+                                        <p:attrNameLst>
+                                          <p:attrName>style.visibility</p:attrName>
+                                        </p:attrNameLst>
+                                      </p:cBhvr>
+                                      <p:to>
+                                        <p:strVal val="visible"/>
+                                      </p:to>
+                                    </p:set>
+                                  </p:childTnLst>
+                                </p:cTn>
+                              </p:par>
+                            </p:childTnLst>
+                          </p:cTn>
+                        </p:par>
+                      </p:childTnLst>
+                    </p:cTn>
+                  </p:par>
+                  <p:par>
+                    <p:cTn id="11" fill="hold">
+                      <p:stCondLst>
+                        <p:cond delay="indefinite"/>
+                      </p:stCondLst>
+                      <p:childTnLst>
+                        <p:par>
+                          <p:cTn id="12" fill="hold">
+                            <p:stCondLst>
+                              <p:cond delay="0"/>
+                            </p:stCondLst>
+                            <p:childTnLst>
+                              <p:par>
+                                <p:cTn id="13" presetID="1" presetClass="entr" presetSubtype="0" fill="hold" grpId="0" nodeType="clickEffect">
+                                  <p:stCondLst>
+                                    <p:cond delay="0"/>
+                                  </p:stCondLst>
+                                  <p:childTnLst>
+                                    <p:set>
+                                      <p:cBhvr>
+                                        <p:cTn id="14" dur="1" fill="hold">
+                                          <p:stCondLst>
+                                            <p:cond delay="0"/>
+                                          </p:stCondLst>
+                                        </p:cTn>
+                                        <p:tgtEl>
+                                          <p:spTgt spid="8"/>
+                                        </p:tgtEl>
+                                        <p:attrNameLst>
+                                          <p:attrName>style.visibility</p:attrName>
+                                        </p:attrNameLst>
+                                      </p:cBhvr>
+                                      <p:to>
+                                        <p:strVal val="visible"/>
+                                      </p:to>
+                                    </p:set>
+                                  </p:childTnLst>
+                                </p:cTn>
+                              </p:par>
+                            </p:childTnLst>
+                          </p:cTn>
+                        </p:par>
+                      </p:childTnLst>
+                    </p:cTn>
+                  </p:par>
+                </p:childTnLst>
+              </p:cTn>
+              <p:prevCondLst>
+                <p:cond evt="onPrev" delay="0">
+                  <p:tgtEl>
+                    <p:sldTgt/>
+                  </p:tgtEl>
+                </p:cond>
+              </p:prevCondLst>
+              <p:nextCondLst>
+                <p:cond evt="onNext" delay="0">
+                  <p:tgtEl>
+                    <p:sldTgt/>
+                  </p:tgtEl>
+                </p:cond>
+              </p:nextCondLst>
+            </p:seq>
+          </p:childTnLst>
+        </p:cTn>
+      </p:par>
+    </p:tnLst>
+    <p:bldLst>
+      <p:bldP spid="8" grpId="0"/>
+      <p:bldP spid="9" grpId="0" animBg="1"/>
+      <p:bldP spid="10" grpId="0"/>
+    </p:bldLst>
   </p:timing>
 </p:sld>
 </file>
@@ -7031,6 +10037,3569 @@
 </p:sld>
 </file>
 
+<file path=ppt/slides/slide20.xml><?xml version="1.0" encoding="utf-8"?>
+<p:sld xmlns:a="http://schemas.openxmlformats.org/drawingml/2006/main" xmlns:r="http://schemas.openxmlformats.org/officeDocument/2006/relationships" xmlns:p="http://schemas.openxmlformats.org/presentationml/2006/main">
+  <p:cSld>
+    <p:spTree>
+      <p:nvGrpSpPr>
+        <p:cNvPr id="1" name=""/>
+        <p:cNvGrpSpPr/>
+        <p:nvPr/>
+      </p:nvGrpSpPr>
+      <p:grpSpPr>
+        <a:xfrm>
+          <a:off x="0" y="0"/>
+          <a:ext cx="0" cy="0"/>
+          <a:chOff x="0" y="0"/>
+          <a:chExt cx="0" cy="0"/>
+        </a:xfrm>
+      </p:grpSpPr>
+      <p:sp>
+        <p:nvSpPr>
+          <p:cNvPr id="4" name="文本框 3"/>
+          <p:cNvSpPr txBox="1"/>
+          <p:nvPr/>
+        </p:nvSpPr>
+        <p:spPr>
+          <a:xfrm>
+            <a:off x="494071" y="442452"/>
+            <a:ext cx="3072444" cy="369332"/>
+          </a:xfrm>
+          <a:prstGeom prst="rect">
+            <a:avLst/>
+          </a:prstGeom>
+          <a:noFill/>
+        </p:spPr>
+        <p:txBody>
+          <a:bodyPr wrap="none" rtlCol="0">
+            <a:spAutoFit/>
+          </a:bodyPr>
+          <a:lstStyle/>
+          <a:p>
+            <a:r>
+              <a:rPr lang="en-US" altLang="zh-CN" dirty="0" smtClean="0"/>
+              <a:t>Change the configuration file…</a:t>
+            </a:r>
+            <a:endParaRPr lang="zh-CN" altLang="en-US" dirty="0"/>
+          </a:p>
+        </p:txBody>
+      </p:sp>
+      <p:sp>
+        <p:nvSpPr>
+          <p:cNvPr id="5" name="文本框 4"/>
+          <p:cNvSpPr txBox="1"/>
+          <p:nvPr/>
+        </p:nvSpPr>
+        <p:spPr>
+          <a:xfrm>
+            <a:off x="1445342" y="1408471"/>
+            <a:ext cx="7122143" cy="646331"/>
+          </a:xfrm>
+          <a:prstGeom prst="rect">
+            <a:avLst/>
+          </a:prstGeom>
+          <a:noFill/>
+        </p:spPr>
+        <p:txBody>
+          <a:bodyPr wrap="none" rtlCol="0">
+            <a:spAutoFit/>
+          </a:bodyPr>
+          <a:lstStyle/>
+          <a:p>
+            <a:r>
+              <a:rPr lang="en-US" altLang="zh-CN" dirty="0" smtClean="0"/>
+              <a:t>Currently, GPGPU-Sim only supports two architectures(GT200 and Fermi). </a:t>
+            </a:r>
+          </a:p>
+          <a:p>
+            <a:r>
+              <a:rPr lang="en-US" altLang="zh-CN" dirty="0" smtClean="0"/>
+              <a:t>We chose Fermi’s configuration as our basic configuration.</a:t>
+            </a:r>
+          </a:p>
+        </p:txBody>
+      </p:sp>
+      <p:sp>
+        <p:nvSpPr>
+          <p:cNvPr id="6" name="文本框 5"/>
+          <p:cNvSpPr txBox="1"/>
+          <p:nvPr/>
+        </p:nvSpPr>
+        <p:spPr>
+          <a:xfrm>
+            <a:off x="1445342" y="2466823"/>
+            <a:ext cx="6837641" cy="369332"/>
+          </a:xfrm>
+          <a:prstGeom prst="rect">
+            <a:avLst/>
+          </a:prstGeom>
+          <a:noFill/>
+        </p:spPr>
+        <p:txBody>
+          <a:bodyPr wrap="none" rtlCol="0">
+            <a:spAutoFit/>
+          </a:bodyPr>
+          <a:lstStyle/>
+          <a:p>
+            <a:r>
+              <a:rPr lang="en-US" altLang="zh-CN" dirty="0" smtClean="0"/>
+              <a:t>We modify the configuration to let it be as close to TITAN V as possible. </a:t>
+            </a:r>
+            <a:endParaRPr lang="zh-CN" altLang="en-US" dirty="0"/>
+          </a:p>
+        </p:txBody>
+      </p:sp>
+      <p:sp>
+        <p:nvSpPr>
+          <p:cNvPr id="7" name="文本框 6"/>
+          <p:cNvSpPr txBox="1"/>
+          <p:nvPr/>
+        </p:nvSpPr>
+        <p:spPr>
+          <a:xfrm>
+            <a:off x="1445342" y="3311013"/>
+            <a:ext cx="6395212" cy="369332"/>
+          </a:xfrm>
+          <a:prstGeom prst="rect">
+            <a:avLst/>
+          </a:prstGeom>
+          <a:noFill/>
+        </p:spPr>
+        <p:txBody>
+          <a:bodyPr wrap="none" rtlCol="0">
+            <a:spAutoFit/>
+          </a:bodyPr>
+          <a:lstStyle/>
+          <a:p>
+            <a:r>
+              <a:rPr lang="en-US" altLang="zh-CN" dirty="0" smtClean="0"/>
+              <a:t>Two main parameters we change : </a:t>
+            </a:r>
+            <a:r>
+              <a:rPr lang="en-US" altLang="zh-CN" i="1" dirty="0" smtClean="0"/>
+              <a:t>number of cores</a:t>
+            </a:r>
+            <a:r>
+              <a:rPr lang="en-US" altLang="zh-CN" dirty="0" smtClean="0"/>
+              <a:t>,  </a:t>
+            </a:r>
+            <a:r>
+              <a:rPr lang="en-US" altLang="zh-CN" i="1" dirty="0" smtClean="0"/>
+              <a:t>clock domain</a:t>
+            </a:r>
+            <a:endParaRPr lang="zh-CN" altLang="en-US" i="1" dirty="0"/>
+          </a:p>
+        </p:txBody>
+      </p:sp>
+      <p:pic>
+        <p:nvPicPr>
+          <p:cNvPr id="8" name="图片 7"/>
+          <p:cNvPicPr>
+            <a:picLocks noChangeAspect="1"/>
+          </p:cNvPicPr>
+          <p:nvPr/>
+        </p:nvPicPr>
+        <p:blipFill>
+          <a:blip r:embed="rId2"/>
+          <a:stretch>
+            <a:fillRect/>
+          </a:stretch>
+        </p:blipFill>
+        <p:spPr>
+          <a:xfrm>
+            <a:off x="1445342" y="2979564"/>
+            <a:ext cx="9440516" cy="3736724"/>
+          </a:xfrm>
+          <a:prstGeom prst="rect">
+            <a:avLst/>
+          </a:prstGeom>
+        </p:spPr>
+      </p:pic>
+      <p:pic>
+        <p:nvPicPr>
+          <p:cNvPr id="10" name="图片 9"/>
+          <p:cNvPicPr>
+            <a:picLocks noChangeAspect="1"/>
+          </p:cNvPicPr>
+          <p:nvPr/>
+        </p:nvPicPr>
+        <p:blipFill>
+          <a:blip r:embed="rId3"/>
+          <a:stretch>
+            <a:fillRect/>
+          </a:stretch>
+        </p:blipFill>
+        <p:spPr>
+          <a:xfrm>
+            <a:off x="2143420" y="299044"/>
+            <a:ext cx="6705611" cy="2680520"/>
+          </a:xfrm>
+          <a:prstGeom prst="rect">
+            <a:avLst/>
+          </a:prstGeom>
+        </p:spPr>
+      </p:pic>
+    </p:spTree>
+    <p:extLst>
+      <p:ext uri="{BB962C8B-B14F-4D97-AF65-F5344CB8AC3E}">
+        <p14:creationId xmlns:p14="http://schemas.microsoft.com/office/powerpoint/2010/main" val="54868085"/>
+      </p:ext>
+    </p:extLst>
+  </p:cSld>
+  <p:clrMapOvr>
+    <a:masterClrMapping/>
+  </p:clrMapOvr>
+  <p:timing>
+    <p:tnLst>
+      <p:par>
+        <p:cTn id="1" dur="indefinite" restart="never" nodeType="tmRoot">
+          <p:childTnLst>
+            <p:seq concurrent="1" nextAc="seek">
+              <p:cTn id="2" dur="indefinite" nodeType="mainSeq">
+                <p:childTnLst>
+                  <p:par>
+                    <p:cTn id="3" fill="hold">
+                      <p:stCondLst>
+                        <p:cond delay="indefinite"/>
+                      </p:stCondLst>
+                      <p:childTnLst>
+                        <p:par>
+                          <p:cTn id="4" fill="hold">
+                            <p:stCondLst>
+                              <p:cond delay="0"/>
+                            </p:stCondLst>
+                            <p:childTnLst>
+                              <p:par>
+                                <p:cTn id="5" presetID="1" presetClass="entr" presetSubtype="0" fill="hold" nodeType="clickEffect">
+                                  <p:stCondLst>
+                                    <p:cond delay="0"/>
+                                  </p:stCondLst>
+                                  <p:childTnLst>
+                                    <p:set>
+                                      <p:cBhvr>
+                                        <p:cTn id="6" dur="1" fill="hold">
+                                          <p:stCondLst>
+                                            <p:cond delay="0"/>
+                                          </p:stCondLst>
+                                        </p:cTn>
+                                        <p:tgtEl>
+                                          <p:spTgt spid="10"/>
+                                        </p:tgtEl>
+                                        <p:attrNameLst>
+                                          <p:attrName>style.visibility</p:attrName>
+                                        </p:attrNameLst>
+                                      </p:cBhvr>
+                                      <p:to>
+                                        <p:strVal val="visible"/>
+                                      </p:to>
+                                    </p:set>
+                                  </p:childTnLst>
+                                </p:cTn>
+                              </p:par>
+                            </p:childTnLst>
+                          </p:cTn>
+                        </p:par>
+                      </p:childTnLst>
+                    </p:cTn>
+                  </p:par>
+                  <p:par>
+                    <p:cTn id="7" fill="hold">
+                      <p:stCondLst>
+                        <p:cond delay="indefinite"/>
+                      </p:stCondLst>
+                      <p:childTnLst>
+                        <p:par>
+                          <p:cTn id="8" fill="hold">
+                            <p:stCondLst>
+                              <p:cond delay="0"/>
+                            </p:stCondLst>
+                            <p:childTnLst>
+                              <p:par>
+                                <p:cTn id="9" presetID="1" presetClass="entr" presetSubtype="0" fill="hold" nodeType="clickEffect">
+                                  <p:stCondLst>
+                                    <p:cond delay="0"/>
+                                  </p:stCondLst>
+                                  <p:childTnLst>
+                                    <p:set>
+                                      <p:cBhvr>
+                                        <p:cTn id="10" dur="1" fill="hold">
+                                          <p:stCondLst>
+                                            <p:cond delay="0"/>
+                                          </p:stCondLst>
+                                        </p:cTn>
+                                        <p:tgtEl>
+                                          <p:spTgt spid="8"/>
+                                        </p:tgtEl>
+                                        <p:attrNameLst>
+                                          <p:attrName>style.visibility</p:attrName>
+                                        </p:attrNameLst>
+                                      </p:cBhvr>
+                                      <p:to>
+                                        <p:strVal val="visible"/>
+                                      </p:to>
+                                    </p:set>
+                                  </p:childTnLst>
+                                </p:cTn>
+                              </p:par>
+                            </p:childTnLst>
+                          </p:cTn>
+                        </p:par>
+                      </p:childTnLst>
+                    </p:cTn>
+                  </p:par>
+                </p:childTnLst>
+              </p:cTn>
+              <p:prevCondLst>
+                <p:cond evt="onPrev" delay="0">
+                  <p:tgtEl>
+                    <p:sldTgt/>
+                  </p:tgtEl>
+                </p:cond>
+              </p:prevCondLst>
+              <p:nextCondLst>
+                <p:cond evt="onNext" delay="0">
+                  <p:tgtEl>
+                    <p:sldTgt/>
+                  </p:tgtEl>
+                </p:cond>
+              </p:nextCondLst>
+            </p:seq>
+          </p:childTnLst>
+        </p:cTn>
+      </p:par>
+    </p:tnLst>
+  </p:timing>
+</p:sld>
+</file>
+
+<file path=ppt/slides/slide21.xml><?xml version="1.0" encoding="utf-8"?>
+<p:sld xmlns:a="http://schemas.openxmlformats.org/drawingml/2006/main" xmlns:r="http://schemas.openxmlformats.org/officeDocument/2006/relationships" xmlns:p="http://schemas.openxmlformats.org/presentationml/2006/main">
+  <p:cSld>
+    <p:spTree>
+      <p:nvGrpSpPr>
+        <p:cNvPr id="1" name=""/>
+        <p:cNvGrpSpPr/>
+        <p:nvPr/>
+      </p:nvGrpSpPr>
+      <p:grpSpPr>
+        <a:xfrm>
+          <a:off x="0" y="0"/>
+          <a:ext cx="0" cy="0"/>
+          <a:chOff x="0" y="0"/>
+          <a:chExt cx="0" cy="0"/>
+        </a:xfrm>
+      </p:grpSpPr>
+      <p:sp>
+        <p:nvSpPr>
+          <p:cNvPr id="4" name="文本框 3"/>
+          <p:cNvSpPr txBox="1"/>
+          <p:nvPr/>
+        </p:nvSpPr>
+        <p:spPr>
+          <a:xfrm>
+            <a:off x="110613" y="117987"/>
+            <a:ext cx="4569200" cy="369332"/>
+          </a:xfrm>
+          <a:prstGeom prst="rect">
+            <a:avLst/>
+          </a:prstGeom>
+          <a:noFill/>
+        </p:spPr>
+        <p:txBody>
+          <a:bodyPr wrap="none" rtlCol="0">
+            <a:spAutoFit/>
+          </a:bodyPr>
+          <a:lstStyle/>
+          <a:p>
+            <a:r>
+              <a:rPr lang="en-US" altLang="zh-CN" dirty="0" smtClean="0"/>
+              <a:t>Then, we can generate the power report now! </a:t>
+            </a:r>
+            <a:endParaRPr lang="zh-CN" altLang="en-US" dirty="0"/>
+          </a:p>
+        </p:txBody>
+      </p:sp>
+      <p:sp>
+        <p:nvSpPr>
+          <p:cNvPr id="5" name="文本框 4"/>
+          <p:cNvSpPr txBox="1"/>
+          <p:nvPr/>
+        </p:nvSpPr>
+        <p:spPr>
+          <a:xfrm>
+            <a:off x="1430594" y="943897"/>
+            <a:ext cx="9285171" cy="369332"/>
+          </a:xfrm>
+          <a:prstGeom prst="rect">
+            <a:avLst/>
+          </a:prstGeom>
+          <a:noFill/>
+        </p:spPr>
+        <p:txBody>
+          <a:bodyPr wrap="none" rtlCol="0">
+            <a:spAutoFit/>
+          </a:bodyPr>
+          <a:lstStyle/>
+          <a:p>
+            <a:r>
+              <a:rPr lang="en-US" altLang="zh-CN" dirty="0" smtClean="0"/>
+              <a:t>We chose two benchmarks, one is Vector Addition (one kernel) and Neural Network (four kernels)</a:t>
+            </a:r>
+            <a:endParaRPr lang="zh-CN" altLang="en-US" dirty="0"/>
+          </a:p>
+        </p:txBody>
+      </p:sp>
+      <p:sp>
+        <p:nvSpPr>
+          <p:cNvPr id="6" name="文本框 5"/>
+          <p:cNvSpPr txBox="1"/>
+          <p:nvPr/>
+        </p:nvSpPr>
+        <p:spPr>
+          <a:xfrm>
+            <a:off x="1430594" y="1526458"/>
+            <a:ext cx="5855129" cy="369332"/>
+          </a:xfrm>
+          <a:prstGeom prst="rect">
+            <a:avLst/>
+          </a:prstGeom>
+          <a:noFill/>
+        </p:spPr>
+        <p:txBody>
+          <a:bodyPr wrap="none" rtlCol="0">
+            <a:spAutoFit/>
+          </a:bodyPr>
+          <a:lstStyle/>
+          <a:p>
+            <a:r>
+              <a:rPr lang="en-US" altLang="zh-CN" dirty="0" smtClean="0"/>
+              <a:t>One thing is sure, the speed of our method is much faster…..</a:t>
+            </a:r>
+            <a:endParaRPr lang="zh-CN" altLang="en-US" dirty="0"/>
+          </a:p>
+        </p:txBody>
+      </p:sp>
+      <p:graphicFrame>
+        <p:nvGraphicFramePr>
+          <p:cNvPr id="7" name="表格 6"/>
+          <p:cNvGraphicFramePr>
+            <a:graphicFrameLocks noGrp="1"/>
+          </p:cNvGraphicFramePr>
+          <p:nvPr>
+            <p:extLst>
+              <p:ext uri="{D42A27DB-BD31-4B8C-83A1-F6EECF244321}">
+                <p14:modId xmlns:p14="http://schemas.microsoft.com/office/powerpoint/2010/main" val="2844792708"/>
+              </p:ext>
+            </p:extLst>
+          </p:nvPr>
+        </p:nvGraphicFramePr>
+        <p:xfrm>
+          <a:off x="1430594" y="2109019"/>
+          <a:ext cx="8401930" cy="2297990"/>
+        </p:xfrm>
+        <a:graphic>
+          <a:graphicData uri="http://schemas.openxmlformats.org/drawingml/2006/table">
+            <a:tbl>
+              <a:tblPr firstRow="1" firstCol="1" bandRow="1">
+                <a:tableStyleId>{5C22544A-7EE6-4342-B048-85BDC9FD1C3A}</a:tableStyleId>
+              </a:tblPr>
+              <a:tblGrid>
+                <a:gridCol w="5012013"/>
+                <a:gridCol w="3389917"/>
+              </a:tblGrid>
+              <a:tr h="411580">
+                <a:tc gridSpan="2">
+                  <a:txBody>
+                    <a:bodyPr/>
+                    <a:lstStyle/>
+                    <a:p>
+                      <a:pPr algn="ctr">
+                        <a:spcAft>
+                          <a:spcPts val="0"/>
+                        </a:spcAft>
+                      </a:pPr>
+                      <a:r>
+                        <a:rPr lang="en-US" sz="1200" dirty="0" smtClean="0">
+                          <a:effectLst/>
+                        </a:rPr>
+                        <a:t> </a:t>
+                      </a:r>
+                      <a:r>
+                        <a:rPr lang="en-US" sz="1200" dirty="0">
+                          <a:effectLst/>
+                        </a:rPr>
+                        <a:t>Time consumption</a:t>
+                      </a:r>
+                      <a:endParaRPr lang="zh-CN" sz="1100" dirty="0">
+                        <a:effectLst/>
+                        <a:latin typeface="Times New Roman" panose="02020603050405020304" pitchFamily="18" charset="0"/>
+                        <a:ea typeface="Times New Roman" panose="02020603050405020304" pitchFamily="18" charset="0"/>
+                        <a:cs typeface="Times New Roman" panose="02020603050405020304" pitchFamily="18" charset="0"/>
+                      </a:endParaRPr>
+                    </a:p>
+                  </a:txBody>
+                  <a:tcPr marL="68580" marR="68580" marT="0" marB="0"/>
+                </a:tc>
+                <a:tc hMerge="1">
+                  <a:txBody>
+                    <a:bodyPr/>
+                    <a:lstStyle/>
+                    <a:p>
+                      <a:endParaRPr lang="zh-CN" altLang="en-US"/>
+                    </a:p>
+                  </a:txBody>
+                  <a:tcPr/>
+                </a:tc>
+              </a:tr>
+              <a:tr h="377282">
+                <a:tc>
+                  <a:txBody>
+                    <a:bodyPr/>
+                    <a:lstStyle/>
+                    <a:p>
+                      <a:pPr>
+                        <a:spcAft>
+                          <a:spcPts val="0"/>
+                        </a:spcAft>
+                      </a:pPr>
+                      <a:r>
+                        <a:rPr lang="en-US" sz="1100">
+                          <a:effectLst/>
+                        </a:rPr>
+                        <a:t>Method and benchmark</a:t>
+                      </a:r>
+                      <a:endParaRPr lang="zh-CN" sz="1100">
+                        <a:effectLst/>
+                        <a:latin typeface="Times New Roman" panose="02020603050405020304" pitchFamily="18" charset="0"/>
+                        <a:ea typeface="Times New Roman" panose="02020603050405020304" pitchFamily="18" charset="0"/>
+                        <a:cs typeface="Times New Roman" panose="02020603050405020304" pitchFamily="18" charset="0"/>
+                      </a:endParaRPr>
+                    </a:p>
+                  </a:txBody>
+                  <a:tcPr marL="68580" marR="68580" marT="0" marB="0"/>
+                </a:tc>
+                <a:tc>
+                  <a:txBody>
+                    <a:bodyPr/>
+                    <a:lstStyle/>
+                    <a:p>
+                      <a:pPr>
+                        <a:spcAft>
+                          <a:spcPts val="0"/>
+                        </a:spcAft>
+                      </a:pPr>
+                      <a:r>
+                        <a:rPr lang="en-US" sz="1100">
+                          <a:effectLst/>
+                        </a:rPr>
+                        <a:t>Time</a:t>
+                      </a:r>
+                      <a:endParaRPr lang="zh-CN" sz="1100">
+                        <a:effectLst/>
+                        <a:latin typeface="Times New Roman" panose="02020603050405020304" pitchFamily="18" charset="0"/>
+                        <a:ea typeface="Times New Roman" panose="02020603050405020304" pitchFamily="18" charset="0"/>
+                        <a:cs typeface="Times New Roman" panose="02020603050405020304" pitchFamily="18" charset="0"/>
+                      </a:endParaRPr>
+                    </a:p>
+                  </a:txBody>
+                  <a:tcPr marL="68580" marR="68580" marT="0" marB="0"/>
+                </a:tc>
+              </a:tr>
+              <a:tr h="377282">
+                <a:tc>
+                  <a:txBody>
+                    <a:bodyPr/>
+                    <a:lstStyle/>
+                    <a:p>
+                      <a:pPr>
+                        <a:spcAft>
+                          <a:spcPts val="0"/>
+                        </a:spcAft>
+                      </a:pPr>
+                      <a:r>
+                        <a:rPr lang="en-US" sz="1100">
+                          <a:effectLst/>
+                        </a:rPr>
+                        <a:t>Our model for Benchmark1 Vector Addition</a:t>
+                      </a:r>
+                      <a:endParaRPr lang="zh-CN" sz="1100">
+                        <a:effectLst/>
+                        <a:latin typeface="Times New Roman" panose="02020603050405020304" pitchFamily="18" charset="0"/>
+                        <a:ea typeface="Times New Roman" panose="02020603050405020304" pitchFamily="18" charset="0"/>
+                        <a:cs typeface="Times New Roman" panose="02020603050405020304" pitchFamily="18" charset="0"/>
+                      </a:endParaRPr>
+                    </a:p>
+                  </a:txBody>
+                  <a:tcPr marL="68580" marR="68580" marT="0" marB="0"/>
+                </a:tc>
+                <a:tc>
+                  <a:txBody>
+                    <a:bodyPr/>
+                    <a:lstStyle/>
+                    <a:p>
+                      <a:pPr>
+                        <a:spcAft>
+                          <a:spcPts val="0"/>
+                        </a:spcAft>
+                      </a:pPr>
+                      <a:r>
+                        <a:rPr lang="en-US" sz="1100">
+                          <a:effectLst/>
+                        </a:rPr>
+                        <a:t>17.41s</a:t>
+                      </a:r>
+                      <a:endParaRPr lang="zh-CN" sz="1100">
+                        <a:effectLst/>
+                        <a:latin typeface="Times New Roman" panose="02020603050405020304" pitchFamily="18" charset="0"/>
+                        <a:ea typeface="Times New Roman" panose="02020603050405020304" pitchFamily="18" charset="0"/>
+                        <a:cs typeface="Times New Roman" panose="02020603050405020304" pitchFamily="18" charset="0"/>
+                      </a:endParaRPr>
+                    </a:p>
+                  </a:txBody>
+                  <a:tcPr marL="68580" marR="68580" marT="0" marB="0"/>
+                </a:tc>
+              </a:tr>
+              <a:tr h="377282">
+                <a:tc>
+                  <a:txBody>
+                    <a:bodyPr/>
+                    <a:lstStyle/>
+                    <a:p>
+                      <a:pPr>
+                        <a:spcAft>
+                          <a:spcPts val="0"/>
+                        </a:spcAft>
+                      </a:pPr>
+                      <a:r>
+                        <a:rPr lang="en-US" sz="1100">
+                          <a:effectLst/>
+                        </a:rPr>
+                        <a:t>Original GPGPU-Sim for Benchmark 1 Vector Addition</a:t>
+                      </a:r>
+                      <a:endParaRPr lang="zh-CN" sz="1100">
+                        <a:effectLst/>
+                        <a:latin typeface="Times New Roman" panose="02020603050405020304" pitchFamily="18" charset="0"/>
+                        <a:ea typeface="Times New Roman" panose="02020603050405020304" pitchFamily="18" charset="0"/>
+                        <a:cs typeface="Times New Roman" panose="02020603050405020304" pitchFamily="18" charset="0"/>
+                      </a:endParaRPr>
+                    </a:p>
+                  </a:txBody>
+                  <a:tcPr marL="68580" marR="68580" marT="0" marB="0"/>
+                </a:tc>
+                <a:tc>
+                  <a:txBody>
+                    <a:bodyPr/>
+                    <a:lstStyle/>
+                    <a:p>
+                      <a:pPr>
+                        <a:spcAft>
+                          <a:spcPts val="0"/>
+                        </a:spcAft>
+                      </a:pPr>
+                      <a:r>
+                        <a:rPr lang="en-US" sz="1100">
+                          <a:effectLst/>
+                        </a:rPr>
+                        <a:t>113.81s</a:t>
+                      </a:r>
+                      <a:endParaRPr lang="zh-CN" sz="1100">
+                        <a:effectLst/>
+                        <a:latin typeface="Times New Roman" panose="02020603050405020304" pitchFamily="18" charset="0"/>
+                        <a:ea typeface="Times New Roman" panose="02020603050405020304" pitchFamily="18" charset="0"/>
+                        <a:cs typeface="Times New Roman" panose="02020603050405020304" pitchFamily="18" charset="0"/>
+                      </a:endParaRPr>
+                    </a:p>
+                  </a:txBody>
+                  <a:tcPr marL="68580" marR="68580" marT="0" marB="0"/>
+                </a:tc>
+              </a:tr>
+              <a:tr h="377282">
+                <a:tc>
+                  <a:txBody>
+                    <a:bodyPr/>
+                    <a:lstStyle/>
+                    <a:p>
+                      <a:pPr>
+                        <a:spcAft>
+                          <a:spcPts val="0"/>
+                        </a:spcAft>
+                      </a:pPr>
+                      <a:r>
+                        <a:rPr lang="en-US" sz="1100">
+                          <a:effectLst/>
+                        </a:rPr>
+                        <a:t>Our model for Benchmark2 Neural Network</a:t>
+                      </a:r>
+                      <a:endParaRPr lang="zh-CN" sz="1100">
+                        <a:effectLst/>
+                        <a:latin typeface="Times New Roman" panose="02020603050405020304" pitchFamily="18" charset="0"/>
+                        <a:ea typeface="Times New Roman" panose="02020603050405020304" pitchFamily="18" charset="0"/>
+                        <a:cs typeface="Times New Roman" panose="02020603050405020304" pitchFamily="18" charset="0"/>
+                      </a:endParaRPr>
+                    </a:p>
+                  </a:txBody>
+                  <a:tcPr marL="68580" marR="68580" marT="0" marB="0"/>
+                </a:tc>
+                <a:tc>
+                  <a:txBody>
+                    <a:bodyPr/>
+                    <a:lstStyle/>
+                    <a:p>
+                      <a:pPr>
+                        <a:spcAft>
+                          <a:spcPts val="0"/>
+                        </a:spcAft>
+                      </a:pPr>
+                      <a:r>
+                        <a:rPr lang="en-US" sz="1100">
+                          <a:effectLst/>
+                        </a:rPr>
+                        <a:t>17.73s</a:t>
+                      </a:r>
+                      <a:endParaRPr lang="zh-CN" sz="1100">
+                        <a:effectLst/>
+                        <a:latin typeface="Times New Roman" panose="02020603050405020304" pitchFamily="18" charset="0"/>
+                        <a:ea typeface="Times New Roman" panose="02020603050405020304" pitchFamily="18" charset="0"/>
+                        <a:cs typeface="Times New Roman" panose="02020603050405020304" pitchFamily="18" charset="0"/>
+                      </a:endParaRPr>
+                    </a:p>
+                  </a:txBody>
+                  <a:tcPr marL="68580" marR="68580" marT="0" marB="0"/>
+                </a:tc>
+              </a:tr>
+              <a:tr h="377282">
+                <a:tc>
+                  <a:txBody>
+                    <a:bodyPr/>
+                    <a:lstStyle/>
+                    <a:p>
+                      <a:pPr>
+                        <a:spcAft>
+                          <a:spcPts val="0"/>
+                        </a:spcAft>
+                      </a:pPr>
+                      <a:r>
+                        <a:rPr lang="en-US" sz="1100" dirty="0">
+                          <a:effectLst/>
+                        </a:rPr>
+                        <a:t>Original GPGPU-Sim for Benchmark2 Neural Network</a:t>
+                      </a:r>
+                      <a:endParaRPr lang="zh-CN" sz="1100" dirty="0">
+                        <a:effectLst/>
+                        <a:latin typeface="Times New Roman" panose="02020603050405020304" pitchFamily="18" charset="0"/>
+                        <a:ea typeface="Times New Roman" panose="02020603050405020304" pitchFamily="18" charset="0"/>
+                        <a:cs typeface="Times New Roman" panose="02020603050405020304" pitchFamily="18" charset="0"/>
+                      </a:endParaRPr>
+                    </a:p>
+                  </a:txBody>
+                  <a:tcPr marL="68580" marR="68580" marT="0" marB="0"/>
+                </a:tc>
+                <a:tc>
+                  <a:txBody>
+                    <a:bodyPr/>
+                    <a:lstStyle/>
+                    <a:p>
+                      <a:pPr>
+                        <a:spcAft>
+                          <a:spcPts val="0"/>
+                        </a:spcAft>
+                      </a:pPr>
+                      <a:r>
+                        <a:rPr lang="en-US" sz="1100" dirty="0">
+                          <a:effectLst/>
+                        </a:rPr>
+                        <a:t>274.36s</a:t>
+                      </a:r>
+                      <a:endParaRPr lang="zh-CN" sz="1100" dirty="0">
+                        <a:effectLst/>
+                        <a:latin typeface="Times New Roman" panose="02020603050405020304" pitchFamily="18" charset="0"/>
+                        <a:ea typeface="Times New Roman" panose="02020603050405020304" pitchFamily="18" charset="0"/>
+                        <a:cs typeface="Times New Roman" panose="02020603050405020304" pitchFamily="18" charset="0"/>
+                      </a:endParaRPr>
+                    </a:p>
+                  </a:txBody>
+                  <a:tcPr marL="68580" marR="68580" marT="0" marB="0"/>
+                </a:tc>
+              </a:tr>
+            </a:tbl>
+          </a:graphicData>
+        </a:graphic>
+      </p:graphicFrame>
+      <p:sp>
+        <p:nvSpPr>
+          <p:cNvPr id="8" name="文本框 7"/>
+          <p:cNvSpPr txBox="1"/>
+          <p:nvPr/>
+        </p:nvSpPr>
+        <p:spPr>
+          <a:xfrm>
+            <a:off x="1430594" y="5139813"/>
+            <a:ext cx="3836371" cy="369332"/>
+          </a:xfrm>
+          <a:prstGeom prst="rect">
+            <a:avLst/>
+          </a:prstGeom>
+          <a:noFill/>
+        </p:spPr>
+        <p:txBody>
+          <a:bodyPr wrap="none" rtlCol="0">
+            <a:spAutoFit/>
+          </a:bodyPr>
+          <a:lstStyle/>
+          <a:p>
+            <a:r>
+              <a:rPr lang="en-US" altLang="zh-CN" dirty="0" smtClean="0"/>
+              <a:t>But at first, the result is not very good. </a:t>
+            </a:r>
+            <a:endParaRPr lang="zh-CN" altLang="en-US" dirty="0"/>
+          </a:p>
+        </p:txBody>
+      </p:sp>
+    </p:spTree>
+    <p:extLst>
+      <p:ext uri="{BB962C8B-B14F-4D97-AF65-F5344CB8AC3E}">
+        <p14:creationId xmlns:p14="http://schemas.microsoft.com/office/powerpoint/2010/main" val="781125213"/>
+      </p:ext>
+    </p:extLst>
+  </p:cSld>
+  <p:clrMapOvr>
+    <a:masterClrMapping/>
+  </p:clrMapOvr>
+  <p:timing>
+    <p:tnLst>
+      <p:par>
+        <p:cTn id="1" dur="indefinite" restart="never" nodeType="tmRoot">
+          <p:childTnLst>
+            <p:seq concurrent="1" nextAc="seek">
+              <p:cTn id="2" dur="indefinite" nodeType="mainSeq">
+                <p:childTnLst>
+                  <p:par>
+                    <p:cTn id="3" fill="hold">
+                      <p:stCondLst>
+                        <p:cond delay="indefinite"/>
+                      </p:stCondLst>
+                      <p:childTnLst>
+                        <p:par>
+                          <p:cTn id="4" fill="hold">
+                            <p:stCondLst>
+                              <p:cond delay="0"/>
+                            </p:stCondLst>
+                            <p:childTnLst>
+                              <p:par>
+                                <p:cTn id="5" presetID="1" presetClass="entr" presetSubtype="0" fill="hold" grpId="0" nodeType="clickEffect">
+                                  <p:stCondLst>
+                                    <p:cond delay="0"/>
+                                  </p:stCondLst>
+                                  <p:childTnLst>
+                                    <p:set>
+                                      <p:cBhvr>
+                                        <p:cTn id="6" dur="1" fill="hold">
+                                          <p:stCondLst>
+                                            <p:cond delay="0"/>
+                                          </p:stCondLst>
+                                        </p:cTn>
+                                        <p:tgtEl>
+                                          <p:spTgt spid="8"/>
+                                        </p:tgtEl>
+                                        <p:attrNameLst>
+                                          <p:attrName>style.visibility</p:attrName>
+                                        </p:attrNameLst>
+                                      </p:cBhvr>
+                                      <p:to>
+                                        <p:strVal val="visible"/>
+                                      </p:to>
+                                    </p:set>
+                                  </p:childTnLst>
+                                </p:cTn>
+                              </p:par>
+                            </p:childTnLst>
+                          </p:cTn>
+                        </p:par>
+                      </p:childTnLst>
+                    </p:cTn>
+                  </p:par>
+                </p:childTnLst>
+              </p:cTn>
+              <p:prevCondLst>
+                <p:cond evt="onPrev" delay="0">
+                  <p:tgtEl>
+                    <p:sldTgt/>
+                  </p:tgtEl>
+                </p:cond>
+              </p:prevCondLst>
+              <p:nextCondLst>
+                <p:cond evt="onNext" delay="0">
+                  <p:tgtEl>
+                    <p:sldTgt/>
+                  </p:tgtEl>
+                </p:cond>
+              </p:nextCondLst>
+            </p:seq>
+          </p:childTnLst>
+        </p:cTn>
+      </p:par>
+    </p:tnLst>
+    <p:bldLst>
+      <p:bldP spid="8" grpId="0"/>
+    </p:bldLst>
+  </p:timing>
+</p:sld>
+</file>
+
+<file path=ppt/slides/slide22.xml><?xml version="1.0" encoding="utf-8"?>
+<p:sld xmlns:a="http://schemas.openxmlformats.org/drawingml/2006/main" xmlns:r="http://schemas.openxmlformats.org/officeDocument/2006/relationships" xmlns:p="http://schemas.openxmlformats.org/presentationml/2006/main">
+  <p:cSld>
+    <p:spTree>
+      <p:nvGrpSpPr>
+        <p:cNvPr id="1" name=""/>
+        <p:cNvGrpSpPr/>
+        <p:nvPr/>
+      </p:nvGrpSpPr>
+      <p:grpSpPr>
+        <a:xfrm>
+          <a:off x="0" y="0"/>
+          <a:ext cx="0" cy="0"/>
+          <a:chOff x="0" y="0"/>
+          <a:chExt cx="0" cy="0"/>
+        </a:xfrm>
+      </p:grpSpPr>
+      <p:sp>
+        <p:nvSpPr>
+          <p:cNvPr id="4" name="文本框 3"/>
+          <p:cNvSpPr txBox="1"/>
+          <p:nvPr/>
+        </p:nvSpPr>
+        <p:spPr>
+          <a:xfrm>
+            <a:off x="818535" y="479323"/>
+            <a:ext cx="6642396" cy="646331"/>
+          </a:xfrm>
+          <a:prstGeom prst="rect">
+            <a:avLst/>
+          </a:prstGeom>
+          <a:noFill/>
+        </p:spPr>
+        <p:txBody>
+          <a:bodyPr wrap="none" rtlCol="0">
+            <a:spAutoFit/>
+          </a:bodyPr>
+          <a:lstStyle/>
+          <a:p>
+            <a:r>
+              <a:rPr lang="en-US" altLang="zh-CN" dirty="0" smtClean="0"/>
+              <a:t>First, if we just modified the configuration to fit TITAN V architecture,</a:t>
+            </a:r>
+          </a:p>
+          <a:p>
+            <a:r>
+              <a:rPr lang="en-US" altLang="zh-CN" dirty="0" smtClean="0"/>
+              <a:t> and run the benchmark</a:t>
+            </a:r>
+            <a:r>
+              <a:rPr lang="zh-CN" altLang="en-US" dirty="0" smtClean="0"/>
+              <a:t> </a:t>
+            </a:r>
+            <a:r>
+              <a:rPr lang="en-US" altLang="zh-CN" dirty="0" smtClean="0"/>
+              <a:t>Vector Addition using our method…</a:t>
+            </a:r>
+          </a:p>
+        </p:txBody>
+      </p:sp>
+      <p:sp>
+        <p:nvSpPr>
+          <p:cNvPr id="5" name="文本框 4"/>
+          <p:cNvSpPr txBox="1"/>
+          <p:nvPr/>
+        </p:nvSpPr>
+        <p:spPr>
+          <a:xfrm>
+            <a:off x="1364225" y="1511710"/>
+            <a:ext cx="6365012" cy="369332"/>
+          </a:xfrm>
+          <a:prstGeom prst="rect">
+            <a:avLst/>
+          </a:prstGeom>
+          <a:noFill/>
+        </p:spPr>
+        <p:txBody>
+          <a:bodyPr wrap="none" rtlCol="0">
+            <a:spAutoFit/>
+          </a:bodyPr>
+          <a:lstStyle/>
+          <a:p>
+            <a:r>
+              <a:rPr lang="en-US" altLang="zh-CN" dirty="0" smtClean="0"/>
+              <a:t>The kernel power consumed is 8147.61 Watts! This is not realistic.</a:t>
+            </a:r>
+            <a:endParaRPr lang="zh-CN" altLang="en-US" dirty="0"/>
+          </a:p>
+        </p:txBody>
+      </p:sp>
+      <p:sp>
+        <p:nvSpPr>
+          <p:cNvPr id="7" name="文本框 6"/>
+          <p:cNvSpPr txBox="1"/>
+          <p:nvPr/>
+        </p:nvSpPr>
+        <p:spPr>
+          <a:xfrm>
+            <a:off x="818535" y="2322871"/>
+            <a:ext cx="5299656" cy="369332"/>
+          </a:xfrm>
+          <a:prstGeom prst="rect">
+            <a:avLst/>
+          </a:prstGeom>
+          <a:noFill/>
+        </p:spPr>
+        <p:txBody>
+          <a:bodyPr wrap="none" rtlCol="0">
+            <a:spAutoFit/>
+          </a:bodyPr>
+          <a:lstStyle/>
+          <a:p>
+            <a:r>
+              <a:rPr lang="en-US" altLang="zh-CN" dirty="0" smtClean="0"/>
+              <a:t>What if we run this application in original GPGPU-Sim?</a:t>
+            </a:r>
+            <a:endParaRPr lang="zh-CN" altLang="en-US" dirty="0"/>
+          </a:p>
+        </p:txBody>
+      </p:sp>
+      <p:sp>
+        <p:nvSpPr>
+          <p:cNvPr id="8" name="文本框 7"/>
+          <p:cNvSpPr txBox="1"/>
+          <p:nvPr/>
+        </p:nvSpPr>
+        <p:spPr>
+          <a:xfrm>
+            <a:off x="1364225" y="3134032"/>
+            <a:ext cx="6740115" cy="369332"/>
+          </a:xfrm>
+          <a:prstGeom prst="rect">
+            <a:avLst/>
+          </a:prstGeom>
+          <a:noFill/>
+        </p:spPr>
+        <p:txBody>
+          <a:bodyPr wrap="none" rtlCol="0">
+            <a:spAutoFit/>
+          </a:bodyPr>
+          <a:lstStyle/>
+          <a:p>
+            <a:r>
+              <a:rPr lang="en-US" altLang="zh-CN" dirty="0" smtClean="0"/>
+              <a:t>The kernel power consumed is 8148.62 Watts! This is also not realistic.</a:t>
+            </a:r>
+            <a:endParaRPr lang="zh-CN" altLang="en-US" dirty="0"/>
+          </a:p>
+        </p:txBody>
+      </p:sp>
+      <p:sp>
+        <p:nvSpPr>
+          <p:cNvPr id="9" name="文本框 8"/>
+          <p:cNvSpPr txBox="1"/>
+          <p:nvPr/>
+        </p:nvSpPr>
+        <p:spPr>
+          <a:xfrm>
+            <a:off x="1157748" y="4365523"/>
+            <a:ext cx="2689775" cy="584775"/>
+          </a:xfrm>
+          <a:prstGeom prst="rect">
+            <a:avLst/>
+          </a:prstGeom>
+          <a:noFill/>
+        </p:spPr>
+        <p:txBody>
+          <a:bodyPr wrap="none" rtlCol="0">
+            <a:spAutoFit/>
+          </a:bodyPr>
+          <a:lstStyle/>
+          <a:p>
+            <a:r>
+              <a:rPr lang="en-US" altLang="zh-CN" sz="3200" dirty="0" smtClean="0"/>
+              <a:t>What’s wrong?</a:t>
+            </a:r>
+            <a:endParaRPr lang="zh-CN" altLang="en-US" sz="3200" dirty="0"/>
+          </a:p>
+        </p:txBody>
+      </p:sp>
+    </p:spTree>
+    <p:extLst>
+      <p:ext uri="{BB962C8B-B14F-4D97-AF65-F5344CB8AC3E}">
+        <p14:creationId xmlns:p14="http://schemas.microsoft.com/office/powerpoint/2010/main" val="4229494558"/>
+      </p:ext>
+    </p:extLst>
+  </p:cSld>
+  <p:clrMapOvr>
+    <a:masterClrMapping/>
+  </p:clrMapOvr>
+  <p:timing>
+    <p:tnLst>
+      <p:par>
+        <p:cTn id="1" dur="indefinite" restart="never" nodeType="tmRoot"/>
+      </p:par>
+    </p:tnLst>
+  </p:timing>
+</p:sld>
+</file>
+
+<file path=ppt/slides/slide23.xml><?xml version="1.0" encoding="utf-8"?>
+<p:sld xmlns:a="http://schemas.openxmlformats.org/drawingml/2006/main" xmlns:r="http://schemas.openxmlformats.org/officeDocument/2006/relationships" xmlns:p="http://schemas.openxmlformats.org/presentationml/2006/main">
+  <p:cSld>
+    <p:spTree>
+      <p:nvGrpSpPr>
+        <p:cNvPr id="1" name=""/>
+        <p:cNvGrpSpPr/>
+        <p:nvPr/>
+      </p:nvGrpSpPr>
+      <p:grpSpPr>
+        <a:xfrm>
+          <a:off x="0" y="0"/>
+          <a:ext cx="0" cy="0"/>
+          <a:chOff x="0" y="0"/>
+          <a:chExt cx="0" cy="0"/>
+        </a:xfrm>
+      </p:grpSpPr>
+      <p:graphicFrame>
+        <p:nvGraphicFramePr>
+          <p:cNvPr id="4" name="表格 3"/>
+          <p:cNvGraphicFramePr>
+            <a:graphicFrameLocks noGrp="1"/>
+          </p:cNvGraphicFramePr>
+          <p:nvPr>
+            <p:extLst>
+              <p:ext uri="{D42A27DB-BD31-4B8C-83A1-F6EECF244321}">
+                <p14:modId xmlns:p14="http://schemas.microsoft.com/office/powerpoint/2010/main" val="1627414062"/>
+              </p:ext>
+            </p:extLst>
+          </p:nvPr>
+        </p:nvGraphicFramePr>
+        <p:xfrm>
+          <a:off x="494071" y="1168707"/>
+          <a:ext cx="2578100" cy="3474720"/>
+        </p:xfrm>
+        <a:graphic>
+          <a:graphicData uri="http://schemas.openxmlformats.org/drawingml/2006/table">
+            <a:tbl>
+              <a:tblPr>
+                <a:tableStyleId>{5C22544A-7EE6-4342-B048-85BDC9FD1C3A}</a:tableStyleId>
+              </a:tblPr>
+              <a:tblGrid>
+                <a:gridCol w="1701800"/>
+                <a:gridCol w="876300"/>
+              </a:tblGrid>
+              <a:tr h="182880">
+                <a:tc>
+                  <a:txBody>
+                    <a:bodyPr/>
+                    <a:lstStyle/>
+                    <a:p>
+                      <a:pPr algn="l" fontAlgn="ctr"/>
+                      <a:r>
+                        <a:rPr lang="en-US" sz="1100" u="none" strike="noStrike" dirty="0" err="1">
+                          <a:effectLst/>
+                        </a:rPr>
+                        <a:t>total_power</a:t>
+                      </a:r>
+                      <a:endParaRPr lang="en-US" sz="1100" b="0" i="0" u="none" strike="noStrike" dirty="0">
+                        <a:solidFill>
+                          <a:srgbClr val="000000"/>
+                        </a:solidFill>
+                        <a:effectLst/>
+                        <a:latin typeface="宋体" panose="02010600030101010101" pitchFamily="2" charset="-122"/>
+                        <a:ea typeface="宋体" panose="02010600030101010101" pitchFamily="2" charset="-122"/>
+                      </a:endParaRPr>
+                    </a:p>
+                  </a:txBody>
+                  <a:tcPr marL="7620" marR="7620" marT="7620" marB="0" anchor="ctr"/>
+                </a:tc>
+                <a:tc>
+                  <a:txBody>
+                    <a:bodyPr/>
+                    <a:lstStyle/>
+                    <a:p>
+                      <a:pPr algn="r" fontAlgn="b"/>
+                      <a:r>
+                        <a:rPr lang="en-US" altLang="zh-CN" sz="1100" u="none" strike="noStrike">
+                          <a:effectLst/>
+                        </a:rPr>
+                        <a:t>8148.62</a:t>
+                      </a:r>
+                      <a:endParaRPr lang="en-US" altLang="zh-CN" sz="1100" b="0" i="0" u="none" strike="noStrike">
+                        <a:solidFill>
+                          <a:srgbClr val="000000"/>
+                        </a:solidFill>
+                        <a:effectLst/>
+                        <a:latin typeface="宋体" panose="02010600030101010101" pitchFamily="2" charset="-122"/>
+                        <a:ea typeface="宋体" panose="02010600030101010101" pitchFamily="2" charset="-122"/>
+                      </a:endParaRPr>
+                    </a:p>
+                  </a:txBody>
+                  <a:tcPr marL="7620" marR="7620" marT="7620" marB="0" anchor="b"/>
+                </a:tc>
+              </a:tr>
+              <a:tr h="182880">
+                <a:tc>
+                  <a:txBody>
+                    <a:bodyPr/>
+                    <a:lstStyle/>
+                    <a:p>
+                      <a:pPr algn="l" fontAlgn="ctr"/>
+                      <a:r>
+                        <a:rPr lang="en-US" sz="1100" u="none" strike="noStrike">
+                          <a:effectLst/>
+                        </a:rPr>
+                        <a:t>gpu_avg_IBP</a:t>
+                      </a:r>
+                      <a:endParaRPr lang="en-US" sz="1100" b="0" i="0" u="none" strike="noStrike">
+                        <a:solidFill>
+                          <a:srgbClr val="000000"/>
+                        </a:solidFill>
+                        <a:effectLst/>
+                        <a:latin typeface="宋体" panose="02010600030101010101" pitchFamily="2" charset="-122"/>
+                        <a:ea typeface="宋体" panose="02010600030101010101" pitchFamily="2" charset="-122"/>
+                      </a:endParaRPr>
+                    </a:p>
+                  </a:txBody>
+                  <a:tcPr marL="7620" marR="7620" marT="7620" marB="0" anchor="ctr"/>
+                </a:tc>
+                <a:tc>
+                  <a:txBody>
+                    <a:bodyPr/>
+                    <a:lstStyle/>
+                    <a:p>
+                      <a:pPr algn="r" fontAlgn="ctr"/>
+                      <a:r>
+                        <a:rPr lang="en-US" sz="1100" u="none" strike="noStrike">
+                          <a:effectLst/>
+                        </a:rPr>
+                        <a:t>1.55E-06</a:t>
+                      </a:r>
+                      <a:endParaRPr lang="en-US" sz="1100" b="0" i="0" u="none" strike="noStrike">
+                        <a:solidFill>
+                          <a:srgbClr val="000000"/>
+                        </a:solidFill>
+                        <a:effectLst/>
+                        <a:latin typeface="宋体" panose="02010600030101010101" pitchFamily="2" charset="-122"/>
+                        <a:ea typeface="宋体" panose="02010600030101010101" pitchFamily="2" charset="-122"/>
+                      </a:endParaRPr>
+                    </a:p>
+                  </a:txBody>
+                  <a:tcPr marL="7620" marR="7620" marT="7620" marB="0" anchor="ctr"/>
+                </a:tc>
+              </a:tr>
+              <a:tr h="182880">
+                <a:tc>
+                  <a:txBody>
+                    <a:bodyPr/>
+                    <a:lstStyle/>
+                    <a:p>
+                      <a:pPr algn="l" fontAlgn="ctr"/>
+                      <a:r>
+                        <a:rPr lang="en-US" sz="1100" u="none" strike="noStrike">
+                          <a:effectLst/>
+                        </a:rPr>
+                        <a:t>gpu_avg_ICP</a:t>
+                      </a:r>
+                      <a:endParaRPr lang="en-US" sz="1100" b="0" i="0" u="none" strike="noStrike">
+                        <a:solidFill>
+                          <a:srgbClr val="000000"/>
+                        </a:solidFill>
+                        <a:effectLst/>
+                        <a:latin typeface="宋体" panose="02010600030101010101" pitchFamily="2" charset="-122"/>
+                        <a:ea typeface="宋体" panose="02010600030101010101" pitchFamily="2" charset="-122"/>
+                      </a:endParaRPr>
+                    </a:p>
+                  </a:txBody>
+                  <a:tcPr marL="7620" marR="7620" marT="7620" marB="0" anchor="ctr"/>
+                </a:tc>
+                <a:tc>
+                  <a:txBody>
+                    <a:bodyPr/>
+                    <a:lstStyle/>
+                    <a:p>
+                      <a:pPr algn="r" fontAlgn="ctr"/>
+                      <a:r>
+                        <a:rPr lang="en-US" altLang="zh-CN" sz="1100" u="none" strike="noStrike">
+                          <a:effectLst/>
+                        </a:rPr>
+                        <a:t>0.00014247</a:t>
+                      </a:r>
+                      <a:endParaRPr lang="en-US" altLang="zh-CN" sz="1100" b="0" i="0" u="none" strike="noStrike">
+                        <a:solidFill>
+                          <a:srgbClr val="000000"/>
+                        </a:solidFill>
+                        <a:effectLst/>
+                        <a:latin typeface="宋体" panose="02010600030101010101" pitchFamily="2" charset="-122"/>
+                        <a:ea typeface="宋体" panose="02010600030101010101" pitchFamily="2" charset="-122"/>
+                      </a:endParaRPr>
+                    </a:p>
+                  </a:txBody>
+                  <a:tcPr marL="7620" marR="7620" marT="7620" marB="0" anchor="ctr"/>
+                </a:tc>
+              </a:tr>
+              <a:tr h="182880">
+                <a:tc>
+                  <a:txBody>
+                    <a:bodyPr/>
+                    <a:lstStyle/>
+                    <a:p>
+                      <a:pPr algn="l" fontAlgn="ctr"/>
+                      <a:r>
+                        <a:rPr lang="en-US" sz="1100" u="none" strike="noStrike">
+                          <a:effectLst/>
+                        </a:rPr>
+                        <a:t>gpu_avg_DCP</a:t>
+                      </a:r>
+                      <a:endParaRPr lang="en-US" sz="1100" b="0" i="0" u="none" strike="noStrike">
+                        <a:solidFill>
+                          <a:srgbClr val="000000"/>
+                        </a:solidFill>
+                        <a:effectLst/>
+                        <a:latin typeface="宋体" panose="02010600030101010101" pitchFamily="2" charset="-122"/>
+                        <a:ea typeface="宋体" panose="02010600030101010101" pitchFamily="2" charset="-122"/>
+                      </a:endParaRPr>
+                    </a:p>
+                  </a:txBody>
+                  <a:tcPr marL="7620" marR="7620" marT="7620" marB="0" anchor="ctr"/>
+                </a:tc>
+                <a:tc>
+                  <a:txBody>
+                    <a:bodyPr/>
+                    <a:lstStyle/>
+                    <a:p>
+                      <a:pPr algn="r" fontAlgn="ctr"/>
+                      <a:r>
+                        <a:rPr lang="en-US" sz="1100" u="none" strike="noStrike">
+                          <a:effectLst/>
+                        </a:rPr>
+                        <a:t>3.62E-05</a:t>
+                      </a:r>
+                      <a:endParaRPr lang="en-US" sz="1100" b="0" i="0" u="none" strike="noStrike">
+                        <a:solidFill>
+                          <a:srgbClr val="000000"/>
+                        </a:solidFill>
+                        <a:effectLst/>
+                        <a:latin typeface="宋体" panose="02010600030101010101" pitchFamily="2" charset="-122"/>
+                        <a:ea typeface="宋体" panose="02010600030101010101" pitchFamily="2" charset="-122"/>
+                      </a:endParaRPr>
+                    </a:p>
+                  </a:txBody>
+                  <a:tcPr marL="7620" marR="7620" marT="7620" marB="0" anchor="ctr"/>
+                </a:tc>
+              </a:tr>
+              <a:tr h="182880">
+                <a:tc>
+                  <a:txBody>
+                    <a:bodyPr/>
+                    <a:lstStyle/>
+                    <a:p>
+                      <a:pPr algn="l" fontAlgn="ctr"/>
+                      <a:r>
+                        <a:rPr lang="en-US" sz="1100" u="none" strike="noStrike">
+                          <a:effectLst/>
+                        </a:rPr>
+                        <a:t>gpu_avg_TCP</a:t>
+                      </a:r>
+                      <a:endParaRPr lang="en-US" sz="1100" b="0" i="0" u="none" strike="noStrike">
+                        <a:solidFill>
+                          <a:srgbClr val="000000"/>
+                        </a:solidFill>
+                        <a:effectLst/>
+                        <a:latin typeface="宋体" panose="02010600030101010101" pitchFamily="2" charset="-122"/>
+                        <a:ea typeface="宋体" panose="02010600030101010101" pitchFamily="2" charset="-122"/>
+                      </a:endParaRPr>
+                    </a:p>
+                  </a:txBody>
+                  <a:tcPr marL="7620" marR="7620" marT="7620" marB="0" anchor="ctr"/>
+                </a:tc>
+                <a:tc>
+                  <a:txBody>
+                    <a:bodyPr/>
+                    <a:lstStyle/>
+                    <a:p>
+                      <a:pPr algn="r" fontAlgn="ctr"/>
+                      <a:r>
+                        <a:rPr lang="en-US" altLang="zh-CN" sz="1100" u="none" strike="noStrike">
+                          <a:effectLst/>
+                        </a:rPr>
+                        <a:t>0</a:t>
+                      </a:r>
+                      <a:endParaRPr lang="en-US" altLang="zh-CN" sz="1100" b="0" i="0" u="none" strike="noStrike">
+                        <a:solidFill>
+                          <a:srgbClr val="000000"/>
+                        </a:solidFill>
+                        <a:effectLst/>
+                        <a:latin typeface="宋体" panose="02010600030101010101" pitchFamily="2" charset="-122"/>
+                        <a:ea typeface="宋体" panose="02010600030101010101" pitchFamily="2" charset="-122"/>
+                      </a:endParaRPr>
+                    </a:p>
+                  </a:txBody>
+                  <a:tcPr marL="7620" marR="7620" marT="7620" marB="0" anchor="ctr"/>
+                </a:tc>
+              </a:tr>
+              <a:tr h="182880">
+                <a:tc>
+                  <a:txBody>
+                    <a:bodyPr/>
+                    <a:lstStyle/>
+                    <a:p>
+                      <a:pPr algn="l" fontAlgn="ctr"/>
+                      <a:r>
+                        <a:rPr lang="en-US" sz="1100" u="none" strike="noStrike">
+                          <a:effectLst/>
+                        </a:rPr>
+                        <a:t>gpu_avg_CCP</a:t>
+                      </a:r>
+                      <a:endParaRPr lang="en-US" sz="1100" b="0" i="0" u="none" strike="noStrike">
+                        <a:solidFill>
+                          <a:srgbClr val="000000"/>
+                        </a:solidFill>
+                        <a:effectLst/>
+                        <a:latin typeface="宋体" panose="02010600030101010101" pitchFamily="2" charset="-122"/>
+                        <a:ea typeface="宋体" panose="02010600030101010101" pitchFamily="2" charset="-122"/>
+                      </a:endParaRPr>
+                    </a:p>
+                  </a:txBody>
+                  <a:tcPr marL="7620" marR="7620" marT="7620" marB="0" anchor="ctr"/>
+                </a:tc>
+                <a:tc>
+                  <a:txBody>
+                    <a:bodyPr/>
+                    <a:lstStyle/>
+                    <a:p>
+                      <a:pPr algn="r" fontAlgn="ctr"/>
+                      <a:r>
+                        <a:rPr lang="en-US" altLang="zh-CN" sz="1100" u="none" strike="noStrike">
+                          <a:effectLst/>
+                        </a:rPr>
+                        <a:t>0.000145638</a:t>
+                      </a:r>
+                      <a:endParaRPr lang="en-US" altLang="zh-CN" sz="1100" b="0" i="0" u="none" strike="noStrike">
+                        <a:solidFill>
+                          <a:srgbClr val="000000"/>
+                        </a:solidFill>
+                        <a:effectLst/>
+                        <a:latin typeface="宋体" panose="02010600030101010101" pitchFamily="2" charset="-122"/>
+                        <a:ea typeface="宋体" panose="02010600030101010101" pitchFamily="2" charset="-122"/>
+                      </a:endParaRPr>
+                    </a:p>
+                  </a:txBody>
+                  <a:tcPr marL="7620" marR="7620" marT="7620" marB="0" anchor="ctr"/>
+                </a:tc>
+              </a:tr>
+              <a:tr h="182880">
+                <a:tc>
+                  <a:txBody>
+                    <a:bodyPr/>
+                    <a:lstStyle/>
+                    <a:p>
+                      <a:pPr algn="l" fontAlgn="ctr"/>
+                      <a:r>
+                        <a:rPr lang="en-US" sz="1100" u="none" strike="noStrike">
+                          <a:effectLst/>
+                        </a:rPr>
+                        <a:t>gpu_avg_SHRDP</a:t>
+                      </a:r>
+                      <a:endParaRPr lang="en-US" sz="1100" b="0" i="0" u="none" strike="noStrike">
+                        <a:solidFill>
+                          <a:srgbClr val="000000"/>
+                        </a:solidFill>
+                        <a:effectLst/>
+                        <a:latin typeface="宋体" panose="02010600030101010101" pitchFamily="2" charset="-122"/>
+                        <a:ea typeface="宋体" panose="02010600030101010101" pitchFamily="2" charset="-122"/>
+                      </a:endParaRPr>
+                    </a:p>
+                  </a:txBody>
+                  <a:tcPr marL="7620" marR="7620" marT="7620" marB="0" anchor="ctr"/>
+                </a:tc>
+                <a:tc>
+                  <a:txBody>
+                    <a:bodyPr/>
+                    <a:lstStyle/>
+                    <a:p>
+                      <a:pPr algn="r" fontAlgn="ctr"/>
+                      <a:r>
+                        <a:rPr lang="en-US" altLang="zh-CN" sz="1100" u="none" strike="noStrike">
+                          <a:effectLst/>
+                        </a:rPr>
+                        <a:t>0</a:t>
+                      </a:r>
+                      <a:endParaRPr lang="en-US" altLang="zh-CN" sz="1100" b="0" i="0" u="none" strike="noStrike">
+                        <a:solidFill>
+                          <a:srgbClr val="000000"/>
+                        </a:solidFill>
+                        <a:effectLst/>
+                        <a:latin typeface="宋体" panose="02010600030101010101" pitchFamily="2" charset="-122"/>
+                        <a:ea typeface="宋体" panose="02010600030101010101" pitchFamily="2" charset="-122"/>
+                      </a:endParaRPr>
+                    </a:p>
+                  </a:txBody>
+                  <a:tcPr marL="7620" marR="7620" marT="7620" marB="0" anchor="ctr"/>
+                </a:tc>
+              </a:tr>
+              <a:tr h="182880">
+                <a:tc>
+                  <a:txBody>
+                    <a:bodyPr/>
+                    <a:lstStyle/>
+                    <a:p>
+                      <a:pPr algn="l" fontAlgn="ctr"/>
+                      <a:r>
+                        <a:rPr lang="en-US" sz="1100" u="none" strike="noStrike">
+                          <a:effectLst/>
+                        </a:rPr>
+                        <a:t>gpu_avg_RFP</a:t>
+                      </a:r>
+                      <a:endParaRPr lang="en-US" sz="1100" b="0" i="0" u="none" strike="noStrike">
+                        <a:solidFill>
+                          <a:srgbClr val="000000"/>
+                        </a:solidFill>
+                        <a:effectLst/>
+                        <a:latin typeface="宋体" panose="02010600030101010101" pitchFamily="2" charset="-122"/>
+                        <a:ea typeface="宋体" panose="02010600030101010101" pitchFamily="2" charset="-122"/>
+                      </a:endParaRPr>
+                    </a:p>
+                  </a:txBody>
+                  <a:tcPr marL="7620" marR="7620" marT="7620" marB="0" anchor="ctr"/>
+                </a:tc>
+                <a:tc>
+                  <a:txBody>
+                    <a:bodyPr/>
+                    <a:lstStyle/>
+                    <a:p>
+                      <a:pPr algn="r" fontAlgn="ctr"/>
+                      <a:r>
+                        <a:rPr lang="en-US" altLang="zh-CN" sz="1100" u="none" strike="noStrike">
+                          <a:effectLst/>
+                        </a:rPr>
+                        <a:t>0.000472801</a:t>
+                      </a:r>
+                      <a:endParaRPr lang="en-US" altLang="zh-CN" sz="1100" b="0" i="0" u="none" strike="noStrike">
+                        <a:solidFill>
+                          <a:srgbClr val="000000"/>
+                        </a:solidFill>
+                        <a:effectLst/>
+                        <a:latin typeface="宋体" panose="02010600030101010101" pitchFamily="2" charset="-122"/>
+                        <a:ea typeface="宋体" panose="02010600030101010101" pitchFamily="2" charset="-122"/>
+                      </a:endParaRPr>
+                    </a:p>
+                  </a:txBody>
+                  <a:tcPr marL="7620" marR="7620" marT="7620" marB="0" anchor="ctr"/>
+                </a:tc>
+              </a:tr>
+              <a:tr h="182880">
+                <a:tc>
+                  <a:txBody>
+                    <a:bodyPr/>
+                    <a:lstStyle/>
+                    <a:p>
+                      <a:pPr algn="l" fontAlgn="ctr"/>
+                      <a:r>
+                        <a:rPr lang="en-US" sz="1100" u="none" strike="noStrike">
+                          <a:effectLst/>
+                        </a:rPr>
+                        <a:t>gpu_avg_SPP</a:t>
+                      </a:r>
+                      <a:endParaRPr lang="en-US" sz="1100" b="0" i="0" u="none" strike="noStrike">
+                        <a:solidFill>
+                          <a:srgbClr val="000000"/>
+                        </a:solidFill>
+                        <a:effectLst/>
+                        <a:latin typeface="宋体" panose="02010600030101010101" pitchFamily="2" charset="-122"/>
+                        <a:ea typeface="宋体" panose="02010600030101010101" pitchFamily="2" charset="-122"/>
+                      </a:endParaRPr>
+                    </a:p>
+                  </a:txBody>
+                  <a:tcPr marL="7620" marR="7620" marT="7620" marB="0" anchor="ctr"/>
+                </a:tc>
+                <a:tc>
+                  <a:txBody>
+                    <a:bodyPr/>
+                    <a:lstStyle/>
+                    <a:p>
+                      <a:pPr algn="r" fontAlgn="ctr"/>
+                      <a:r>
+                        <a:rPr lang="en-US" altLang="zh-CN" sz="1100" u="none" strike="noStrike">
+                          <a:effectLst/>
+                        </a:rPr>
+                        <a:t>0.000305859</a:t>
+                      </a:r>
+                      <a:endParaRPr lang="en-US" altLang="zh-CN" sz="1100" b="0" i="0" u="none" strike="noStrike">
+                        <a:solidFill>
+                          <a:srgbClr val="000000"/>
+                        </a:solidFill>
+                        <a:effectLst/>
+                        <a:latin typeface="宋体" panose="02010600030101010101" pitchFamily="2" charset="-122"/>
+                        <a:ea typeface="宋体" panose="02010600030101010101" pitchFamily="2" charset="-122"/>
+                      </a:endParaRPr>
+                    </a:p>
+                  </a:txBody>
+                  <a:tcPr marL="7620" marR="7620" marT="7620" marB="0" anchor="ctr"/>
+                </a:tc>
+              </a:tr>
+              <a:tr h="182880">
+                <a:tc>
+                  <a:txBody>
+                    <a:bodyPr/>
+                    <a:lstStyle/>
+                    <a:p>
+                      <a:pPr algn="l" fontAlgn="ctr"/>
+                      <a:r>
+                        <a:rPr lang="en-US" sz="1100" u="none" strike="noStrike">
+                          <a:effectLst/>
+                        </a:rPr>
+                        <a:t>gpu_avg_SFUP</a:t>
+                      </a:r>
+                      <a:endParaRPr lang="en-US" sz="1100" b="0" i="0" u="none" strike="noStrike">
+                        <a:solidFill>
+                          <a:srgbClr val="000000"/>
+                        </a:solidFill>
+                        <a:effectLst/>
+                        <a:latin typeface="宋体" panose="02010600030101010101" pitchFamily="2" charset="-122"/>
+                        <a:ea typeface="宋体" panose="02010600030101010101" pitchFamily="2" charset="-122"/>
+                      </a:endParaRPr>
+                    </a:p>
+                  </a:txBody>
+                  <a:tcPr marL="7620" marR="7620" marT="7620" marB="0" anchor="ctr"/>
+                </a:tc>
+                <a:tc>
+                  <a:txBody>
+                    <a:bodyPr/>
+                    <a:lstStyle/>
+                    <a:p>
+                      <a:pPr algn="r" fontAlgn="ctr"/>
+                      <a:r>
+                        <a:rPr lang="en-US" altLang="zh-CN" sz="1100" u="none" strike="noStrike">
+                          <a:effectLst/>
+                        </a:rPr>
+                        <a:t>0.00021015</a:t>
+                      </a:r>
+                      <a:endParaRPr lang="en-US" altLang="zh-CN" sz="1100" b="0" i="0" u="none" strike="noStrike">
+                        <a:solidFill>
+                          <a:srgbClr val="000000"/>
+                        </a:solidFill>
+                        <a:effectLst/>
+                        <a:latin typeface="宋体" panose="02010600030101010101" pitchFamily="2" charset="-122"/>
+                        <a:ea typeface="宋体" panose="02010600030101010101" pitchFamily="2" charset="-122"/>
+                      </a:endParaRPr>
+                    </a:p>
+                  </a:txBody>
+                  <a:tcPr marL="7620" marR="7620" marT="7620" marB="0" anchor="ctr"/>
+                </a:tc>
+              </a:tr>
+              <a:tr h="182880">
+                <a:tc>
+                  <a:txBody>
+                    <a:bodyPr/>
+                    <a:lstStyle/>
+                    <a:p>
+                      <a:pPr algn="l" fontAlgn="ctr"/>
+                      <a:r>
+                        <a:rPr lang="en-US" sz="1100" u="none" strike="noStrike" dirty="0" err="1">
+                          <a:effectLst/>
+                        </a:rPr>
+                        <a:t>gpu_avg_FPUP</a:t>
+                      </a:r>
+                      <a:endParaRPr lang="en-US" sz="1100" b="0" i="0" u="none" strike="noStrike" dirty="0">
+                        <a:solidFill>
+                          <a:srgbClr val="000000"/>
+                        </a:solidFill>
+                        <a:effectLst/>
+                        <a:latin typeface="宋体" panose="02010600030101010101" pitchFamily="2" charset="-122"/>
+                        <a:ea typeface="宋体" panose="02010600030101010101" pitchFamily="2" charset="-122"/>
+                      </a:endParaRPr>
+                    </a:p>
+                  </a:txBody>
+                  <a:tcPr marL="7620" marR="7620" marT="7620" marB="0" anchor="ctr"/>
+                </a:tc>
+                <a:tc>
+                  <a:txBody>
+                    <a:bodyPr/>
+                    <a:lstStyle/>
+                    <a:p>
+                      <a:pPr algn="r" fontAlgn="ctr"/>
+                      <a:r>
+                        <a:rPr lang="en-US" sz="1100" u="none" strike="noStrike">
+                          <a:effectLst/>
+                        </a:rPr>
+                        <a:t>3.20E-06</a:t>
+                      </a:r>
+                      <a:endParaRPr lang="en-US" sz="1100" b="0" i="0" u="none" strike="noStrike">
+                        <a:solidFill>
+                          <a:srgbClr val="000000"/>
+                        </a:solidFill>
+                        <a:effectLst/>
+                        <a:latin typeface="宋体" panose="02010600030101010101" pitchFamily="2" charset="-122"/>
+                        <a:ea typeface="宋体" panose="02010600030101010101" pitchFamily="2" charset="-122"/>
+                      </a:endParaRPr>
+                    </a:p>
+                  </a:txBody>
+                  <a:tcPr marL="7620" marR="7620" marT="7620" marB="0" anchor="ctr"/>
+                </a:tc>
+              </a:tr>
+              <a:tr h="182880">
+                <a:tc>
+                  <a:txBody>
+                    <a:bodyPr/>
+                    <a:lstStyle/>
+                    <a:p>
+                      <a:pPr algn="l" fontAlgn="ctr"/>
+                      <a:r>
+                        <a:rPr lang="en-US" sz="1100" u="none" strike="noStrike">
+                          <a:effectLst/>
+                        </a:rPr>
+                        <a:t>gpu_avg_SCHEDP</a:t>
+                      </a:r>
+                      <a:endParaRPr lang="en-US" sz="1100" b="0" i="0" u="none" strike="noStrike">
+                        <a:solidFill>
+                          <a:srgbClr val="000000"/>
+                        </a:solidFill>
+                        <a:effectLst/>
+                        <a:latin typeface="宋体" panose="02010600030101010101" pitchFamily="2" charset="-122"/>
+                        <a:ea typeface="宋体" panose="02010600030101010101" pitchFamily="2" charset="-122"/>
+                      </a:endParaRPr>
+                    </a:p>
+                  </a:txBody>
+                  <a:tcPr marL="7620" marR="7620" marT="7620" marB="0" anchor="ctr"/>
+                </a:tc>
+                <a:tc>
+                  <a:txBody>
+                    <a:bodyPr/>
+                    <a:lstStyle/>
+                    <a:p>
+                      <a:pPr algn="r" fontAlgn="ctr"/>
+                      <a:r>
+                        <a:rPr lang="en-US" sz="1100" u="none" strike="noStrike">
+                          <a:effectLst/>
+                        </a:rPr>
+                        <a:t>2.02E-05</a:t>
+                      </a:r>
+                      <a:endParaRPr lang="en-US" sz="1100" b="0" i="0" u="none" strike="noStrike">
+                        <a:solidFill>
+                          <a:srgbClr val="000000"/>
+                        </a:solidFill>
+                        <a:effectLst/>
+                        <a:latin typeface="宋体" panose="02010600030101010101" pitchFamily="2" charset="-122"/>
+                        <a:ea typeface="宋体" panose="02010600030101010101" pitchFamily="2" charset="-122"/>
+                      </a:endParaRPr>
+                    </a:p>
+                  </a:txBody>
+                  <a:tcPr marL="7620" marR="7620" marT="7620" marB="0" anchor="ctr"/>
+                </a:tc>
+              </a:tr>
+              <a:tr h="182880">
+                <a:tc>
+                  <a:txBody>
+                    <a:bodyPr/>
+                    <a:lstStyle/>
+                    <a:p>
+                      <a:pPr algn="l" fontAlgn="ctr"/>
+                      <a:r>
+                        <a:rPr lang="en-US" sz="1100" u="none" strike="noStrike">
+                          <a:effectLst/>
+                        </a:rPr>
+                        <a:t>gpu_avg_L2CP</a:t>
+                      </a:r>
+                      <a:endParaRPr lang="en-US" sz="1100" b="0" i="0" u="none" strike="noStrike">
+                        <a:solidFill>
+                          <a:srgbClr val="000000"/>
+                        </a:solidFill>
+                        <a:effectLst/>
+                        <a:latin typeface="宋体" panose="02010600030101010101" pitchFamily="2" charset="-122"/>
+                        <a:ea typeface="宋体" panose="02010600030101010101" pitchFamily="2" charset="-122"/>
+                      </a:endParaRPr>
+                    </a:p>
+                  </a:txBody>
+                  <a:tcPr marL="7620" marR="7620" marT="7620" marB="0" anchor="ctr"/>
+                </a:tc>
+                <a:tc>
+                  <a:txBody>
+                    <a:bodyPr/>
+                    <a:lstStyle/>
+                    <a:p>
+                      <a:pPr algn="r" fontAlgn="ctr"/>
+                      <a:r>
+                        <a:rPr lang="en-US" altLang="zh-CN" sz="1100" u="none" strike="noStrike">
+                          <a:effectLst/>
+                        </a:rPr>
+                        <a:t>0.000101538</a:t>
+                      </a:r>
+                      <a:endParaRPr lang="en-US" altLang="zh-CN" sz="1100" b="0" i="0" u="none" strike="noStrike">
+                        <a:solidFill>
+                          <a:srgbClr val="000000"/>
+                        </a:solidFill>
+                        <a:effectLst/>
+                        <a:latin typeface="宋体" panose="02010600030101010101" pitchFamily="2" charset="-122"/>
+                        <a:ea typeface="宋体" panose="02010600030101010101" pitchFamily="2" charset="-122"/>
+                      </a:endParaRPr>
+                    </a:p>
+                  </a:txBody>
+                  <a:tcPr marL="7620" marR="7620" marT="7620" marB="0" anchor="ctr"/>
+                </a:tc>
+              </a:tr>
+              <a:tr h="182880">
+                <a:tc>
+                  <a:txBody>
+                    <a:bodyPr/>
+                    <a:lstStyle/>
+                    <a:p>
+                      <a:pPr algn="l" fontAlgn="ctr"/>
+                      <a:r>
+                        <a:rPr lang="en-US" sz="1100" u="none" strike="noStrike">
+                          <a:effectLst/>
+                        </a:rPr>
+                        <a:t>gpu_avg_MCP</a:t>
+                      </a:r>
+                      <a:endParaRPr lang="en-US" sz="1100" b="0" i="0" u="none" strike="noStrike">
+                        <a:solidFill>
+                          <a:srgbClr val="000000"/>
+                        </a:solidFill>
+                        <a:effectLst/>
+                        <a:latin typeface="宋体" panose="02010600030101010101" pitchFamily="2" charset="-122"/>
+                        <a:ea typeface="宋体" panose="02010600030101010101" pitchFamily="2" charset="-122"/>
+                      </a:endParaRPr>
+                    </a:p>
+                  </a:txBody>
+                  <a:tcPr marL="7620" marR="7620" marT="7620" marB="0" anchor="ctr"/>
+                </a:tc>
+                <a:tc>
+                  <a:txBody>
+                    <a:bodyPr/>
+                    <a:lstStyle/>
+                    <a:p>
+                      <a:pPr algn="r" fontAlgn="ctr"/>
+                      <a:r>
+                        <a:rPr lang="en-US" altLang="zh-CN" sz="1100" u="none" strike="noStrike">
+                          <a:effectLst/>
+                        </a:rPr>
+                        <a:t>1.17645</a:t>
+                      </a:r>
+                      <a:endParaRPr lang="en-US" altLang="zh-CN" sz="1100" b="0" i="0" u="none" strike="noStrike">
+                        <a:solidFill>
+                          <a:srgbClr val="000000"/>
+                        </a:solidFill>
+                        <a:effectLst/>
+                        <a:latin typeface="宋体" panose="02010600030101010101" pitchFamily="2" charset="-122"/>
+                        <a:ea typeface="宋体" panose="02010600030101010101" pitchFamily="2" charset="-122"/>
+                      </a:endParaRPr>
+                    </a:p>
+                  </a:txBody>
+                  <a:tcPr marL="7620" marR="7620" marT="7620" marB="0" anchor="ctr"/>
+                </a:tc>
+              </a:tr>
+              <a:tr h="182880">
+                <a:tc>
+                  <a:txBody>
+                    <a:bodyPr/>
+                    <a:lstStyle/>
+                    <a:p>
+                      <a:pPr algn="l" fontAlgn="ctr"/>
+                      <a:r>
+                        <a:rPr lang="en-US" sz="1100" u="none" strike="noStrike">
+                          <a:effectLst/>
+                        </a:rPr>
+                        <a:t>gpu_avg_NOCP</a:t>
+                      </a:r>
+                      <a:endParaRPr lang="en-US" sz="1100" b="0" i="0" u="none" strike="noStrike">
+                        <a:solidFill>
+                          <a:srgbClr val="000000"/>
+                        </a:solidFill>
+                        <a:effectLst/>
+                        <a:latin typeface="宋体" panose="02010600030101010101" pitchFamily="2" charset="-122"/>
+                        <a:ea typeface="宋体" panose="02010600030101010101" pitchFamily="2" charset="-122"/>
+                      </a:endParaRPr>
+                    </a:p>
+                  </a:txBody>
+                  <a:tcPr marL="7620" marR="7620" marT="7620" marB="0" anchor="ctr"/>
+                </a:tc>
+                <a:tc>
+                  <a:txBody>
+                    <a:bodyPr/>
+                    <a:lstStyle/>
+                    <a:p>
+                      <a:pPr algn="r" fontAlgn="ctr"/>
+                      <a:r>
+                        <a:rPr lang="en-US" altLang="zh-CN" sz="1100" u="none" strike="noStrike">
+                          <a:effectLst/>
+                        </a:rPr>
+                        <a:t>0.000255935</a:t>
+                      </a:r>
+                      <a:endParaRPr lang="en-US" altLang="zh-CN" sz="1100" b="0" i="0" u="none" strike="noStrike">
+                        <a:solidFill>
+                          <a:srgbClr val="000000"/>
+                        </a:solidFill>
+                        <a:effectLst/>
+                        <a:latin typeface="宋体" panose="02010600030101010101" pitchFamily="2" charset="-122"/>
+                        <a:ea typeface="宋体" panose="02010600030101010101" pitchFamily="2" charset="-122"/>
+                      </a:endParaRPr>
+                    </a:p>
+                  </a:txBody>
+                  <a:tcPr marL="7620" marR="7620" marT="7620" marB="0" anchor="ctr"/>
+                </a:tc>
+              </a:tr>
+              <a:tr h="182880">
+                <a:tc>
+                  <a:txBody>
+                    <a:bodyPr/>
+                    <a:lstStyle/>
+                    <a:p>
+                      <a:pPr algn="l" fontAlgn="ctr"/>
+                      <a:r>
+                        <a:rPr lang="en-US" sz="1100" u="none" strike="noStrike">
+                          <a:effectLst/>
+                        </a:rPr>
+                        <a:t>gpu_avg_DRAMP</a:t>
+                      </a:r>
+                      <a:endParaRPr lang="en-US" sz="1100" b="0" i="0" u="none" strike="noStrike">
+                        <a:solidFill>
+                          <a:srgbClr val="000000"/>
+                        </a:solidFill>
+                        <a:effectLst/>
+                        <a:latin typeface="宋体" panose="02010600030101010101" pitchFamily="2" charset="-122"/>
+                        <a:ea typeface="宋体" panose="02010600030101010101" pitchFamily="2" charset="-122"/>
+                      </a:endParaRPr>
+                    </a:p>
+                  </a:txBody>
+                  <a:tcPr marL="7620" marR="7620" marT="7620" marB="0" anchor="ctr"/>
+                </a:tc>
+                <a:tc>
+                  <a:txBody>
+                    <a:bodyPr/>
+                    <a:lstStyle/>
+                    <a:p>
+                      <a:pPr algn="r" fontAlgn="ctr"/>
+                      <a:r>
+                        <a:rPr lang="en-US" altLang="zh-CN" sz="1100" u="none" strike="noStrike">
+                          <a:effectLst/>
+                        </a:rPr>
+                        <a:t>0.00135276</a:t>
+                      </a:r>
+                      <a:endParaRPr lang="en-US" altLang="zh-CN" sz="1100" b="0" i="0" u="none" strike="noStrike">
+                        <a:solidFill>
+                          <a:srgbClr val="000000"/>
+                        </a:solidFill>
+                        <a:effectLst/>
+                        <a:latin typeface="宋体" panose="02010600030101010101" pitchFamily="2" charset="-122"/>
+                        <a:ea typeface="宋体" panose="02010600030101010101" pitchFamily="2" charset="-122"/>
+                      </a:endParaRPr>
+                    </a:p>
+                  </a:txBody>
+                  <a:tcPr marL="7620" marR="7620" marT="7620" marB="0" anchor="ctr"/>
+                </a:tc>
+              </a:tr>
+              <a:tr h="182880">
+                <a:tc>
+                  <a:txBody>
+                    <a:bodyPr/>
+                    <a:lstStyle/>
+                    <a:p>
+                      <a:pPr algn="l" fontAlgn="ctr"/>
+                      <a:r>
+                        <a:rPr lang="en-US" sz="1100" u="none" strike="noStrike">
+                          <a:effectLst/>
+                        </a:rPr>
+                        <a:t>gpu_avg_PIPEP</a:t>
+                      </a:r>
+                      <a:endParaRPr lang="en-US" sz="1100" b="0" i="0" u="none" strike="noStrike">
+                        <a:solidFill>
+                          <a:srgbClr val="000000"/>
+                        </a:solidFill>
+                        <a:effectLst/>
+                        <a:latin typeface="宋体" panose="02010600030101010101" pitchFamily="2" charset="-122"/>
+                        <a:ea typeface="宋体" panose="02010600030101010101" pitchFamily="2" charset="-122"/>
+                      </a:endParaRPr>
+                    </a:p>
+                  </a:txBody>
+                  <a:tcPr marL="7620" marR="7620" marT="7620" marB="0" anchor="ctr"/>
+                </a:tc>
+                <a:tc>
+                  <a:txBody>
+                    <a:bodyPr/>
+                    <a:lstStyle/>
+                    <a:p>
+                      <a:pPr algn="r" fontAlgn="ctr"/>
+                      <a:r>
+                        <a:rPr lang="en-US" altLang="zh-CN" sz="1100" u="none" strike="noStrike" dirty="0">
+                          <a:effectLst/>
+                        </a:rPr>
+                        <a:t>0.000427529</a:t>
+                      </a:r>
+                      <a:endParaRPr lang="en-US" altLang="zh-CN" sz="1100" b="0" i="0" u="none" strike="noStrike" dirty="0">
+                        <a:solidFill>
+                          <a:srgbClr val="000000"/>
+                        </a:solidFill>
+                        <a:effectLst/>
+                        <a:latin typeface="宋体" panose="02010600030101010101" pitchFamily="2" charset="-122"/>
+                        <a:ea typeface="宋体" panose="02010600030101010101" pitchFamily="2" charset="-122"/>
+                      </a:endParaRPr>
+                    </a:p>
+                  </a:txBody>
+                  <a:tcPr marL="7620" marR="7620" marT="7620" marB="0" anchor="ctr"/>
+                </a:tc>
+              </a:tr>
+              <a:tr h="182880">
+                <a:tc>
+                  <a:txBody>
+                    <a:bodyPr/>
+                    <a:lstStyle/>
+                    <a:p>
+                      <a:pPr algn="l" fontAlgn="ctr"/>
+                      <a:r>
+                        <a:rPr lang="en-US" sz="1100" u="none" strike="noStrike">
+                          <a:effectLst/>
+                        </a:rPr>
+                        <a:t>gpu_avg_IDLE_COREP</a:t>
+                      </a:r>
+                      <a:endParaRPr lang="en-US" sz="1100" b="0" i="0" u="none" strike="noStrike">
+                        <a:solidFill>
+                          <a:srgbClr val="000000"/>
+                        </a:solidFill>
+                        <a:effectLst/>
+                        <a:latin typeface="宋体" panose="02010600030101010101" pitchFamily="2" charset="-122"/>
+                        <a:ea typeface="宋体" panose="02010600030101010101" pitchFamily="2" charset="-122"/>
+                      </a:endParaRPr>
+                    </a:p>
+                  </a:txBody>
+                  <a:tcPr marL="7620" marR="7620" marT="7620" marB="0" anchor="ctr"/>
+                </a:tc>
+                <a:tc>
+                  <a:txBody>
+                    <a:bodyPr/>
+                    <a:lstStyle/>
+                    <a:p>
+                      <a:pPr algn="r" fontAlgn="ctr"/>
+                      <a:r>
+                        <a:rPr lang="en-US" altLang="zh-CN" sz="1100" u="none" strike="noStrike">
+                          <a:effectLst/>
+                        </a:rPr>
+                        <a:t>8137.62</a:t>
+                      </a:r>
+                      <a:endParaRPr lang="en-US" altLang="zh-CN" sz="1100" b="0" i="0" u="none" strike="noStrike">
+                        <a:solidFill>
+                          <a:srgbClr val="000000"/>
+                        </a:solidFill>
+                        <a:effectLst/>
+                        <a:latin typeface="宋体" panose="02010600030101010101" pitchFamily="2" charset="-122"/>
+                        <a:ea typeface="宋体" panose="02010600030101010101" pitchFamily="2" charset="-122"/>
+                      </a:endParaRPr>
+                    </a:p>
+                  </a:txBody>
+                  <a:tcPr marL="7620" marR="7620" marT="7620" marB="0" anchor="ctr"/>
+                </a:tc>
+              </a:tr>
+              <a:tr h="182880">
+                <a:tc>
+                  <a:txBody>
+                    <a:bodyPr/>
+                    <a:lstStyle/>
+                    <a:p>
+                      <a:pPr algn="l" fontAlgn="ctr"/>
+                      <a:r>
+                        <a:rPr lang="en-US" sz="1100" u="none" strike="noStrike">
+                          <a:effectLst/>
+                        </a:rPr>
+                        <a:t>gpu_avg_CONST_DYNAMICP</a:t>
+                      </a:r>
+                      <a:endParaRPr lang="en-US" sz="1100" b="0" i="0" u="none" strike="noStrike">
+                        <a:solidFill>
+                          <a:srgbClr val="000000"/>
+                        </a:solidFill>
+                        <a:effectLst/>
+                        <a:latin typeface="宋体" panose="02010600030101010101" pitchFamily="2" charset="-122"/>
+                        <a:ea typeface="宋体" panose="02010600030101010101" pitchFamily="2" charset="-122"/>
+                      </a:endParaRPr>
+                    </a:p>
+                  </a:txBody>
+                  <a:tcPr marL="7620" marR="7620" marT="7620" marB="0" anchor="ctr"/>
+                </a:tc>
+                <a:tc>
+                  <a:txBody>
+                    <a:bodyPr/>
+                    <a:lstStyle/>
+                    <a:p>
+                      <a:pPr algn="r" fontAlgn="ctr"/>
+                      <a:r>
+                        <a:rPr lang="en-US" altLang="zh-CN" sz="1100" u="none" strike="noStrike" dirty="0">
+                          <a:effectLst/>
+                        </a:rPr>
+                        <a:t>9.82366</a:t>
+                      </a:r>
+                      <a:endParaRPr lang="en-US" altLang="zh-CN" sz="1100" b="0" i="0" u="none" strike="noStrike" dirty="0">
+                        <a:solidFill>
+                          <a:srgbClr val="000000"/>
+                        </a:solidFill>
+                        <a:effectLst/>
+                        <a:latin typeface="宋体" panose="02010600030101010101" pitchFamily="2" charset="-122"/>
+                        <a:ea typeface="宋体" panose="02010600030101010101" pitchFamily="2" charset="-122"/>
+                      </a:endParaRPr>
+                    </a:p>
+                  </a:txBody>
+                  <a:tcPr marL="7620" marR="7620" marT="7620" marB="0" anchor="ctr"/>
+                </a:tc>
+              </a:tr>
+            </a:tbl>
+          </a:graphicData>
+        </a:graphic>
+      </p:graphicFrame>
+      <p:sp>
+        <p:nvSpPr>
+          <p:cNvPr id="5" name="文本框 4"/>
+          <p:cNvSpPr txBox="1"/>
+          <p:nvPr/>
+        </p:nvSpPr>
+        <p:spPr>
+          <a:xfrm>
+            <a:off x="494071" y="457200"/>
+            <a:ext cx="3908378" cy="369332"/>
+          </a:xfrm>
+          <a:prstGeom prst="rect">
+            <a:avLst/>
+          </a:prstGeom>
+          <a:noFill/>
+        </p:spPr>
+        <p:txBody>
+          <a:bodyPr wrap="none" rtlCol="0">
+            <a:spAutoFit/>
+          </a:bodyPr>
+          <a:lstStyle/>
+          <a:p>
+            <a:r>
+              <a:rPr lang="en-US" altLang="zh-CN" dirty="0" smtClean="0"/>
+              <a:t>Take a look at the components’ power…</a:t>
+            </a:r>
+            <a:endParaRPr lang="zh-CN" altLang="en-US" dirty="0"/>
+          </a:p>
+        </p:txBody>
+      </p:sp>
+      <p:sp>
+        <p:nvSpPr>
+          <p:cNvPr id="6" name="椭圆 5"/>
+          <p:cNvSpPr/>
+          <p:nvPr/>
+        </p:nvSpPr>
+        <p:spPr>
+          <a:xfrm>
+            <a:off x="81116" y="4144297"/>
+            <a:ext cx="3598607" cy="435077"/>
+          </a:xfrm>
+          <a:prstGeom prst="ellipse">
+            <a:avLst/>
+          </a:prstGeom>
+          <a:noFill/>
+          <a:ln w="47625">
+            <a:solidFill>
+              <a:srgbClr val="FF0000"/>
+            </a:solidFill>
+          </a:ln>
+        </p:spPr>
+        <p:style>
+          <a:lnRef idx="2">
+            <a:schemeClr val="accent1">
+              <a:shade val="50000"/>
+            </a:schemeClr>
+          </a:lnRef>
+          <a:fillRef idx="1">
+            <a:schemeClr val="accent1"/>
+          </a:fillRef>
+          <a:effectRef idx="0">
+            <a:schemeClr val="accent1"/>
+          </a:effectRef>
+          <a:fontRef idx="minor">
+            <a:schemeClr val="lt1"/>
+          </a:fontRef>
+        </p:style>
+        <p:txBody>
+          <a:bodyPr rtlCol="0" anchor="ctr"/>
+          <a:lstStyle/>
+          <a:p>
+            <a:pPr algn="ctr"/>
+            <a:endParaRPr lang="zh-CN" altLang="en-US"/>
+          </a:p>
+        </p:txBody>
+      </p:sp>
+      <p:sp>
+        <p:nvSpPr>
+          <p:cNvPr id="7" name="文本框 6"/>
+          <p:cNvSpPr txBox="1"/>
+          <p:nvPr/>
+        </p:nvSpPr>
+        <p:spPr>
+          <a:xfrm>
+            <a:off x="4616246" y="1437967"/>
+            <a:ext cx="4429354" cy="369332"/>
+          </a:xfrm>
+          <a:prstGeom prst="rect">
+            <a:avLst/>
+          </a:prstGeom>
+          <a:noFill/>
+        </p:spPr>
+        <p:txBody>
+          <a:bodyPr wrap="none" rtlCol="0">
+            <a:spAutoFit/>
+          </a:bodyPr>
+          <a:lstStyle/>
+          <a:p>
+            <a:r>
+              <a:rPr lang="en-US" altLang="zh-CN" dirty="0" smtClean="0"/>
+              <a:t>99.86% of power is consumed by IDLE CORE! </a:t>
+            </a:r>
+            <a:endParaRPr lang="zh-CN" altLang="en-US" dirty="0"/>
+          </a:p>
+        </p:txBody>
+      </p:sp>
+      <p:sp>
+        <p:nvSpPr>
+          <p:cNvPr id="8" name="文本框 7"/>
+          <p:cNvSpPr txBox="1"/>
+          <p:nvPr/>
+        </p:nvSpPr>
+        <p:spPr>
+          <a:xfrm>
+            <a:off x="4616246" y="2079522"/>
+            <a:ext cx="5795369" cy="646331"/>
+          </a:xfrm>
+          <a:prstGeom prst="rect">
+            <a:avLst/>
+          </a:prstGeom>
+          <a:noFill/>
+        </p:spPr>
+        <p:txBody>
+          <a:bodyPr wrap="none" rtlCol="0">
+            <a:spAutoFit/>
+          </a:bodyPr>
+          <a:lstStyle/>
+          <a:p>
+            <a:r>
+              <a:rPr lang="en-US" altLang="zh-CN" dirty="0" smtClean="0"/>
+              <a:t>The pre-defined constant(1.59) of power for IDLE CORE may</a:t>
+            </a:r>
+          </a:p>
+          <a:p>
+            <a:r>
+              <a:rPr lang="en-US" altLang="zh-CN" dirty="0" smtClean="0"/>
+              <a:t>work well in GTX480, but not in TITAN V…..</a:t>
+            </a:r>
+            <a:endParaRPr lang="zh-CN" altLang="en-US" dirty="0"/>
+          </a:p>
+        </p:txBody>
+      </p:sp>
+      <p:sp>
+        <p:nvSpPr>
+          <p:cNvPr id="9" name="文本框 8"/>
+          <p:cNvSpPr txBox="1"/>
+          <p:nvPr/>
+        </p:nvSpPr>
+        <p:spPr>
+          <a:xfrm>
+            <a:off x="4616246" y="3311013"/>
+            <a:ext cx="4878130" cy="369332"/>
+          </a:xfrm>
+          <a:prstGeom prst="rect">
+            <a:avLst/>
+          </a:prstGeom>
+          <a:noFill/>
+        </p:spPr>
+        <p:txBody>
+          <a:bodyPr wrap="none" rtlCol="0">
+            <a:spAutoFit/>
+          </a:bodyPr>
+          <a:lstStyle/>
+          <a:p>
+            <a:r>
+              <a:rPr lang="en-US" altLang="zh-CN" dirty="0" smtClean="0"/>
+              <a:t>After doing some experiments, we set it as 0.0318</a:t>
+            </a:r>
+            <a:endParaRPr lang="zh-CN" altLang="en-US" dirty="0"/>
+          </a:p>
+        </p:txBody>
+      </p:sp>
+      <p:sp>
+        <p:nvSpPr>
+          <p:cNvPr id="10" name="文本框 9"/>
+          <p:cNvSpPr txBox="1"/>
+          <p:nvPr/>
+        </p:nvSpPr>
+        <p:spPr>
+          <a:xfrm>
+            <a:off x="4734232" y="4948084"/>
+            <a:ext cx="2608599" cy="369332"/>
+          </a:xfrm>
+          <a:prstGeom prst="rect">
+            <a:avLst/>
+          </a:prstGeom>
+          <a:noFill/>
+        </p:spPr>
+        <p:txBody>
+          <a:bodyPr wrap="none" rtlCol="0">
+            <a:spAutoFit/>
+          </a:bodyPr>
+          <a:lstStyle/>
+          <a:p>
+            <a:r>
+              <a:rPr lang="en-US" altLang="zh-CN" dirty="0" smtClean="0"/>
+              <a:t>Then, our final result is…..</a:t>
+            </a:r>
+            <a:endParaRPr lang="zh-CN" altLang="en-US" dirty="0"/>
+          </a:p>
+        </p:txBody>
+      </p:sp>
+    </p:spTree>
+    <p:extLst>
+      <p:ext uri="{BB962C8B-B14F-4D97-AF65-F5344CB8AC3E}">
+        <p14:creationId xmlns:p14="http://schemas.microsoft.com/office/powerpoint/2010/main" val="2909847626"/>
+      </p:ext>
+    </p:extLst>
+  </p:cSld>
+  <p:clrMapOvr>
+    <a:masterClrMapping/>
+  </p:clrMapOvr>
+  <p:timing>
+    <p:tnLst>
+      <p:par>
+        <p:cTn id="1" dur="indefinite" restart="never" nodeType="tmRoot">
+          <p:childTnLst>
+            <p:seq concurrent="1" nextAc="seek">
+              <p:cTn id="2" dur="indefinite" nodeType="mainSeq">
+                <p:childTnLst>
+                  <p:par>
+                    <p:cTn id="3" fill="hold">
+                      <p:stCondLst>
+                        <p:cond delay="indefinite"/>
+                      </p:stCondLst>
+                      <p:childTnLst>
+                        <p:par>
+                          <p:cTn id="4" fill="hold">
+                            <p:stCondLst>
+                              <p:cond delay="0"/>
+                            </p:stCondLst>
+                            <p:childTnLst>
+                              <p:par>
+                                <p:cTn id="5" presetID="2" presetClass="entr" presetSubtype="4" fill="hold" grpId="0" nodeType="clickEffect">
+                                  <p:stCondLst>
+                                    <p:cond delay="0"/>
+                                  </p:stCondLst>
+                                  <p:childTnLst>
+                                    <p:set>
+                                      <p:cBhvr>
+                                        <p:cTn id="6" dur="1" fill="hold">
+                                          <p:stCondLst>
+                                            <p:cond delay="0"/>
+                                          </p:stCondLst>
+                                        </p:cTn>
+                                        <p:tgtEl>
+                                          <p:spTgt spid="6"/>
+                                        </p:tgtEl>
+                                        <p:attrNameLst>
+                                          <p:attrName>style.visibility</p:attrName>
+                                        </p:attrNameLst>
+                                      </p:cBhvr>
+                                      <p:to>
+                                        <p:strVal val="visible"/>
+                                      </p:to>
+                                    </p:set>
+                                    <p:anim calcmode="lin" valueType="num">
+                                      <p:cBhvr additive="base">
+                                        <p:cTn id="7" dur="500" fill="hold"/>
+                                        <p:tgtEl>
+                                          <p:spTgt spid="6"/>
+                                        </p:tgtEl>
+                                        <p:attrNameLst>
+                                          <p:attrName>ppt_x</p:attrName>
+                                        </p:attrNameLst>
+                                      </p:cBhvr>
+                                      <p:tavLst>
+                                        <p:tav tm="0">
+                                          <p:val>
+                                            <p:strVal val="#ppt_x"/>
+                                          </p:val>
+                                        </p:tav>
+                                        <p:tav tm="100000">
+                                          <p:val>
+                                            <p:strVal val="#ppt_x"/>
+                                          </p:val>
+                                        </p:tav>
+                                      </p:tavLst>
+                                    </p:anim>
+                                    <p:anim calcmode="lin" valueType="num">
+                                      <p:cBhvr additive="base">
+                                        <p:cTn id="8" dur="500" fill="hold"/>
+                                        <p:tgtEl>
+                                          <p:spTgt spid="6"/>
+                                        </p:tgtEl>
+                                        <p:attrNameLst>
+                                          <p:attrName>ppt_y</p:attrName>
+                                        </p:attrNameLst>
+                                      </p:cBhvr>
+                                      <p:tavLst>
+                                        <p:tav tm="0">
+                                          <p:val>
+                                            <p:strVal val="1+#ppt_h/2"/>
+                                          </p:val>
+                                        </p:tav>
+                                        <p:tav tm="100000">
+                                          <p:val>
+                                            <p:strVal val="#ppt_y"/>
+                                          </p:val>
+                                        </p:tav>
+                                      </p:tavLst>
+                                    </p:anim>
+                                  </p:childTnLst>
+                                </p:cTn>
+                              </p:par>
+                            </p:childTnLst>
+                          </p:cTn>
+                        </p:par>
+                      </p:childTnLst>
+                    </p:cTn>
+                  </p:par>
+                </p:childTnLst>
+              </p:cTn>
+              <p:prevCondLst>
+                <p:cond evt="onPrev" delay="0">
+                  <p:tgtEl>
+                    <p:sldTgt/>
+                  </p:tgtEl>
+                </p:cond>
+              </p:prevCondLst>
+              <p:nextCondLst>
+                <p:cond evt="onNext" delay="0">
+                  <p:tgtEl>
+                    <p:sldTgt/>
+                  </p:tgtEl>
+                </p:cond>
+              </p:nextCondLst>
+            </p:seq>
+          </p:childTnLst>
+        </p:cTn>
+      </p:par>
+    </p:tnLst>
+    <p:bldLst>
+      <p:bldP spid="6" grpId="0" animBg="1"/>
+    </p:bldLst>
+  </p:timing>
+</p:sld>
+</file>
+
+<file path=ppt/slides/slide24.xml><?xml version="1.0" encoding="utf-8"?>
+<p:sld xmlns:a="http://schemas.openxmlformats.org/drawingml/2006/main" xmlns:r="http://schemas.openxmlformats.org/officeDocument/2006/relationships" xmlns:p="http://schemas.openxmlformats.org/presentationml/2006/main">
+  <p:cSld>
+    <p:spTree>
+      <p:nvGrpSpPr>
+        <p:cNvPr id="1" name=""/>
+        <p:cNvGrpSpPr/>
+        <p:nvPr/>
+      </p:nvGrpSpPr>
+      <p:grpSpPr>
+        <a:xfrm>
+          <a:off x="0" y="0"/>
+          <a:ext cx="0" cy="0"/>
+          <a:chOff x="0" y="0"/>
+          <a:chExt cx="0" cy="0"/>
+        </a:xfrm>
+      </p:grpSpPr>
+      <p:graphicFrame>
+        <p:nvGraphicFramePr>
+          <p:cNvPr id="5" name="表格 4"/>
+          <p:cNvGraphicFramePr>
+            <a:graphicFrameLocks noGrp="1"/>
+          </p:cNvGraphicFramePr>
+          <p:nvPr>
+            <p:extLst>
+              <p:ext uri="{D42A27DB-BD31-4B8C-83A1-F6EECF244321}">
+                <p14:modId xmlns:p14="http://schemas.microsoft.com/office/powerpoint/2010/main" val="1792331290"/>
+              </p:ext>
+            </p:extLst>
+          </p:nvPr>
+        </p:nvGraphicFramePr>
+        <p:xfrm>
+          <a:off x="995516" y="803787"/>
+          <a:ext cx="7305634" cy="2365698"/>
+        </p:xfrm>
+        <a:graphic>
+          <a:graphicData uri="http://schemas.openxmlformats.org/drawingml/2006/table">
+            <a:tbl>
+              <a:tblPr firstRow="1" firstCol="1" bandRow="1">
+                <a:tableStyleId>{5C22544A-7EE6-4342-B048-85BDC9FD1C3A}</a:tableStyleId>
+              </a:tblPr>
+              <a:tblGrid>
+                <a:gridCol w="2432446"/>
+                <a:gridCol w="2621007"/>
+                <a:gridCol w="2252181"/>
+              </a:tblGrid>
+              <a:tr h="394283">
+                <a:tc>
+                  <a:txBody>
+                    <a:bodyPr/>
+                    <a:lstStyle/>
+                    <a:p>
+                      <a:pPr>
+                        <a:spcAft>
+                          <a:spcPts val="0"/>
+                        </a:spcAft>
+                      </a:pPr>
+                      <a:r>
+                        <a:rPr lang="en-US" sz="1100" dirty="0">
+                          <a:effectLst/>
+                        </a:rPr>
+                        <a:t>Kernel</a:t>
+                      </a:r>
+                      <a:endParaRPr lang="zh-CN" sz="1100" dirty="0">
+                        <a:effectLst/>
+                        <a:latin typeface="Times New Roman" panose="02020603050405020304" pitchFamily="18" charset="0"/>
+                        <a:ea typeface="Times New Roman" panose="02020603050405020304" pitchFamily="18" charset="0"/>
+                        <a:cs typeface="Times New Roman" panose="02020603050405020304" pitchFamily="18" charset="0"/>
+                      </a:endParaRPr>
+                    </a:p>
+                  </a:txBody>
+                  <a:tcPr marL="68580" marR="68580" marT="0" marB="0"/>
+                </a:tc>
+                <a:tc>
+                  <a:txBody>
+                    <a:bodyPr/>
+                    <a:lstStyle/>
+                    <a:p>
+                      <a:pPr>
+                        <a:spcAft>
+                          <a:spcPts val="0"/>
+                        </a:spcAft>
+                      </a:pPr>
+                      <a:r>
+                        <a:rPr lang="en-US" sz="1100">
+                          <a:effectLst/>
+                        </a:rPr>
+                        <a:t>Original GPGPU-Sim Power(Watts)</a:t>
+                      </a:r>
+                      <a:endParaRPr lang="zh-CN" sz="1100">
+                        <a:effectLst/>
+                        <a:latin typeface="Times New Roman" panose="02020603050405020304" pitchFamily="18" charset="0"/>
+                        <a:ea typeface="Times New Roman" panose="02020603050405020304" pitchFamily="18" charset="0"/>
+                        <a:cs typeface="Times New Roman" panose="02020603050405020304" pitchFamily="18" charset="0"/>
+                      </a:endParaRPr>
+                    </a:p>
+                  </a:txBody>
+                  <a:tcPr marL="68580" marR="68580" marT="0" marB="0"/>
+                </a:tc>
+                <a:tc>
+                  <a:txBody>
+                    <a:bodyPr/>
+                    <a:lstStyle/>
+                    <a:p>
+                      <a:pPr>
+                        <a:spcAft>
+                          <a:spcPts val="0"/>
+                        </a:spcAft>
+                      </a:pPr>
+                      <a:r>
+                        <a:rPr lang="en-US" sz="1100">
+                          <a:effectLst/>
+                        </a:rPr>
+                        <a:t>Our Model Power(Watts)</a:t>
+                      </a:r>
+                      <a:endParaRPr lang="zh-CN" sz="1100">
+                        <a:effectLst/>
+                        <a:latin typeface="Times New Roman" panose="02020603050405020304" pitchFamily="18" charset="0"/>
+                        <a:ea typeface="Times New Roman" panose="02020603050405020304" pitchFamily="18" charset="0"/>
+                        <a:cs typeface="Times New Roman" panose="02020603050405020304" pitchFamily="18" charset="0"/>
+                      </a:endParaRPr>
+                    </a:p>
+                  </a:txBody>
+                  <a:tcPr marL="68580" marR="68580" marT="0" marB="0"/>
+                </a:tc>
+              </a:tr>
+              <a:tr h="394283">
+                <a:tc>
+                  <a:txBody>
+                    <a:bodyPr/>
+                    <a:lstStyle/>
+                    <a:p>
+                      <a:pPr>
+                        <a:spcAft>
+                          <a:spcPts val="0"/>
+                        </a:spcAft>
+                      </a:pPr>
+                      <a:r>
+                        <a:rPr lang="en-US" sz="1100">
+                          <a:effectLst/>
+                        </a:rPr>
+                        <a:t>VA</a:t>
+                      </a:r>
+                      <a:endParaRPr lang="zh-CN" sz="1100">
+                        <a:effectLst/>
+                        <a:latin typeface="Times New Roman" panose="02020603050405020304" pitchFamily="18" charset="0"/>
+                        <a:ea typeface="Times New Roman" panose="02020603050405020304" pitchFamily="18" charset="0"/>
+                        <a:cs typeface="Times New Roman" panose="02020603050405020304" pitchFamily="18" charset="0"/>
+                      </a:endParaRPr>
+                    </a:p>
+                  </a:txBody>
+                  <a:tcPr marL="68580" marR="68580" marT="0" marB="0"/>
+                </a:tc>
+                <a:tc>
+                  <a:txBody>
+                    <a:bodyPr/>
+                    <a:lstStyle/>
+                    <a:p>
+                      <a:pPr>
+                        <a:spcAft>
+                          <a:spcPts val="0"/>
+                        </a:spcAft>
+                      </a:pPr>
+                      <a:r>
+                        <a:rPr lang="en-US" sz="1100">
+                          <a:effectLst/>
+                        </a:rPr>
+                        <a:t>34.2858</a:t>
+                      </a:r>
+                      <a:endParaRPr lang="zh-CN" sz="1100">
+                        <a:effectLst/>
+                        <a:latin typeface="Times New Roman" panose="02020603050405020304" pitchFamily="18" charset="0"/>
+                        <a:ea typeface="Times New Roman" panose="02020603050405020304" pitchFamily="18" charset="0"/>
+                        <a:cs typeface="Times New Roman" panose="02020603050405020304" pitchFamily="18" charset="0"/>
+                      </a:endParaRPr>
+                    </a:p>
+                  </a:txBody>
+                  <a:tcPr marL="68580" marR="68580" marT="0" marB="0"/>
+                </a:tc>
+                <a:tc>
+                  <a:txBody>
+                    <a:bodyPr/>
+                    <a:lstStyle/>
+                    <a:p>
+                      <a:pPr>
+                        <a:spcAft>
+                          <a:spcPts val="0"/>
+                        </a:spcAft>
+                      </a:pPr>
+                      <a:r>
+                        <a:rPr lang="en-US" sz="1100">
+                          <a:effectLst/>
+                        </a:rPr>
+                        <a:t>26.26844</a:t>
+                      </a:r>
+                      <a:endParaRPr lang="zh-CN" sz="1100">
+                        <a:effectLst/>
+                        <a:latin typeface="Times New Roman" panose="02020603050405020304" pitchFamily="18" charset="0"/>
+                        <a:ea typeface="Times New Roman" panose="02020603050405020304" pitchFamily="18" charset="0"/>
+                        <a:cs typeface="Times New Roman" panose="02020603050405020304" pitchFamily="18" charset="0"/>
+                      </a:endParaRPr>
+                    </a:p>
+                  </a:txBody>
+                  <a:tcPr marL="68580" marR="68580" marT="0" marB="0"/>
+                </a:tc>
+              </a:tr>
+              <a:tr h="394283">
+                <a:tc>
+                  <a:txBody>
+                    <a:bodyPr/>
+                    <a:lstStyle/>
+                    <a:p>
+                      <a:pPr>
+                        <a:spcAft>
+                          <a:spcPts val="0"/>
+                        </a:spcAft>
+                      </a:pPr>
+                      <a:r>
+                        <a:rPr lang="en-US" sz="1100">
+                          <a:effectLst/>
+                        </a:rPr>
+                        <a:t>NN1</a:t>
+                      </a:r>
+                      <a:endParaRPr lang="zh-CN" sz="1100">
+                        <a:effectLst/>
+                        <a:latin typeface="Times New Roman" panose="02020603050405020304" pitchFamily="18" charset="0"/>
+                        <a:ea typeface="Times New Roman" panose="02020603050405020304" pitchFamily="18" charset="0"/>
+                        <a:cs typeface="Times New Roman" panose="02020603050405020304" pitchFamily="18" charset="0"/>
+                      </a:endParaRPr>
+                    </a:p>
+                  </a:txBody>
+                  <a:tcPr marL="68580" marR="68580" marT="0" marB="0"/>
+                </a:tc>
+                <a:tc>
+                  <a:txBody>
+                    <a:bodyPr/>
+                    <a:lstStyle/>
+                    <a:p>
+                      <a:pPr>
+                        <a:spcAft>
+                          <a:spcPts val="0"/>
+                        </a:spcAft>
+                      </a:pPr>
+                      <a:r>
+                        <a:rPr lang="en-US" sz="1100">
+                          <a:effectLst/>
+                        </a:rPr>
+                        <a:t>13.5419</a:t>
+                      </a:r>
+                      <a:endParaRPr lang="zh-CN" sz="1100">
+                        <a:effectLst/>
+                        <a:latin typeface="Times New Roman" panose="02020603050405020304" pitchFamily="18" charset="0"/>
+                        <a:ea typeface="Times New Roman" panose="02020603050405020304" pitchFamily="18" charset="0"/>
+                        <a:cs typeface="Times New Roman" panose="02020603050405020304" pitchFamily="18" charset="0"/>
+                      </a:endParaRPr>
+                    </a:p>
+                  </a:txBody>
+                  <a:tcPr marL="68580" marR="68580" marT="0" marB="0"/>
+                </a:tc>
+                <a:tc>
+                  <a:txBody>
+                    <a:bodyPr/>
+                    <a:lstStyle/>
+                    <a:p>
+                      <a:pPr>
+                        <a:spcAft>
+                          <a:spcPts val="0"/>
+                        </a:spcAft>
+                      </a:pPr>
+                      <a:r>
+                        <a:rPr lang="en-US" sz="1100">
+                          <a:effectLst/>
+                        </a:rPr>
+                        <a:t>26.1201</a:t>
+                      </a:r>
+                      <a:endParaRPr lang="zh-CN" sz="1100">
+                        <a:effectLst/>
+                        <a:latin typeface="Times New Roman" panose="02020603050405020304" pitchFamily="18" charset="0"/>
+                        <a:ea typeface="Times New Roman" panose="02020603050405020304" pitchFamily="18" charset="0"/>
+                        <a:cs typeface="Times New Roman" panose="02020603050405020304" pitchFamily="18" charset="0"/>
+                      </a:endParaRPr>
+                    </a:p>
+                  </a:txBody>
+                  <a:tcPr marL="68580" marR="68580" marT="0" marB="0"/>
+                </a:tc>
+              </a:tr>
+              <a:tr h="394283">
+                <a:tc>
+                  <a:txBody>
+                    <a:bodyPr/>
+                    <a:lstStyle/>
+                    <a:p>
+                      <a:pPr>
+                        <a:spcAft>
+                          <a:spcPts val="0"/>
+                        </a:spcAft>
+                      </a:pPr>
+                      <a:r>
+                        <a:rPr lang="en-US" sz="1100">
+                          <a:effectLst/>
+                        </a:rPr>
+                        <a:t>NN2</a:t>
+                      </a:r>
+                      <a:endParaRPr lang="zh-CN" sz="1100">
+                        <a:effectLst/>
+                        <a:latin typeface="Times New Roman" panose="02020603050405020304" pitchFamily="18" charset="0"/>
+                        <a:ea typeface="Times New Roman" panose="02020603050405020304" pitchFamily="18" charset="0"/>
+                        <a:cs typeface="Times New Roman" panose="02020603050405020304" pitchFamily="18" charset="0"/>
+                      </a:endParaRPr>
+                    </a:p>
+                  </a:txBody>
+                  <a:tcPr marL="68580" marR="68580" marT="0" marB="0"/>
+                </a:tc>
+                <a:tc>
+                  <a:txBody>
+                    <a:bodyPr/>
+                    <a:lstStyle/>
+                    <a:p>
+                      <a:pPr>
+                        <a:spcAft>
+                          <a:spcPts val="0"/>
+                        </a:spcAft>
+                      </a:pPr>
+                      <a:r>
+                        <a:rPr lang="en-US" sz="1100">
+                          <a:effectLst/>
+                        </a:rPr>
+                        <a:t>16.2804</a:t>
+                      </a:r>
+                      <a:endParaRPr lang="zh-CN" sz="1100">
+                        <a:effectLst/>
+                        <a:latin typeface="Times New Roman" panose="02020603050405020304" pitchFamily="18" charset="0"/>
+                        <a:ea typeface="Times New Roman" panose="02020603050405020304" pitchFamily="18" charset="0"/>
+                        <a:cs typeface="Times New Roman" panose="02020603050405020304" pitchFamily="18" charset="0"/>
+                      </a:endParaRPr>
+                    </a:p>
+                  </a:txBody>
+                  <a:tcPr marL="68580" marR="68580" marT="0" marB="0"/>
+                </a:tc>
+                <a:tc>
+                  <a:txBody>
+                    <a:bodyPr/>
+                    <a:lstStyle/>
+                    <a:p>
+                      <a:pPr>
+                        <a:spcAft>
+                          <a:spcPts val="0"/>
+                        </a:spcAft>
+                      </a:pPr>
+                      <a:r>
+                        <a:rPr lang="en-US" sz="1100">
+                          <a:effectLst/>
+                        </a:rPr>
+                        <a:t>26.0994</a:t>
+                      </a:r>
+                      <a:endParaRPr lang="zh-CN" sz="1100">
+                        <a:effectLst/>
+                        <a:latin typeface="Times New Roman" panose="02020603050405020304" pitchFamily="18" charset="0"/>
+                        <a:ea typeface="Times New Roman" panose="02020603050405020304" pitchFamily="18" charset="0"/>
+                        <a:cs typeface="Times New Roman" panose="02020603050405020304" pitchFamily="18" charset="0"/>
+                      </a:endParaRPr>
+                    </a:p>
+                  </a:txBody>
+                  <a:tcPr marL="68580" marR="68580" marT="0" marB="0"/>
+                </a:tc>
+              </a:tr>
+              <a:tr h="394283">
+                <a:tc>
+                  <a:txBody>
+                    <a:bodyPr/>
+                    <a:lstStyle/>
+                    <a:p>
+                      <a:pPr>
+                        <a:spcAft>
+                          <a:spcPts val="0"/>
+                        </a:spcAft>
+                      </a:pPr>
+                      <a:r>
+                        <a:rPr lang="en-US" sz="1100">
+                          <a:effectLst/>
+                        </a:rPr>
+                        <a:t>NN3</a:t>
+                      </a:r>
+                      <a:endParaRPr lang="zh-CN" sz="1100">
+                        <a:effectLst/>
+                        <a:latin typeface="Times New Roman" panose="02020603050405020304" pitchFamily="18" charset="0"/>
+                        <a:ea typeface="Times New Roman" panose="02020603050405020304" pitchFamily="18" charset="0"/>
+                        <a:cs typeface="Times New Roman" panose="02020603050405020304" pitchFamily="18" charset="0"/>
+                      </a:endParaRPr>
+                    </a:p>
+                  </a:txBody>
+                  <a:tcPr marL="68580" marR="68580" marT="0" marB="0"/>
+                </a:tc>
+                <a:tc>
+                  <a:txBody>
+                    <a:bodyPr/>
+                    <a:lstStyle/>
+                    <a:p>
+                      <a:pPr>
+                        <a:spcAft>
+                          <a:spcPts val="0"/>
+                        </a:spcAft>
+                      </a:pPr>
+                      <a:r>
+                        <a:rPr lang="en-US" sz="1100">
+                          <a:effectLst/>
+                        </a:rPr>
+                        <a:t>18.5307</a:t>
+                      </a:r>
+                      <a:endParaRPr lang="zh-CN" sz="1100">
+                        <a:effectLst/>
+                        <a:latin typeface="Times New Roman" panose="02020603050405020304" pitchFamily="18" charset="0"/>
+                        <a:ea typeface="Times New Roman" panose="02020603050405020304" pitchFamily="18" charset="0"/>
+                        <a:cs typeface="Times New Roman" panose="02020603050405020304" pitchFamily="18" charset="0"/>
+                      </a:endParaRPr>
+                    </a:p>
+                  </a:txBody>
+                  <a:tcPr marL="68580" marR="68580" marT="0" marB="0"/>
+                </a:tc>
+                <a:tc>
+                  <a:txBody>
+                    <a:bodyPr/>
+                    <a:lstStyle/>
+                    <a:p>
+                      <a:pPr>
+                        <a:spcAft>
+                          <a:spcPts val="0"/>
+                        </a:spcAft>
+                      </a:pPr>
+                      <a:r>
+                        <a:rPr lang="en-US" sz="1100">
+                          <a:effectLst/>
+                        </a:rPr>
+                        <a:t>26.1031</a:t>
+                      </a:r>
+                      <a:endParaRPr lang="zh-CN" sz="1100">
+                        <a:effectLst/>
+                        <a:latin typeface="Times New Roman" panose="02020603050405020304" pitchFamily="18" charset="0"/>
+                        <a:ea typeface="Times New Roman" panose="02020603050405020304" pitchFamily="18" charset="0"/>
+                        <a:cs typeface="Times New Roman" panose="02020603050405020304" pitchFamily="18" charset="0"/>
+                      </a:endParaRPr>
+                    </a:p>
+                  </a:txBody>
+                  <a:tcPr marL="68580" marR="68580" marT="0" marB="0"/>
+                </a:tc>
+              </a:tr>
+              <a:tr h="394283">
+                <a:tc>
+                  <a:txBody>
+                    <a:bodyPr/>
+                    <a:lstStyle/>
+                    <a:p>
+                      <a:pPr>
+                        <a:spcAft>
+                          <a:spcPts val="0"/>
+                        </a:spcAft>
+                      </a:pPr>
+                      <a:r>
+                        <a:rPr lang="en-US" sz="1100">
+                          <a:effectLst/>
+                        </a:rPr>
+                        <a:t>NN4</a:t>
+                      </a:r>
+                      <a:endParaRPr lang="zh-CN" sz="1100">
+                        <a:effectLst/>
+                        <a:latin typeface="Times New Roman" panose="02020603050405020304" pitchFamily="18" charset="0"/>
+                        <a:ea typeface="Times New Roman" panose="02020603050405020304" pitchFamily="18" charset="0"/>
+                        <a:cs typeface="Times New Roman" panose="02020603050405020304" pitchFamily="18" charset="0"/>
+                      </a:endParaRPr>
+                    </a:p>
+                  </a:txBody>
+                  <a:tcPr marL="68580" marR="68580" marT="0" marB="0"/>
+                </a:tc>
+                <a:tc>
+                  <a:txBody>
+                    <a:bodyPr/>
+                    <a:lstStyle/>
+                    <a:p>
+                      <a:pPr>
+                        <a:spcAft>
+                          <a:spcPts val="0"/>
+                        </a:spcAft>
+                      </a:pPr>
+                      <a:r>
+                        <a:rPr lang="en-US" sz="1100">
+                          <a:effectLst/>
+                        </a:rPr>
+                        <a:t>12.4724</a:t>
+                      </a:r>
+                      <a:endParaRPr lang="zh-CN" sz="1100">
+                        <a:effectLst/>
+                        <a:latin typeface="Times New Roman" panose="02020603050405020304" pitchFamily="18" charset="0"/>
+                        <a:ea typeface="Times New Roman" panose="02020603050405020304" pitchFamily="18" charset="0"/>
+                        <a:cs typeface="Times New Roman" panose="02020603050405020304" pitchFamily="18" charset="0"/>
+                      </a:endParaRPr>
+                    </a:p>
+                  </a:txBody>
+                  <a:tcPr marL="68580" marR="68580" marT="0" marB="0"/>
+                </a:tc>
+                <a:tc>
+                  <a:txBody>
+                    <a:bodyPr/>
+                    <a:lstStyle/>
+                    <a:p>
+                      <a:pPr>
+                        <a:spcAft>
+                          <a:spcPts val="0"/>
+                        </a:spcAft>
+                      </a:pPr>
+                      <a:r>
+                        <a:rPr lang="en-US" sz="1100" dirty="0">
+                          <a:effectLst/>
+                        </a:rPr>
+                        <a:t>26.1167</a:t>
+                      </a:r>
+                      <a:endParaRPr lang="zh-CN" sz="1100" dirty="0">
+                        <a:effectLst/>
+                        <a:latin typeface="Times New Roman" panose="02020603050405020304" pitchFamily="18" charset="0"/>
+                        <a:ea typeface="Times New Roman" panose="02020603050405020304" pitchFamily="18" charset="0"/>
+                        <a:cs typeface="Times New Roman" panose="02020603050405020304" pitchFamily="18" charset="0"/>
+                      </a:endParaRPr>
+                    </a:p>
+                  </a:txBody>
+                  <a:tcPr marL="68580" marR="68580" marT="0" marB="0"/>
+                </a:tc>
+              </a:tr>
+            </a:tbl>
+          </a:graphicData>
+        </a:graphic>
+      </p:graphicFrame>
+      <p:sp>
+        <p:nvSpPr>
+          <p:cNvPr id="6" name="文本框 5"/>
+          <p:cNvSpPr txBox="1"/>
+          <p:nvPr/>
+        </p:nvSpPr>
+        <p:spPr>
+          <a:xfrm>
+            <a:off x="995516" y="272846"/>
+            <a:ext cx="3048014" cy="369332"/>
+          </a:xfrm>
+          <a:prstGeom prst="rect">
+            <a:avLst/>
+          </a:prstGeom>
+          <a:noFill/>
+        </p:spPr>
+        <p:txBody>
+          <a:bodyPr wrap="none" rtlCol="0">
+            <a:spAutoFit/>
+          </a:bodyPr>
+          <a:lstStyle/>
+          <a:p>
+            <a:r>
+              <a:rPr lang="en-US" altLang="zh-CN" dirty="0" smtClean="0"/>
+              <a:t>Average power for each kernel</a:t>
+            </a:r>
+            <a:endParaRPr lang="zh-CN" altLang="en-US" dirty="0"/>
+          </a:p>
+        </p:txBody>
+      </p:sp>
+      <p:sp>
+        <p:nvSpPr>
+          <p:cNvPr id="7" name="文本框 6"/>
+          <p:cNvSpPr txBox="1"/>
+          <p:nvPr/>
+        </p:nvSpPr>
+        <p:spPr>
+          <a:xfrm>
+            <a:off x="995516" y="3900949"/>
+            <a:ext cx="9460860" cy="369332"/>
+          </a:xfrm>
+          <a:prstGeom prst="rect">
+            <a:avLst/>
+          </a:prstGeom>
+          <a:noFill/>
+        </p:spPr>
+        <p:txBody>
+          <a:bodyPr wrap="none" rtlCol="0">
+            <a:spAutoFit/>
+          </a:bodyPr>
+          <a:lstStyle/>
+          <a:p>
+            <a:r>
+              <a:rPr lang="en-US" altLang="zh-CN" dirty="0" smtClean="0"/>
+              <a:t>Seem more reasonable, but an obvious trend is that the estimation of our model is more stable.</a:t>
+            </a:r>
+            <a:endParaRPr lang="zh-CN" altLang="en-US" dirty="0"/>
+          </a:p>
+        </p:txBody>
+      </p:sp>
+      <p:sp>
+        <p:nvSpPr>
+          <p:cNvPr id="8" name="文本框 7"/>
+          <p:cNvSpPr txBox="1"/>
+          <p:nvPr/>
+        </p:nvSpPr>
+        <p:spPr>
+          <a:xfrm>
+            <a:off x="1047135" y="4889090"/>
+            <a:ext cx="5341334" cy="369332"/>
+          </a:xfrm>
+          <a:prstGeom prst="rect">
+            <a:avLst/>
+          </a:prstGeom>
+          <a:noFill/>
+        </p:spPr>
+        <p:txBody>
+          <a:bodyPr wrap="none" rtlCol="0">
+            <a:spAutoFit/>
+          </a:bodyPr>
+          <a:lstStyle/>
+          <a:p>
+            <a:r>
+              <a:rPr lang="en-US" altLang="zh-CN" dirty="0" smtClean="0"/>
+              <a:t>Actually I have not figured out why there is this trend…</a:t>
+            </a:r>
+            <a:endParaRPr lang="zh-CN" altLang="en-US" dirty="0"/>
+          </a:p>
+        </p:txBody>
+      </p:sp>
+      <p:sp>
+        <p:nvSpPr>
+          <p:cNvPr id="9" name="文本框 8"/>
+          <p:cNvSpPr txBox="1"/>
+          <p:nvPr/>
+        </p:nvSpPr>
+        <p:spPr>
+          <a:xfrm>
+            <a:off x="1047135" y="5420032"/>
+            <a:ext cx="7389972" cy="646331"/>
+          </a:xfrm>
+          <a:prstGeom prst="rect">
+            <a:avLst/>
+          </a:prstGeom>
+          <a:noFill/>
+        </p:spPr>
+        <p:txBody>
+          <a:bodyPr wrap="none" rtlCol="0">
+            <a:spAutoFit/>
+          </a:bodyPr>
+          <a:lstStyle/>
+          <a:p>
+            <a:r>
+              <a:rPr lang="en-US" altLang="zh-CN" dirty="0" smtClean="0"/>
+              <a:t>But there is a direction to spend efforts :  </a:t>
+            </a:r>
+          </a:p>
+          <a:p>
+            <a:r>
+              <a:rPr lang="en-US" altLang="zh-CN" dirty="0" smtClean="0"/>
+              <a:t>modify the constants of power for each operation for different architectures!</a:t>
+            </a:r>
+            <a:endParaRPr lang="zh-CN" altLang="en-US" dirty="0"/>
+          </a:p>
+        </p:txBody>
+      </p:sp>
+      <p:sp>
+        <p:nvSpPr>
+          <p:cNvPr id="11" name="文本框 10"/>
+          <p:cNvSpPr txBox="1"/>
+          <p:nvPr/>
+        </p:nvSpPr>
+        <p:spPr>
+          <a:xfrm>
+            <a:off x="1047135" y="6227973"/>
+            <a:ext cx="5213287" cy="369332"/>
+          </a:xfrm>
+          <a:prstGeom prst="rect">
+            <a:avLst/>
+          </a:prstGeom>
+          <a:noFill/>
+        </p:spPr>
+        <p:txBody>
+          <a:bodyPr wrap="none" rtlCol="0">
+            <a:spAutoFit/>
+          </a:bodyPr>
+          <a:lstStyle/>
+          <a:p>
+            <a:r>
+              <a:rPr lang="en-US" altLang="zh-CN" dirty="0" smtClean="0"/>
+              <a:t>But in our project, this step has not been finished yet.</a:t>
+            </a:r>
+            <a:endParaRPr lang="zh-CN" altLang="en-US" dirty="0"/>
+          </a:p>
+        </p:txBody>
+      </p:sp>
+      <p:graphicFrame>
+        <p:nvGraphicFramePr>
+          <p:cNvPr id="12" name="图表 11"/>
+          <p:cNvGraphicFramePr/>
+          <p:nvPr>
+            <p:extLst>
+              <p:ext uri="{D42A27DB-BD31-4B8C-83A1-F6EECF244321}">
+                <p14:modId xmlns:p14="http://schemas.microsoft.com/office/powerpoint/2010/main" val="330654750"/>
+              </p:ext>
+            </p:extLst>
+          </p:nvPr>
+        </p:nvGraphicFramePr>
+        <p:xfrm>
+          <a:off x="8437107" y="1196821"/>
+          <a:ext cx="3639820" cy="2473325"/>
+        </p:xfrm>
+        <a:graphic>
+          <a:graphicData uri="http://schemas.openxmlformats.org/drawingml/2006/chart">
+            <c:chart xmlns:c="http://schemas.openxmlformats.org/drawingml/2006/chart" xmlns:r="http://schemas.openxmlformats.org/officeDocument/2006/relationships" r:id="rId2"/>
+          </a:graphicData>
+        </a:graphic>
+      </p:graphicFrame>
+    </p:spTree>
+    <p:extLst>
+      <p:ext uri="{BB962C8B-B14F-4D97-AF65-F5344CB8AC3E}">
+        <p14:creationId xmlns:p14="http://schemas.microsoft.com/office/powerpoint/2010/main" val="3576134632"/>
+      </p:ext>
+    </p:extLst>
+  </p:cSld>
+  <p:clrMapOvr>
+    <a:masterClrMapping/>
+  </p:clrMapOvr>
+  <p:timing>
+    <p:tnLst>
+      <p:par>
+        <p:cTn id="1" dur="indefinite" restart="never" nodeType="tmRoot"/>
+      </p:par>
+    </p:tnLst>
+  </p:timing>
+</p:sld>
+</file>
+
+<file path=ppt/slides/slide25.xml><?xml version="1.0" encoding="utf-8"?>
+<p:sld xmlns:a="http://schemas.openxmlformats.org/drawingml/2006/main" xmlns:r="http://schemas.openxmlformats.org/officeDocument/2006/relationships" xmlns:p="http://schemas.openxmlformats.org/presentationml/2006/main">
+  <p:cSld>
+    <p:spTree>
+      <p:nvGrpSpPr>
+        <p:cNvPr id="1" name=""/>
+        <p:cNvGrpSpPr/>
+        <p:nvPr/>
+      </p:nvGrpSpPr>
+      <p:grpSpPr>
+        <a:xfrm>
+          <a:off x="0" y="0"/>
+          <a:ext cx="0" cy="0"/>
+          <a:chOff x="0" y="0"/>
+          <a:chExt cx="0" cy="0"/>
+        </a:xfrm>
+      </p:grpSpPr>
+      <p:sp>
+        <p:nvSpPr>
+          <p:cNvPr id="4" name="文本框 3"/>
+          <p:cNvSpPr txBox="1"/>
+          <p:nvPr/>
+        </p:nvSpPr>
+        <p:spPr>
+          <a:xfrm>
+            <a:off x="560439" y="538316"/>
+            <a:ext cx="1791196" cy="523220"/>
+          </a:xfrm>
+          <a:prstGeom prst="rect">
+            <a:avLst/>
+          </a:prstGeom>
+          <a:noFill/>
+        </p:spPr>
+        <p:txBody>
+          <a:bodyPr wrap="none" rtlCol="0">
+            <a:spAutoFit/>
+          </a:bodyPr>
+          <a:lstStyle/>
+          <a:p>
+            <a:r>
+              <a:rPr lang="en-US" altLang="zh-CN" sz="2800" dirty="0" smtClean="0"/>
+              <a:t>Limitations</a:t>
+            </a:r>
+            <a:endParaRPr lang="zh-CN" altLang="en-US" sz="2800" dirty="0"/>
+          </a:p>
+        </p:txBody>
+      </p:sp>
+      <p:sp>
+        <p:nvSpPr>
+          <p:cNvPr id="5" name="文本框 4"/>
+          <p:cNvSpPr txBox="1"/>
+          <p:nvPr/>
+        </p:nvSpPr>
+        <p:spPr>
+          <a:xfrm>
+            <a:off x="1456037" y="1319980"/>
+            <a:ext cx="5027979" cy="369332"/>
+          </a:xfrm>
+          <a:prstGeom prst="rect">
+            <a:avLst/>
+          </a:prstGeom>
+          <a:noFill/>
+        </p:spPr>
+        <p:txBody>
+          <a:bodyPr wrap="none" rtlCol="0">
+            <a:spAutoFit/>
+          </a:bodyPr>
+          <a:lstStyle/>
+          <a:p>
+            <a:r>
+              <a:rPr lang="en-US" altLang="zh-CN" dirty="0" smtClean="0"/>
+              <a:t>Actually there are some limitations in our method….</a:t>
+            </a:r>
+            <a:endParaRPr lang="zh-CN" altLang="en-US" dirty="0"/>
+          </a:p>
+        </p:txBody>
+      </p:sp>
+      <p:sp>
+        <p:nvSpPr>
+          <p:cNvPr id="6" name="文本框 5"/>
+          <p:cNvSpPr txBox="1"/>
+          <p:nvPr/>
+        </p:nvSpPr>
+        <p:spPr>
+          <a:xfrm>
+            <a:off x="1456037" y="2160638"/>
+            <a:ext cx="10062453" cy="2031325"/>
+          </a:xfrm>
+          <a:prstGeom prst="rect">
+            <a:avLst/>
+          </a:prstGeom>
+          <a:noFill/>
+        </p:spPr>
+        <p:txBody>
+          <a:bodyPr wrap="square" rtlCol="0">
+            <a:spAutoFit/>
+          </a:bodyPr>
+          <a:lstStyle/>
+          <a:p>
+            <a:pPr marL="342900" indent="-342900">
+              <a:buAutoNum type="arabicPeriod"/>
+            </a:pPr>
+            <a:r>
+              <a:rPr lang="en-US" altLang="zh-CN" dirty="0" smtClean="0"/>
+              <a:t>We have to set some performance counters using the average number from original GPGPU-Sim, which means we have to simulate the application by GPGPU-Sim first…</a:t>
+            </a:r>
+          </a:p>
+          <a:p>
+            <a:pPr marL="342900" indent="-342900">
+              <a:buAutoNum type="arabicPeriod"/>
+            </a:pPr>
+            <a:r>
+              <a:rPr lang="en-US" altLang="zh-CN" dirty="0" smtClean="0"/>
+              <a:t>Our result is not very accurate, this is likely to be overcome by modifying the configuration parameters.</a:t>
+            </a:r>
+          </a:p>
+          <a:p>
+            <a:pPr marL="342900" indent="-342900">
+              <a:buAutoNum type="arabicPeriod"/>
+            </a:pPr>
+            <a:r>
+              <a:rPr lang="en-US" altLang="zh-CN" dirty="0" smtClean="0"/>
+              <a:t>Our transformation from </a:t>
+            </a:r>
+            <a:r>
+              <a:rPr lang="en-US" altLang="zh-CN" dirty="0" err="1" smtClean="0"/>
+              <a:t>nvprof’s</a:t>
+            </a:r>
+            <a:r>
+              <a:rPr lang="en-US" altLang="zh-CN" dirty="0" smtClean="0"/>
+              <a:t> metrics to GPGPU-Sim’s performance counters like </a:t>
+            </a:r>
+            <a:r>
+              <a:rPr lang="en-US" altLang="zh-CN" i="1" dirty="0" smtClean="0"/>
+              <a:t>register file operations</a:t>
+            </a:r>
+            <a:r>
+              <a:rPr lang="en-US" altLang="zh-CN" dirty="0" smtClean="0"/>
+              <a:t> are fixed, but different applications may have different distributions of different types of instructions.</a:t>
+            </a:r>
+          </a:p>
+        </p:txBody>
+      </p:sp>
+      <p:sp>
+        <p:nvSpPr>
+          <p:cNvPr id="7" name="文本框 6"/>
+          <p:cNvSpPr txBox="1"/>
+          <p:nvPr/>
+        </p:nvSpPr>
+        <p:spPr>
+          <a:xfrm>
+            <a:off x="1113503" y="4881715"/>
+            <a:ext cx="10235381" cy="923330"/>
+          </a:xfrm>
+          <a:prstGeom prst="rect">
+            <a:avLst/>
+          </a:prstGeom>
+          <a:noFill/>
+        </p:spPr>
+        <p:txBody>
+          <a:bodyPr wrap="square" rtlCol="0">
+            <a:spAutoFit/>
+          </a:bodyPr>
+          <a:lstStyle/>
+          <a:p>
+            <a:r>
+              <a:rPr lang="en-US" altLang="zh-CN" dirty="0" smtClean="0"/>
+              <a:t>But this is a novel way to profile CUDA applications. What if we can derive the performance counters from users’ source code? What if </a:t>
+            </a:r>
+            <a:r>
+              <a:rPr lang="en-US" altLang="zh-CN" dirty="0" err="1" smtClean="0"/>
+              <a:t>nvprof</a:t>
+            </a:r>
+            <a:r>
+              <a:rPr lang="en-US" altLang="zh-CN" dirty="0" smtClean="0"/>
+              <a:t> in the future provides more detailed metrics such that the number of </a:t>
+            </a:r>
+            <a:r>
+              <a:rPr lang="en-US" altLang="zh-CN" i="1" dirty="0" err="1" smtClean="0"/>
+              <a:t>mov</a:t>
+            </a:r>
+            <a:r>
+              <a:rPr lang="en-US" altLang="zh-CN" i="1" dirty="0" smtClean="0"/>
+              <a:t>/add/…</a:t>
+            </a:r>
+            <a:r>
+              <a:rPr lang="en-US" altLang="zh-CN" dirty="0" smtClean="0"/>
+              <a:t> instructions?</a:t>
+            </a:r>
+            <a:endParaRPr lang="zh-CN" altLang="en-US" dirty="0"/>
+          </a:p>
+        </p:txBody>
+      </p:sp>
+    </p:spTree>
+    <p:extLst>
+      <p:ext uri="{BB962C8B-B14F-4D97-AF65-F5344CB8AC3E}">
+        <p14:creationId xmlns:p14="http://schemas.microsoft.com/office/powerpoint/2010/main" val="206977754"/>
+      </p:ext>
+    </p:extLst>
+  </p:cSld>
+  <p:clrMapOvr>
+    <a:masterClrMapping/>
+  </p:clrMapOvr>
+  <p:timing>
+    <p:tnLst>
+      <p:par>
+        <p:cTn id="1" dur="indefinite" restart="never" nodeType="tmRoot"/>
+      </p:par>
+    </p:tnLst>
+  </p:timing>
+</p:sld>
+</file>
+
+<file path=ppt/slides/slide26.xml><?xml version="1.0" encoding="utf-8"?>
+<p:sld xmlns:a="http://schemas.openxmlformats.org/drawingml/2006/main" xmlns:r="http://schemas.openxmlformats.org/officeDocument/2006/relationships" xmlns:p="http://schemas.openxmlformats.org/presentationml/2006/main">
+  <p:cSld>
+    <p:spTree>
+      <p:nvGrpSpPr>
+        <p:cNvPr id="1" name=""/>
+        <p:cNvGrpSpPr/>
+        <p:nvPr/>
+      </p:nvGrpSpPr>
+      <p:grpSpPr>
+        <a:xfrm>
+          <a:off x="0" y="0"/>
+          <a:ext cx="0" cy="0"/>
+          <a:chOff x="0" y="0"/>
+          <a:chExt cx="0" cy="0"/>
+        </a:xfrm>
+      </p:grpSpPr>
+      <p:sp>
+        <p:nvSpPr>
+          <p:cNvPr id="4" name="文本框 3"/>
+          <p:cNvSpPr txBox="1"/>
+          <p:nvPr/>
+        </p:nvSpPr>
+        <p:spPr>
+          <a:xfrm>
+            <a:off x="604684" y="317090"/>
+            <a:ext cx="4707379" cy="369332"/>
+          </a:xfrm>
+          <a:prstGeom prst="rect">
+            <a:avLst/>
+          </a:prstGeom>
+          <a:noFill/>
+        </p:spPr>
+        <p:txBody>
+          <a:bodyPr wrap="none" rtlCol="0">
+            <a:spAutoFit/>
+          </a:bodyPr>
+          <a:lstStyle/>
+          <a:p>
+            <a:r>
+              <a:rPr lang="en-US" altLang="zh-CN" dirty="0" smtClean="0"/>
+              <a:t>Just as one of the inventors of GPGPU-Sim says:</a:t>
+            </a:r>
+            <a:endParaRPr lang="zh-CN" altLang="en-US" dirty="0"/>
+          </a:p>
+        </p:txBody>
+      </p:sp>
+      <p:sp>
+        <p:nvSpPr>
+          <p:cNvPr id="5" name="文本框 4"/>
+          <p:cNvSpPr txBox="1"/>
+          <p:nvPr/>
+        </p:nvSpPr>
+        <p:spPr>
+          <a:xfrm>
+            <a:off x="1541207" y="1216741"/>
+            <a:ext cx="7852578" cy="646331"/>
+          </a:xfrm>
+          <a:prstGeom prst="rect">
+            <a:avLst/>
+          </a:prstGeom>
+          <a:noFill/>
+        </p:spPr>
+        <p:txBody>
+          <a:bodyPr wrap="square" rtlCol="0">
+            <a:spAutoFit/>
+          </a:bodyPr>
+          <a:lstStyle/>
+          <a:p>
+            <a:r>
+              <a:rPr lang="en-US" altLang="zh-CN" i="1" dirty="0" smtClean="0"/>
+              <a:t>The intention of GPGPU-Sim is to provide a substrate for architecture research rather than to exactly model any particular commercial GPU. </a:t>
+            </a:r>
+            <a:endParaRPr lang="zh-CN" altLang="en-US" i="1" dirty="0"/>
+          </a:p>
+        </p:txBody>
+      </p:sp>
+      <p:sp>
+        <p:nvSpPr>
+          <p:cNvPr id="6" name="文本框 5"/>
+          <p:cNvSpPr txBox="1"/>
+          <p:nvPr/>
+        </p:nvSpPr>
+        <p:spPr>
+          <a:xfrm>
+            <a:off x="604684" y="4225412"/>
+            <a:ext cx="9732088" cy="923330"/>
+          </a:xfrm>
+          <a:prstGeom prst="rect">
+            <a:avLst/>
+          </a:prstGeom>
+          <a:noFill/>
+        </p:spPr>
+        <p:txBody>
+          <a:bodyPr wrap="none" rtlCol="0">
+            <a:spAutoFit/>
+          </a:bodyPr>
+          <a:lstStyle/>
+          <a:p>
+            <a:r>
+              <a:rPr lang="en-US" altLang="zh-CN" dirty="0" smtClean="0"/>
+              <a:t>Even with these limitations, it still enables users to generate the power report faster than GPGPU-Sim,</a:t>
+            </a:r>
+          </a:p>
+          <a:p>
+            <a:r>
+              <a:rPr lang="en-US" altLang="zh-CN" dirty="0" smtClean="0"/>
+              <a:t>if we do not require high accuracy or just focus on some components. </a:t>
+            </a:r>
+          </a:p>
+          <a:p>
+            <a:r>
+              <a:rPr lang="en-US" altLang="zh-CN" dirty="0" smtClean="0"/>
+              <a:t>It is a trade off between accuracy and speed.</a:t>
+            </a:r>
+            <a:endParaRPr lang="zh-CN" altLang="en-US" dirty="0"/>
+          </a:p>
+        </p:txBody>
+      </p:sp>
+      <p:sp>
+        <p:nvSpPr>
+          <p:cNvPr id="7" name="文本框 6"/>
+          <p:cNvSpPr txBox="1"/>
+          <p:nvPr/>
+        </p:nvSpPr>
+        <p:spPr>
+          <a:xfrm>
+            <a:off x="1644445" y="2691581"/>
+            <a:ext cx="8088946" cy="646331"/>
+          </a:xfrm>
+          <a:prstGeom prst="rect">
+            <a:avLst/>
+          </a:prstGeom>
+          <a:noFill/>
+        </p:spPr>
+        <p:txBody>
+          <a:bodyPr wrap="none" rtlCol="0">
+            <a:spAutoFit/>
+          </a:bodyPr>
+          <a:lstStyle/>
+          <a:p>
+            <a:r>
+              <a:rPr lang="en-US" altLang="zh-CN" dirty="0" smtClean="0"/>
+              <a:t>The intention of our method is to add more possibilities to this substrate rather than</a:t>
+            </a:r>
+          </a:p>
+          <a:p>
+            <a:r>
+              <a:rPr lang="en-US" altLang="zh-CN" dirty="0" smtClean="0"/>
+              <a:t>to exactly model any particular commercial GPU or application.</a:t>
+            </a:r>
+            <a:endParaRPr lang="zh-CN" altLang="en-US" dirty="0"/>
+          </a:p>
+        </p:txBody>
+      </p:sp>
+    </p:spTree>
+    <p:extLst>
+      <p:ext uri="{BB962C8B-B14F-4D97-AF65-F5344CB8AC3E}">
+        <p14:creationId xmlns:p14="http://schemas.microsoft.com/office/powerpoint/2010/main" val="557870443"/>
+      </p:ext>
+    </p:extLst>
+  </p:cSld>
+  <p:clrMapOvr>
+    <a:masterClrMapping/>
+  </p:clrMapOvr>
+  <p:timing>
+    <p:tnLst>
+      <p:par>
+        <p:cTn id="1" dur="indefinite" restart="never" nodeType="tmRoot"/>
+      </p:par>
+    </p:tnLst>
+  </p:timing>
+</p:sld>
+</file>
+
 <file path=ppt/slides/slide3.xml><?xml version="1.0" encoding="utf-8"?>
 <p:sld xmlns:a="http://schemas.openxmlformats.org/drawingml/2006/main" xmlns:r="http://schemas.openxmlformats.org/officeDocument/2006/relationships" xmlns:p="http://schemas.openxmlformats.org/presentationml/2006/main">
   <p:cSld>
@@ -7179,7 +13748,7 @@
               <a:tabLst/>
             </a:pPr>
             <a:r>
-              <a:rPr kumimoji="0" lang="zh-CN" altLang="zh-CN" sz="900" b="0" i="0" u="none" strike="noStrike" cap="none" normalizeH="0" baseline="0" smtClean="0">
+              <a:rPr kumimoji="0" lang="zh-CN" altLang="zh-CN" sz="900" b="0" i="0" u="none" strike="noStrike" cap="none" normalizeH="0" baseline="0" dirty="0" smtClean="0">
                 <a:ln>
                   <a:noFill/>
                 </a:ln>
@@ -7193,7 +13762,7 @@
               <a:t>cycle-level</a:t>
             </a:r>
             <a:r>
-              <a:rPr kumimoji="0" lang="zh-CN" altLang="zh-CN" sz="800" b="0" i="0" u="none" strike="noStrike" cap="none" normalizeH="0" baseline="0" smtClean="0">
+              <a:rPr kumimoji="0" lang="zh-CN" altLang="zh-CN" sz="800" b="0" i="0" u="none" strike="noStrike" cap="none" normalizeH="0" baseline="0" dirty="0" smtClean="0">
                 <a:ln>
                   <a:noFill/>
                 </a:ln>
@@ -7204,7 +13773,7 @@
               </a:rPr>
               <a:t> </a:t>
             </a:r>
-            <a:endParaRPr kumimoji="0" lang="zh-CN" altLang="zh-CN" sz="1800" b="0" i="0" u="none" strike="noStrike" cap="none" normalizeH="0" baseline="0" smtClean="0">
+            <a:endParaRPr kumimoji="0" lang="zh-CN" altLang="zh-CN" sz="1800" b="0" i="0" u="none" strike="noStrike" cap="none" normalizeH="0" baseline="0" dirty="0" smtClean="0">
               <a:ln>
                 <a:noFill/>
               </a:ln>
@@ -9976,4 +16545,265 @@
     </a:ext>
   </a:extLst>
 </a:theme>
+</file>
+
+<file path=ppt/theme/theme2.xml><?xml version="1.0" encoding="utf-8"?>
+<a:theme xmlns:a="http://schemas.openxmlformats.org/drawingml/2006/main" name="Office 主题">
+  <a:themeElements>
+    <a:clrScheme name="Office">
+      <a:dk1>
+        <a:sysClr val="windowText" lastClr="000000"/>
+      </a:dk1>
+      <a:lt1>
+        <a:sysClr val="window" lastClr="FFFFFF"/>
+      </a:lt1>
+      <a:dk2>
+        <a:srgbClr val="44546A"/>
+      </a:dk2>
+      <a:lt2>
+        <a:srgbClr val="E7E6E6"/>
+      </a:lt2>
+      <a:accent1>
+        <a:srgbClr val="5B9BD5"/>
+      </a:accent1>
+      <a:accent2>
+        <a:srgbClr val="ED7D31"/>
+      </a:accent2>
+      <a:accent3>
+        <a:srgbClr val="A5A5A5"/>
+      </a:accent3>
+      <a:accent4>
+        <a:srgbClr val="FFC000"/>
+      </a:accent4>
+      <a:accent5>
+        <a:srgbClr val="4472C4"/>
+      </a:accent5>
+      <a:accent6>
+        <a:srgbClr val="70AD47"/>
+      </a:accent6>
+      <a:hlink>
+        <a:srgbClr val="0563C1"/>
+      </a:hlink>
+      <a:folHlink>
+        <a:srgbClr val="954F72"/>
+      </a:folHlink>
+    </a:clrScheme>
+    <a:fontScheme name="Office">
+      <a:majorFont>
+        <a:latin typeface="Calibri Light" panose="020F0302020204030204"/>
+        <a:ea typeface=""/>
+        <a:cs typeface=""/>
+        <a:font script="Jpan" typeface="ＭＳ Ｐゴシック"/>
+        <a:font script="Hang" typeface="맑은 고딕"/>
+        <a:font script="Hans" typeface="宋体"/>
+        <a:font script="Hant" typeface="新細明體"/>
+        <a:font script="Arab" typeface="Times New Roman"/>
+        <a:font script="Hebr" typeface="Times New Roman"/>
+        <a:font script="Thai" typeface="Angsana New"/>
+        <a:font script="Ethi" typeface="Nyala"/>
+        <a:font script="Beng" typeface="Vrinda"/>
+        <a:font script="Gujr" typeface="Shruti"/>
+        <a:font script="Khmr" typeface="MoolBoran"/>
+        <a:font script="Knda" typeface="Tunga"/>
+        <a:font script="Guru" typeface="Raavi"/>
+        <a:font script="Cans" typeface="Euphemia"/>
+        <a:font script="Cher" typeface="Plantagenet Cherokee"/>
+        <a:font script="Yiii" typeface="Microsoft Yi Baiti"/>
+        <a:font script="Tibt" typeface="Microsoft Himalaya"/>
+        <a:font script="Thaa" typeface="MV Boli"/>
+        <a:font script="Deva" typeface="Mangal"/>
+        <a:font script="Telu" typeface="Gautami"/>
+        <a:font script="Taml" typeface="Latha"/>
+        <a:font script="Syrc" typeface="Estrangelo Edessa"/>
+        <a:font script="Orya" typeface="Kalinga"/>
+        <a:font script="Mlym" typeface="Kartika"/>
+        <a:font script="Laoo" typeface="DokChampa"/>
+        <a:font script="Sinh" typeface="Iskoola Pota"/>
+        <a:font script="Mong" typeface="Mongolian Baiti"/>
+        <a:font script="Viet" typeface="Times New Roman"/>
+        <a:font script="Uigh" typeface="Microsoft Uighur"/>
+        <a:font script="Geor" typeface="Sylfaen"/>
+      </a:majorFont>
+      <a:minorFont>
+        <a:latin typeface="Calibri" panose="020F0502020204030204"/>
+        <a:ea typeface=""/>
+        <a:cs typeface=""/>
+        <a:font script="Jpan" typeface="ＭＳ Ｐゴシック"/>
+        <a:font script="Hang" typeface="맑은 고딕"/>
+        <a:font script="Hans" typeface="宋体"/>
+        <a:font script="Hant" typeface="新細明體"/>
+        <a:font script="Arab" typeface="Arial"/>
+        <a:font script="Hebr" typeface="Arial"/>
+        <a:font script="Thai" typeface="Cordia New"/>
+        <a:font script="Ethi" typeface="Nyala"/>
+        <a:font script="Beng" typeface="Vrinda"/>
+        <a:font script="Gujr" typeface="Shruti"/>
+        <a:font script="Khmr" typeface="DaunPenh"/>
+        <a:font script="Knda" typeface="Tunga"/>
+        <a:font script="Guru" typeface="Raavi"/>
+        <a:font script="Cans" typeface="Euphemia"/>
+        <a:font script="Cher" typeface="Plantagenet Cherokee"/>
+        <a:font script="Yiii" typeface="Microsoft Yi Baiti"/>
+        <a:font script="Tibt" typeface="Microsoft Himalaya"/>
+        <a:font script="Thaa" typeface="MV Boli"/>
+        <a:font script="Deva" typeface="Mangal"/>
+        <a:font script="Telu" typeface="Gautami"/>
+        <a:font script="Taml" typeface="Latha"/>
+        <a:font script="Syrc" typeface="Estrangelo Edessa"/>
+        <a:font script="Orya" typeface="Kalinga"/>
+        <a:font script="Mlym" typeface="Kartika"/>
+        <a:font script="Laoo" typeface="DokChampa"/>
+        <a:font script="Sinh" typeface="Iskoola Pota"/>
+        <a:font script="Mong" typeface="Mongolian Baiti"/>
+        <a:font script="Viet" typeface="Arial"/>
+        <a:font script="Uigh" typeface="Microsoft Uighur"/>
+        <a:font script="Geor" typeface="Sylfaen"/>
+      </a:minorFont>
+    </a:fontScheme>
+    <a:fmtScheme name="Office">
+      <a:fillStyleLst>
+        <a:solidFill>
+          <a:schemeClr val="phClr"/>
+        </a:solidFill>
+        <a:gradFill rotWithShape="1">
+          <a:gsLst>
+            <a:gs pos="0">
+              <a:schemeClr val="phClr">
+                <a:lumMod val="110000"/>
+                <a:satMod val="105000"/>
+                <a:tint val="67000"/>
+              </a:schemeClr>
+            </a:gs>
+            <a:gs pos="50000">
+              <a:schemeClr val="phClr">
+                <a:lumMod val="105000"/>
+                <a:satMod val="103000"/>
+                <a:tint val="73000"/>
+              </a:schemeClr>
+            </a:gs>
+            <a:gs pos="100000">
+              <a:schemeClr val="phClr">
+                <a:lumMod val="105000"/>
+                <a:satMod val="109000"/>
+                <a:tint val="81000"/>
+              </a:schemeClr>
+            </a:gs>
+          </a:gsLst>
+          <a:lin ang="5400000" scaled="0"/>
+        </a:gradFill>
+        <a:gradFill rotWithShape="1">
+          <a:gsLst>
+            <a:gs pos="0">
+              <a:schemeClr val="phClr">
+                <a:satMod val="103000"/>
+                <a:lumMod val="102000"/>
+                <a:tint val="94000"/>
+              </a:schemeClr>
+            </a:gs>
+            <a:gs pos="50000">
+              <a:schemeClr val="phClr">
+                <a:satMod val="110000"/>
+                <a:lumMod val="100000"/>
+                <a:shade val="100000"/>
+              </a:schemeClr>
+            </a:gs>
+            <a:gs pos="100000">
+              <a:schemeClr val="phClr">
+                <a:lumMod val="99000"/>
+                <a:satMod val="120000"/>
+                <a:shade val="78000"/>
+              </a:schemeClr>
+            </a:gs>
+          </a:gsLst>
+          <a:lin ang="5400000" scaled="0"/>
+        </a:gradFill>
+      </a:fillStyleLst>
+      <a:lnStyleLst>
+        <a:ln w="6350" cap="flat" cmpd="sng" algn="ctr">
+          <a:solidFill>
+            <a:schemeClr val="phClr"/>
+          </a:solidFill>
+          <a:prstDash val="solid"/>
+          <a:miter lim="800000"/>
+        </a:ln>
+        <a:ln w="12700" cap="flat" cmpd="sng" algn="ctr">
+          <a:solidFill>
+            <a:schemeClr val="phClr"/>
+          </a:solidFill>
+          <a:prstDash val="solid"/>
+          <a:miter lim="800000"/>
+        </a:ln>
+        <a:ln w="19050" cap="flat" cmpd="sng" algn="ctr">
+          <a:solidFill>
+            <a:schemeClr val="phClr"/>
+          </a:solidFill>
+          <a:prstDash val="solid"/>
+          <a:miter lim="800000"/>
+        </a:ln>
+      </a:lnStyleLst>
+      <a:effectStyleLst>
+        <a:effectStyle>
+          <a:effectLst/>
+        </a:effectStyle>
+        <a:effectStyle>
+          <a:effectLst/>
+        </a:effectStyle>
+        <a:effectStyle>
+          <a:effectLst>
+            <a:outerShdw blurRad="57150" dist="19050" dir="5400000" algn="ctr" rotWithShape="0">
+              <a:srgbClr val="000000">
+                <a:alpha val="63000"/>
+              </a:srgbClr>
+            </a:outerShdw>
+          </a:effectLst>
+        </a:effectStyle>
+      </a:effectStyleLst>
+      <a:bgFillStyleLst>
+        <a:solidFill>
+          <a:schemeClr val="phClr"/>
+        </a:solidFill>
+        <a:solidFill>
+          <a:schemeClr val="phClr">
+            <a:tint val="95000"/>
+            <a:satMod val="170000"/>
+          </a:schemeClr>
+        </a:solidFill>
+        <a:gradFill rotWithShape="1">
+          <a:gsLst>
+            <a:gs pos="0">
+              <a:schemeClr val="phClr">
+                <a:tint val="93000"/>
+                <a:satMod val="150000"/>
+                <a:shade val="98000"/>
+                <a:lumMod val="102000"/>
+              </a:schemeClr>
+            </a:gs>
+            <a:gs pos="50000">
+              <a:schemeClr val="phClr">
+                <a:tint val="98000"/>
+                <a:satMod val="130000"/>
+                <a:shade val="90000"/>
+                <a:lumMod val="103000"/>
+              </a:schemeClr>
+            </a:gs>
+            <a:gs pos="100000">
+              <a:schemeClr val="phClr">
+                <a:shade val="63000"/>
+                <a:satMod val="120000"/>
+              </a:schemeClr>
+            </a:gs>
+          </a:gsLst>
+          <a:lin ang="5400000" scaled="0"/>
+        </a:gradFill>
+      </a:bgFillStyleLst>
+    </a:fmtScheme>
+  </a:themeElements>
+  <a:objectDefaults/>
+  <a:extraClrSchemeLst/>
+  <a:extLst>
+    <a:ext uri="{05A4C25C-085E-4340-85A3-A5531E510DB2}">
+      <thm15:themeFamily xmlns:thm15="http://schemas.microsoft.com/office/thememl/2012/main" name="Office Theme" id="{62F939B6-93AF-4DB8-9C6B-D6C7DFDC589F}" vid="{4A3C46E8-61CC-4603-A589-7422A47A8E4A}"/>
+    </a:ext>
+  </a:extLst>
+</a:theme>
 </file>
--- a/presentation/Shen Zongyi.pptx
+++ b/presentation/Shen Zongyi.pptx
@@ -5,7 +5,7 @@
     <p:sldMasterId id="2147483648" r:id="rId1"/>
   </p:sldMasterIdLst>
   <p:notesMasterIdLst>
-    <p:notesMasterId r:id="rId28"/>
+    <p:notesMasterId r:id="rId29"/>
   </p:notesMasterIdLst>
   <p:sldIdLst>
     <p:sldId id="256" r:id="rId2"/>
@@ -34,6 +34,7 @@
     <p:sldId id="279" r:id="rId25"/>
     <p:sldId id="280" r:id="rId26"/>
     <p:sldId id="281" r:id="rId27"/>
+    <p:sldId id="282" r:id="rId28"/>
   </p:sldIdLst>
   <p:sldSz cx="12192000" cy="6858000"/>
   <p:notesSz cx="6858000" cy="9144000"/>
@@ -132,6 +133,11 @@
       </a:defRPr>
     </a:lvl9pPr>
   </p:defaultTextStyle>
+  <p:extLst>
+    <p:ext uri="{EFAFB233-063F-42B5-8137-9DF3F51BA10A}">
+      <p15:sldGuideLst xmlns:p15="http://schemas.microsoft.com/office/powerpoint/2012/main"/>
+    </p:ext>
+  </p:extLst>
 </p:presentation>
 </file>
 
@@ -500,11 +506,11 @@
         </c:dLbls>
         <c:gapWidth val="219"/>
         <c:overlap val="-27"/>
-        <c:axId val="362674560"/>
-        <c:axId val="362672208"/>
+        <c:axId val="445072696"/>
+        <c:axId val="445069168"/>
       </c:barChart>
       <c:catAx>
-        <c:axId val="362674560"/>
+        <c:axId val="445072696"/>
         <c:scaling>
           <c:orientation val="minMax"/>
         </c:scaling>
@@ -547,7 +553,7 @@
             <a:endParaRPr lang="zh-CN"/>
           </a:p>
         </c:txPr>
-        <c:crossAx val="362672208"/>
+        <c:crossAx val="445069168"/>
         <c:crosses val="autoZero"/>
         <c:auto val="1"/>
         <c:lblAlgn val="ctr"/>
@@ -555,7 +561,7 @@
         <c:noMultiLvlLbl val="0"/>
       </c:catAx>
       <c:valAx>
-        <c:axId val="362672208"/>
+        <c:axId val="445069168"/>
         <c:scaling>
           <c:orientation val="minMax"/>
         </c:scaling>
@@ -606,7 +612,7 @@
             <a:endParaRPr lang="zh-CN"/>
           </a:p>
         </c:txPr>
-        <c:crossAx val="362674560"/>
+        <c:crossAx val="445072696"/>
         <c:crosses val="autoZero"/>
         <c:crossBetween val="between"/>
       </c:valAx>
@@ -1582,6 +1588,36 @@
           <a:bodyPr/>
           <a:lstStyle/>
           <a:p>
+            <a:r>
+              <a:rPr lang="en-US" altLang="zh-CN" dirty="0" smtClean="0"/>
+              <a:t>Hi dear professors, this is my presentation for the project.</a:t>
+            </a:r>
+          </a:p>
+          <a:p>
+            <a:r>
+              <a:rPr lang="en-US" altLang="zh-CN" dirty="0" smtClean="0"/>
+              <a:t>I</a:t>
+            </a:r>
+            <a:r>
+              <a:rPr lang="en-US" altLang="zh-CN" baseline="0" dirty="0" smtClean="0"/>
+              <a:t> am Shen </a:t>
+            </a:r>
+            <a:r>
+              <a:rPr lang="en-US" altLang="zh-CN" baseline="0" dirty="0" err="1" smtClean="0"/>
+              <a:t>Zongyi</a:t>
+            </a:r>
+            <a:r>
+              <a:rPr lang="en-US" altLang="zh-CN" baseline="0" dirty="0" smtClean="0"/>
+              <a:t> and my supervisor is Wong </a:t>
+            </a:r>
+            <a:r>
+              <a:rPr lang="en-US" altLang="zh-CN" baseline="0" dirty="0" err="1" smtClean="0"/>
+              <a:t>Weng-fai</a:t>
+            </a:r>
+            <a:r>
+              <a:rPr lang="en-US" altLang="zh-CN" baseline="0" dirty="0" smtClean="0"/>
+              <a:t>.</a:t>
+            </a:r>
             <a:endParaRPr lang="zh-CN" altLang="en-US" dirty="0"/>
           </a:p>
         </p:txBody>
@@ -1603,6 +1639,572 @@
           <a:p>
             <a:fld id="{620645E4-F9B0-431D-BD31-F0D3FAC7D489}" type="slidenum">
               <a:rPr lang="zh-CN" altLang="en-US" smtClean="0"/>
+              <a:t>1</a:t>
+            </a:fld>
+            <a:endParaRPr lang="zh-CN" altLang="en-US"/>
+          </a:p>
+        </p:txBody>
+      </p:sp>
+    </p:spTree>
+    <p:extLst>
+      <p:ext uri="{BB962C8B-B14F-4D97-AF65-F5344CB8AC3E}">
+        <p14:creationId xmlns:p14="http://schemas.microsoft.com/office/powerpoint/2010/main" val="2710760472"/>
+      </p:ext>
+    </p:extLst>
+  </p:cSld>
+  <p:clrMapOvr>
+    <a:masterClrMapping/>
+  </p:clrMapOvr>
+</p:notes>
+</file>
+
+<file path=ppt/notesSlides/notesSlide10.xml><?xml version="1.0" encoding="utf-8"?>
+<p:notes xmlns:a="http://schemas.openxmlformats.org/drawingml/2006/main" xmlns:r="http://schemas.openxmlformats.org/officeDocument/2006/relationships" xmlns:p="http://schemas.openxmlformats.org/presentationml/2006/main">
+  <p:cSld>
+    <p:spTree>
+      <p:nvGrpSpPr>
+        <p:cNvPr id="1" name=""/>
+        <p:cNvGrpSpPr/>
+        <p:nvPr/>
+      </p:nvGrpSpPr>
+      <p:grpSpPr>
+        <a:xfrm>
+          <a:off x="0" y="0"/>
+          <a:ext cx="0" cy="0"/>
+          <a:chOff x="0" y="0"/>
+          <a:chExt cx="0" cy="0"/>
+        </a:xfrm>
+      </p:grpSpPr>
+      <p:sp>
+        <p:nvSpPr>
+          <p:cNvPr id="2" name="幻灯片图像占位符 1"/>
+          <p:cNvSpPr>
+            <a:spLocks noGrp="1" noRot="1" noChangeAspect="1"/>
+          </p:cNvSpPr>
+          <p:nvPr>
+            <p:ph type="sldImg"/>
+          </p:nvPr>
+        </p:nvSpPr>
+        <p:spPr/>
+      </p:sp>
+      <p:sp>
+        <p:nvSpPr>
+          <p:cNvPr id="3" name="备注占位符 2"/>
+          <p:cNvSpPr>
+            <a:spLocks noGrp="1"/>
+          </p:cNvSpPr>
+          <p:nvPr>
+            <p:ph type="body" idx="1"/>
+          </p:nvPr>
+        </p:nvSpPr>
+        <p:spPr/>
+        <p:txBody>
+          <a:bodyPr/>
+          <a:lstStyle/>
+          <a:p>
+            <a:r>
+              <a:rPr lang="en-US" altLang="zh-CN" dirty="0" smtClean="0"/>
+              <a:t>This is part</a:t>
+            </a:r>
+            <a:r>
+              <a:rPr lang="en-US" altLang="zh-CN" baseline="0" dirty="0" smtClean="0"/>
+              <a:t> of the gap between </a:t>
+            </a:r>
+            <a:r>
+              <a:rPr lang="en-US" altLang="zh-CN" baseline="0" dirty="0" err="1" smtClean="0"/>
+              <a:t>nvprof</a:t>
+            </a:r>
+            <a:r>
+              <a:rPr lang="en-US" altLang="zh-CN" baseline="0" dirty="0" smtClean="0"/>
+              <a:t>’ power metrics and </a:t>
+            </a:r>
+            <a:r>
+              <a:rPr lang="en-US" altLang="zh-CN" baseline="0" dirty="0" err="1" smtClean="0"/>
+              <a:t>GPUWattch</a:t>
+            </a:r>
+            <a:r>
+              <a:rPr lang="en-US" altLang="zh-CN" baseline="0" dirty="0" smtClean="0"/>
+              <a:t> performance counters.</a:t>
+            </a:r>
+            <a:endParaRPr lang="zh-CN" altLang="en-US" dirty="0"/>
+          </a:p>
+        </p:txBody>
+      </p:sp>
+      <p:sp>
+        <p:nvSpPr>
+          <p:cNvPr id="4" name="灯片编号占位符 3"/>
+          <p:cNvSpPr>
+            <a:spLocks noGrp="1"/>
+          </p:cNvSpPr>
+          <p:nvPr>
+            <p:ph type="sldNum" sz="quarter" idx="10"/>
+          </p:nvPr>
+        </p:nvSpPr>
+        <p:spPr/>
+        <p:txBody>
+          <a:bodyPr/>
+          <a:lstStyle/>
+          <a:p>
+            <a:fld id="{620645E4-F9B0-431D-BD31-F0D3FAC7D489}" type="slidenum">
+              <a:rPr lang="zh-CN" altLang="en-US" smtClean="0"/>
+              <a:t>13</a:t>
+            </a:fld>
+            <a:endParaRPr lang="zh-CN" altLang="en-US"/>
+          </a:p>
+        </p:txBody>
+      </p:sp>
+    </p:spTree>
+    <p:extLst>
+      <p:ext uri="{BB962C8B-B14F-4D97-AF65-F5344CB8AC3E}">
+        <p14:creationId xmlns:p14="http://schemas.microsoft.com/office/powerpoint/2010/main" val="2620746483"/>
+      </p:ext>
+    </p:extLst>
+  </p:cSld>
+  <p:clrMapOvr>
+    <a:masterClrMapping/>
+  </p:clrMapOvr>
+</p:notes>
+</file>
+
+<file path=ppt/notesSlides/notesSlide11.xml><?xml version="1.0" encoding="utf-8"?>
+<p:notes xmlns:a="http://schemas.openxmlformats.org/drawingml/2006/main" xmlns:r="http://schemas.openxmlformats.org/officeDocument/2006/relationships" xmlns:p="http://schemas.openxmlformats.org/presentationml/2006/main">
+  <p:cSld>
+    <p:spTree>
+      <p:nvGrpSpPr>
+        <p:cNvPr id="1" name=""/>
+        <p:cNvGrpSpPr/>
+        <p:nvPr/>
+      </p:nvGrpSpPr>
+      <p:grpSpPr>
+        <a:xfrm>
+          <a:off x="0" y="0"/>
+          <a:ext cx="0" cy="0"/>
+          <a:chOff x="0" y="0"/>
+          <a:chExt cx="0" cy="0"/>
+        </a:xfrm>
+      </p:grpSpPr>
+      <p:sp>
+        <p:nvSpPr>
+          <p:cNvPr id="2" name="幻灯片图像占位符 1"/>
+          <p:cNvSpPr>
+            <a:spLocks noGrp="1" noRot="1" noChangeAspect="1"/>
+          </p:cNvSpPr>
+          <p:nvPr>
+            <p:ph type="sldImg"/>
+          </p:nvPr>
+        </p:nvSpPr>
+        <p:spPr/>
+      </p:sp>
+      <p:sp>
+        <p:nvSpPr>
+          <p:cNvPr id="3" name="备注占位符 2"/>
+          <p:cNvSpPr>
+            <a:spLocks noGrp="1"/>
+          </p:cNvSpPr>
+          <p:nvPr>
+            <p:ph type="body" idx="1"/>
+          </p:nvPr>
+        </p:nvSpPr>
+        <p:spPr/>
+        <p:txBody>
+          <a:bodyPr/>
+          <a:lstStyle/>
+          <a:p>
+            <a:endParaRPr lang="zh-CN" altLang="en-US" dirty="0"/>
+          </a:p>
+        </p:txBody>
+      </p:sp>
+      <p:sp>
+        <p:nvSpPr>
+          <p:cNvPr id="4" name="灯片编号占位符 3"/>
+          <p:cNvSpPr>
+            <a:spLocks noGrp="1"/>
+          </p:cNvSpPr>
+          <p:nvPr>
+            <p:ph type="sldNum" sz="quarter" idx="10"/>
+          </p:nvPr>
+        </p:nvSpPr>
+        <p:spPr/>
+        <p:txBody>
+          <a:bodyPr/>
+          <a:lstStyle/>
+          <a:p>
+            <a:fld id="{620645E4-F9B0-431D-BD31-F0D3FAC7D489}" type="slidenum">
+              <a:rPr lang="zh-CN" altLang="en-US" smtClean="0"/>
+              <a:t>14</a:t>
+            </a:fld>
+            <a:endParaRPr lang="zh-CN" altLang="en-US"/>
+          </a:p>
+        </p:txBody>
+      </p:sp>
+    </p:spTree>
+    <p:extLst>
+      <p:ext uri="{BB962C8B-B14F-4D97-AF65-F5344CB8AC3E}">
+        <p14:creationId xmlns:p14="http://schemas.microsoft.com/office/powerpoint/2010/main" val="3171890581"/>
+      </p:ext>
+    </p:extLst>
+  </p:cSld>
+  <p:clrMapOvr>
+    <a:masterClrMapping/>
+  </p:clrMapOvr>
+</p:notes>
+</file>
+
+<file path=ppt/notesSlides/notesSlide12.xml><?xml version="1.0" encoding="utf-8"?>
+<p:notes xmlns:a="http://schemas.openxmlformats.org/drawingml/2006/main" xmlns:r="http://schemas.openxmlformats.org/officeDocument/2006/relationships" xmlns:p="http://schemas.openxmlformats.org/presentationml/2006/main">
+  <p:cSld>
+    <p:spTree>
+      <p:nvGrpSpPr>
+        <p:cNvPr id="1" name=""/>
+        <p:cNvGrpSpPr/>
+        <p:nvPr/>
+      </p:nvGrpSpPr>
+      <p:grpSpPr>
+        <a:xfrm>
+          <a:off x="0" y="0"/>
+          <a:ext cx="0" cy="0"/>
+          <a:chOff x="0" y="0"/>
+          <a:chExt cx="0" cy="0"/>
+        </a:xfrm>
+      </p:grpSpPr>
+      <p:sp>
+        <p:nvSpPr>
+          <p:cNvPr id="2" name="幻灯片图像占位符 1"/>
+          <p:cNvSpPr>
+            <a:spLocks noGrp="1" noRot="1" noChangeAspect="1"/>
+          </p:cNvSpPr>
+          <p:nvPr>
+            <p:ph type="sldImg"/>
+          </p:nvPr>
+        </p:nvSpPr>
+        <p:spPr/>
+      </p:sp>
+      <p:sp>
+        <p:nvSpPr>
+          <p:cNvPr id="3" name="备注占位符 2"/>
+          <p:cNvSpPr>
+            <a:spLocks noGrp="1"/>
+          </p:cNvSpPr>
+          <p:nvPr>
+            <p:ph type="body" idx="1"/>
+          </p:nvPr>
+        </p:nvSpPr>
+        <p:spPr/>
+        <p:txBody>
+          <a:bodyPr/>
+          <a:lstStyle/>
+          <a:p>
+            <a:r>
+              <a:rPr lang="en-US" altLang="zh-CN" dirty="0" smtClean="0"/>
+              <a:t>I</a:t>
+            </a:r>
+            <a:r>
+              <a:rPr lang="en-US" altLang="zh-CN" baseline="0" dirty="0" smtClean="0"/>
+              <a:t> will mainly introduce how we deal with the third category of performance counters.</a:t>
+            </a:r>
+          </a:p>
+          <a:p>
+            <a:r>
+              <a:rPr lang="en-US" altLang="zh-CN" baseline="0" dirty="0" smtClean="0"/>
+              <a:t>We will set a pre-defined distribution,  the average value from original GPGPU-Sim or some other further changes.</a:t>
+            </a:r>
+            <a:endParaRPr lang="zh-CN" altLang="en-US" dirty="0"/>
+          </a:p>
+        </p:txBody>
+      </p:sp>
+      <p:sp>
+        <p:nvSpPr>
+          <p:cNvPr id="4" name="灯片编号占位符 3"/>
+          <p:cNvSpPr>
+            <a:spLocks noGrp="1"/>
+          </p:cNvSpPr>
+          <p:nvPr>
+            <p:ph type="sldNum" sz="quarter" idx="10"/>
+          </p:nvPr>
+        </p:nvSpPr>
+        <p:spPr/>
+        <p:txBody>
+          <a:bodyPr/>
+          <a:lstStyle/>
+          <a:p>
+            <a:fld id="{620645E4-F9B0-431D-BD31-F0D3FAC7D489}" type="slidenum">
+              <a:rPr lang="zh-CN" altLang="en-US" smtClean="0"/>
+              <a:t>15</a:t>
+            </a:fld>
+            <a:endParaRPr lang="zh-CN" altLang="en-US"/>
+          </a:p>
+        </p:txBody>
+      </p:sp>
+    </p:spTree>
+    <p:extLst>
+      <p:ext uri="{BB962C8B-B14F-4D97-AF65-F5344CB8AC3E}">
+        <p14:creationId xmlns:p14="http://schemas.microsoft.com/office/powerpoint/2010/main" val="1436684260"/>
+      </p:ext>
+    </p:extLst>
+  </p:cSld>
+  <p:clrMapOvr>
+    <a:masterClrMapping/>
+  </p:clrMapOvr>
+</p:notes>
+</file>
+
+<file path=ppt/notesSlides/notesSlide13.xml><?xml version="1.0" encoding="utf-8"?>
+<p:notes xmlns:a="http://schemas.openxmlformats.org/drawingml/2006/main" xmlns:r="http://schemas.openxmlformats.org/officeDocument/2006/relationships" xmlns:p="http://schemas.openxmlformats.org/presentationml/2006/main">
+  <p:cSld>
+    <p:spTree>
+      <p:nvGrpSpPr>
+        <p:cNvPr id="1" name=""/>
+        <p:cNvGrpSpPr/>
+        <p:nvPr/>
+      </p:nvGrpSpPr>
+      <p:grpSpPr>
+        <a:xfrm>
+          <a:off x="0" y="0"/>
+          <a:ext cx="0" cy="0"/>
+          <a:chOff x="0" y="0"/>
+          <a:chExt cx="0" cy="0"/>
+        </a:xfrm>
+      </p:grpSpPr>
+      <p:sp>
+        <p:nvSpPr>
+          <p:cNvPr id="2" name="幻灯片图像占位符 1"/>
+          <p:cNvSpPr>
+            <a:spLocks noGrp="1" noRot="1" noChangeAspect="1"/>
+          </p:cNvSpPr>
+          <p:nvPr>
+            <p:ph type="sldImg"/>
+          </p:nvPr>
+        </p:nvSpPr>
+        <p:spPr/>
+      </p:sp>
+      <p:sp>
+        <p:nvSpPr>
+          <p:cNvPr id="3" name="备注占位符 2"/>
+          <p:cNvSpPr>
+            <a:spLocks noGrp="1"/>
+          </p:cNvSpPr>
+          <p:nvPr>
+            <p:ph type="body" idx="1"/>
+          </p:nvPr>
+        </p:nvSpPr>
+        <p:spPr/>
+        <p:txBody>
+          <a:bodyPr/>
+          <a:lstStyle/>
+          <a:p>
+            <a:r>
+              <a:rPr lang="en-US" altLang="zh-CN" dirty="0" smtClean="0"/>
+              <a:t>some performance</a:t>
+            </a:r>
+            <a:r>
+              <a:rPr lang="en-US" altLang="zh-CN" baseline="0" dirty="0" smtClean="0"/>
+              <a:t> counters we set a pre-defined distribution</a:t>
+            </a:r>
+            <a:endParaRPr lang="zh-CN" altLang="en-US" dirty="0"/>
+          </a:p>
+        </p:txBody>
+      </p:sp>
+      <p:sp>
+        <p:nvSpPr>
+          <p:cNvPr id="4" name="灯片编号占位符 3"/>
+          <p:cNvSpPr>
+            <a:spLocks noGrp="1"/>
+          </p:cNvSpPr>
+          <p:nvPr>
+            <p:ph type="sldNum" sz="quarter" idx="10"/>
+          </p:nvPr>
+        </p:nvSpPr>
+        <p:spPr/>
+        <p:txBody>
+          <a:bodyPr/>
+          <a:lstStyle/>
+          <a:p>
+            <a:fld id="{620645E4-F9B0-431D-BD31-F0D3FAC7D489}" type="slidenum">
+              <a:rPr lang="zh-CN" altLang="en-US" smtClean="0"/>
+              <a:t>16</a:t>
+            </a:fld>
+            <a:endParaRPr lang="zh-CN" altLang="en-US"/>
+          </a:p>
+        </p:txBody>
+      </p:sp>
+    </p:spTree>
+    <p:extLst>
+      <p:ext uri="{BB962C8B-B14F-4D97-AF65-F5344CB8AC3E}">
+        <p14:creationId xmlns:p14="http://schemas.microsoft.com/office/powerpoint/2010/main" val="3116230185"/>
+      </p:ext>
+    </p:extLst>
+  </p:cSld>
+  <p:clrMapOvr>
+    <a:masterClrMapping/>
+  </p:clrMapOvr>
+</p:notes>
+</file>
+
+<file path=ppt/notesSlides/notesSlide14.xml><?xml version="1.0" encoding="utf-8"?>
+<p:notes xmlns:a="http://schemas.openxmlformats.org/drawingml/2006/main" xmlns:r="http://schemas.openxmlformats.org/officeDocument/2006/relationships" xmlns:p="http://schemas.openxmlformats.org/presentationml/2006/main">
+  <p:cSld>
+    <p:spTree>
+      <p:nvGrpSpPr>
+        <p:cNvPr id="1" name=""/>
+        <p:cNvGrpSpPr/>
+        <p:nvPr/>
+      </p:nvGrpSpPr>
+      <p:grpSpPr>
+        <a:xfrm>
+          <a:off x="0" y="0"/>
+          <a:ext cx="0" cy="0"/>
+          <a:chOff x="0" y="0"/>
+          <a:chExt cx="0" cy="0"/>
+        </a:xfrm>
+      </p:grpSpPr>
+      <p:sp>
+        <p:nvSpPr>
+          <p:cNvPr id="2" name="幻灯片图像占位符 1"/>
+          <p:cNvSpPr>
+            <a:spLocks noGrp="1" noRot="1" noChangeAspect="1"/>
+          </p:cNvSpPr>
+          <p:nvPr>
+            <p:ph type="sldImg"/>
+          </p:nvPr>
+        </p:nvSpPr>
+        <p:spPr/>
+      </p:sp>
+      <p:sp>
+        <p:nvSpPr>
+          <p:cNvPr id="3" name="备注占位符 2"/>
+          <p:cNvSpPr>
+            <a:spLocks noGrp="1"/>
+          </p:cNvSpPr>
+          <p:nvPr>
+            <p:ph type="body" idx="1"/>
+          </p:nvPr>
+        </p:nvSpPr>
+        <p:spPr/>
+        <p:txBody>
+          <a:bodyPr/>
+          <a:lstStyle/>
+          <a:p>
+            <a:r>
+              <a:rPr lang="en-US" altLang="zh-CN" dirty="0" smtClean="0"/>
+              <a:t>The second method  we deal with those missing</a:t>
+            </a:r>
+            <a:r>
+              <a:rPr lang="en-US" altLang="zh-CN" baseline="0" dirty="0" smtClean="0"/>
+              <a:t> performance counters is that we set them as the average value from original GPGPU-Sim</a:t>
+            </a:r>
+            <a:endParaRPr lang="zh-CN" altLang="en-US" dirty="0"/>
+          </a:p>
+        </p:txBody>
+      </p:sp>
+      <p:sp>
+        <p:nvSpPr>
+          <p:cNvPr id="4" name="灯片编号占位符 3"/>
+          <p:cNvSpPr>
+            <a:spLocks noGrp="1"/>
+          </p:cNvSpPr>
+          <p:nvPr>
+            <p:ph type="sldNum" sz="quarter" idx="10"/>
+          </p:nvPr>
+        </p:nvSpPr>
+        <p:spPr/>
+        <p:txBody>
+          <a:bodyPr/>
+          <a:lstStyle/>
+          <a:p>
+            <a:fld id="{620645E4-F9B0-431D-BD31-F0D3FAC7D489}" type="slidenum">
+              <a:rPr lang="zh-CN" altLang="en-US" smtClean="0"/>
+              <a:t>18</a:t>
+            </a:fld>
+            <a:endParaRPr lang="zh-CN" altLang="en-US"/>
+          </a:p>
+        </p:txBody>
+      </p:sp>
+    </p:spTree>
+    <p:extLst>
+      <p:ext uri="{BB962C8B-B14F-4D97-AF65-F5344CB8AC3E}">
+        <p14:creationId xmlns:p14="http://schemas.microsoft.com/office/powerpoint/2010/main" val="940222913"/>
+      </p:ext>
+    </p:extLst>
+  </p:cSld>
+  <p:clrMapOvr>
+    <a:masterClrMapping/>
+  </p:clrMapOvr>
+</p:notes>
+</file>
+
+<file path=ppt/notesSlides/notesSlide15.xml><?xml version="1.0" encoding="utf-8"?>
+<p:notes xmlns:a="http://schemas.openxmlformats.org/drawingml/2006/main" xmlns:r="http://schemas.openxmlformats.org/officeDocument/2006/relationships" xmlns:p="http://schemas.openxmlformats.org/presentationml/2006/main">
+  <p:cSld>
+    <p:spTree>
+      <p:nvGrpSpPr>
+        <p:cNvPr id="1" name=""/>
+        <p:cNvGrpSpPr/>
+        <p:nvPr/>
+      </p:nvGrpSpPr>
+      <p:grpSpPr>
+        <a:xfrm>
+          <a:off x="0" y="0"/>
+          <a:ext cx="0" cy="0"/>
+          <a:chOff x="0" y="0"/>
+          <a:chExt cx="0" cy="0"/>
+        </a:xfrm>
+      </p:grpSpPr>
+      <p:sp>
+        <p:nvSpPr>
+          <p:cNvPr id="2" name="幻灯片图像占位符 1"/>
+          <p:cNvSpPr>
+            <a:spLocks noGrp="1" noRot="1" noChangeAspect="1"/>
+          </p:cNvSpPr>
+          <p:nvPr>
+            <p:ph type="sldImg"/>
+          </p:nvPr>
+        </p:nvSpPr>
+        <p:spPr/>
+      </p:sp>
+      <p:sp>
+        <p:nvSpPr>
+          <p:cNvPr id="3" name="备注占位符 2"/>
+          <p:cNvSpPr>
+            <a:spLocks noGrp="1"/>
+          </p:cNvSpPr>
+          <p:nvPr>
+            <p:ph type="body" idx="1"/>
+          </p:nvPr>
+        </p:nvSpPr>
+        <p:spPr/>
+        <p:txBody>
+          <a:bodyPr/>
+          <a:lstStyle/>
+          <a:p>
+            <a:r>
+              <a:rPr lang="en-US" altLang="zh-CN" dirty="0" smtClean="0"/>
+              <a:t>Though our method</a:t>
+            </a:r>
+            <a:r>
+              <a:rPr lang="en-US" altLang="zh-CN" baseline="0" dirty="0" smtClean="0"/>
+              <a:t> has many limitations, it provides many possibilities.</a:t>
+            </a:r>
+            <a:endParaRPr lang="zh-CN" altLang="en-US" dirty="0"/>
+          </a:p>
+        </p:txBody>
+      </p:sp>
+      <p:sp>
+        <p:nvSpPr>
+          <p:cNvPr id="4" name="灯片编号占位符 3"/>
+          <p:cNvSpPr>
+            <a:spLocks noGrp="1"/>
+          </p:cNvSpPr>
+          <p:nvPr>
+            <p:ph type="sldNum" sz="quarter" idx="10"/>
+          </p:nvPr>
+        </p:nvSpPr>
+        <p:spPr/>
+        <p:txBody>
+          <a:bodyPr/>
+          <a:lstStyle/>
+          <a:p>
+            <a:fld id="{620645E4-F9B0-431D-BD31-F0D3FAC7D489}" type="slidenum">
+              <a:rPr lang="zh-CN" altLang="en-US" smtClean="0"/>
               <a:t>25</a:t>
             </a:fld>
             <a:endParaRPr lang="zh-CN" altLang="en-US"/>
@@ -1613,6 +2215,960 @@
     <p:extLst>
       <p:ext uri="{BB962C8B-B14F-4D97-AF65-F5344CB8AC3E}">
         <p14:creationId xmlns:p14="http://schemas.microsoft.com/office/powerpoint/2010/main" val="3428639391"/>
+      </p:ext>
+    </p:extLst>
+  </p:cSld>
+  <p:clrMapOvr>
+    <a:masterClrMapping/>
+  </p:clrMapOvr>
+</p:notes>
+</file>
+
+<file path=ppt/notesSlides/notesSlide2.xml><?xml version="1.0" encoding="utf-8"?>
+<p:notes xmlns:a="http://schemas.openxmlformats.org/drawingml/2006/main" xmlns:r="http://schemas.openxmlformats.org/officeDocument/2006/relationships" xmlns:p="http://schemas.openxmlformats.org/presentationml/2006/main">
+  <p:cSld>
+    <p:spTree>
+      <p:nvGrpSpPr>
+        <p:cNvPr id="1" name=""/>
+        <p:cNvGrpSpPr/>
+        <p:nvPr/>
+      </p:nvGrpSpPr>
+      <p:grpSpPr>
+        <a:xfrm>
+          <a:off x="0" y="0"/>
+          <a:ext cx="0" cy="0"/>
+          <a:chOff x="0" y="0"/>
+          <a:chExt cx="0" cy="0"/>
+        </a:xfrm>
+      </p:grpSpPr>
+      <p:sp>
+        <p:nvSpPr>
+          <p:cNvPr id="2" name="幻灯片图像占位符 1"/>
+          <p:cNvSpPr>
+            <a:spLocks noGrp="1" noRot="1" noChangeAspect="1"/>
+          </p:cNvSpPr>
+          <p:nvPr>
+            <p:ph type="sldImg"/>
+          </p:nvPr>
+        </p:nvSpPr>
+        <p:spPr/>
+      </p:sp>
+      <p:sp>
+        <p:nvSpPr>
+          <p:cNvPr id="3" name="备注占位符 2"/>
+          <p:cNvSpPr>
+            <a:spLocks noGrp="1"/>
+          </p:cNvSpPr>
+          <p:nvPr>
+            <p:ph type="body" idx="1"/>
+          </p:nvPr>
+        </p:nvSpPr>
+        <p:spPr/>
+        <p:txBody>
+          <a:bodyPr/>
+          <a:lstStyle/>
+          <a:p>
+            <a:r>
+              <a:rPr lang="en-US" altLang="zh-CN" dirty="0" smtClean="0"/>
+              <a:t>What tools are there when we want to profile a CUDA application?</a:t>
+            </a:r>
+          </a:p>
+          <a:p>
+            <a:r>
+              <a:rPr lang="en-US" altLang="zh-CN" dirty="0" smtClean="0"/>
+              <a:t>NVIDIA</a:t>
+            </a:r>
+            <a:r>
+              <a:rPr lang="en-US" altLang="zh-CN" baseline="0" dirty="0" smtClean="0"/>
+              <a:t> </a:t>
+            </a:r>
+            <a:r>
+              <a:rPr lang="en-US" altLang="zh-CN" baseline="0" dirty="0" smtClean="0"/>
+              <a:t>provides </a:t>
+            </a:r>
+            <a:r>
+              <a:rPr lang="en-US" altLang="zh-CN" baseline="0" dirty="0" smtClean="0"/>
+              <a:t>two profiling tools, they are </a:t>
+            </a:r>
+            <a:r>
+              <a:rPr lang="en-US" altLang="zh-CN" baseline="0" dirty="0" err="1" smtClean="0"/>
+              <a:t>Nsight</a:t>
+            </a:r>
+            <a:r>
+              <a:rPr lang="en-US" altLang="zh-CN" baseline="0" dirty="0" smtClean="0"/>
+              <a:t> and </a:t>
+            </a:r>
+            <a:r>
+              <a:rPr lang="en-US" altLang="zh-CN" baseline="0" dirty="0" err="1" smtClean="0"/>
+              <a:t>Nvprof</a:t>
+            </a:r>
+            <a:r>
+              <a:rPr lang="en-US" altLang="zh-CN" baseline="0" dirty="0" smtClean="0"/>
+              <a:t>. They are good and very easy to use, but there are still some places that can be improved.</a:t>
+            </a:r>
+          </a:p>
+          <a:p>
+            <a:r>
+              <a:rPr lang="en-US" altLang="zh-CN" sz="1200" b="0" i="0" kern="1200" dirty="0" smtClean="0">
+                <a:solidFill>
+                  <a:schemeClr val="tx1"/>
+                </a:solidFill>
+                <a:effectLst/>
+                <a:latin typeface="+mn-lt"/>
+                <a:ea typeface="+mn-ea"/>
+                <a:cs typeface="+mn-cs"/>
+              </a:rPr>
+              <a:t>The massively-parallel nature of GPUs may produce complex dynamic behavior resulting in reduced throughput even with simple applications.</a:t>
+            </a:r>
+          </a:p>
+          <a:p>
+            <a:r>
+              <a:rPr lang="en-US" altLang="zh-CN" sz="1200" b="0" i="0" kern="1200" dirty="0" smtClean="0">
+                <a:solidFill>
+                  <a:schemeClr val="tx1"/>
+                </a:solidFill>
+                <a:effectLst/>
+                <a:latin typeface="+mn-lt"/>
+                <a:ea typeface="+mn-ea"/>
+                <a:cs typeface="+mn-cs"/>
+              </a:rPr>
+              <a:t>Warps are interleaved in a fine-grained multithreaded manner and threads in different blocks run asynchronously with each other.</a:t>
+            </a:r>
+          </a:p>
+          <a:p>
+            <a:r>
+              <a:rPr lang="en-US" altLang="zh-CN" sz="1200" b="0" i="0" kern="1200" dirty="0" smtClean="0">
+                <a:solidFill>
+                  <a:schemeClr val="tx1"/>
+                </a:solidFill>
+                <a:effectLst/>
+                <a:latin typeface="+mn-lt"/>
+                <a:ea typeface="+mn-ea"/>
+                <a:cs typeface="+mn-cs"/>
+              </a:rPr>
+              <a:t>Miss optimization opportunities that underlie the complex dynamic behaviors possible on such a system. </a:t>
+            </a:r>
+            <a:endParaRPr lang="zh-CN" altLang="en-US" dirty="0"/>
+          </a:p>
+        </p:txBody>
+      </p:sp>
+      <p:sp>
+        <p:nvSpPr>
+          <p:cNvPr id="4" name="灯片编号占位符 3"/>
+          <p:cNvSpPr>
+            <a:spLocks noGrp="1"/>
+          </p:cNvSpPr>
+          <p:nvPr>
+            <p:ph type="sldNum" sz="quarter" idx="10"/>
+          </p:nvPr>
+        </p:nvSpPr>
+        <p:spPr/>
+        <p:txBody>
+          <a:bodyPr/>
+          <a:lstStyle/>
+          <a:p>
+            <a:fld id="{620645E4-F9B0-431D-BD31-F0D3FAC7D489}" type="slidenum">
+              <a:rPr lang="zh-CN" altLang="en-US" smtClean="0"/>
+              <a:t>2</a:t>
+            </a:fld>
+            <a:endParaRPr lang="zh-CN" altLang="en-US"/>
+          </a:p>
+        </p:txBody>
+      </p:sp>
+    </p:spTree>
+    <p:extLst>
+      <p:ext uri="{BB962C8B-B14F-4D97-AF65-F5344CB8AC3E}">
+        <p14:creationId xmlns:p14="http://schemas.microsoft.com/office/powerpoint/2010/main" val="2840529338"/>
+      </p:ext>
+    </p:extLst>
+  </p:cSld>
+  <p:clrMapOvr>
+    <a:masterClrMapping/>
+  </p:clrMapOvr>
+</p:notes>
+</file>
+
+<file path=ppt/notesSlides/notesSlide3.xml><?xml version="1.0" encoding="utf-8"?>
+<p:notes xmlns:a="http://schemas.openxmlformats.org/drawingml/2006/main" xmlns:r="http://schemas.openxmlformats.org/officeDocument/2006/relationships" xmlns:p="http://schemas.openxmlformats.org/presentationml/2006/main">
+  <p:cSld>
+    <p:spTree>
+      <p:nvGrpSpPr>
+        <p:cNvPr id="1" name=""/>
+        <p:cNvGrpSpPr/>
+        <p:nvPr/>
+      </p:nvGrpSpPr>
+      <p:grpSpPr>
+        <a:xfrm>
+          <a:off x="0" y="0"/>
+          <a:ext cx="0" cy="0"/>
+          <a:chOff x="0" y="0"/>
+          <a:chExt cx="0" cy="0"/>
+        </a:xfrm>
+      </p:grpSpPr>
+      <p:sp>
+        <p:nvSpPr>
+          <p:cNvPr id="2" name="幻灯片图像占位符 1"/>
+          <p:cNvSpPr>
+            <a:spLocks noGrp="1" noRot="1" noChangeAspect="1"/>
+          </p:cNvSpPr>
+          <p:nvPr>
+            <p:ph type="sldImg"/>
+          </p:nvPr>
+        </p:nvSpPr>
+        <p:spPr/>
+      </p:sp>
+      <p:sp>
+        <p:nvSpPr>
+          <p:cNvPr id="3" name="备注占位符 2"/>
+          <p:cNvSpPr>
+            <a:spLocks noGrp="1"/>
+          </p:cNvSpPr>
+          <p:nvPr>
+            <p:ph type="body" idx="1"/>
+          </p:nvPr>
+        </p:nvSpPr>
+        <p:spPr/>
+        <p:txBody>
+          <a:bodyPr/>
+          <a:lstStyle/>
+          <a:p>
+            <a:r>
+              <a:rPr lang="en-US" altLang="zh-CN" dirty="0" smtClean="0"/>
+              <a:t>GPGPU-Sim is a cycle-accurate</a:t>
+            </a:r>
+            <a:r>
+              <a:rPr lang="en-US" altLang="zh-CN" baseline="0" dirty="0" smtClean="0"/>
+              <a:t> simulator. It can give us the metrics about every sampling period ( 500 cycles by default) in chronological order.</a:t>
+            </a:r>
+          </a:p>
+          <a:p>
+            <a:r>
+              <a:rPr lang="en-US" altLang="zh-CN" baseline="0" dirty="0" smtClean="0"/>
+              <a:t>It uses a PTX virtual instruction set to run all the code on device. Everything is run on CPU, and their behaviors will be captured.</a:t>
+            </a:r>
+          </a:p>
+          <a:p>
+            <a:r>
+              <a:rPr lang="en-US" altLang="zh-CN" dirty="0" smtClean="0"/>
+              <a:t>It passes</a:t>
+            </a:r>
+            <a:r>
+              <a:rPr lang="en-US" altLang="zh-CN" baseline="0" dirty="0" smtClean="0"/>
+              <a:t> carefully designed experiments to verify its accuracy.</a:t>
+            </a:r>
+          </a:p>
+          <a:p>
+            <a:r>
+              <a:rPr lang="en-US" altLang="zh-CN" baseline="0" dirty="0" smtClean="0"/>
+              <a:t>It supports CUDA, without changing the application we can use it.</a:t>
+            </a:r>
+          </a:p>
+          <a:p>
+            <a:r>
+              <a:rPr lang="en-US" altLang="zh-CN" baseline="0" dirty="0" smtClean="0"/>
+              <a:t>But it is too slow.</a:t>
+            </a:r>
+            <a:endParaRPr lang="zh-CN" altLang="en-US" dirty="0"/>
+          </a:p>
+        </p:txBody>
+      </p:sp>
+      <p:sp>
+        <p:nvSpPr>
+          <p:cNvPr id="4" name="灯片编号占位符 3"/>
+          <p:cNvSpPr>
+            <a:spLocks noGrp="1"/>
+          </p:cNvSpPr>
+          <p:nvPr>
+            <p:ph type="sldNum" sz="quarter" idx="10"/>
+          </p:nvPr>
+        </p:nvSpPr>
+        <p:spPr/>
+        <p:txBody>
+          <a:bodyPr/>
+          <a:lstStyle/>
+          <a:p>
+            <a:fld id="{620645E4-F9B0-431D-BD31-F0D3FAC7D489}" type="slidenum">
+              <a:rPr lang="zh-CN" altLang="en-US" smtClean="0"/>
+              <a:t>3</a:t>
+            </a:fld>
+            <a:endParaRPr lang="zh-CN" altLang="en-US"/>
+          </a:p>
+        </p:txBody>
+      </p:sp>
+    </p:spTree>
+    <p:extLst>
+      <p:ext uri="{BB962C8B-B14F-4D97-AF65-F5344CB8AC3E}">
+        <p14:creationId xmlns:p14="http://schemas.microsoft.com/office/powerpoint/2010/main" val="1186143865"/>
+      </p:ext>
+    </p:extLst>
+  </p:cSld>
+  <p:clrMapOvr>
+    <a:masterClrMapping/>
+  </p:clrMapOvr>
+</p:notes>
+</file>
+
+<file path=ppt/notesSlides/notesSlide4.xml><?xml version="1.0" encoding="utf-8"?>
+<p:notes xmlns:a="http://schemas.openxmlformats.org/drawingml/2006/main" xmlns:r="http://schemas.openxmlformats.org/officeDocument/2006/relationships" xmlns:p="http://schemas.openxmlformats.org/presentationml/2006/main">
+  <p:cSld>
+    <p:spTree>
+      <p:nvGrpSpPr>
+        <p:cNvPr id="1" name=""/>
+        <p:cNvGrpSpPr/>
+        <p:nvPr/>
+      </p:nvGrpSpPr>
+      <p:grpSpPr>
+        <a:xfrm>
+          <a:off x="0" y="0"/>
+          <a:ext cx="0" cy="0"/>
+          <a:chOff x="0" y="0"/>
+          <a:chExt cx="0" cy="0"/>
+        </a:xfrm>
+      </p:grpSpPr>
+      <p:sp>
+        <p:nvSpPr>
+          <p:cNvPr id="2" name="幻灯片图像占位符 1"/>
+          <p:cNvSpPr>
+            <a:spLocks noGrp="1" noRot="1" noChangeAspect="1"/>
+          </p:cNvSpPr>
+          <p:nvPr>
+            <p:ph type="sldImg"/>
+          </p:nvPr>
+        </p:nvSpPr>
+        <p:spPr/>
+      </p:sp>
+      <p:sp>
+        <p:nvSpPr>
+          <p:cNvPr id="3" name="备注占位符 2"/>
+          <p:cNvSpPr>
+            <a:spLocks noGrp="1"/>
+          </p:cNvSpPr>
+          <p:nvPr>
+            <p:ph type="body" idx="1"/>
+          </p:nvPr>
+        </p:nvSpPr>
+        <p:spPr/>
+        <p:txBody>
+          <a:bodyPr/>
+          <a:lstStyle/>
+          <a:p>
+            <a:r>
+              <a:rPr lang="en-US" altLang="zh-CN" dirty="0" smtClean="0"/>
+              <a:t>GPGPU-Sim’s cycle-accurate</a:t>
+            </a:r>
+          </a:p>
+          <a:p>
+            <a:r>
+              <a:rPr lang="en-US" altLang="zh-CN" dirty="0" err="1" smtClean="0"/>
+              <a:t>nvprof</a:t>
+            </a:r>
+            <a:r>
+              <a:rPr lang="en-US" altLang="zh-CN" dirty="0" smtClean="0"/>
+              <a:t>’ speed</a:t>
+            </a:r>
+            <a:endParaRPr lang="zh-CN" altLang="en-US" dirty="0"/>
+          </a:p>
+        </p:txBody>
+      </p:sp>
+      <p:sp>
+        <p:nvSpPr>
+          <p:cNvPr id="4" name="灯片编号占位符 3"/>
+          <p:cNvSpPr>
+            <a:spLocks noGrp="1"/>
+          </p:cNvSpPr>
+          <p:nvPr>
+            <p:ph type="sldNum" sz="quarter" idx="10"/>
+          </p:nvPr>
+        </p:nvSpPr>
+        <p:spPr/>
+        <p:txBody>
+          <a:bodyPr/>
+          <a:lstStyle/>
+          <a:p>
+            <a:fld id="{620645E4-F9B0-431D-BD31-F0D3FAC7D489}" type="slidenum">
+              <a:rPr lang="zh-CN" altLang="en-US" smtClean="0"/>
+              <a:t>4</a:t>
+            </a:fld>
+            <a:endParaRPr lang="zh-CN" altLang="en-US"/>
+          </a:p>
+        </p:txBody>
+      </p:sp>
+    </p:spTree>
+    <p:extLst>
+      <p:ext uri="{BB962C8B-B14F-4D97-AF65-F5344CB8AC3E}">
+        <p14:creationId xmlns:p14="http://schemas.microsoft.com/office/powerpoint/2010/main" val="3656528703"/>
+      </p:ext>
+    </p:extLst>
+  </p:cSld>
+  <p:clrMapOvr>
+    <a:masterClrMapping/>
+  </p:clrMapOvr>
+</p:notes>
+</file>
+
+<file path=ppt/notesSlides/notesSlide5.xml><?xml version="1.0" encoding="utf-8"?>
+<p:notes xmlns:a="http://schemas.openxmlformats.org/drawingml/2006/main" xmlns:r="http://schemas.openxmlformats.org/officeDocument/2006/relationships" xmlns:p="http://schemas.openxmlformats.org/presentationml/2006/main">
+  <p:cSld>
+    <p:spTree>
+      <p:nvGrpSpPr>
+        <p:cNvPr id="1" name=""/>
+        <p:cNvGrpSpPr/>
+        <p:nvPr/>
+      </p:nvGrpSpPr>
+      <p:grpSpPr>
+        <a:xfrm>
+          <a:off x="0" y="0"/>
+          <a:ext cx="0" cy="0"/>
+          <a:chOff x="0" y="0"/>
+          <a:chExt cx="0" cy="0"/>
+        </a:xfrm>
+      </p:grpSpPr>
+      <p:sp>
+        <p:nvSpPr>
+          <p:cNvPr id="2" name="幻灯片图像占位符 1"/>
+          <p:cNvSpPr>
+            <a:spLocks noGrp="1" noRot="1" noChangeAspect="1"/>
+          </p:cNvSpPr>
+          <p:nvPr>
+            <p:ph type="sldImg"/>
+          </p:nvPr>
+        </p:nvSpPr>
+        <p:spPr/>
+      </p:sp>
+      <p:sp>
+        <p:nvSpPr>
+          <p:cNvPr id="3" name="备注占位符 2"/>
+          <p:cNvSpPr>
+            <a:spLocks noGrp="1"/>
+          </p:cNvSpPr>
+          <p:nvPr>
+            <p:ph type="body" idx="1"/>
+          </p:nvPr>
+        </p:nvSpPr>
+        <p:spPr/>
+        <p:txBody>
+          <a:bodyPr/>
+          <a:lstStyle/>
+          <a:p>
+            <a:r>
+              <a:rPr lang="en-US" altLang="zh-CN" dirty="0" smtClean="0"/>
+              <a:t>This is our work flow. Step by step, we want to achieve our purpose</a:t>
+            </a:r>
+            <a:r>
+              <a:rPr lang="en-US" altLang="zh-CN" dirty="0" smtClean="0"/>
+              <a:t>.</a:t>
+            </a:r>
+          </a:p>
+          <a:p>
+            <a:r>
+              <a:rPr lang="en-US" altLang="zh-CN" sz="1200" b="0" i="0" u="none" strike="noStrike" kern="1200" baseline="0" dirty="0" err="1" smtClean="0">
+                <a:solidFill>
+                  <a:schemeClr val="tx1"/>
+                </a:solidFill>
+                <a:latin typeface="+mn-lt"/>
+                <a:ea typeface="+mn-ea"/>
+                <a:cs typeface="+mn-cs"/>
+              </a:rPr>
+              <a:t>GPUWattch</a:t>
+            </a:r>
+            <a:r>
+              <a:rPr lang="en-US" altLang="zh-CN" sz="1200" b="0" i="0" u="none" strike="noStrike" kern="1200" baseline="0" dirty="0" smtClean="0">
+                <a:solidFill>
+                  <a:schemeClr val="tx1"/>
+                </a:solidFill>
+                <a:latin typeface="+mn-lt"/>
+                <a:ea typeface="+mn-ea"/>
+                <a:cs typeface="+mn-cs"/>
+              </a:rPr>
+              <a:t> an energy model based upon </a:t>
+            </a:r>
+            <a:r>
+              <a:rPr lang="en-US" altLang="zh-CN" sz="1200" b="0" i="0" u="none" strike="noStrike" kern="1200" baseline="0" dirty="0" err="1" smtClean="0">
+                <a:solidFill>
+                  <a:schemeClr val="tx1"/>
+                </a:solidFill>
+                <a:latin typeface="+mn-lt"/>
+                <a:ea typeface="+mn-ea"/>
+                <a:cs typeface="+mn-cs"/>
+              </a:rPr>
+              <a:t>McPAT</a:t>
+            </a:r>
+            <a:r>
+              <a:rPr lang="en-US" altLang="zh-CN" sz="1200" b="0" i="0" u="none" strike="noStrike" kern="1200" baseline="0" dirty="0" smtClean="0">
+                <a:solidFill>
+                  <a:schemeClr val="tx1"/>
+                </a:solidFill>
+                <a:latin typeface="+mn-lt"/>
+                <a:ea typeface="+mn-ea"/>
+                <a:cs typeface="+mn-cs"/>
+              </a:rPr>
+              <a:t> that is integrated with GPGPU-Sim </a:t>
+            </a:r>
+          </a:p>
+          <a:p>
+            <a:r>
+              <a:rPr lang="en-US" altLang="zh-CN" dirty="0" err="1" smtClean="0"/>
+              <a:t>GPUWattch</a:t>
+            </a:r>
+            <a:r>
+              <a:rPr lang="en-US" altLang="zh-CN" dirty="0" smtClean="0"/>
+              <a:t> can</a:t>
+            </a:r>
+            <a:r>
+              <a:rPr lang="en-US" altLang="zh-CN" baseline="0" dirty="0" smtClean="0"/>
+              <a:t> be viewed as part of GPGPU-Sim. It is responsible for calculating power and generating power reports. </a:t>
+            </a:r>
+            <a:endParaRPr lang="zh-CN" altLang="en-US" dirty="0"/>
+          </a:p>
+        </p:txBody>
+      </p:sp>
+      <p:sp>
+        <p:nvSpPr>
+          <p:cNvPr id="4" name="灯片编号占位符 3"/>
+          <p:cNvSpPr>
+            <a:spLocks noGrp="1"/>
+          </p:cNvSpPr>
+          <p:nvPr>
+            <p:ph type="sldNum" sz="quarter" idx="10"/>
+          </p:nvPr>
+        </p:nvSpPr>
+        <p:spPr/>
+        <p:txBody>
+          <a:bodyPr/>
+          <a:lstStyle/>
+          <a:p>
+            <a:fld id="{620645E4-F9B0-431D-BD31-F0D3FAC7D489}" type="slidenum">
+              <a:rPr lang="zh-CN" altLang="en-US" smtClean="0"/>
+              <a:t>5</a:t>
+            </a:fld>
+            <a:endParaRPr lang="zh-CN" altLang="en-US"/>
+          </a:p>
+        </p:txBody>
+      </p:sp>
+    </p:spTree>
+    <p:extLst>
+      <p:ext uri="{BB962C8B-B14F-4D97-AF65-F5344CB8AC3E}">
+        <p14:creationId xmlns:p14="http://schemas.microsoft.com/office/powerpoint/2010/main" val="2325247817"/>
+      </p:ext>
+    </p:extLst>
+  </p:cSld>
+  <p:clrMapOvr>
+    <a:masterClrMapping/>
+  </p:clrMapOvr>
+</p:notes>
+</file>
+
+<file path=ppt/notesSlides/notesSlide6.xml><?xml version="1.0" encoding="utf-8"?>
+<p:notes xmlns:a="http://schemas.openxmlformats.org/drawingml/2006/main" xmlns:r="http://schemas.openxmlformats.org/officeDocument/2006/relationships" xmlns:p="http://schemas.openxmlformats.org/presentationml/2006/main">
+  <p:cSld>
+    <p:spTree>
+      <p:nvGrpSpPr>
+        <p:cNvPr id="1" name=""/>
+        <p:cNvGrpSpPr/>
+        <p:nvPr/>
+      </p:nvGrpSpPr>
+      <p:grpSpPr>
+        <a:xfrm>
+          <a:off x="0" y="0"/>
+          <a:ext cx="0" cy="0"/>
+          <a:chOff x="0" y="0"/>
+          <a:chExt cx="0" cy="0"/>
+        </a:xfrm>
+      </p:grpSpPr>
+      <p:sp>
+        <p:nvSpPr>
+          <p:cNvPr id="2" name="幻灯片图像占位符 1"/>
+          <p:cNvSpPr>
+            <a:spLocks noGrp="1" noRot="1" noChangeAspect="1"/>
+          </p:cNvSpPr>
+          <p:nvPr>
+            <p:ph type="sldImg"/>
+          </p:nvPr>
+        </p:nvSpPr>
+        <p:spPr/>
+      </p:sp>
+      <p:sp>
+        <p:nvSpPr>
+          <p:cNvPr id="3" name="备注占位符 2"/>
+          <p:cNvSpPr>
+            <a:spLocks noGrp="1"/>
+          </p:cNvSpPr>
+          <p:nvPr>
+            <p:ph type="body" idx="1"/>
+          </p:nvPr>
+        </p:nvSpPr>
+        <p:spPr/>
+        <p:txBody>
+          <a:bodyPr/>
+          <a:lstStyle/>
+          <a:p>
+            <a:r>
+              <a:rPr lang="en-US" altLang="zh-CN" dirty="0" smtClean="0"/>
+              <a:t>See, this is what GPGPU-Sim</a:t>
+            </a:r>
+            <a:r>
+              <a:rPr lang="en-US" altLang="zh-CN" baseline="0" dirty="0" smtClean="0"/>
+              <a:t> does. In GPGPU-Sim, when </a:t>
+            </a:r>
+            <a:r>
+              <a:rPr lang="en-US" altLang="zh-CN" baseline="0" dirty="0" err="1" smtClean="0"/>
+              <a:t>GPUWattch</a:t>
+            </a:r>
+            <a:r>
+              <a:rPr lang="en-US" altLang="zh-CN" baseline="0" dirty="0" smtClean="0"/>
+              <a:t> is called, the performance counters will be transferred to it. It then does the calculation, and gradually generate the final report.</a:t>
+            </a:r>
+          </a:p>
+          <a:p>
+            <a:r>
+              <a:rPr lang="en-US" altLang="zh-CN" baseline="0" dirty="0" smtClean="0"/>
+              <a:t>But what we want to achieve now is this: feed </a:t>
+            </a:r>
+            <a:r>
+              <a:rPr lang="en-US" altLang="zh-CN" baseline="0" dirty="0" err="1" smtClean="0"/>
+              <a:t>GPUWattch</a:t>
+            </a:r>
+            <a:r>
+              <a:rPr lang="en-US" altLang="zh-CN" baseline="0" dirty="0" smtClean="0"/>
+              <a:t> the performance counters we set manually. And let it generate the power report.</a:t>
+            </a:r>
+            <a:endParaRPr lang="zh-CN" altLang="en-US" dirty="0"/>
+          </a:p>
+        </p:txBody>
+      </p:sp>
+      <p:sp>
+        <p:nvSpPr>
+          <p:cNvPr id="4" name="灯片编号占位符 3"/>
+          <p:cNvSpPr>
+            <a:spLocks noGrp="1"/>
+          </p:cNvSpPr>
+          <p:nvPr>
+            <p:ph type="sldNum" sz="quarter" idx="10"/>
+          </p:nvPr>
+        </p:nvSpPr>
+        <p:spPr/>
+        <p:txBody>
+          <a:bodyPr/>
+          <a:lstStyle/>
+          <a:p>
+            <a:fld id="{620645E4-F9B0-431D-BD31-F0D3FAC7D489}" type="slidenum">
+              <a:rPr lang="zh-CN" altLang="en-US" smtClean="0"/>
+              <a:t>6</a:t>
+            </a:fld>
+            <a:endParaRPr lang="zh-CN" altLang="en-US"/>
+          </a:p>
+        </p:txBody>
+      </p:sp>
+    </p:spTree>
+    <p:extLst>
+      <p:ext uri="{BB962C8B-B14F-4D97-AF65-F5344CB8AC3E}">
+        <p14:creationId xmlns:p14="http://schemas.microsoft.com/office/powerpoint/2010/main" val="2647885656"/>
+      </p:ext>
+    </p:extLst>
+  </p:cSld>
+  <p:clrMapOvr>
+    <a:masterClrMapping/>
+  </p:clrMapOvr>
+</p:notes>
+</file>
+
+<file path=ppt/notesSlides/notesSlide7.xml><?xml version="1.0" encoding="utf-8"?>
+<p:notes xmlns:a="http://schemas.openxmlformats.org/drawingml/2006/main" xmlns:r="http://schemas.openxmlformats.org/officeDocument/2006/relationships" xmlns:p="http://schemas.openxmlformats.org/presentationml/2006/main">
+  <p:cSld>
+    <p:spTree>
+      <p:nvGrpSpPr>
+        <p:cNvPr id="1" name=""/>
+        <p:cNvGrpSpPr/>
+        <p:nvPr/>
+      </p:nvGrpSpPr>
+      <p:grpSpPr>
+        <a:xfrm>
+          <a:off x="0" y="0"/>
+          <a:ext cx="0" cy="0"/>
+          <a:chOff x="0" y="0"/>
+          <a:chExt cx="0" cy="0"/>
+        </a:xfrm>
+      </p:grpSpPr>
+      <p:sp>
+        <p:nvSpPr>
+          <p:cNvPr id="2" name="幻灯片图像占位符 1"/>
+          <p:cNvSpPr>
+            <a:spLocks noGrp="1" noRot="1" noChangeAspect="1"/>
+          </p:cNvSpPr>
+          <p:nvPr>
+            <p:ph type="sldImg"/>
+          </p:nvPr>
+        </p:nvSpPr>
+        <p:spPr/>
+      </p:sp>
+      <p:sp>
+        <p:nvSpPr>
+          <p:cNvPr id="3" name="备注占位符 2"/>
+          <p:cNvSpPr>
+            <a:spLocks noGrp="1"/>
+          </p:cNvSpPr>
+          <p:nvPr>
+            <p:ph type="body" idx="1"/>
+          </p:nvPr>
+        </p:nvSpPr>
+        <p:spPr/>
+        <p:txBody>
+          <a:bodyPr/>
+          <a:lstStyle/>
+          <a:p>
+            <a:r>
+              <a:rPr lang="en-US" altLang="zh-CN" dirty="0" smtClean="0"/>
+              <a:t>This is the mechanism how GPGPU-Sim</a:t>
+            </a:r>
+            <a:r>
+              <a:rPr lang="en-US" altLang="zh-CN" baseline="0" dirty="0" smtClean="0"/>
+              <a:t> generates a power report.</a:t>
+            </a:r>
+            <a:endParaRPr lang="zh-CN" altLang="en-US" dirty="0"/>
+          </a:p>
+        </p:txBody>
+      </p:sp>
+      <p:sp>
+        <p:nvSpPr>
+          <p:cNvPr id="4" name="灯片编号占位符 3"/>
+          <p:cNvSpPr>
+            <a:spLocks noGrp="1"/>
+          </p:cNvSpPr>
+          <p:nvPr>
+            <p:ph type="sldNum" sz="quarter" idx="10"/>
+          </p:nvPr>
+        </p:nvSpPr>
+        <p:spPr/>
+        <p:txBody>
+          <a:bodyPr/>
+          <a:lstStyle/>
+          <a:p>
+            <a:fld id="{620645E4-F9B0-431D-BD31-F0D3FAC7D489}" type="slidenum">
+              <a:rPr lang="zh-CN" altLang="en-US" smtClean="0"/>
+              <a:t>7</a:t>
+            </a:fld>
+            <a:endParaRPr lang="zh-CN" altLang="en-US"/>
+          </a:p>
+        </p:txBody>
+      </p:sp>
+    </p:spTree>
+    <p:extLst>
+      <p:ext uri="{BB962C8B-B14F-4D97-AF65-F5344CB8AC3E}">
+        <p14:creationId xmlns:p14="http://schemas.microsoft.com/office/powerpoint/2010/main" val="1794451103"/>
+      </p:ext>
+    </p:extLst>
+  </p:cSld>
+  <p:clrMapOvr>
+    <a:masterClrMapping/>
+  </p:clrMapOvr>
+</p:notes>
+</file>
+
+<file path=ppt/notesSlides/notesSlide8.xml><?xml version="1.0" encoding="utf-8"?>
+<p:notes xmlns:a="http://schemas.openxmlformats.org/drawingml/2006/main" xmlns:r="http://schemas.openxmlformats.org/officeDocument/2006/relationships" xmlns:p="http://schemas.openxmlformats.org/presentationml/2006/main">
+  <p:cSld>
+    <p:spTree>
+      <p:nvGrpSpPr>
+        <p:cNvPr id="1" name=""/>
+        <p:cNvGrpSpPr/>
+        <p:nvPr/>
+      </p:nvGrpSpPr>
+      <p:grpSpPr>
+        <a:xfrm>
+          <a:off x="0" y="0"/>
+          <a:ext cx="0" cy="0"/>
+          <a:chOff x="0" y="0"/>
+          <a:chExt cx="0" cy="0"/>
+        </a:xfrm>
+      </p:grpSpPr>
+      <p:sp>
+        <p:nvSpPr>
+          <p:cNvPr id="2" name="幻灯片图像占位符 1"/>
+          <p:cNvSpPr>
+            <a:spLocks noGrp="1" noRot="1" noChangeAspect="1"/>
+          </p:cNvSpPr>
+          <p:nvPr>
+            <p:ph type="sldImg"/>
+          </p:nvPr>
+        </p:nvSpPr>
+        <p:spPr/>
+      </p:sp>
+      <p:sp>
+        <p:nvSpPr>
+          <p:cNvPr id="3" name="备注占位符 2"/>
+          <p:cNvSpPr>
+            <a:spLocks noGrp="1"/>
+          </p:cNvSpPr>
+          <p:nvPr>
+            <p:ph type="body" idx="1"/>
+          </p:nvPr>
+        </p:nvSpPr>
+        <p:spPr/>
+        <p:txBody>
+          <a:bodyPr/>
+          <a:lstStyle/>
+          <a:p>
+            <a:r>
+              <a:rPr lang="en-US" altLang="zh-CN" dirty="0" smtClean="0"/>
+              <a:t>First step is to make sure we can generate</a:t>
+            </a:r>
+            <a:r>
+              <a:rPr lang="en-US" altLang="zh-CN" baseline="0" dirty="0" smtClean="0"/>
+              <a:t> the power report and its result is meaningful.</a:t>
+            </a:r>
+          </a:p>
+          <a:p>
+            <a:r>
+              <a:rPr lang="en-US" altLang="zh-CN" baseline="0" dirty="0" smtClean="0"/>
+              <a:t>But we have to use many functions and variables, if we do not include .h files, our code won’t pass compilation.</a:t>
+            </a:r>
+          </a:p>
+          <a:p>
+            <a:r>
+              <a:rPr lang="en-US" altLang="zh-CN" baseline="0" dirty="0" smtClean="0"/>
+              <a:t>After this, note that in these .h files there are also some outside dependencies. If we compile and run the code directly, there are two possible results: 1) compilation failed 2) runtime error</a:t>
+            </a:r>
+          </a:p>
+          <a:p>
+            <a:r>
+              <a:rPr lang="en-US" altLang="zh-CN" baseline="0" dirty="0" smtClean="0"/>
+              <a:t>So, we still have to find a set of object files to satisfy our needs. We need these .o files have two features:1.2.</a:t>
+            </a:r>
+          </a:p>
+          <a:p>
+            <a:r>
+              <a:rPr lang="en-US" altLang="zh-CN" baseline="0" dirty="0" smtClean="0"/>
+              <a:t>Design the command to compile our code. </a:t>
+            </a:r>
+            <a:endParaRPr lang="zh-CN" altLang="en-US" dirty="0"/>
+          </a:p>
+        </p:txBody>
+      </p:sp>
+      <p:sp>
+        <p:nvSpPr>
+          <p:cNvPr id="4" name="灯片编号占位符 3"/>
+          <p:cNvSpPr>
+            <a:spLocks noGrp="1"/>
+          </p:cNvSpPr>
+          <p:nvPr>
+            <p:ph type="sldNum" sz="quarter" idx="10"/>
+          </p:nvPr>
+        </p:nvSpPr>
+        <p:spPr/>
+        <p:txBody>
+          <a:bodyPr/>
+          <a:lstStyle/>
+          <a:p>
+            <a:fld id="{620645E4-F9B0-431D-BD31-F0D3FAC7D489}" type="slidenum">
+              <a:rPr lang="zh-CN" altLang="en-US" smtClean="0"/>
+              <a:t>9</a:t>
+            </a:fld>
+            <a:endParaRPr lang="zh-CN" altLang="en-US"/>
+          </a:p>
+        </p:txBody>
+      </p:sp>
+    </p:spTree>
+    <p:extLst>
+      <p:ext uri="{BB962C8B-B14F-4D97-AF65-F5344CB8AC3E}">
+        <p14:creationId xmlns:p14="http://schemas.microsoft.com/office/powerpoint/2010/main" val="772175946"/>
+      </p:ext>
+    </p:extLst>
+  </p:cSld>
+  <p:clrMapOvr>
+    <a:masterClrMapping/>
+  </p:clrMapOvr>
+</p:notes>
+</file>
+
+<file path=ppt/notesSlides/notesSlide9.xml><?xml version="1.0" encoding="utf-8"?>
+<p:notes xmlns:a="http://schemas.openxmlformats.org/drawingml/2006/main" xmlns:r="http://schemas.openxmlformats.org/officeDocument/2006/relationships" xmlns:p="http://schemas.openxmlformats.org/presentationml/2006/main">
+  <p:cSld>
+    <p:spTree>
+      <p:nvGrpSpPr>
+        <p:cNvPr id="1" name=""/>
+        <p:cNvGrpSpPr/>
+        <p:nvPr/>
+      </p:nvGrpSpPr>
+      <p:grpSpPr>
+        <a:xfrm>
+          <a:off x="0" y="0"/>
+          <a:ext cx="0" cy="0"/>
+          <a:chOff x="0" y="0"/>
+          <a:chExt cx="0" cy="0"/>
+        </a:xfrm>
+      </p:grpSpPr>
+      <p:sp>
+        <p:nvSpPr>
+          <p:cNvPr id="2" name="幻灯片图像占位符 1"/>
+          <p:cNvSpPr>
+            <a:spLocks noGrp="1" noRot="1" noChangeAspect="1"/>
+          </p:cNvSpPr>
+          <p:nvPr>
+            <p:ph type="sldImg"/>
+          </p:nvPr>
+        </p:nvSpPr>
+        <p:spPr/>
+      </p:sp>
+      <p:sp>
+        <p:nvSpPr>
+          <p:cNvPr id="3" name="备注占位符 2"/>
+          <p:cNvSpPr>
+            <a:spLocks noGrp="1"/>
+          </p:cNvSpPr>
+          <p:nvPr>
+            <p:ph type="body" idx="1"/>
+          </p:nvPr>
+        </p:nvSpPr>
+        <p:spPr/>
+        <p:txBody>
+          <a:bodyPr/>
+          <a:lstStyle/>
+          <a:p>
+            <a:r>
+              <a:rPr lang="en-US" altLang="zh-CN" dirty="0" smtClean="0"/>
+              <a:t>This is our work flow.</a:t>
+            </a:r>
+          </a:p>
+          <a:p>
+            <a:r>
+              <a:rPr lang="en-US" altLang="zh-CN" dirty="0" smtClean="0"/>
+              <a:t>We</a:t>
+            </a:r>
+            <a:r>
+              <a:rPr lang="en-US" altLang="zh-CN" baseline="0" dirty="0" smtClean="0"/>
+              <a:t> have to make sure that the .h files have the definition of variables / classes / functions that we use in our main.cc.</a:t>
+            </a:r>
+            <a:endParaRPr lang="zh-CN" altLang="en-US" dirty="0"/>
+          </a:p>
+        </p:txBody>
+      </p:sp>
+      <p:sp>
+        <p:nvSpPr>
+          <p:cNvPr id="4" name="灯片编号占位符 3"/>
+          <p:cNvSpPr>
+            <a:spLocks noGrp="1"/>
+          </p:cNvSpPr>
+          <p:nvPr>
+            <p:ph type="sldNum" sz="quarter" idx="10"/>
+          </p:nvPr>
+        </p:nvSpPr>
+        <p:spPr/>
+        <p:txBody>
+          <a:bodyPr/>
+          <a:lstStyle/>
+          <a:p>
+            <a:fld id="{620645E4-F9B0-431D-BD31-F0D3FAC7D489}" type="slidenum">
+              <a:rPr lang="zh-CN" altLang="en-US" smtClean="0"/>
+              <a:t>10</a:t>
+            </a:fld>
+            <a:endParaRPr lang="zh-CN" altLang="en-US"/>
+          </a:p>
+        </p:txBody>
+      </p:sp>
+    </p:spTree>
+    <p:extLst>
+      <p:ext uri="{BB962C8B-B14F-4D97-AF65-F5344CB8AC3E}">
+        <p14:creationId xmlns:p14="http://schemas.microsoft.com/office/powerpoint/2010/main" val="1275215713"/>
       </p:ext>
     </p:extLst>
   </p:cSld>
@@ -1753,7 +3309,7 @@
           <a:p>
             <a:fld id="{BADDD689-06A4-4C8F-A54F-CC5FC9676DB8}" type="datetimeFigureOut">
               <a:rPr lang="zh-CN" altLang="en-US" smtClean="0"/>
-              <a:t>2019/4/23</a:t>
+              <a:t>2019/4/24</a:t>
             </a:fld>
             <a:endParaRPr lang="zh-CN" altLang="en-US"/>
           </a:p>
@@ -1923,7 +3479,7 @@
           <a:p>
             <a:fld id="{BADDD689-06A4-4C8F-A54F-CC5FC9676DB8}" type="datetimeFigureOut">
               <a:rPr lang="zh-CN" altLang="en-US" smtClean="0"/>
-              <a:t>2019/4/23</a:t>
+              <a:t>2019/4/24</a:t>
             </a:fld>
             <a:endParaRPr lang="zh-CN" altLang="en-US"/>
           </a:p>
@@ -2103,7 +3659,7 @@
           <a:p>
             <a:fld id="{BADDD689-06A4-4C8F-A54F-CC5FC9676DB8}" type="datetimeFigureOut">
               <a:rPr lang="zh-CN" altLang="en-US" smtClean="0"/>
-              <a:t>2019/4/23</a:t>
+              <a:t>2019/4/24</a:t>
             </a:fld>
             <a:endParaRPr lang="zh-CN" altLang="en-US"/>
           </a:p>
@@ -2273,7 +3829,7 @@
           <a:p>
             <a:fld id="{BADDD689-06A4-4C8F-A54F-CC5FC9676DB8}" type="datetimeFigureOut">
               <a:rPr lang="zh-CN" altLang="en-US" smtClean="0"/>
-              <a:t>2019/4/23</a:t>
+              <a:t>2019/4/24</a:t>
             </a:fld>
             <a:endParaRPr lang="zh-CN" altLang="en-US"/>
           </a:p>
@@ -2519,7 +4075,7 @@
           <a:p>
             <a:fld id="{BADDD689-06A4-4C8F-A54F-CC5FC9676DB8}" type="datetimeFigureOut">
               <a:rPr lang="zh-CN" altLang="en-US" smtClean="0"/>
-              <a:t>2019/4/23</a:t>
+              <a:t>2019/4/24</a:t>
             </a:fld>
             <a:endParaRPr lang="zh-CN" altLang="en-US"/>
           </a:p>
@@ -2751,7 +4307,7 @@
           <a:p>
             <a:fld id="{BADDD689-06A4-4C8F-A54F-CC5FC9676DB8}" type="datetimeFigureOut">
               <a:rPr lang="zh-CN" altLang="en-US" smtClean="0"/>
-              <a:t>2019/4/23</a:t>
+              <a:t>2019/4/24</a:t>
             </a:fld>
             <a:endParaRPr lang="zh-CN" altLang="en-US"/>
           </a:p>
@@ -3118,7 +4674,7 @@
           <a:p>
             <a:fld id="{BADDD689-06A4-4C8F-A54F-CC5FC9676DB8}" type="datetimeFigureOut">
               <a:rPr lang="zh-CN" altLang="en-US" smtClean="0"/>
-              <a:t>2019/4/23</a:t>
+              <a:t>2019/4/24</a:t>
             </a:fld>
             <a:endParaRPr lang="zh-CN" altLang="en-US"/>
           </a:p>
@@ -3236,7 +4792,7 @@
           <a:p>
             <a:fld id="{BADDD689-06A4-4C8F-A54F-CC5FC9676DB8}" type="datetimeFigureOut">
               <a:rPr lang="zh-CN" altLang="en-US" smtClean="0"/>
-              <a:t>2019/4/23</a:t>
+              <a:t>2019/4/24</a:t>
             </a:fld>
             <a:endParaRPr lang="zh-CN" altLang="en-US"/>
           </a:p>
@@ -3331,7 +4887,7 @@
           <a:p>
             <a:fld id="{BADDD689-06A4-4C8F-A54F-CC5FC9676DB8}" type="datetimeFigureOut">
               <a:rPr lang="zh-CN" altLang="en-US" smtClean="0"/>
-              <a:t>2019/4/23</a:t>
+              <a:t>2019/4/24</a:t>
             </a:fld>
             <a:endParaRPr lang="zh-CN" altLang="en-US"/>
           </a:p>
@@ -3608,7 +5164,7 @@
           <a:p>
             <a:fld id="{BADDD689-06A4-4C8F-A54F-CC5FC9676DB8}" type="datetimeFigureOut">
               <a:rPr lang="zh-CN" altLang="en-US" smtClean="0"/>
-              <a:t>2019/4/23</a:t>
+              <a:t>2019/4/24</a:t>
             </a:fld>
             <a:endParaRPr lang="zh-CN" altLang="en-US"/>
           </a:p>
@@ -3861,7 +5417,7 @@
           <a:p>
             <a:fld id="{BADDD689-06A4-4C8F-A54F-CC5FC9676DB8}" type="datetimeFigureOut">
               <a:rPr lang="zh-CN" altLang="en-US" smtClean="0"/>
-              <a:t>2019/4/23</a:t>
+              <a:t>2019/4/24</a:t>
             </a:fld>
             <a:endParaRPr lang="zh-CN" altLang="en-US"/>
           </a:p>
@@ -4074,7 +5630,7 @@
           <a:p>
             <a:fld id="{BADDD689-06A4-4C8F-A54F-CC5FC9676DB8}" type="datetimeFigureOut">
               <a:rPr lang="zh-CN" altLang="en-US" smtClean="0"/>
-              <a:t>2019/4/23</a:t>
+              <a:t>2019/4/24</a:t>
             </a:fld>
             <a:endParaRPr lang="zh-CN" altLang="en-US"/>
           </a:p>
@@ -4690,7 +6246,7 @@
           <p:nvPr/>
         </p:nvPicPr>
         <p:blipFill rotWithShape="1">
-          <a:blip r:embed="rId2">
+          <a:blip r:embed="rId3">
             <a:extLst>
               <a:ext uri="{28A0092B-C50C-407E-A947-70E740481C1C}">
                 <a14:useLocalDpi xmlns:a14="http://schemas.microsoft.com/office/drawing/2010/main" val="0"/>
@@ -4943,7 +6499,6 @@
               <a:rPr lang="en-US" altLang="zh-CN" dirty="0" smtClean="0"/>
               <a:t>2. Let the power model generate the final power report based on the performance counters stored in file.</a:t>
             </a:r>
-            <a:endParaRPr lang="en-US" altLang="zh-CN" dirty="0" smtClean="0"/>
           </a:p>
         </p:txBody>
       </p:sp>
@@ -4956,7 +6511,7 @@
         <p:spPr>
           <a:xfrm>
             <a:off x="1061883" y="1747644"/>
-            <a:ext cx="10235431" cy="646331"/>
+            <a:ext cx="11280332" cy="646331"/>
           </a:xfrm>
           <a:prstGeom prst="rect">
             <a:avLst/>
@@ -4979,13 +6534,22 @@
             </a:r>
             <a:r>
               <a:rPr lang="en-US" altLang="zh-CN" dirty="0" smtClean="0"/>
-              <a:t> function to let it output the performance counters during each cycle.</a:t>
-            </a:r>
-          </a:p>
-          <a:p>
+              <a:t> function to let it output the performance counters during </a:t>
+            </a:r>
             <a:r>
               <a:rPr lang="en-US" altLang="zh-CN" dirty="0" smtClean="0"/>
-              <a:t>This is the sample values for all performance counters for one single cycle. </a:t>
+              <a:t>each sampling period.</a:t>
+            </a:r>
+            <a:endParaRPr lang="en-US" altLang="zh-CN" dirty="0" smtClean="0"/>
+          </a:p>
+          <a:p>
+            <a:r>
+              <a:rPr lang="en-US" altLang="zh-CN" dirty="0" smtClean="0"/>
+              <a:t>This is the sample values for all performance counters for one single </a:t>
+            </a:r>
+            <a:r>
+              <a:rPr lang="en-US" altLang="zh-CN" dirty="0" smtClean="0"/>
+              <a:t>sampling period. </a:t>
             </a:r>
             <a:endParaRPr lang="zh-CN" altLang="en-US" dirty="0"/>
           </a:p>
@@ -5766,7 +7330,7 @@
         </p:nvSpPr>
         <p:spPr>
           <a:xfrm>
-            <a:off x="1719181" y="5456903"/>
+            <a:off x="1630691" y="5915222"/>
             <a:ext cx="5862374" cy="369332"/>
           </a:xfrm>
           <a:prstGeom prst="rect">
@@ -5783,6 +7347,36 @@
             <a:r>
               <a:rPr lang="en-US" altLang="zh-CN" dirty="0" smtClean="0"/>
               <a:t>This is not good. We need another way to generate the data.</a:t>
+            </a:r>
+            <a:endParaRPr lang="zh-CN" altLang="en-US" dirty="0"/>
+          </a:p>
+        </p:txBody>
+      </p:sp>
+      <p:sp>
+        <p:nvSpPr>
+          <p:cNvPr id="2" name="文本框 1"/>
+          <p:cNvSpPr txBox="1"/>
+          <p:nvPr/>
+        </p:nvSpPr>
+        <p:spPr>
+          <a:xfrm>
+            <a:off x="390832" y="5293611"/>
+            <a:ext cx="6429709" cy="369332"/>
+          </a:xfrm>
+          <a:prstGeom prst="rect">
+            <a:avLst/>
+          </a:prstGeom>
+          <a:noFill/>
+        </p:spPr>
+        <p:txBody>
+          <a:bodyPr wrap="none" rtlCol="0">
+            <a:spAutoFit/>
+          </a:bodyPr>
+          <a:lstStyle/>
+          <a:p>
+            <a:r>
+              <a:rPr lang="en-US" altLang="zh-CN" dirty="0" smtClean="0"/>
+              <a:t>We need to simulate the whole application using GPGPU-Sim first?</a:t>
             </a:r>
             <a:endParaRPr lang="zh-CN" altLang="en-US" dirty="0"/>
           </a:p>
@@ -6333,6 +7927,51 @@
                                           </p:stCondLst>
                                         </p:cTn>
                                         <p:tgtEl>
+                                          <p:spTgt spid="2"/>
+                                        </p:tgtEl>
+                                        <p:attrNameLst>
+                                          <p:attrName>style.visibility</p:attrName>
+                                        </p:attrNameLst>
+                                      </p:cBhvr>
+                                      <p:to>
+                                        <p:strVal val="visible"/>
+                                      </p:to>
+                                    </p:set>
+                                  </p:childTnLst>
+                                </p:cTn>
+                              </p:par>
+                            </p:childTnLst>
+                          </p:cTn>
+                        </p:par>
+                      </p:childTnLst>
+                    </p:cTn>
+                  </p:par>
+                  <p:par>
+                    <p:cTn id="37" fill="hold">
+                      <p:stCondLst>
+                        <p:cond delay="indefinite"/>
+                      </p:stCondLst>
+                      <p:childTnLst>
+                        <p:par>
+                          <p:cTn id="38" fill="hold">
+                            <p:stCondLst>
+                              <p:cond delay="0"/>
+                            </p:stCondLst>
+                            <p:childTnLst>
+                              <p:par>
+                                <p:cTn id="39" presetID="1" presetClass="entr" presetSubtype="0" fill="hold" grpId="0" nodeType="clickEffect">
+                                  <p:stCondLst>
+                                    <p:cond delay="0"/>
+                                  </p:stCondLst>
+                                  <p:childTnLst>
+                                    <p:set>
+                                      <p:cBhvr>
+                                        <p:cTn id="40" dur="1" fill="hold">
+                                          <p:stCondLst>
+                                            <p:cond delay="0"/>
+                                          </p:stCondLst>
+                                        </p:cTn>
+                                        <p:tgtEl>
                                           <p:spTgt spid="26"/>
                                         </p:tgtEl>
                                         <p:attrNameLst>
@@ -6381,6 +8020,7 @@
       <p:bldP spid="20" grpId="0"/>
       <p:bldP spid="25" grpId="0" animBg="1"/>
       <p:bldP spid="26" grpId="0"/>
+      <p:bldP spid="2" grpId="0"/>
     </p:bldLst>
   </p:timing>
 </p:sld>
@@ -6441,7 +8081,6 @@
               <a:rPr lang="en-US" altLang="zh-CN" dirty="0" smtClean="0"/>
               <a:t> to generate power metrics of CUDA applications</a:t>
             </a:r>
-            <a:endParaRPr lang="en-US" altLang="zh-CN" dirty="0" smtClean="0"/>
           </a:p>
         </p:txBody>
       </p:sp>
@@ -7003,6 +8642,78 @@
           </a:p>
         </p:txBody>
       </p:sp>
+      <p:sp>
+        <p:nvSpPr>
+          <p:cNvPr id="2" name="笑脸 1"/>
+          <p:cNvSpPr/>
+          <p:nvPr/>
+        </p:nvSpPr>
+        <p:spPr>
+          <a:xfrm>
+            <a:off x="1415845" y="5036574"/>
+            <a:ext cx="914400" cy="914400"/>
+          </a:xfrm>
+          <a:prstGeom prst="smileyFace">
+            <a:avLst>
+              <a:gd name="adj" fmla="val -4653"/>
+            </a:avLst>
+          </a:prstGeom>
+        </p:spPr>
+        <p:style>
+          <a:lnRef idx="2">
+            <a:schemeClr val="accent4">
+              <a:shade val="50000"/>
+            </a:schemeClr>
+          </a:lnRef>
+          <a:fillRef idx="1">
+            <a:schemeClr val="accent4"/>
+          </a:fillRef>
+          <a:effectRef idx="0">
+            <a:schemeClr val="accent4"/>
+          </a:effectRef>
+          <a:fontRef idx="minor">
+            <a:schemeClr val="lt1"/>
+          </a:fontRef>
+        </p:style>
+        <p:txBody>
+          <a:bodyPr rtlCol="0" anchor="ctr"/>
+          <a:lstStyle/>
+          <a:p>
+            <a:pPr algn="ctr"/>
+            <a:endParaRPr lang="zh-CN" altLang="en-US"/>
+          </a:p>
+        </p:txBody>
+      </p:sp>
+      <p:sp>
+        <p:nvSpPr>
+          <p:cNvPr id="3" name="文本框 2"/>
+          <p:cNvSpPr txBox="1"/>
+          <p:nvPr/>
+        </p:nvSpPr>
+        <p:spPr>
+          <a:xfrm>
+            <a:off x="2949677" y="5287297"/>
+            <a:ext cx="815160" cy="369332"/>
+          </a:xfrm>
+          <a:prstGeom prst="rect">
+            <a:avLst/>
+          </a:prstGeom>
+          <a:noFill/>
+        </p:spPr>
+        <p:txBody>
+          <a:bodyPr wrap="none" rtlCol="0">
+            <a:spAutoFit/>
+          </a:bodyPr>
+          <a:lstStyle/>
+          <a:p>
+            <a:r>
+              <a:rPr lang="en-US" altLang="zh-CN" dirty="0" smtClean="0"/>
+              <a:t>A gap?</a:t>
+            </a:r>
+            <a:endParaRPr lang="zh-CN" altLang="en-US" dirty="0"/>
+          </a:p>
+        </p:txBody>
+      </p:sp>
     </p:spTree>
     <p:extLst>
       <p:ext uri="{BB962C8B-B14F-4D97-AF65-F5344CB8AC3E}">
@@ -7016,9 +8727,246 @@
   <p:timing>
     <p:tnLst>
       <p:par>
-        <p:cTn id="1" dur="indefinite" restart="never" nodeType="tmRoot"/>
+        <p:cTn id="1" dur="indefinite" restart="never" nodeType="tmRoot">
+          <p:childTnLst>
+            <p:seq concurrent="1" nextAc="seek">
+              <p:cTn id="2" dur="indefinite" nodeType="mainSeq">
+                <p:childTnLst>
+                  <p:par>
+                    <p:cTn id="3" fill="hold">
+                      <p:stCondLst>
+                        <p:cond delay="indefinite"/>
+                      </p:stCondLst>
+                      <p:childTnLst>
+                        <p:par>
+                          <p:cTn id="4" fill="hold">
+                            <p:stCondLst>
+                              <p:cond delay="0"/>
+                            </p:stCondLst>
+                            <p:childTnLst>
+                              <p:par>
+                                <p:cTn id="5" presetID="1" presetClass="entr" presetSubtype="0" fill="hold" grpId="0" nodeType="clickEffect">
+                                  <p:stCondLst>
+                                    <p:cond delay="0"/>
+                                  </p:stCondLst>
+                                  <p:childTnLst>
+                                    <p:set>
+                                      <p:cBhvr>
+                                        <p:cTn id="6" dur="1" fill="hold">
+                                          <p:stCondLst>
+                                            <p:cond delay="0"/>
+                                          </p:stCondLst>
+                                        </p:cTn>
+                                        <p:tgtEl>
+                                          <p:spTgt spid="9"/>
+                                        </p:tgtEl>
+                                        <p:attrNameLst>
+                                          <p:attrName>style.visibility</p:attrName>
+                                        </p:attrNameLst>
+                                      </p:cBhvr>
+                                      <p:to>
+                                        <p:strVal val="visible"/>
+                                      </p:to>
+                                    </p:set>
+                                  </p:childTnLst>
+                                </p:cTn>
+                              </p:par>
+                            </p:childTnLst>
+                          </p:cTn>
+                        </p:par>
+                      </p:childTnLst>
+                    </p:cTn>
+                  </p:par>
+                  <p:par>
+                    <p:cTn id="7" fill="hold">
+                      <p:stCondLst>
+                        <p:cond delay="indefinite"/>
+                      </p:stCondLst>
+                      <p:childTnLst>
+                        <p:par>
+                          <p:cTn id="8" fill="hold">
+                            <p:stCondLst>
+                              <p:cond delay="0"/>
+                            </p:stCondLst>
+                            <p:childTnLst>
+                              <p:par>
+                                <p:cTn id="9" presetID="2" presetClass="entr" presetSubtype="4" fill="hold" grpId="0" nodeType="clickEffect">
+                                  <p:stCondLst>
+                                    <p:cond delay="0"/>
+                                  </p:stCondLst>
+                                  <p:childTnLst>
+                                    <p:set>
+                                      <p:cBhvr>
+                                        <p:cTn id="10" dur="1" fill="hold">
+                                          <p:stCondLst>
+                                            <p:cond delay="0"/>
+                                          </p:stCondLst>
+                                        </p:cTn>
+                                        <p:tgtEl>
+                                          <p:spTgt spid="2"/>
+                                        </p:tgtEl>
+                                        <p:attrNameLst>
+                                          <p:attrName>style.visibility</p:attrName>
+                                        </p:attrNameLst>
+                                      </p:cBhvr>
+                                      <p:to>
+                                        <p:strVal val="visible"/>
+                                      </p:to>
+                                    </p:set>
+                                    <p:anim calcmode="lin" valueType="num">
+                                      <p:cBhvr additive="base">
+                                        <p:cTn id="11" dur="500" fill="hold"/>
+                                        <p:tgtEl>
+                                          <p:spTgt spid="2"/>
+                                        </p:tgtEl>
+                                        <p:attrNameLst>
+                                          <p:attrName>ppt_x</p:attrName>
+                                        </p:attrNameLst>
+                                      </p:cBhvr>
+                                      <p:tavLst>
+                                        <p:tav tm="0">
+                                          <p:val>
+                                            <p:strVal val="#ppt_x"/>
+                                          </p:val>
+                                        </p:tav>
+                                        <p:tav tm="100000">
+                                          <p:val>
+                                            <p:strVal val="#ppt_x"/>
+                                          </p:val>
+                                        </p:tav>
+                                      </p:tavLst>
+                                    </p:anim>
+                                    <p:anim calcmode="lin" valueType="num">
+                                      <p:cBhvr additive="base">
+                                        <p:cTn id="12" dur="500" fill="hold"/>
+                                        <p:tgtEl>
+                                          <p:spTgt spid="2"/>
+                                        </p:tgtEl>
+                                        <p:attrNameLst>
+                                          <p:attrName>ppt_y</p:attrName>
+                                        </p:attrNameLst>
+                                      </p:cBhvr>
+                                      <p:tavLst>
+                                        <p:tav tm="0">
+                                          <p:val>
+                                            <p:strVal val="1+#ppt_h/2"/>
+                                          </p:val>
+                                        </p:tav>
+                                        <p:tav tm="100000">
+                                          <p:val>
+                                            <p:strVal val="#ppt_y"/>
+                                          </p:val>
+                                        </p:tav>
+                                      </p:tavLst>
+                                    </p:anim>
+                                  </p:childTnLst>
+                                </p:cTn>
+                              </p:par>
+                              <p:par>
+                                <p:cTn id="13" presetID="2" presetClass="entr" presetSubtype="4" fill="hold" grpId="0" nodeType="withEffect">
+                                  <p:stCondLst>
+                                    <p:cond delay="0"/>
+                                  </p:stCondLst>
+                                  <p:childTnLst>
+                                    <p:set>
+                                      <p:cBhvr>
+                                        <p:cTn id="14" dur="1" fill="hold">
+                                          <p:stCondLst>
+                                            <p:cond delay="0"/>
+                                          </p:stCondLst>
+                                        </p:cTn>
+                                        <p:tgtEl>
+                                          <p:spTgt spid="3"/>
+                                        </p:tgtEl>
+                                        <p:attrNameLst>
+                                          <p:attrName>style.visibility</p:attrName>
+                                        </p:attrNameLst>
+                                      </p:cBhvr>
+                                      <p:to>
+                                        <p:strVal val="visible"/>
+                                      </p:to>
+                                    </p:set>
+                                    <p:anim calcmode="lin" valueType="num">
+                                      <p:cBhvr additive="base">
+                                        <p:cTn id="15" dur="500" fill="hold"/>
+                                        <p:tgtEl>
+                                          <p:spTgt spid="3"/>
+                                        </p:tgtEl>
+                                        <p:attrNameLst>
+                                          <p:attrName>ppt_x</p:attrName>
+                                        </p:attrNameLst>
+                                      </p:cBhvr>
+                                      <p:tavLst>
+                                        <p:tav tm="0">
+                                          <p:val>
+                                            <p:strVal val="#ppt_x"/>
+                                          </p:val>
+                                        </p:tav>
+                                        <p:tav tm="100000">
+                                          <p:val>
+                                            <p:strVal val="#ppt_x"/>
+                                          </p:val>
+                                        </p:tav>
+                                      </p:tavLst>
+                                    </p:anim>
+                                    <p:anim calcmode="lin" valueType="num">
+                                      <p:cBhvr additive="base">
+                                        <p:cTn id="16" dur="500" fill="hold"/>
+                                        <p:tgtEl>
+                                          <p:spTgt spid="3"/>
+                                        </p:tgtEl>
+                                        <p:attrNameLst>
+                                          <p:attrName>ppt_y</p:attrName>
+                                        </p:attrNameLst>
+                                      </p:cBhvr>
+                                      <p:tavLst>
+                                        <p:tav tm="0">
+                                          <p:val>
+                                            <p:strVal val="1+#ppt_h/2"/>
+                                          </p:val>
+                                        </p:tav>
+                                        <p:tav tm="100000">
+                                          <p:val>
+                                            <p:strVal val="#ppt_y"/>
+                                          </p:val>
+                                        </p:tav>
+                                      </p:tavLst>
+                                    </p:anim>
+                                  </p:childTnLst>
+                                </p:cTn>
+                              </p:par>
+                            </p:childTnLst>
+                          </p:cTn>
+                        </p:par>
+                      </p:childTnLst>
+                    </p:cTn>
+                  </p:par>
+                </p:childTnLst>
+              </p:cTn>
+              <p:prevCondLst>
+                <p:cond evt="onPrev" delay="0">
+                  <p:tgtEl>
+                    <p:sldTgt/>
+                  </p:tgtEl>
+                </p:cond>
+              </p:prevCondLst>
+              <p:nextCondLst>
+                <p:cond evt="onNext" delay="0">
+                  <p:tgtEl>
+                    <p:sldTgt/>
+                  </p:tgtEl>
+                </p:cond>
+              </p:nextCondLst>
+            </p:seq>
+          </p:childTnLst>
+        </p:cTn>
       </p:par>
     </p:tnLst>
+    <p:bldLst>
+      <p:bldP spid="9" grpId="0"/>
+      <p:bldP spid="2" grpId="0" animBg="1"/>
+      <p:bldP spid="3" grpId="0"/>
+    </p:bldLst>
   </p:timing>
 </p:sld>
 </file>
@@ -7113,8 +9061,8 @@
           </a:p>
         </p:txBody>
       </p:sp>
-      <mc:AlternateContent xmlns:mc="http://schemas.openxmlformats.org/markup-compatibility/2006">
-        <mc:Choice xmlns:a14="http://schemas.microsoft.com/office/drawing/2010/main" Requires="a14">
+      <mc:AlternateContent xmlns:mc="http://schemas.openxmlformats.org/markup-compatibility/2006" xmlns:a14="http://schemas.microsoft.com/office/drawing/2010/main">
+        <mc:Choice Requires="a14">
           <p:sp>
             <p:nvSpPr>
               <p:cNvPr id="6" name="文本框 5"/>
@@ -7233,7 +9181,7 @@
             </p:txBody>
           </p:sp>
         </mc:Choice>
-        <mc:Fallback>
+        <mc:Fallback xmlns="">
           <p:sp>
             <p:nvSpPr>
               <p:cNvPr id="6" name="文本框 5"/>
@@ -7251,7 +9199,7 @@
                 <a:avLst/>
               </a:prstGeom>
               <a:blipFill rotWithShape="0">
-                <a:blip r:embed="rId2"/>
+                <a:blip r:embed="rId3"/>
                 <a:stretch>
                   <a:fillRect l="-629" t="-28261" r="-2725" b="-50000"/>
                 </a:stretch>
@@ -7370,7 +9318,15 @@
           <a:p>
             <a:r>
               <a:rPr lang="en-US" altLang="zh-CN" dirty="0" smtClean="0"/>
-              <a:t>This means that we view this kernel only has one sampling period to finish. </a:t>
+              <a:t>This means that we </a:t>
+            </a:r>
+            <a:r>
+              <a:rPr lang="en-US" altLang="zh-CN" dirty="0" smtClean="0"/>
+              <a:t>view that </a:t>
+            </a:r>
+            <a:r>
+              <a:rPr lang="en-US" altLang="zh-CN" dirty="0" smtClean="0"/>
+              <a:t>this kernel only has one sampling period to finish. </a:t>
             </a:r>
             <a:endParaRPr lang="zh-CN" altLang="en-US" dirty="0"/>
           </a:p>
@@ -7419,6 +9375,44 @@
               <a:t> performance counters!</a:t>
             </a:r>
             <a:endParaRPr lang="zh-CN" altLang="en-US" sz="2400" dirty="0"/>
+          </a:p>
+        </p:txBody>
+      </p:sp>
+      <p:sp>
+        <p:nvSpPr>
+          <p:cNvPr id="2" name="文本框 1"/>
+          <p:cNvSpPr txBox="1"/>
+          <p:nvPr/>
+        </p:nvSpPr>
+        <p:spPr>
+          <a:xfrm>
+            <a:off x="523568" y="4995886"/>
+            <a:ext cx="11118941" cy="369332"/>
+          </a:xfrm>
+          <a:prstGeom prst="rect">
+            <a:avLst/>
+          </a:prstGeom>
+          <a:noFill/>
+        </p:spPr>
+        <p:txBody>
+          <a:bodyPr wrap="none" rtlCol="0">
+            <a:spAutoFit/>
+          </a:bodyPr>
+          <a:lstStyle/>
+          <a:p>
+            <a:r>
+              <a:rPr lang="en-US" altLang="zh-CN" dirty="0" smtClean="0"/>
+              <a:t>But actually this is not suitable for </a:t>
+            </a:r>
+            <a:r>
+              <a:rPr lang="en-US" altLang="zh-CN" dirty="0" err="1" smtClean="0"/>
+              <a:t>evry</a:t>
+            </a:r>
+            <a:r>
+              <a:rPr lang="en-US" altLang="zh-CN" dirty="0" smtClean="0"/>
+              <a:t> performance counter. We will encounter problems in the next several slides.</a:t>
+            </a:r>
+            <a:endParaRPr lang="zh-CN" altLang="en-US" dirty="0"/>
           </a:p>
         </p:txBody>
       </p:sp>
@@ -7435,9 +9429,172 @@
   <p:timing>
     <p:tnLst>
       <p:par>
-        <p:cTn id="1" dur="indefinite" restart="never" nodeType="tmRoot"/>
+        <p:cTn id="1" dur="indefinite" restart="never" nodeType="tmRoot">
+          <p:childTnLst>
+            <p:seq concurrent="1" nextAc="seek">
+              <p:cTn id="2" dur="indefinite" nodeType="mainSeq">
+                <p:childTnLst>
+                  <p:par>
+                    <p:cTn id="3" fill="hold">
+                      <p:stCondLst>
+                        <p:cond delay="indefinite"/>
+                      </p:stCondLst>
+                      <p:childTnLst>
+                        <p:par>
+                          <p:cTn id="4" fill="hold">
+                            <p:stCondLst>
+                              <p:cond delay="0"/>
+                            </p:stCondLst>
+                            <p:childTnLst>
+                              <p:par>
+                                <p:cTn id="5" presetID="1" presetClass="entr" presetSubtype="0" fill="hold" grpId="0" nodeType="clickEffect">
+                                  <p:stCondLst>
+                                    <p:cond delay="0"/>
+                                  </p:stCondLst>
+                                  <p:childTnLst>
+                                    <p:set>
+                                      <p:cBhvr>
+                                        <p:cTn id="6" dur="1" fill="hold">
+                                          <p:stCondLst>
+                                            <p:cond delay="0"/>
+                                          </p:stCondLst>
+                                        </p:cTn>
+                                        <p:tgtEl>
+                                          <p:spTgt spid="10"/>
+                                        </p:tgtEl>
+                                        <p:attrNameLst>
+                                          <p:attrName>style.visibility</p:attrName>
+                                        </p:attrNameLst>
+                                      </p:cBhvr>
+                                      <p:to>
+                                        <p:strVal val="visible"/>
+                                      </p:to>
+                                    </p:set>
+                                  </p:childTnLst>
+                                </p:cTn>
+                              </p:par>
+                            </p:childTnLst>
+                          </p:cTn>
+                        </p:par>
+                      </p:childTnLst>
+                    </p:cTn>
+                  </p:par>
+                  <p:par>
+                    <p:cTn id="7" fill="hold">
+                      <p:stCondLst>
+                        <p:cond delay="indefinite"/>
+                      </p:stCondLst>
+                      <p:childTnLst>
+                        <p:par>
+                          <p:cTn id="8" fill="hold">
+                            <p:stCondLst>
+                              <p:cond delay="0"/>
+                            </p:stCondLst>
+                            <p:childTnLst>
+                              <p:par>
+                                <p:cTn id="9" presetID="1" presetClass="entr" presetSubtype="0" fill="hold" grpId="0" nodeType="clickEffect">
+                                  <p:stCondLst>
+                                    <p:cond delay="0"/>
+                                  </p:stCondLst>
+                                  <p:childTnLst>
+                                    <p:set>
+                                      <p:cBhvr>
+                                        <p:cTn id="10" dur="1" fill="hold">
+                                          <p:stCondLst>
+                                            <p:cond delay="0"/>
+                                          </p:stCondLst>
+                                        </p:cTn>
+                                        <p:tgtEl>
+                                          <p:spTgt spid="2"/>
+                                        </p:tgtEl>
+                                        <p:attrNameLst>
+                                          <p:attrName>style.visibility</p:attrName>
+                                        </p:attrNameLst>
+                                      </p:cBhvr>
+                                      <p:to>
+                                        <p:strVal val="visible"/>
+                                      </p:to>
+                                    </p:set>
+                                  </p:childTnLst>
+                                </p:cTn>
+                              </p:par>
+                            </p:childTnLst>
+                          </p:cTn>
+                        </p:par>
+                      </p:childTnLst>
+                    </p:cTn>
+                  </p:par>
+                  <p:par>
+                    <p:cTn id="11" fill="hold">
+                      <p:stCondLst>
+                        <p:cond delay="indefinite"/>
+                      </p:stCondLst>
+                      <p:childTnLst>
+                        <p:par>
+                          <p:cTn id="12" fill="hold">
+                            <p:stCondLst>
+                              <p:cond delay="0"/>
+                            </p:stCondLst>
+                            <p:childTnLst>
+                              <p:par>
+                                <p:cTn id="13" presetID="1" presetClass="entr" presetSubtype="0" fill="hold" grpId="0" nodeType="clickEffect">
+                                  <p:stCondLst>
+                                    <p:cond delay="0"/>
+                                  </p:stCondLst>
+                                  <p:childTnLst>
+                                    <p:set>
+                                      <p:cBhvr>
+                                        <p:cTn id="14" dur="1" fill="hold">
+                                          <p:stCondLst>
+                                            <p:cond delay="0"/>
+                                          </p:stCondLst>
+                                        </p:cTn>
+                                        <p:tgtEl>
+                                          <p:spTgt spid="11"/>
+                                        </p:tgtEl>
+                                        <p:attrNameLst>
+                                          <p:attrName>style.visibility</p:attrName>
+                                        </p:attrNameLst>
+                                      </p:cBhvr>
+                                      <p:to>
+                                        <p:strVal val="visible"/>
+                                      </p:to>
+                                    </p:set>
+                                  </p:childTnLst>
+                                </p:cTn>
+                              </p:par>
+                            </p:childTnLst>
+                          </p:cTn>
+                        </p:par>
+                      </p:childTnLst>
+                    </p:cTn>
+                  </p:par>
+                </p:childTnLst>
+              </p:cTn>
+              <p:prevCondLst>
+                <p:cond evt="onPrev" delay="0">
+                  <p:tgtEl>
+                    <p:sldTgt/>
+                  </p:tgtEl>
+                </p:cond>
+              </p:prevCondLst>
+              <p:nextCondLst>
+                <p:cond evt="onNext" delay="0">
+                  <p:tgtEl>
+                    <p:sldTgt/>
+                  </p:tgtEl>
+                </p:cond>
+              </p:nextCondLst>
+            </p:seq>
+          </p:childTnLst>
+        </p:cTn>
       </p:par>
     </p:tnLst>
+    <p:bldLst>
+      <p:bldP spid="10" grpId="0"/>
+      <p:bldP spid="11" grpId="0"/>
+      <p:bldP spid="2" grpId="0"/>
+    </p:bldLst>
   </p:timing>
 </p:sld>
 </file>
@@ -7497,7 +9654,6 @@
               <a:rPr lang="en-US" altLang="zh-CN" dirty="0" smtClean="0"/>
               <a:t> to the performance counters which can satisfy GPGPU-Sim’s power model</a:t>
             </a:r>
-            <a:endParaRPr lang="en-US" altLang="zh-CN" dirty="0" smtClean="0"/>
           </a:p>
         </p:txBody>
       </p:sp>
@@ -7958,9 +10114,754 @@
   <p:timing>
     <p:tnLst>
       <p:par>
-        <p:cTn id="1" dur="indefinite" restart="never" nodeType="tmRoot"/>
+        <p:cTn id="1" dur="indefinite" restart="never" nodeType="tmRoot">
+          <p:childTnLst>
+            <p:seq concurrent="1" nextAc="seek">
+              <p:cTn id="2" dur="indefinite" nodeType="mainSeq">
+                <p:childTnLst>
+                  <p:par>
+                    <p:cTn id="3" fill="hold">
+                      <p:stCondLst>
+                        <p:cond delay="indefinite"/>
+                      </p:stCondLst>
+                      <p:childTnLst>
+                        <p:par>
+                          <p:cTn id="4" fill="hold">
+                            <p:stCondLst>
+                              <p:cond delay="0"/>
+                            </p:stCondLst>
+                            <p:childTnLst>
+                              <p:par>
+                                <p:cTn id="5" presetID="2" presetClass="entr" presetSubtype="4" fill="hold" grpId="0" nodeType="clickEffect">
+                                  <p:stCondLst>
+                                    <p:cond delay="0"/>
+                                  </p:stCondLst>
+                                  <p:childTnLst>
+                                    <p:set>
+                                      <p:cBhvr>
+                                        <p:cTn id="6" dur="1" fill="hold">
+                                          <p:stCondLst>
+                                            <p:cond delay="0"/>
+                                          </p:stCondLst>
+                                        </p:cTn>
+                                        <p:tgtEl>
+                                          <p:spTgt spid="7"/>
+                                        </p:tgtEl>
+                                        <p:attrNameLst>
+                                          <p:attrName>style.visibility</p:attrName>
+                                        </p:attrNameLst>
+                                      </p:cBhvr>
+                                      <p:to>
+                                        <p:strVal val="visible"/>
+                                      </p:to>
+                                    </p:set>
+                                    <p:anim calcmode="lin" valueType="num">
+                                      <p:cBhvr additive="base">
+                                        <p:cTn id="7" dur="500" fill="hold"/>
+                                        <p:tgtEl>
+                                          <p:spTgt spid="7"/>
+                                        </p:tgtEl>
+                                        <p:attrNameLst>
+                                          <p:attrName>ppt_x</p:attrName>
+                                        </p:attrNameLst>
+                                      </p:cBhvr>
+                                      <p:tavLst>
+                                        <p:tav tm="0">
+                                          <p:val>
+                                            <p:strVal val="#ppt_x"/>
+                                          </p:val>
+                                        </p:tav>
+                                        <p:tav tm="100000">
+                                          <p:val>
+                                            <p:strVal val="#ppt_x"/>
+                                          </p:val>
+                                        </p:tav>
+                                      </p:tavLst>
+                                    </p:anim>
+                                    <p:anim calcmode="lin" valueType="num">
+                                      <p:cBhvr additive="base">
+                                        <p:cTn id="8" dur="500" fill="hold"/>
+                                        <p:tgtEl>
+                                          <p:spTgt spid="7"/>
+                                        </p:tgtEl>
+                                        <p:attrNameLst>
+                                          <p:attrName>ppt_y</p:attrName>
+                                        </p:attrNameLst>
+                                      </p:cBhvr>
+                                      <p:tavLst>
+                                        <p:tav tm="0">
+                                          <p:val>
+                                            <p:strVal val="1+#ppt_h/2"/>
+                                          </p:val>
+                                        </p:tav>
+                                        <p:tav tm="100000">
+                                          <p:val>
+                                            <p:strVal val="#ppt_y"/>
+                                          </p:val>
+                                        </p:tav>
+                                      </p:tavLst>
+                                    </p:anim>
+                                  </p:childTnLst>
+                                </p:cTn>
+                              </p:par>
+                              <p:par>
+                                <p:cTn id="9" presetID="2" presetClass="entr" presetSubtype="4" fill="hold" grpId="0" nodeType="withEffect">
+                                  <p:stCondLst>
+                                    <p:cond delay="0"/>
+                                  </p:stCondLst>
+                                  <p:childTnLst>
+                                    <p:set>
+                                      <p:cBhvr>
+                                        <p:cTn id="10" dur="1" fill="hold">
+                                          <p:stCondLst>
+                                            <p:cond delay="0"/>
+                                          </p:stCondLst>
+                                        </p:cTn>
+                                        <p:tgtEl>
+                                          <p:spTgt spid="9"/>
+                                        </p:tgtEl>
+                                        <p:attrNameLst>
+                                          <p:attrName>style.visibility</p:attrName>
+                                        </p:attrNameLst>
+                                      </p:cBhvr>
+                                      <p:to>
+                                        <p:strVal val="visible"/>
+                                      </p:to>
+                                    </p:set>
+                                    <p:anim calcmode="lin" valueType="num">
+                                      <p:cBhvr additive="base">
+                                        <p:cTn id="11" dur="500" fill="hold"/>
+                                        <p:tgtEl>
+                                          <p:spTgt spid="9"/>
+                                        </p:tgtEl>
+                                        <p:attrNameLst>
+                                          <p:attrName>ppt_x</p:attrName>
+                                        </p:attrNameLst>
+                                      </p:cBhvr>
+                                      <p:tavLst>
+                                        <p:tav tm="0">
+                                          <p:val>
+                                            <p:strVal val="#ppt_x"/>
+                                          </p:val>
+                                        </p:tav>
+                                        <p:tav tm="100000">
+                                          <p:val>
+                                            <p:strVal val="#ppt_x"/>
+                                          </p:val>
+                                        </p:tav>
+                                      </p:tavLst>
+                                    </p:anim>
+                                    <p:anim calcmode="lin" valueType="num">
+                                      <p:cBhvr additive="base">
+                                        <p:cTn id="12" dur="500" fill="hold"/>
+                                        <p:tgtEl>
+                                          <p:spTgt spid="9"/>
+                                        </p:tgtEl>
+                                        <p:attrNameLst>
+                                          <p:attrName>ppt_y</p:attrName>
+                                        </p:attrNameLst>
+                                      </p:cBhvr>
+                                      <p:tavLst>
+                                        <p:tav tm="0">
+                                          <p:val>
+                                            <p:strVal val="1+#ppt_h/2"/>
+                                          </p:val>
+                                        </p:tav>
+                                        <p:tav tm="100000">
+                                          <p:val>
+                                            <p:strVal val="#ppt_y"/>
+                                          </p:val>
+                                        </p:tav>
+                                      </p:tavLst>
+                                    </p:anim>
+                                  </p:childTnLst>
+                                </p:cTn>
+                              </p:par>
+                              <p:par>
+                                <p:cTn id="13" presetID="2" presetClass="entr" presetSubtype="4" fill="hold" grpId="0" nodeType="withEffect">
+                                  <p:stCondLst>
+                                    <p:cond delay="0"/>
+                                  </p:stCondLst>
+                                  <p:childTnLst>
+                                    <p:set>
+                                      <p:cBhvr>
+                                        <p:cTn id="14" dur="1" fill="hold">
+                                          <p:stCondLst>
+                                            <p:cond delay="0"/>
+                                          </p:stCondLst>
+                                        </p:cTn>
+                                        <p:tgtEl>
+                                          <p:spTgt spid="15"/>
+                                        </p:tgtEl>
+                                        <p:attrNameLst>
+                                          <p:attrName>style.visibility</p:attrName>
+                                        </p:attrNameLst>
+                                      </p:cBhvr>
+                                      <p:to>
+                                        <p:strVal val="visible"/>
+                                      </p:to>
+                                    </p:set>
+                                    <p:anim calcmode="lin" valueType="num">
+                                      <p:cBhvr additive="base">
+                                        <p:cTn id="15" dur="500" fill="hold"/>
+                                        <p:tgtEl>
+                                          <p:spTgt spid="15"/>
+                                        </p:tgtEl>
+                                        <p:attrNameLst>
+                                          <p:attrName>ppt_x</p:attrName>
+                                        </p:attrNameLst>
+                                      </p:cBhvr>
+                                      <p:tavLst>
+                                        <p:tav tm="0">
+                                          <p:val>
+                                            <p:strVal val="#ppt_x"/>
+                                          </p:val>
+                                        </p:tav>
+                                        <p:tav tm="100000">
+                                          <p:val>
+                                            <p:strVal val="#ppt_x"/>
+                                          </p:val>
+                                        </p:tav>
+                                      </p:tavLst>
+                                    </p:anim>
+                                    <p:anim calcmode="lin" valueType="num">
+                                      <p:cBhvr additive="base">
+                                        <p:cTn id="16" dur="500" fill="hold"/>
+                                        <p:tgtEl>
+                                          <p:spTgt spid="15"/>
+                                        </p:tgtEl>
+                                        <p:attrNameLst>
+                                          <p:attrName>ppt_y</p:attrName>
+                                        </p:attrNameLst>
+                                      </p:cBhvr>
+                                      <p:tavLst>
+                                        <p:tav tm="0">
+                                          <p:val>
+                                            <p:strVal val="1+#ppt_h/2"/>
+                                          </p:val>
+                                        </p:tav>
+                                        <p:tav tm="100000">
+                                          <p:val>
+                                            <p:strVal val="#ppt_y"/>
+                                          </p:val>
+                                        </p:tav>
+                                      </p:tavLst>
+                                    </p:anim>
+                                  </p:childTnLst>
+                                </p:cTn>
+                              </p:par>
+                            </p:childTnLst>
+                          </p:cTn>
+                        </p:par>
+                      </p:childTnLst>
+                    </p:cTn>
+                  </p:par>
+                  <p:par>
+                    <p:cTn id="17" fill="hold">
+                      <p:stCondLst>
+                        <p:cond delay="indefinite"/>
+                      </p:stCondLst>
+                      <p:childTnLst>
+                        <p:par>
+                          <p:cTn id="18" fill="hold">
+                            <p:stCondLst>
+                              <p:cond delay="0"/>
+                            </p:stCondLst>
+                            <p:childTnLst>
+                              <p:par>
+                                <p:cTn id="19" presetID="2" presetClass="entr" presetSubtype="4" fill="hold" grpId="0" nodeType="clickEffect">
+                                  <p:stCondLst>
+                                    <p:cond delay="0"/>
+                                  </p:stCondLst>
+                                  <p:childTnLst>
+                                    <p:set>
+                                      <p:cBhvr>
+                                        <p:cTn id="20" dur="1" fill="hold">
+                                          <p:stCondLst>
+                                            <p:cond delay="0"/>
+                                          </p:stCondLst>
+                                        </p:cTn>
+                                        <p:tgtEl>
+                                          <p:spTgt spid="8"/>
+                                        </p:tgtEl>
+                                        <p:attrNameLst>
+                                          <p:attrName>style.visibility</p:attrName>
+                                        </p:attrNameLst>
+                                      </p:cBhvr>
+                                      <p:to>
+                                        <p:strVal val="visible"/>
+                                      </p:to>
+                                    </p:set>
+                                    <p:anim calcmode="lin" valueType="num">
+                                      <p:cBhvr additive="base">
+                                        <p:cTn id="21" dur="500" fill="hold"/>
+                                        <p:tgtEl>
+                                          <p:spTgt spid="8"/>
+                                        </p:tgtEl>
+                                        <p:attrNameLst>
+                                          <p:attrName>ppt_x</p:attrName>
+                                        </p:attrNameLst>
+                                      </p:cBhvr>
+                                      <p:tavLst>
+                                        <p:tav tm="0">
+                                          <p:val>
+                                            <p:strVal val="#ppt_x"/>
+                                          </p:val>
+                                        </p:tav>
+                                        <p:tav tm="100000">
+                                          <p:val>
+                                            <p:strVal val="#ppt_x"/>
+                                          </p:val>
+                                        </p:tav>
+                                      </p:tavLst>
+                                    </p:anim>
+                                    <p:anim calcmode="lin" valueType="num">
+                                      <p:cBhvr additive="base">
+                                        <p:cTn id="22" dur="500" fill="hold"/>
+                                        <p:tgtEl>
+                                          <p:spTgt spid="8"/>
+                                        </p:tgtEl>
+                                        <p:attrNameLst>
+                                          <p:attrName>ppt_y</p:attrName>
+                                        </p:attrNameLst>
+                                      </p:cBhvr>
+                                      <p:tavLst>
+                                        <p:tav tm="0">
+                                          <p:val>
+                                            <p:strVal val="1+#ppt_h/2"/>
+                                          </p:val>
+                                        </p:tav>
+                                        <p:tav tm="100000">
+                                          <p:val>
+                                            <p:strVal val="#ppt_y"/>
+                                          </p:val>
+                                        </p:tav>
+                                      </p:tavLst>
+                                    </p:anim>
+                                  </p:childTnLst>
+                                </p:cTn>
+                              </p:par>
+                              <p:par>
+                                <p:cTn id="23" presetID="2" presetClass="entr" presetSubtype="4" fill="hold" grpId="0" nodeType="withEffect">
+                                  <p:stCondLst>
+                                    <p:cond delay="0"/>
+                                  </p:stCondLst>
+                                  <p:childTnLst>
+                                    <p:set>
+                                      <p:cBhvr>
+                                        <p:cTn id="24" dur="1" fill="hold">
+                                          <p:stCondLst>
+                                            <p:cond delay="0"/>
+                                          </p:stCondLst>
+                                        </p:cTn>
+                                        <p:tgtEl>
+                                          <p:spTgt spid="10"/>
+                                        </p:tgtEl>
+                                        <p:attrNameLst>
+                                          <p:attrName>style.visibility</p:attrName>
+                                        </p:attrNameLst>
+                                      </p:cBhvr>
+                                      <p:to>
+                                        <p:strVal val="visible"/>
+                                      </p:to>
+                                    </p:set>
+                                    <p:anim calcmode="lin" valueType="num">
+                                      <p:cBhvr additive="base">
+                                        <p:cTn id="25" dur="500" fill="hold"/>
+                                        <p:tgtEl>
+                                          <p:spTgt spid="10"/>
+                                        </p:tgtEl>
+                                        <p:attrNameLst>
+                                          <p:attrName>ppt_x</p:attrName>
+                                        </p:attrNameLst>
+                                      </p:cBhvr>
+                                      <p:tavLst>
+                                        <p:tav tm="0">
+                                          <p:val>
+                                            <p:strVal val="#ppt_x"/>
+                                          </p:val>
+                                        </p:tav>
+                                        <p:tav tm="100000">
+                                          <p:val>
+                                            <p:strVal val="#ppt_x"/>
+                                          </p:val>
+                                        </p:tav>
+                                      </p:tavLst>
+                                    </p:anim>
+                                    <p:anim calcmode="lin" valueType="num">
+                                      <p:cBhvr additive="base">
+                                        <p:cTn id="26" dur="500" fill="hold"/>
+                                        <p:tgtEl>
+                                          <p:spTgt spid="10"/>
+                                        </p:tgtEl>
+                                        <p:attrNameLst>
+                                          <p:attrName>ppt_y</p:attrName>
+                                        </p:attrNameLst>
+                                      </p:cBhvr>
+                                      <p:tavLst>
+                                        <p:tav tm="0">
+                                          <p:val>
+                                            <p:strVal val="1+#ppt_h/2"/>
+                                          </p:val>
+                                        </p:tav>
+                                        <p:tav tm="100000">
+                                          <p:val>
+                                            <p:strVal val="#ppt_y"/>
+                                          </p:val>
+                                        </p:tav>
+                                      </p:tavLst>
+                                    </p:anim>
+                                  </p:childTnLst>
+                                </p:cTn>
+                              </p:par>
+                              <p:par>
+                                <p:cTn id="27" presetID="2" presetClass="entr" presetSubtype="4" fill="hold" grpId="0" nodeType="withEffect">
+                                  <p:stCondLst>
+                                    <p:cond delay="0"/>
+                                  </p:stCondLst>
+                                  <p:childTnLst>
+                                    <p:set>
+                                      <p:cBhvr>
+                                        <p:cTn id="28" dur="1" fill="hold">
+                                          <p:stCondLst>
+                                            <p:cond delay="0"/>
+                                          </p:stCondLst>
+                                        </p:cTn>
+                                        <p:tgtEl>
+                                          <p:spTgt spid="14"/>
+                                        </p:tgtEl>
+                                        <p:attrNameLst>
+                                          <p:attrName>style.visibility</p:attrName>
+                                        </p:attrNameLst>
+                                      </p:cBhvr>
+                                      <p:to>
+                                        <p:strVal val="visible"/>
+                                      </p:to>
+                                    </p:set>
+                                    <p:anim calcmode="lin" valueType="num">
+                                      <p:cBhvr additive="base">
+                                        <p:cTn id="29" dur="500" fill="hold"/>
+                                        <p:tgtEl>
+                                          <p:spTgt spid="14"/>
+                                        </p:tgtEl>
+                                        <p:attrNameLst>
+                                          <p:attrName>ppt_x</p:attrName>
+                                        </p:attrNameLst>
+                                      </p:cBhvr>
+                                      <p:tavLst>
+                                        <p:tav tm="0">
+                                          <p:val>
+                                            <p:strVal val="#ppt_x"/>
+                                          </p:val>
+                                        </p:tav>
+                                        <p:tav tm="100000">
+                                          <p:val>
+                                            <p:strVal val="#ppt_x"/>
+                                          </p:val>
+                                        </p:tav>
+                                      </p:tavLst>
+                                    </p:anim>
+                                    <p:anim calcmode="lin" valueType="num">
+                                      <p:cBhvr additive="base">
+                                        <p:cTn id="30" dur="500" fill="hold"/>
+                                        <p:tgtEl>
+                                          <p:spTgt spid="14"/>
+                                        </p:tgtEl>
+                                        <p:attrNameLst>
+                                          <p:attrName>ppt_y</p:attrName>
+                                        </p:attrNameLst>
+                                      </p:cBhvr>
+                                      <p:tavLst>
+                                        <p:tav tm="0">
+                                          <p:val>
+                                            <p:strVal val="1+#ppt_h/2"/>
+                                          </p:val>
+                                        </p:tav>
+                                        <p:tav tm="100000">
+                                          <p:val>
+                                            <p:strVal val="#ppt_y"/>
+                                          </p:val>
+                                        </p:tav>
+                                      </p:tavLst>
+                                    </p:anim>
+                                  </p:childTnLst>
+                                </p:cTn>
+                              </p:par>
+                            </p:childTnLst>
+                          </p:cTn>
+                        </p:par>
+                      </p:childTnLst>
+                    </p:cTn>
+                  </p:par>
+                  <p:par>
+                    <p:cTn id="31" fill="hold">
+                      <p:stCondLst>
+                        <p:cond delay="indefinite"/>
+                      </p:stCondLst>
+                      <p:childTnLst>
+                        <p:par>
+                          <p:cTn id="32" fill="hold">
+                            <p:stCondLst>
+                              <p:cond delay="0"/>
+                            </p:stCondLst>
+                            <p:childTnLst>
+                              <p:par>
+                                <p:cTn id="33" presetID="2" presetClass="entr" presetSubtype="4" fill="hold" grpId="0" nodeType="clickEffect">
+                                  <p:stCondLst>
+                                    <p:cond delay="0"/>
+                                  </p:stCondLst>
+                                  <p:childTnLst>
+                                    <p:set>
+                                      <p:cBhvr>
+                                        <p:cTn id="34" dur="1" fill="hold">
+                                          <p:stCondLst>
+                                            <p:cond delay="0"/>
+                                          </p:stCondLst>
+                                        </p:cTn>
+                                        <p:tgtEl>
+                                          <p:spTgt spid="11"/>
+                                        </p:tgtEl>
+                                        <p:attrNameLst>
+                                          <p:attrName>style.visibility</p:attrName>
+                                        </p:attrNameLst>
+                                      </p:cBhvr>
+                                      <p:to>
+                                        <p:strVal val="visible"/>
+                                      </p:to>
+                                    </p:set>
+                                    <p:anim calcmode="lin" valueType="num">
+                                      <p:cBhvr additive="base">
+                                        <p:cTn id="35" dur="500" fill="hold"/>
+                                        <p:tgtEl>
+                                          <p:spTgt spid="11"/>
+                                        </p:tgtEl>
+                                        <p:attrNameLst>
+                                          <p:attrName>ppt_x</p:attrName>
+                                        </p:attrNameLst>
+                                      </p:cBhvr>
+                                      <p:tavLst>
+                                        <p:tav tm="0">
+                                          <p:val>
+                                            <p:strVal val="#ppt_x"/>
+                                          </p:val>
+                                        </p:tav>
+                                        <p:tav tm="100000">
+                                          <p:val>
+                                            <p:strVal val="#ppt_x"/>
+                                          </p:val>
+                                        </p:tav>
+                                      </p:tavLst>
+                                    </p:anim>
+                                    <p:anim calcmode="lin" valueType="num">
+                                      <p:cBhvr additive="base">
+                                        <p:cTn id="36" dur="500" fill="hold"/>
+                                        <p:tgtEl>
+                                          <p:spTgt spid="11"/>
+                                        </p:tgtEl>
+                                        <p:attrNameLst>
+                                          <p:attrName>ppt_y</p:attrName>
+                                        </p:attrNameLst>
+                                      </p:cBhvr>
+                                      <p:tavLst>
+                                        <p:tav tm="0">
+                                          <p:val>
+                                            <p:strVal val="1+#ppt_h/2"/>
+                                          </p:val>
+                                        </p:tav>
+                                        <p:tav tm="100000">
+                                          <p:val>
+                                            <p:strVal val="#ppt_y"/>
+                                          </p:val>
+                                        </p:tav>
+                                      </p:tavLst>
+                                    </p:anim>
+                                  </p:childTnLst>
+                                </p:cTn>
+                              </p:par>
+                              <p:par>
+                                <p:cTn id="37" presetID="2" presetClass="entr" presetSubtype="4" fill="hold" grpId="0" nodeType="withEffect">
+                                  <p:stCondLst>
+                                    <p:cond delay="0"/>
+                                  </p:stCondLst>
+                                  <p:childTnLst>
+                                    <p:set>
+                                      <p:cBhvr>
+                                        <p:cTn id="38" dur="1" fill="hold">
+                                          <p:stCondLst>
+                                            <p:cond delay="0"/>
+                                          </p:stCondLst>
+                                        </p:cTn>
+                                        <p:tgtEl>
+                                          <p:spTgt spid="12"/>
+                                        </p:tgtEl>
+                                        <p:attrNameLst>
+                                          <p:attrName>style.visibility</p:attrName>
+                                        </p:attrNameLst>
+                                      </p:cBhvr>
+                                      <p:to>
+                                        <p:strVal val="visible"/>
+                                      </p:to>
+                                    </p:set>
+                                    <p:anim calcmode="lin" valueType="num">
+                                      <p:cBhvr additive="base">
+                                        <p:cTn id="39" dur="500" fill="hold"/>
+                                        <p:tgtEl>
+                                          <p:spTgt spid="12"/>
+                                        </p:tgtEl>
+                                        <p:attrNameLst>
+                                          <p:attrName>ppt_x</p:attrName>
+                                        </p:attrNameLst>
+                                      </p:cBhvr>
+                                      <p:tavLst>
+                                        <p:tav tm="0">
+                                          <p:val>
+                                            <p:strVal val="#ppt_x"/>
+                                          </p:val>
+                                        </p:tav>
+                                        <p:tav tm="100000">
+                                          <p:val>
+                                            <p:strVal val="#ppt_x"/>
+                                          </p:val>
+                                        </p:tav>
+                                      </p:tavLst>
+                                    </p:anim>
+                                    <p:anim calcmode="lin" valueType="num">
+                                      <p:cBhvr additive="base">
+                                        <p:cTn id="40" dur="500" fill="hold"/>
+                                        <p:tgtEl>
+                                          <p:spTgt spid="12"/>
+                                        </p:tgtEl>
+                                        <p:attrNameLst>
+                                          <p:attrName>ppt_y</p:attrName>
+                                        </p:attrNameLst>
+                                      </p:cBhvr>
+                                      <p:tavLst>
+                                        <p:tav tm="0">
+                                          <p:val>
+                                            <p:strVal val="1+#ppt_h/2"/>
+                                          </p:val>
+                                        </p:tav>
+                                        <p:tav tm="100000">
+                                          <p:val>
+                                            <p:strVal val="#ppt_y"/>
+                                          </p:val>
+                                        </p:tav>
+                                      </p:tavLst>
+                                    </p:anim>
+                                  </p:childTnLst>
+                                </p:cTn>
+                              </p:par>
+                              <p:par>
+                                <p:cTn id="41" presetID="2" presetClass="entr" presetSubtype="4" fill="hold" grpId="0" nodeType="withEffect">
+                                  <p:stCondLst>
+                                    <p:cond delay="0"/>
+                                  </p:stCondLst>
+                                  <p:childTnLst>
+                                    <p:set>
+                                      <p:cBhvr>
+                                        <p:cTn id="42" dur="1" fill="hold">
+                                          <p:stCondLst>
+                                            <p:cond delay="0"/>
+                                          </p:stCondLst>
+                                        </p:cTn>
+                                        <p:tgtEl>
+                                          <p:spTgt spid="13"/>
+                                        </p:tgtEl>
+                                        <p:attrNameLst>
+                                          <p:attrName>style.visibility</p:attrName>
+                                        </p:attrNameLst>
+                                      </p:cBhvr>
+                                      <p:to>
+                                        <p:strVal val="visible"/>
+                                      </p:to>
+                                    </p:set>
+                                    <p:anim calcmode="lin" valueType="num">
+                                      <p:cBhvr additive="base">
+                                        <p:cTn id="43" dur="500" fill="hold"/>
+                                        <p:tgtEl>
+                                          <p:spTgt spid="13"/>
+                                        </p:tgtEl>
+                                        <p:attrNameLst>
+                                          <p:attrName>ppt_x</p:attrName>
+                                        </p:attrNameLst>
+                                      </p:cBhvr>
+                                      <p:tavLst>
+                                        <p:tav tm="0">
+                                          <p:val>
+                                            <p:strVal val="#ppt_x"/>
+                                          </p:val>
+                                        </p:tav>
+                                        <p:tav tm="100000">
+                                          <p:val>
+                                            <p:strVal val="#ppt_x"/>
+                                          </p:val>
+                                        </p:tav>
+                                      </p:tavLst>
+                                    </p:anim>
+                                    <p:anim calcmode="lin" valueType="num">
+                                      <p:cBhvr additive="base">
+                                        <p:cTn id="44" dur="500" fill="hold"/>
+                                        <p:tgtEl>
+                                          <p:spTgt spid="13"/>
+                                        </p:tgtEl>
+                                        <p:attrNameLst>
+                                          <p:attrName>ppt_y</p:attrName>
+                                        </p:attrNameLst>
+                                      </p:cBhvr>
+                                      <p:tavLst>
+                                        <p:tav tm="0">
+                                          <p:val>
+                                            <p:strVal val="1+#ppt_h/2"/>
+                                          </p:val>
+                                        </p:tav>
+                                        <p:tav tm="100000">
+                                          <p:val>
+                                            <p:strVal val="#ppt_y"/>
+                                          </p:val>
+                                        </p:tav>
+                                      </p:tavLst>
+                                    </p:anim>
+                                  </p:childTnLst>
+                                </p:cTn>
+                              </p:par>
+                            </p:childTnLst>
+                          </p:cTn>
+                        </p:par>
+                      </p:childTnLst>
+                    </p:cTn>
+                  </p:par>
+                </p:childTnLst>
+              </p:cTn>
+              <p:prevCondLst>
+                <p:cond evt="onPrev" delay="0">
+                  <p:tgtEl>
+                    <p:sldTgt/>
+                  </p:tgtEl>
+                </p:cond>
+              </p:prevCondLst>
+              <p:nextCondLst>
+                <p:cond evt="onNext" delay="0">
+                  <p:tgtEl>
+                    <p:sldTgt/>
+                  </p:tgtEl>
+                </p:cond>
+              </p:nextCondLst>
+            </p:seq>
+          </p:childTnLst>
+        </p:cTn>
       </p:par>
     </p:tnLst>
+    <p:bldLst>
+      <p:bldP spid="7" grpId="0"/>
+      <p:bldP spid="8" grpId="0"/>
+      <p:bldP spid="9" grpId="0"/>
+      <p:bldP spid="10" grpId="0"/>
+      <p:bldP spid="11" grpId="0"/>
+      <p:bldP spid="12" grpId="0" animBg="1"/>
+      <p:bldP spid="13" grpId="0"/>
+      <p:bldP spid="14" grpId="0" animBg="1"/>
+      <p:bldP spid="15" grpId="0" animBg="1"/>
+    </p:bldLst>
   </p:timing>
 </p:sld>
 </file>
@@ -8437,8 +11338,12 @@
           <a:lstStyle/>
           <a:p>
             <a:r>
+              <a:rPr lang="en-US" altLang="zh-CN" i="1" dirty="0" err="1" smtClean="0"/>
+              <a:t>mov</a:t>
+            </a:r>
+            <a:r>
               <a:rPr lang="en-US" altLang="zh-CN" i="1" dirty="0" smtClean="0"/>
-              <a:t>move	$a0, $t2</a:t>
+              <a:t>	$a0, $t2</a:t>
             </a:r>
             <a:endParaRPr lang="zh-CN" altLang="en-US" i="1" dirty="0"/>
           </a:p>
@@ -8533,8 +11438,13 @@
           <a:p>
             <a:r>
               <a:rPr lang="en-US" altLang="zh-CN" dirty="0" smtClean="0"/>
-              <a:t>If we want to estimate the register file operations more accurate, </a:t>
-            </a:r>
+              <a:t>If we want to estimate the register file operations more </a:t>
+            </a:r>
+            <a:r>
+              <a:rPr lang="en-US" altLang="zh-CN" dirty="0" smtClean="0"/>
+              <a:t>accurately, </a:t>
+            </a:r>
+            <a:endParaRPr lang="en-US" altLang="zh-CN" dirty="0" smtClean="0"/>
           </a:p>
           <a:p>
             <a:r>
@@ -8560,7 +11470,7 @@
         <p:spPr>
           <a:xfrm>
             <a:off x="1850923" y="4848375"/>
-            <a:ext cx="7814447" cy="646331"/>
+            <a:ext cx="8134150" cy="646331"/>
           </a:xfrm>
           <a:prstGeom prst="rect">
             <a:avLst/>
@@ -8581,9 +11491,12 @@
           <a:p>
             <a:r>
               <a:rPr lang="en-US" altLang="zh-CN" dirty="0" smtClean="0"/>
-              <a:t>manually based on the instruction number</a:t>
-            </a:r>
-            <a:endParaRPr lang="zh-CN" altLang="en-US" dirty="0"/>
+              <a:t>manually based on the instruction </a:t>
+            </a:r>
+            <a:r>
+              <a:rPr lang="en-US" altLang="zh-CN" dirty="0" smtClean="0"/>
+              <a:t>number.  This is the best method we can take now.</a:t>
+            </a:r>
           </a:p>
         </p:txBody>
       </p:sp>
@@ -8600,9 +11513,126 @@
   <p:timing>
     <p:tnLst>
       <p:par>
-        <p:cTn id="1" dur="indefinite" restart="never" nodeType="tmRoot"/>
+        <p:cTn id="1" dur="indefinite" restart="never" nodeType="tmRoot">
+          <p:childTnLst>
+            <p:seq concurrent="1" nextAc="seek">
+              <p:cTn id="2" dur="indefinite" nodeType="mainSeq">
+                <p:childTnLst>
+                  <p:par>
+                    <p:cTn id="3" fill="hold">
+                      <p:stCondLst>
+                        <p:cond delay="indefinite"/>
+                      </p:stCondLst>
+                      <p:childTnLst>
+                        <p:par>
+                          <p:cTn id="4" fill="hold">
+                            <p:stCondLst>
+                              <p:cond delay="0"/>
+                            </p:stCondLst>
+                            <p:childTnLst>
+                              <p:par>
+                                <p:cTn id="5" presetID="2" presetClass="entr" presetSubtype="4" fill="hold" grpId="0" nodeType="clickEffect">
+                                  <p:stCondLst>
+                                    <p:cond delay="0"/>
+                                  </p:stCondLst>
+                                  <p:childTnLst>
+                                    <p:set>
+                                      <p:cBhvr>
+                                        <p:cTn id="6" dur="1" fill="hold">
+                                          <p:stCondLst>
+                                            <p:cond delay="0"/>
+                                          </p:stCondLst>
+                                        </p:cTn>
+                                        <p:tgtEl>
+                                          <p:spTgt spid="12"/>
+                                        </p:tgtEl>
+                                        <p:attrNameLst>
+                                          <p:attrName>style.visibility</p:attrName>
+                                        </p:attrNameLst>
+                                      </p:cBhvr>
+                                      <p:to>
+                                        <p:strVal val="visible"/>
+                                      </p:to>
+                                    </p:set>
+                                    <p:anim calcmode="lin" valueType="num">
+                                      <p:cBhvr additive="base">
+                                        <p:cTn id="7" dur="500" fill="hold"/>
+                                        <p:tgtEl>
+                                          <p:spTgt spid="12"/>
+                                        </p:tgtEl>
+                                        <p:attrNameLst>
+                                          <p:attrName>ppt_x</p:attrName>
+                                        </p:attrNameLst>
+                                      </p:cBhvr>
+                                      <p:tavLst>
+                                        <p:tav tm="0">
+                                          <p:val>
+                                            <p:strVal val="#ppt_x"/>
+                                          </p:val>
+                                        </p:tav>
+                                        <p:tav tm="100000">
+                                          <p:val>
+                                            <p:strVal val="#ppt_x"/>
+                                          </p:val>
+                                        </p:tav>
+                                      </p:tavLst>
+                                    </p:anim>
+                                    <p:anim calcmode="lin" valueType="num">
+                                      <p:cBhvr additive="base">
+                                        <p:cTn id="8" dur="500" fill="hold"/>
+                                        <p:tgtEl>
+                                          <p:spTgt spid="12"/>
+                                        </p:tgtEl>
+                                        <p:attrNameLst>
+                                          <p:attrName>ppt_y</p:attrName>
+                                        </p:attrNameLst>
+                                      </p:cBhvr>
+                                      <p:tavLst>
+                                        <p:tav tm="0">
+                                          <p:val>
+                                            <p:strVal val="1+#ppt_h/2"/>
+                                          </p:val>
+                                        </p:tav>
+                                        <p:tav tm="100000">
+                                          <p:val>
+                                            <p:strVal val="#ppt_y"/>
+                                          </p:val>
+                                        </p:tav>
+                                      </p:tavLst>
+                                    </p:anim>
+                                  </p:childTnLst>
+                                </p:cTn>
+                              </p:par>
+                            </p:childTnLst>
+                          </p:cTn>
+                        </p:par>
+                      </p:childTnLst>
+                    </p:cTn>
+                  </p:par>
+                </p:childTnLst>
+              </p:cTn>
+              <p:prevCondLst>
+                <p:cond evt="onPrev" delay="0">
+                  <p:tgtEl>
+                    <p:sldTgt/>
+                  </p:tgtEl>
+                </p:cond>
+              </p:prevCondLst>
+              <p:nextCondLst>
+                <p:cond evt="onNext" delay="0">
+                  <p:tgtEl>
+                    <p:sldTgt/>
+                  </p:tgtEl>
+                </p:cond>
+              </p:nextCondLst>
+            </p:seq>
+          </p:childTnLst>
+        </p:cTn>
       </p:par>
     </p:tnLst>
+    <p:bldLst>
+      <p:bldP spid="12" grpId="0"/>
+    </p:bldLst>
   </p:timing>
 </p:sld>
 </file>
@@ -8785,7 +11815,7 @@
         </p:nvSpPr>
         <p:spPr>
           <a:xfrm>
-            <a:off x="730045" y="3510116"/>
+            <a:off x="730045" y="3446814"/>
             <a:ext cx="4730975" cy="369332"/>
           </a:xfrm>
           <a:prstGeom prst="rect">
@@ -8883,7 +11913,7 @@
         <p:spPr>
           <a:xfrm>
             <a:off x="730045" y="5479026"/>
-            <a:ext cx="10008445" cy="369332"/>
+            <a:ext cx="10562892" cy="369332"/>
           </a:xfrm>
           <a:prstGeom prst="rect">
             <a:avLst/>
@@ -8906,7 +11936,11 @@
             </a:r>
             <a:r>
               <a:rPr lang="en-US" altLang="zh-CN" dirty="0" smtClean="0"/>
-              <a:t> we found we cannot just set it as the average….</a:t>
+              <a:t> we found we cannot just set it as the </a:t>
+            </a:r>
+            <a:r>
+              <a:rPr lang="en-US" altLang="zh-CN" dirty="0" smtClean="0"/>
+              <a:t>average value….</a:t>
             </a:r>
             <a:endParaRPr lang="zh-CN" altLang="en-US" i="1" dirty="0"/>
           </a:p>
@@ -8966,9 +12000,80 @@
   <p:timing>
     <p:tnLst>
       <p:par>
-        <p:cTn id="1" dur="indefinite" restart="never" nodeType="tmRoot"/>
+        <p:cTn id="1" dur="indefinite" restart="never" nodeType="tmRoot">
+          <p:childTnLst>
+            <p:seq concurrent="1" nextAc="seek">
+              <p:cTn id="2" dur="indefinite" nodeType="mainSeq">
+                <p:childTnLst>
+                  <p:par>
+                    <p:cTn id="3" fill="hold">
+                      <p:stCondLst>
+                        <p:cond delay="indefinite"/>
+                      </p:stCondLst>
+                      <p:childTnLst>
+                        <p:par>
+                          <p:cTn id="4" fill="hold">
+                            <p:stCondLst>
+                              <p:cond delay="0"/>
+                            </p:stCondLst>
+                            <p:childTnLst>
+                              <p:par>
+                                <p:cTn id="5" presetID="1" presetClass="entr" presetSubtype="0" fill="hold" grpId="0" nodeType="clickEffect">
+                                  <p:stCondLst>
+                                    <p:cond delay="0"/>
+                                  </p:stCondLst>
+                                  <p:childTnLst>
+                                    <p:set>
+                                      <p:cBhvr>
+                                        <p:cTn id="6" dur="1" fill="hold">
+                                          <p:stCondLst>
+                                            <p:cond delay="0"/>
+                                          </p:stCondLst>
+                                        </p:cTn>
+                                        <p:tgtEl>
+                                          <p:spTgt spid="16"/>
+                                        </p:tgtEl>
+                                        <p:attrNameLst>
+                                          <p:attrName>style.visibility</p:attrName>
+                                        </p:attrNameLst>
+                                      </p:cBhvr>
+                                      <p:to>
+                                        <p:strVal val="visible"/>
+                                      </p:to>
+                                    </p:set>
+                                  </p:childTnLst>
+                                </p:cTn>
+                              </p:par>
+                            </p:childTnLst>
+                          </p:cTn>
+                        </p:par>
+                      </p:childTnLst>
+                    </p:cTn>
+                  </p:par>
+                </p:childTnLst>
+              </p:cTn>
+              <p:prevCondLst>
+                <p:cond evt="onPrev" delay="0">
+                  <p:tgtEl>
+                    <p:sldTgt/>
+                  </p:tgtEl>
+                </p:cond>
+              </p:prevCondLst>
+              <p:nextCondLst>
+                <p:cond evt="onNext" delay="0">
+                  <p:tgtEl>
+                    <p:sldTgt/>
+                  </p:tgtEl>
+                </p:cond>
+              </p:nextCondLst>
+            </p:seq>
+          </p:childTnLst>
+        </p:cTn>
       </p:par>
     </p:tnLst>
+    <p:bldLst>
+      <p:bldP spid="16" grpId="0"/>
+    </p:bldLst>
   </p:timing>
 </p:sld>
 </file>
@@ -8998,15 +12103,15 @@
         </p:nvSpPr>
         <p:spPr>
           <a:xfrm>
-            <a:off x="267929" y="327373"/>
-            <a:ext cx="6096000" cy="923330"/>
+            <a:off x="267928" y="327373"/>
+            <a:ext cx="6826045" cy="507831"/>
           </a:xfrm>
           <a:prstGeom prst="rect">
             <a:avLst/>
           </a:prstGeom>
         </p:spPr>
         <p:txBody>
-          <a:bodyPr>
+          <a:bodyPr wrap="square">
             <a:spAutoFit/>
           </a:bodyPr>
           <a:lstStyle/>
@@ -9672,11 +12777,11 @@
   <p:clrMapOvr>
     <a:masterClrMapping/>
   </p:clrMapOvr>
-  <mc:AlternateContent xmlns:mc="http://schemas.openxmlformats.org/markup-compatibility/2006">
-    <mc:Choice xmlns:p14="http://schemas.microsoft.com/office/powerpoint/2010/main" Requires="p14">
+  <mc:AlternateContent xmlns:mc="http://schemas.openxmlformats.org/markup-compatibility/2006" xmlns:p14="http://schemas.microsoft.com/office/powerpoint/2010/main">
+    <mc:Choice Requires="p14">
       <p:transition p14:dur="0"/>
     </mc:Choice>
-    <mc:Fallback>
+    <mc:Fallback xmlns="">
       <p:transition/>
     </mc:Fallback>
   </mc:AlternateContent>
@@ -10158,7 +13263,7 @@
         <p:spPr>
           <a:xfrm>
             <a:off x="1445342" y="3311013"/>
-            <a:ext cx="6395212" cy="369332"/>
+            <a:ext cx="5975738" cy="369332"/>
           </a:xfrm>
           <a:prstGeom prst="rect">
             <a:avLst/>
@@ -10184,8 +13289,8 @@
               <a:t>,  </a:t>
             </a:r>
             <a:r>
-              <a:rPr lang="en-US" altLang="zh-CN" i="1" dirty="0" smtClean="0"/>
-              <a:t>clock domain</a:t>
+              <a:rPr lang="en-US" altLang="zh-CN" i="1" dirty="0" err="1" smtClean="0"/>
+              <a:t>clockrate</a:t>
             </a:r>
             <a:endParaRPr lang="zh-CN" altLang="en-US" i="1" dirty="0"/>
           </a:p>
@@ -10207,7 +13312,7 @@
         </p:blipFill>
         <p:spPr>
           <a:xfrm>
-            <a:off x="1445342" y="2979564"/>
+            <a:off x="775967" y="2836155"/>
             <a:ext cx="9440516" cy="3736724"/>
           </a:xfrm>
           <a:prstGeom prst="rect">
@@ -10428,7 +13533,7 @@
         <p:spPr>
           <a:xfrm>
             <a:off x="1430594" y="943897"/>
-            <a:ext cx="9285171" cy="369332"/>
+            <a:ext cx="8730532" cy="369332"/>
           </a:xfrm>
           <a:prstGeom prst="rect">
             <a:avLst/>
@@ -10443,7 +13548,15 @@
           <a:p>
             <a:r>
               <a:rPr lang="en-US" altLang="zh-CN" dirty="0" smtClean="0"/>
-              <a:t>We chose two benchmarks, one is Vector Addition (one kernel) and Neural Network (four kernels)</a:t>
+              <a:t>We chose two benchmarks, </a:t>
+            </a:r>
+            <a:r>
+              <a:rPr lang="en-US" altLang="zh-CN" dirty="0" smtClean="0"/>
+              <a:t>Vector </a:t>
+            </a:r>
+            <a:r>
+              <a:rPr lang="en-US" altLang="zh-CN" dirty="0" smtClean="0"/>
+              <a:t>Addition (one kernel) and Neural Network (four kernels)</a:t>
             </a:r>
             <a:endParaRPr lang="zh-CN" altLang="en-US" dirty="0"/>
           </a:p>
@@ -11139,9 +14252,126 @@
   <p:timing>
     <p:tnLst>
       <p:par>
-        <p:cTn id="1" dur="indefinite" restart="never" nodeType="tmRoot"/>
+        <p:cTn id="1" dur="indefinite" restart="never" nodeType="tmRoot">
+          <p:childTnLst>
+            <p:seq concurrent="1" nextAc="seek">
+              <p:cTn id="2" dur="indefinite" nodeType="mainSeq">
+                <p:childTnLst>
+                  <p:par>
+                    <p:cTn id="3" fill="hold">
+                      <p:stCondLst>
+                        <p:cond delay="indefinite"/>
+                      </p:stCondLst>
+                      <p:childTnLst>
+                        <p:par>
+                          <p:cTn id="4" fill="hold">
+                            <p:stCondLst>
+                              <p:cond delay="0"/>
+                            </p:stCondLst>
+                            <p:childTnLst>
+                              <p:par>
+                                <p:cTn id="5" presetID="2" presetClass="entr" presetSubtype="4" fill="hold" grpId="0" nodeType="clickEffect">
+                                  <p:stCondLst>
+                                    <p:cond delay="0"/>
+                                  </p:stCondLst>
+                                  <p:childTnLst>
+                                    <p:set>
+                                      <p:cBhvr>
+                                        <p:cTn id="6" dur="1" fill="hold">
+                                          <p:stCondLst>
+                                            <p:cond delay="0"/>
+                                          </p:stCondLst>
+                                        </p:cTn>
+                                        <p:tgtEl>
+                                          <p:spTgt spid="9"/>
+                                        </p:tgtEl>
+                                        <p:attrNameLst>
+                                          <p:attrName>style.visibility</p:attrName>
+                                        </p:attrNameLst>
+                                      </p:cBhvr>
+                                      <p:to>
+                                        <p:strVal val="visible"/>
+                                      </p:to>
+                                    </p:set>
+                                    <p:anim calcmode="lin" valueType="num">
+                                      <p:cBhvr additive="base">
+                                        <p:cTn id="7" dur="500" fill="hold"/>
+                                        <p:tgtEl>
+                                          <p:spTgt spid="9"/>
+                                        </p:tgtEl>
+                                        <p:attrNameLst>
+                                          <p:attrName>ppt_x</p:attrName>
+                                        </p:attrNameLst>
+                                      </p:cBhvr>
+                                      <p:tavLst>
+                                        <p:tav tm="0">
+                                          <p:val>
+                                            <p:strVal val="#ppt_x"/>
+                                          </p:val>
+                                        </p:tav>
+                                        <p:tav tm="100000">
+                                          <p:val>
+                                            <p:strVal val="#ppt_x"/>
+                                          </p:val>
+                                        </p:tav>
+                                      </p:tavLst>
+                                    </p:anim>
+                                    <p:anim calcmode="lin" valueType="num">
+                                      <p:cBhvr additive="base">
+                                        <p:cTn id="8" dur="500" fill="hold"/>
+                                        <p:tgtEl>
+                                          <p:spTgt spid="9"/>
+                                        </p:tgtEl>
+                                        <p:attrNameLst>
+                                          <p:attrName>ppt_y</p:attrName>
+                                        </p:attrNameLst>
+                                      </p:cBhvr>
+                                      <p:tavLst>
+                                        <p:tav tm="0">
+                                          <p:val>
+                                            <p:strVal val="1+#ppt_h/2"/>
+                                          </p:val>
+                                        </p:tav>
+                                        <p:tav tm="100000">
+                                          <p:val>
+                                            <p:strVal val="#ppt_y"/>
+                                          </p:val>
+                                        </p:tav>
+                                      </p:tavLst>
+                                    </p:anim>
+                                  </p:childTnLst>
+                                </p:cTn>
+                              </p:par>
+                            </p:childTnLst>
+                          </p:cTn>
+                        </p:par>
+                      </p:childTnLst>
+                    </p:cTn>
+                  </p:par>
+                </p:childTnLst>
+              </p:cTn>
+              <p:prevCondLst>
+                <p:cond evt="onPrev" delay="0">
+                  <p:tgtEl>
+                    <p:sldTgt/>
+                  </p:tgtEl>
+                </p:cond>
+              </p:prevCondLst>
+              <p:nextCondLst>
+                <p:cond evt="onNext" delay="0">
+                  <p:tgtEl>
+                    <p:sldTgt/>
+                  </p:tgtEl>
+                </p:cond>
+              </p:nextCondLst>
+            </p:seq>
+          </p:childTnLst>
+        </p:cTn>
       </p:par>
     </p:tnLst>
+    <p:bldLst>
+      <p:bldP spid="9" grpId="0"/>
+    </p:bldLst>
   </p:timing>
 </p:sld>
 </file>
@@ -12456,6 +15686,97 @@
                       </p:childTnLst>
                     </p:cTn>
                   </p:par>
+                  <p:par>
+                    <p:cTn id="9" fill="hold">
+                      <p:stCondLst>
+                        <p:cond delay="indefinite"/>
+                      </p:stCondLst>
+                      <p:childTnLst>
+                        <p:par>
+                          <p:cTn id="10" fill="hold">
+                            <p:stCondLst>
+                              <p:cond delay="0"/>
+                            </p:stCondLst>
+                            <p:childTnLst>
+                              <p:par>
+                                <p:cTn id="11" presetID="2" presetClass="entr" presetSubtype="4" fill="hold" grpId="0" nodeType="clickEffect">
+                                  <p:stCondLst>
+                                    <p:cond delay="0"/>
+                                  </p:stCondLst>
+                                  <p:childTnLst>
+                                    <p:set>
+                                      <p:cBhvr>
+                                        <p:cTn id="12" dur="1" fill="hold">
+                                          <p:stCondLst>
+                                            <p:cond delay="0"/>
+                                          </p:stCondLst>
+                                        </p:cTn>
+                                        <p:tgtEl>
+                                          <p:spTgt spid="10"/>
+                                        </p:tgtEl>
+                                        <p:attrNameLst>
+                                          <p:attrName>style.visibility</p:attrName>
+                                        </p:attrNameLst>
+                                      </p:cBhvr>
+                                      <p:to>
+                                        <p:strVal val="visible"/>
+                                      </p:to>
+                                    </p:set>
+                                    <p:anim calcmode="lin" valueType="num">
+                                      <p:cBhvr additive="base">
+                                        <p:cTn id="13" dur="500" fill="hold"/>
+                                        <p:tgtEl>
+                                          <p:spTgt spid="10"/>
+                                        </p:tgtEl>
+                                        <p:attrNameLst>
+                                          <p:attrName>ppt_x</p:attrName>
+                                        </p:attrNameLst>
+                                      </p:cBhvr>
+                                      <p:tavLst>
+                                        <p:tav tm="0">
+                                          <p:val>
+                                            <p:strVal val="#ppt_x"/>
+                                          </p:val>
+                                        </p:tav>
+                                        <p:tav tm="100000">
+                                          <p:val>
+                                            <p:strVal val="#ppt_x"/>
+                                          </p:val>
+                                        </p:tav>
+                                      </p:tavLst>
+                                    </p:anim>
+                                    <p:anim calcmode="lin" valueType="num">
+                                      <p:cBhvr additive="base">
+                                        <p:cTn id="14" dur="500" fill="hold"/>
+                                        <p:tgtEl>
+                                          <p:spTgt spid="10"/>
+                                        </p:tgtEl>
+                                        <p:attrNameLst>
+                                          <p:attrName>ppt_y</p:attrName>
+                                        </p:attrNameLst>
+                                      </p:cBhvr>
+                                      <p:tavLst>
+                                        <p:tav tm="0">
+                                          <p:val>
+                                            <p:strVal val="1+#ppt_h/2"/>
+                                          </p:val>
+                                        </p:tav>
+                                        <p:tav tm="100000">
+                                          <p:val>
+                                            <p:strVal val="#ppt_y"/>
+                                          </p:val>
+                                        </p:tav>
+                                      </p:tavLst>
+                                    </p:anim>
+                                  </p:childTnLst>
+                                </p:cTn>
+                              </p:par>
+                            </p:childTnLst>
+                          </p:cTn>
+                        </p:par>
+                      </p:childTnLst>
+                    </p:cTn>
+                  </p:par>
                 </p:childTnLst>
               </p:cTn>
               <p:prevCondLst>
@@ -12479,6 +15800,7 @@
     </p:tnLst>
     <p:bldLst>
       <p:bldP spid="6" grpId="0" animBg="1"/>
+      <p:bldP spid="10" grpId="0"/>
     </p:bldLst>
   </p:timing>
 </p:sld>
@@ -13083,7 +16405,7 @@
         <p:spPr>
           <a:xfrm>
             <a:off x="1047135" y="4889090"/>
-            <a:ext cx="5341334" cy="369332"/>
+            <a:ext cx="8968994" cy="369332"/>
           </a:xfrm>
           <a:prstGeom prst="rect">
             <a:avLst/>
@@ -13098,7 +16420,11 @@
           <a:p>
             <a:r>
               <a:rPr lang="en-US" altLang="zh-CN" dirty="0" smtClean="0"/>
-              <a:t>Actually I have not figured out why there is this trend…</a:t>
+              <a:t>Actually I have not figured out why there is this </a:t>
+            </a:r>
+            <a:r>
+              <a:rPr lang="en-US" altLang="zh-CN" dirty="0" smtClean="0"/>
+              <a:t>trend, maybe just for these two benchmarks…</a:t>
             </a:r>
             <a:endParaRPr lang="zh-CN" altLang="en-US" dirty="0"/>
           </a:p>
@@ -13418,9 +16744,126 @@
   <p:timing>
     <p:tnLst>
       <p:par>
-        <p:cTn id="1" dur="indefinite" restart="never" nodeType="tmRoot"/>
+        <p:cTn id="1" dur="indefinite" restart="never" nodeType="tmRoot">
+          <p:childTnLst>
+            <p:seq concurrent="1" nextAc="seek">
+              <p:cTn id="2" dur="indefinite" nodeType="mainSeq">
+                <p:childTnLst>
+                  <p:par>
+                    <p:cTn id="3" fill="hold">
+                      <p:stCondLst>
+                        <p:cond delay="indefinite"/>
+                      </p:stCondLst>
+                      <p:childTnLst>
+                        <p:par>
+                          <p:cTn id="4" fill="hold">
+                            <p:stCondLst>
+                              <p:cond delay="0"/>
+                            </p:stCondLst>
+                            <p:childTnLst>
+                              <p:par>
+                                <p:cTn id="5" presetID="2" presetClass="entr" presetSubtype="4" fill="hold" grpId="0" nodeType="clickEffect">
+                                  <p:stCondLst>
+                                    <p:cond delay="0"/>
+                                  </p:stCondLst>
+                                  <p:childTnLst>
+                                    <p:set>
+                                      <p:cBhvr>
+                                        <p:cTn id="6" dur="1" fill="hold">
+                                          <p:stCondLst>
+                                            <p:cond delay="0"/>
+                                          </p:stCondLst>
+                                        </p:cTn>
+                                        <p:tgtEl>
+                                          <p:spTgt spid="7"/>
+                                        </p:tgtEl>
+                                        <p:attrNameLst>
+                                          <p:attrName>style.visibility</p:attrName>
+                                        </p:attrNameLst>
+                                      </p:cBhvr>
+                                      <p:to>
+                                        <p:strVal val="visible"/>
+                                      </p:to>
+                                    </p:set>
+                                    <p:anim calcmode="lin" valueType="num">
+                                      <p:cBhvr additive="base">
+                                        <p:cTn id="7" dur="500" fill="hold"/>
+                                        <p:tgtEl>
+                                          <p:spTgt spid="7"/>
+                                        </p:tgtEl>
+                                        <p:attrNameLst>
+                                          <p:attrName>ppt_x</p:attrName>
+                                        </p:attrNameLst>
+                                      </p:cBhvr>
+                                      <p:tavLst>
+                                        <p:tav tm="0">
+                                          <p:val>
+                                            <p:strVal val="#ppt_x"/>
+                                          </p:val>
+                                        </p:tav>
+                                        <p:tav tm="100000">
+                                          <p:val>
+                                            <p:strVal val="#ppt_x"/>
+                                          </p:val>
+                                        </p:tav>
+                                      </p:tavLst>
+                                    </p:anim>
+                                    <p:anim calcmode="lin" valueType="num">
+                                      <p:cBhvr additive="base">
+                                        <p:cTn id="8" dur="500" fill="hold"/>
+                                        <p:tgtEl>
+                                          <p:spTgt spid="7"/>
+                                        </p:tgtEl>
+                                        <p:attrNameLst>
+                                          <p:attrName>ppt_y</p:attrName>
+                                        </p:attrNameLst>
+                                      </p:cBhvr>
+                                      <p:tavLst>
+                                        <p:tav tm="0">
+                                          <p:val>
+                                            <p:strVal val="1+#ppt_h/2"/>
+                                          </p:val>
+                                        </p:tav>
+                                        <p:tav tm="100000">
+                                          <p:val>
+                                            <p:strVal val="#ppt_y"/>
+                                          </p:val>
+                                        </p:tav>
+                                      </p:tavLst>
+                                    </p:anim>
+                                  </p:childTnLst>
+                                </p:cTn>
+                              </p:par>
+                            </p:childTnLst>
+                          </p:cTn>
+                        </p:par>
+                      </p:childTnLst>
+                    </p:cTn>
+                  </p:par>
+                </p:childTnLst>
+              </p:cTn>
+              <p:prevCondLst>
+                <p:cond evt="onPrev" delay="0">
+                  <p:tgtEl>
+                    <p:sldTgt/>
+                  </p:tgtEl>
+                </p:cond>
+              </p:prevCondLst>
+              <p:nextCondLst>
+                <p:cond evt="onNext" delay="0">
+                  <p:tgtEl>
+                    <p:sldTgt/>
+                  </p:tgtEl>
+                </p:cond>
+              </p:nextCondLst>
+            </p:seq>
+          </p:childTnLst>
+        </p:cTn>
       </p:par>
     </p:tnLst>
+    <p:bldLst>
+      <p:bldP spid="7" grpId="0"/>
+    </p:bldLst>
   </p:timing>
 </p:sld>
 </file>
@@ -13511,7 +16954,7 @@
         <p:spPr>
           <a:xfrm>
             <a:off x="604684" y="4225412"/>
-            <a:ext cx="9732088" cy="923330"/>
+            <a:ext cx="9999406" cy="1477328"/>
           </a:xfrm>
           <a:prstGeom prst="rect">
             <a:avLst/>
@@ -13519,7 +16962,7 @@
           <a:noFill/>
         </p:spPr>
         <p:txBody>
-          <a:bodyPr wrap="none" rtlCol="0">
+          <a:bodyPr wrap="square" rtlCol="0">
             <a:spAutoFit/>
           </a:bodyPr>
           <a:lstStyle/>
@@ -13532,8 +16975,15 @@
           <a:p>
             <a:r>
               <a:rPr lang="en-US" altLang="zh-CN" dirty="0" smtClean="0"/>
-              <a:t>if we do not require high accuracy or just focus on some components. </a:t>
-            </a:r>
+              <a:t>if we do not require high accuracy or just focus on some </a:t>
+            </a:r>
+            <a:r>
+              <a:rPr lang="en-US" altLang="zh-CN" dirty="0" smtClean="0"/>
+              <a:t>components, we can still find insights to optimize CUDA applications. </a:t>
+            </a:r>
+          </a:p>
+          <a:p>
+            <a:endParaRPr lang="en-US" altLang="zh-CN" dirty="0" smtClean="0"/>
           </a:p>
           <a:p>
             <a:r>
@@ -13593,9 +17043,2017 @@
   <p:timing>
     <p:tnLst>
       <p:par>
-        <p:cTn id="1" dur="indefinite" restart="never" nodeType="tmRoot"/>
+        <p:cTn id="1" dur="indefinite" restart="never" nodeType="tmRoot">
+          <p:childTnLst>
+            <p:seq concurrent="1" nextAc="seek">
+              <p:cTn id="2" dur="indefinite" nodeType="mainSeq">
+                <p:childTnLst>
+                  <p:par>
+                    <p:cTn id="3" fill="hold">
+                      <p:stCondLst>
+                        <p:cond delay="indefinite"/>
+                      </p:stCondLst>
+                      <p:childTnLst>
+                        <p:par>
+                          <p:cTn id="4" fill="hold">
+                            <p:stCondLst>
+                              <p:cond delay="0"/>
+                            </p:stCondLst>
+                            <p:childTnLst>
+                              <p:par>
+                                <p:cTn id="5" presetID="2" presetClass="entr" presetSubtype="4" fill="hold" grpId="0" nodeType="clickEffect">
+                                  <p:stCondLst>
+                                    <p:cond delay="0"/>
+                                  </p:stCondLst>
+                                  <p:childTnLst>
+                                    <p:set>
+                                      <p:cBhvr>
+                                        <p:cTn id="6" dur="1" fill="hold">
+                                          <p:stCondLst>
+                                            <p:cond delay="0"/>
+                                          </p:stCondLst>
+                                        </p:cTn>
+                                        <p:tgtEl>
+                                          <p:spTgt spid="7"/>
+                                        </p:tgtEl>
+                                        <p:attrNameLst>
+                                          <p:attrName>style.visibility</p:attrName>
+                                        </p:attrNameLst>
+                                      </p:cBhvr>
+                                      <p:to>
+                                        <p:strVal val="visible"/>
+                                      </p:to>
+                                    </p:set>
+                                    <p:anim calcmode="lin" valueType="num">
+                                      <p:cBhvr additive="base">
+                                        <p:cTn id="7" dur="500" fill="hold"/>
+                                        <p:tgtEl>
+                                          <p:spTgt spid="7"/>
+                                        </p:tgtEl>
+                                        <p:attrNameLst>
+                                          <p:attrName>ppt_x</p:attrName>
+                                        </p:attrNameLst>
+                                      </p:cBhvr>
+                                      <p:tavLst>
+                                        <p:tav tm="0">
+                                          <p:val>
+                                            <p:strVal val="#ppt_x"/>
+                                          </p:val>
+                                        </p:tav>
+                                        <p:tav tm="100000">
+                                          <p:val>
+                                            <p:strVal val="#ppt_x"/>
+                                          </p:val>
+                                        </p:tav>
+                                      </p:tavLst>
+                                    </p:anim>
+                                    <p:anim calcmode="lin" valueType="num">
+                                      <p:cBhvr additive="base">
+                                        <p:cTn id="8" dur="500" fill="hold"/>
+                                        <p:tgtEl>
+                                          <p:spTgt spid="7"/>
+                                        </p:tgtEl>
+                                        <p:attrNameLst>
+                                          <p:attrName>ppt_y</p:attrName>
+                                        </p:attrNameLst>
+                                      </p:cBhvr>
+                                      <p:tavLst>
+                                        <p:tav tm="0">
+                                          <p:val>
+                                            <p:strVal val="1+#ppt_h/2"/>
+                                          </p:val>
+                                        </p:tav>
+                                        <p:tav tm="100000">
+                                          <p:val>
+                                            <p:strVal val="#ppt_y"/>
+                                          </p:val>
+                                        </p:tav>
+                                      </p:tavLst>
+                                    </p:anim>
+                                  </p:childTnLst>
+                                </p:cTn>
+                              </p:par>
+                            </p:childTnLst>
+                          </p:cTn>
+                        </p:par>
+                      </p:childTnLst>
+                    </p:cTn>
+                  </p:par>
+                  <p:par>
+                    <p:cTn id="9" fill="hold">
+                      <p:stCondLst>
+                        <p:cond delay="indefinite"/>
+                      </p:stCondLst>
+                      <p:childTnLst>
+                        <p:par>
+                          <p:cTn id="10" fill="hold">
+                            <p:stCondLst>
+                              <p:cond delay="0"/>
+                            </p:stCondLst>
+                            <p:childTnLst>
+                              <p:par>
+                                <p:cTn id="11" presetID="2" presetClass="entr" presetSubtype="4" fill="hold" grpId="0" nodeType="clickEffect">
+                                  <p:stCondLst>
+                                    <p:cond delay="0"/>
+                                  </p:stCondLst>
+                                  <p:childTnLst>
+                                    <p:set>
+                                      <p:cBhvr>
+                                        <p:cTn id="12" dur="1" fill="hold">
+                                          <p:stCondLst>
+                                            <p:cond delay="0"/>
+                                          </p:stCondLst>
+                                        </p:cTn>
+                                        <p:tgtEl>
+                                          <p:spTgt spid="6"/>
+                                        </p:tgtEl>
+                                        <p:attrNameLst>
+                                          <p:attrName>style.visibility</p:attrName>
+                                        </p:attrNameLst>
+                                      </p:cBhvr>
+                                      <p:to>
+                                        <p:strVal val="visible"/>
+                                      </p:to>
+                                    </p:set>
+                                    <p:anim calcmode="lin" valueType="num">
+                                      <p:cBhvr additive="base">
+                                        <p:cTn id="13" dur="500" fill="hold"/>
+                                        <p:tgtEl>
+                                          <p:spTgt spid="6"/>
+                                        </p:tgtEl>
+                                        <p:attrNameLst>
+                                          <p:attrName>ppt_x</p:attrName>
+                                        </p:attrNameLst>
+                                      </p:cBhvr>
+                                      <p:tavLst>
+                                        <p:tav tm="0">
+                                          <p:val>
+                                            <p:strVal val="#ppt_x"/>
+                                          </p:val>
+                                        </p:tav>
+                                        <p:tav tm="100000">
+                                          <p:val>
+                                            <p:strVal val="#ppt_x"/>
+                                          </p:val>
+                                        </p:tav>
+                                      </p:tavLst>
+                                    </p:anim>
+                                    <p:anim calcmode="lin" valueType="num">
+                                      <p:cBhvr additive="base">
+                                        <p:cTn id="14" dur="500" fill="hold"/>
+                                        <p:tgtEl>
+                                          <p:spTgt spid="6"/>
+                                        </p:tgtEl>
+                                        <p:attrNameLst>
+                                          <p:attrName>ppt_y</p:attrName>
+                                        </p:attrNameLst>
+                                      </p:cBhvr>
+                                      <p:tavLst>
+                                        <p:tav tm="0">
+                                          <p:val>
+                                            <p:strVal val="1+#ppt_h/2"/>
+                                          </p:val>
+                                        </p:tav>
+                                        <p:tav tm="100000">
+                                          <p:val>
+                                            <p:strVal val="#ppt_y"/>
+                                          </p:val>
+                                        </p:tav>
+                                      </p:tavLst>
+                                    </p:anim>
+                                  </p:childTnLst>
+                                </p:cTn>
+                              </p:par>
+                            </p:childTnLst>
+                          </p:cTn>
+                        </p:par>
+                      </p:childTnLst>
+                    </p:cTn>
+                  </p:par>
+                </p:childTnLst>
+              </p:cTn>
+              <p:prevCondLst>
+                <p:cond evt="onPrev" delay="0">
+                  <p:tgtEl>
+                    <p:sldTgt/>
+                  </p:tgtEl>
+                </p:cond>
+              </p:prevCondLst>
+              <p:nextCondLst>
+                <p:cond evt="onNext" delay="0">
+                  <p:tgtEl>
+                    <p:sldTgt/>
+                  </p:tgtEl>
+                </p:cond>
+              </p:nextCondLst>
+            </p:seq>
+          </p:childTnLst>
+        </p:cTn>
       </p:par>
     </p:tnLst>
+    <p:bldLst>
+      <p:bldP spid="6" grpId="0"/>
+      <p:bldP spid="7" grpId="0"/>
+    </p:bldLst>
+  </p:timing>
+</p:sld>
+</file>
+
+<file path=ppt/slides/slide27.xml><?xml version="1.0" encoding="utf-8"?>
+<p:sld xmlns:a="http://schemas.openxmlformats.org/drawingml/2006/main" xmlns:r="http://schemas.openxmlformats.org/officeDocument/2006/relationships" xmlns:p="http://schemas.openxmlformats.org/presentationml/2006/main">
+  <p:cSld>
+    <p:spTree>
+      <p:nvGrpSpPr>
+        <p:cNvPr id="1" name=""/>
+        <p:cNvGrpSpPr/>
+        <p:nvPr/>
+      </p:nvGrpSpPr>
+      <p:grpSpPr>
+        <a:xfrm>
+          <a:off x="0" y="0"/>
+          <a:ext cx="0" cy="0"/>
+          <a:chOff x="0" y="0"/>
+          <a:chExt cx="0" cy="0"/>
+        </a:xfrm>
+      </p:grpSpPr>
+      <p:sp>
+        <p:nvSpPr>
+          <p:cNvPr id="4" name="文本框 3"/>
+          <p:cNvSpPr txBox="1"/>
+          <p:nvPr/>
+        </p:nvSpPr>
+        <p:spPr>
+          <a:xfrm>
+            <a:off x="139618" y="121894"/>
+            <a:ext cx="3129831" cy="523220"/>
+          </a:xfrm>
+          <a:prstGeom prst="rect">
+            <a:avLst/>
+          </a:prstGeom>
+          <a:noFill/>
+        </p:spPr>
+        <p:txBody>
+          <a:bodyPr wrap="none" rtlCol="0">
+            <a:spAutoFit/>
+          </a:bodyPr>
+          <a:lstStyle/>
+          <a:p>
+            <a:r>
+              <a:rPr lang="en-US" altLang="zh-CN" sz="2800" dirty="0" smtClean="0"/>
+              <a:t>Thanks for listening!</a:t>
+            </a:r>
+            <a:endParaRPr lang="zh-CN" altLang="en-US" sz="2800" dirty="0"/>
+          </a:p>
+        </p:txBody>
+      </p:sp>
+      <p:sp>
+        <p:nvSpPr>
+          <p:cNvPr id="39" name="文本框 38"/>
+          <p:cNvSpPr txBox="1"/>
+          <p:nvPr/>
+        </p:nvSpPr>
+        <p:spPr>
+          <a:xfrm>
+            <a:off x="1568856" y="1887225"/>
+            <a:ext cx="1427335" cy="369332"/>
+          </a:xfrm>
+          <a:prstGeom prst="rect">
+            <a:avLst/>
+          </a:prstGeom>
+          <a:noFill/>
+        </p:spPr>
+        <p:txBody>
+          <a:bodyPr wrap="square" rtlCol="0">
+            <a:spAutoFit/>
+          </a:bodyPr>
+          <a:lstStyle/>
+          <a:p>
+            <a:r>
+              <a:rPr lang="en-US" altLang="zh-CN" dirty="0" smtClean="0"/>
+              <a:t>GPGPU-Sim</a:t>
+            </a:r>
+            <a:endParaRPr lang="zh-CN" altLang="en-US" dirty="0"/>
+          </a:p>
+        </p:txBody>
+      </p:sp>
+      <p:sp>
+        <p:nvSpPr>
+          <p:cNvPr id="40" name="文本框 39"/>
+          <p:cNvSpPr txBox="1"/>
+          <p:nvPr/>
+        </p:nvSpPr>
+        <p:spPr>
+          <a:xfrm>
+            <a:off x="6756179" y="1887225"/>
+            <a:ext cx="876111" cy="369332"/>
+          </a:xfrm>
+          <a:prstGeom prst="rect">
+            <a:avLst/>
+          </a:prstGeom>
+          <a:noFill/>
+        </p:spPr>
+        <p:txBody>
+          <a:bodyPr wrap="square" rtlCol="0">
+            <a:spAutoFit/>
+          </a:bodyPr>
+          <a:lstStyle/>
+          <a:p>
+            <a:r>
+              <a:rPr lang="en-US" altLang="zh-CN" dirty="0" err="1" smtClean="0"/>
+              <a:t>nvprof</a:t>
+            </a:r>
+            <a:endParaRPr lang="zh-CN" altLang="en-US" dirty="0"/>
+          </a:p>
+        </p:txBody>
+      </p:sp>
+      <p:sp>
+        <p:nvSpPr>
+          <p:cNvPr id="41" name="笑脸 40"/>
+          <p:cNvSpPr/>
+          <p:nvPr/>
+        </p:nvSpPr>
+        <p:spPr>
+          <a:xfrm>
+            <a:off x="1326258" y="2489242"/>
+            <a:ext cx="744542" cy="744542"/>
+          </a:xfrm>
+          <a:prstGeom prst="smileyFace">
+            <a:avLst>
+              <a:gd name="adj" fmla="val -4653"/>
+            </a:avLst>
+          </a:prstGeom>
+        </p:spPr>
+        <p:style>
+          <a:lnRef idx="2">
+            <a:schemeClr val="accent4">
+              <a:shade val="50000"/>
+            </a:schemeClr>
+          </a:lnRef>
+          <a:fillRef idx="1">
+            <a:schemeClr val="accent4"/>
+          </a:fillRef>
+          <a:effectRef idx="0">
+            <a:schemeClr val="accent4"/>
+          </a:effectRef>
+          <a:fontRef idx="minor">
+            <a:schemeClr val="lt1"/>
+          </a:fontRef>
+        </p:style>
+        <p:txBody>
+          <a:bodyPr rtlCol="0" anchor="ctr"/>
+          <a:lstStyle/>
+          <a:p>
+            <a:pPr algn="ctr"/>
+            <a:endParaRPr lang="zh-CN" altLang="en-US"/>
+          </a:p>
+        </p:txBody>
+      </p:sp>
+      <p:sp>
+        <p:nvSpPr>
+          <p:cNvPr id="42" name="笑脸 41"/>
+          <p:cNvSpPr/>
+          <p:nvPr/>
+        </p:nvSpPr>
+        <p:spPr>
+          <a:xfrm>
+            <a:off x="2394839" y="2489242"/>
+            <a:ext cx="744542" cy="744542"/>
+          </a:xfrm>
+          <a:prstGeom prst="smileyFace">
+            <a:avLst/>
+          </a:prstGeom>
+        </p:spPr>
+        <p:style>
+          <a:lnRef idx="2">
+            <a:schemeClr val="accent4">
+              <a:shade val="50000"/>
+            </a:schemeClr>
+          </a:lnRef>
+          <a:fillRef idx="1">
+            <a:schemeClr val="accent4"/>
+          </a:fillRef>
+          <a:effectRef idx="0">
+            <a:schemeClr val="accent4"/>
+          </a:effectRef>
+          <a:fontRef idx="minor">
+            <a:schemeClr val="lt1"/>
+          </a:fontRef>
+        </p:style>
+        <p:txBody>
+          <a:bodyPr rtlCol="0" anchor="ctr"/>
+          <a:lstStyle/>
+          <a:p>
+            <a:pPr algn="ctr"/>
+            <a:endParaRPr lang="zh-CN" altLang="en-US"/>
+          </a:p>
+        </p:txBody>
+      </p:sp>
+      <p:sp>
+        <p:nvSpPr>
+          <p:cNvPr id="43" name="笑脸 42"/>
+          <p:cNvSpPr/>
+          <p:nvPr/>
+        </p:nvSpPr>
+        <p:spPr>
+          <a:xfrm>
+            <a:off x="6288887" y="2380206"/>
+            <a:ext cx="744542" cy="744542"/>
+          </a:xfrm>
+          <a:prstGeom prst="smileyFace">
+            <a:avLst/>
+          </a:prstGeom>
+        </p:spPr>
+        <p:style>
+          <a:lnRef idx="2">
+            <a:schemeClr val="accent4">
+              <a:shade val="50000"/>
+            </a:schemeClr>
+          </a:lnRef>
+          <a:fillRef idx="1">
+            <a:schemeClr val="accent4"/>
+          </a:fillRef>
+          <a:effectRef idx="0">
+            <a:schemeClr val="accent4"/>
+          </a:effectRef>
+          <a:fontRef idx="minor">
+            <a:schemeClr val="lt1"/>
+          </a:fontRef>
+        </p:style>
+        <p:txBody>
+          <a:bodyPr rtlCol="0" anchor="ctr"/>
+          <a:lstStyle/>
+          <a:p>
+            <a:pPr algn="ctr"/>
+            <a:endParaRPr lang="zh-CN" altLang="en-US"/>
+          </a:p>
+        </p:txBody>
+      </p:sp>
+      <p:sp>
+        <p:nvSpPr>
+          <p:cNvPr id="44" name="笑脸 43"/>
+          <p:cNvSpPr/>
+          <p:nvPr/>
+        </p:nvSpPr>
+        <p:spPr>
+          <a:xfrm>
+            <a:off x="7344661" y="2380206"/>
+            <a:ext cx="744542" cy="744542"/>
+          </a:xfrm>
+          <a:prstGeom prst="smileyFace">
+            <a:avLst>
+              <a:gd name="adj" fmla="val -4653"/>
+            </a:avLst>
+          </a:prstGeom>
+        </p:spPr>
+        <p:style>
+          <a:lnRef idx="2">
+            <a:schemeClr val="accent4">
+              <a:shade val="50000"/>
+            </a:schemeClr>
+          </a:lnRef>
+          <a:fillRef idx="1">
+            <a:schemeClr val="accent4"/>
+          </a:fillRef>
+          <a:effectRef idx="0">
+            <a:schemeClr val="accent4"/>
+          </a:effectRef>
+          <a:fontRef idx="minor">
+            <a:schemeClr val="lt1"/>
+          </a:fontRef>
+        </p:style>
+        <p:txBody>
+          <a:bodyPr rtlCol="0" anchor="ctr"/>
+          <a:lstStyle/>
+          <a:p>
+            <a:pPr algn="ctr"/>
+            <a:endParaRPr lang="zh-CN" altLang="en-US"/>
+          </a:p>
+        </p:txBody>
+      </p:sp>
+      <p:sp>
+        <p:nvSpPr>
+          <p:cNvPr id="45" name="矩形 44"/>
+          <p:cNvSpPr/>
+          <p:nvPr/>
+        </p:nvSpPr>
+        <p:spPr>
+          <a:xfrm>
+            <a:off x="1011287" y="1401097"/>
+            <a:ext cx="2542474" cy="2426656"/>
+          </a:xfrm>
+          <a:prstGeom prst="rect">
+            <a:avLst/>
+          </a:prstGeom>
+          <a:noFill/>
+        </p:spPr>
+        <p:style>
+          <a:lnRef idx="2">
+            <a:schemeClr val="accent1">
+              <a:shade val="50000"/>
+            </a:schemeClr>
+          </a:lnRef>
+          <a:fillRef idx="1">
+            <a:schemeClr val="accent1"/>
+          </a:fillRef>
+          <a:effectRef idx="0">
+            <a:schemeClr val="accent1"/>
+          </a:effectRef>
+          <a:fontRef idx="minor">
+            <a:schemeClr val="lt1"/>
+          </a:fontRef>
+        </p:style>
+        <p:txBody>
+          <a:bodyPr rtlCol="0" anchor="ctr"/>
+          <a:lstStyle/>
+          <a:p>
+            <a:pPr algn="ctr"/>
+            <a:endParaRPr lang="zh-CN" altLang="en-US"/>
+          </a:p>
+        </p:txBody>
+      </p:sp>
+      <p:sp>
+        <p:nvSpPr>
+          <p:cNvPr id="46" name="矩形 45"/>
+          <p:cNvSpPr/>
+          <p:nvPr/>
+        </p:nvSpPr>
+        <p:spPr>
+          <a:xfrm>
+            <a:off x="5977655" y="1401097"/>
+            <a:ext cx="2542474" cy="2426656"/>
+          </a:xfrm>
+          <a:prstGeom prst="rect">
+            <a:avLst/>
+          </a:prstGeom>
+          <a:noFill/>
+        </p:spPr>
+        <p:style>
+          <a:lnRef idx="2">
+            <a:schemeClr val="accent1">
+              <a:shade val="50000"/>
+            </a:schemeClr>
+          </a:lnRef>
+          <a:fillRef idx="1">
+            <a:schemeClr val="accent1"/>
+          </a:fillRef>
+          <a:effectRef idx="0">
+            <a:schemeClr val="accent1"/>
+          </a:effectRef>
+          <a:fontRef idx="minor">
+            <a:schemeClr val="lt1"/>
+          </a:fontRef>
+        </p:style>
+        <p:txBody>
+          <a:bodyPr rtlCol="0" anchor="ctr"/>
+          <a:lstStyle/>
+          <a:p>
+            <a:pPr algn="ctr"/>
+            <a:endParaRPr lang="zh-CN" altLang="en-US"/>
+          </a:p>
+        </p:txBody>
+      </p:sp>
+      <p:sp>
+        <p:nvSpPr>
+          <p:cNvPr id="47" name="笑脸 46"/>
+          <p:cNvSpPr/>
+          <p:nvPr/>
+        </p:nvSpPr>
+        <p:spPr>
+          <a:xfrm>
+            <a:off x="3313103" y="3399950"/>
+            <a:ext cx="744542" cy="744542"/>
+          </a:xfrm>
+          <a:prstGeom prst="smileyFace">
+            <a:avLst/>
+          </a:prstGeom>
+        </p:spPr>
+        <p:style>
+          <a:lnRef idx="2">
+            <a:schemeClr val="accent4">
+              <a:shade val="50000"/>
+            </a:schemeClr>
+          </a:lnRef>
+          <a:fillRef idx="1">
+            <a:schemeClr val="accent4"/>
+          </a:fillRef>
+          <a:effectRef idx="0">
+            <a:schemeClr val="accent4"/>
+          </a:effectRef>
+          <a:fontRef idx="minor">
+            <a:schemeClr val="lt1"/>
+          </a:fontRef>
+        </p:style>
+        <p:txBody>
+          <a:bodyPr rtlCol="0" anchor="ctr"/>
+          <a:lstStyle/>
+          <a:p>
+            <a:pPr algn="ctr"/>
+            <a:endParaRPr lang="zh-CN" altLang="en-US"/>
+          </a:p>
+        </p:txBody>
+      </p:sp>
+      <p:sp>
+        <p:nvSpPr>
+          <p:cNvPr id="48" name="笑脸 47"/>
+          <p:cNvSpPr/>
+          <p:nvPr/>
+        </p:nvSpPr>
+        <p:spPr>
+          <a:xfrm>
+            <a:off x="5544345" y="3399950"/>
+            <a:ext cx="744542" cy="744542"/>
+          </a:xfrm>
+          <a:prstGeom prst="smileyFace">
+            <a:avLst/>
+          </a:prstGeom>
+        </p:spPr>
+        <p:style>
+          <a:lnRef idx="2">
+            <a:schemeClr val="accent4">
+              <a:shade val="50000"/>
+            </a:schemeClr>
+          </a:lnRef>
+          <a:fillRef idx="1">
+            <a:schemeClr val="accent4"/>
+          </a:fillRef>
+          <a:effectRef idx="0">
+            <a:schemeClr val="accent4"/>
+          </a:effectRef>
+          <a:fontRef idx="minor">
+            <a:schemeClr val="lt1"/>
+          </a:fontRef>
+        </p:style>
+        <p:txBody>
+          <a:bodyPr rtlCol="0" anchor="ctr"/>
+          <a:lstStyle/>
+          <a:p>
+            <a:pPr algn="ctr"/>
+            <a:endParaRPr lang="zh-CN" altLang="en-US"/>
+          </a:p>
+        </p:txBody>
+      </p:sp>
+      <p:cxnSp>
+        <p:nvCxnSpPr>
+          <p:cNvPr id="49" name="直接箭头连接符 48"/>
+          <p:cNvCxnSpPr>
+            <a:stCxn id="42" idx="5"/>
+            <a:endCxn id="47" idx="1"/>
+          </p:cNvCxnSpPr>
+          <p:nvPr/>
+        </p:nvCxnSpPr>
+        <p:spPr>
+          <a:xfrm>
+            <a:off x="3030345" y="3124748"/>
+            <a:ext cx="391794" cy="384238"/>
+          </a:xfrm>
+          <a:prstGeom prst="straightConnector1">
+            <a:avLst/>
+          </a:prstGeom>
+          <a:ln>
+            <a:tailEnd type="triangle"/>
+          </a:ln>
+        </p:spPr>
+        <p:style>
+          <a:lnRef idx="1">
+            <a:schemeClr val="accent1"/>
+          </a:lnRef>
+          <a:fillRef idx="0">
+            <a:schemeClr val="accent1"/>
+          </a:fillRef>
+          <a:effectRef idx="0">
+            <a:schemeClr val="accent1"/>
+          </a:effectRef>
+          <a:fontRef idx="minor">
+            <a:schemeClr val="tx1"/>
+          </a:fontRef>
+        </p:style>
+      </p:cxnSp>
+      <p:cxnSp>
+        <p:nvCxnSpPr>
+          <p:cNvPr id="50" name="直接箭头连接符 49"/>
+          <p:cNvCxnSpPr>
+            <a:stCxn id="43" idx="4"/>
+            <a:endCxn id="48" idx="7"/>
+          </p:cNvCxnSpPr>
+          <p:nvPr/>
+        </p:nvCxnSpPr>
+        <p:spPr>
+          <a:xfrm flipH="1">
+            <a:off x="6179851" y="3124748"/>
+            <a:ext cx="481307" cy="384238"/>
+          </a:xfrm>
+          <a:prstGeom prst="straightConnector1">
+            <a:avLst/>
+          </a:prstGeom>
+          <a:ln>
+            <a:tailEnd type="triangle"/>
+          </a:ln>
+        </p:spPr>
+        <p:style>
+          <a:lnRef idx="1">
+            <a:schemeClr val="accent1"/>
+          </a:lnRef>
+          <a:fillRef idx="0">
+            <a:schemeClr val="accent1"/>
+          </a:fillRef>
+          <a:effectRef idx="0">
+            <a:schemeClr val="accent1"/>
+          </a:effectRef>
+          <a:fontRef idx="minor">
+            <a:schemeClr val="tx1"/>
+          </a:fontRef>
+        </p:style>
+      </p:cxnSp>
+      <p:cxnSp>
+        <p:nvCxnSpPr>
+          <p:cNvPr id="62" name="直接箭头连接符 61"/>
+          <p:cNvCxnSpPr>
+            <a:stCxn id="47" idx="5"/>
+          </p:cNvCxnSpPr>
+          <p:nvPr/>
+        </p:nvCxnSpPr>
+        <p:spPr>
+          <a:xfrm>
+            <a:off x="3948609" y="4035456"/>
+            <a:ext cx="689759" cy="905254"/>
+          </a:xfrm>
+          <a:prstGeom prst="straightConnector1">
+            <a:avLst/>
+          </a:prstGeom>
+          <a:ln>
+            <a:prstDash val="dash"/>
+            <a:tailEnd type="triangle"/>
+          </a:ln>
+        </p:spPr>
+        <p:style>
+          <a:lnRef idx="1">
+            <a:schemeClr val="accent1"/>
+          </a:lnRef>
+          <a:fillRef idx="0">
+            <a:schemeClr val="accent1"/>
+          </a:fillRef>
+          <a:effectRef idx="0">
+            <a:schemeClr val="accent1"/>
+          </a:effectRef>
+          <a:fontRef idx="minor">
+            <a:schemeClr val="tx1"/>
+          </a:fontRef>
+        </p:style>
+      </p:cxnSp>
+      <p:cxnSp>
+        <p:nvCxnSpPr>
+          <p:cNvPr id="63" name="直接箭头连接符 62"/>
+          <p:cNvCxnSpPr>
+            <a:stCxn id="48" idx="3"/>
+          </p:cNvCxnSpPr>
+          <p:nvPr/>
+        </p:nvCxnSpPr>
+        <p:spPr>
+          <a:xfrm flipH="1">
+            <a:off x="4859594" y="4035456"/>
+            <a:ext cx="793787" cy="905254"/>
+          </a:xfrm>
+          <a:prstGeom prst="straightConnector1">
+            <a:avLst/>
+          </a:prstGeom>
+          <a:ln>
+            <a:prstDash val="dash"/>
+            <a:tailEnd type="triangle"/>
+          </a:ln>
+        </p:spPr>
+        <p:style>
+          <a:lnRef idx="1">
+            <a:schemeClr val="accent1"/>
+          </a:lnRef>
+          <a:fillRef idx="0">
+            <a:schemeClr val="accent1"/>
+          </a:fillRef>
+          <a:effectRef idx="0">
+            <a:schemeClr val="accent1"/>
+          </a:effectRef>
+          <a:fontRef idx="minor">
+            <a:schemeClr val="tx1"/>
+          </a:fontRef>
+        </p:style>
+      </p:cxnSp>
+      <p:sp>
+        <p:nvSpPr>
+          <p:cNvPr id="66" name="太阳形 65"/>
+          <p:cNvSpPr/>
+          <p:nvPr/>
+        </p:nvSpPr>
+        <p:spPr>
+          <a:xfrm>
+            <a:off x="4386601" y="4858563"/>
+            <a:ext cx="724761" cy="714613"/>
+          </a:xfrm>
+          <a:prstGeom prst="sun">
+            <a:avLst/>
+          </a:prstGeom>
+          <a:solidFill>
+            <a:schemeClr val="accent2">
+              <a:alpha val="41000"/>
+            </a:schemeClr>
+          </a:solidFill>
+          <a:ln>
+            <a:solidFill>
+              <a:schemeClr val="accent2">
+                <a:shade val="50000"/>
+                <a:alpha val="41000"/>
+              </a:schemeClr>
+            </a:solidFill>
+          </a:ln>
+        </p:spPr>
+        <p:style>
+          <a:lnRef idx="2">
+            <a:schemeClr val="accent2">
+              <a:shade val="50000"/>
+            </a:schemeClr>
+          </a:lnRef>
+          <a:fillRef idx="1">
+            <a:schemeClr val="accent2"/>
+          </a:fillRef>
+          <a:effectRef idx="0">
+            <a:schemeClr val="accent2"/>
+          </a:effectRef>
+          <a:fontRef idx="minor">
+            <a:schemeClr val="lt1"/>
+          </a:fontRef>
+        </p:style>
+        <p:txBody>
+          <a:bodyPr rtlCol="0" anchor="ctr"/>
+          <a:lstStyle/>
+          <a:p>
+            <a:pPr algn="ctr"/>
+            <a:endParaRPr lang="zh-CN" altLang="en-US"/>
+          </a:p>
+        </p:txBody>
+      </p:sp>
+    </p:spTree>
+    <p:extLst>
+      <p:ext uri="{BB962C8B-B14F-4D97-AF65-F5344CB8AC3E}">
+        <p14:creationId xmlns:p14="http://schemas.microsoft.com/office/powerpoint/2010/main" val="2271934469"/>
+      </p:ext>
+    </p:extLst>
+  </p:cSld>
+  <p:clrMapOvr>
+    <a:masterClrMapping/>
+  </p:clrMapOvr>
+  <p:timing>
+    <p:tnLst>
+      <p:par>
+        <p:cTn id="1" dur="indefinite" restart="never" nodeType="tmRoot">
+          <p:childTnLst>
+            <p:seq concurrent="1" nextAc="seek">
+              <p:cTn id="2" dur="indefinite" nodeType="mainSeq">
+                <p:childTnLst>
+                  <p:par>
+                    <p:cTn id="3" fill="hold">
+                      <p:stCondLst>
+                        <p:cond delay="indefinite"/>
+                      </p:stCondLst>
+                      <p:childTnLst>
+                        <p:par>
+                          <p:cTn id="4" fill="hold">
+                            <p:stCondLst>
+                              <p:cond delay="0"/>
+                            </p:stCondLst>
+                            <p:childTnLst>
+                              <p:par>
+                                <p:cTn id="5" presetID="2" presetClass="entr" presetSubtype="4" fill="hold" grpId="0" nodeType="clickEffect">
+                                  <p:stCondLst>
+                                    <p:cond delay="0"/>
+                                  </p:stCondLst>
+                                  <p:childTnLst>
+                                    <p:set>
+                                      <p:cBhvr>
+                                        <p:cTn id="6" dur="1" fill="hold">
+                                          <p:stCondLst>
+                                            <p:cond delay="0"/>
+                                          </p:stCondLst>
+                                        </p:cTn>
+                                        <p:tgtEl>
+                                          <p:spTgt spid="39"/>
+                                        </p:tgtEl>
+                                        <p:attrNameLst>
+                                          <p:attrName>style.visibility</p:attrName>
+                                        </p:attrNameLst>
+                                      </p:cBhvr>
+                                      <p:to>
+                                        <p:strVal val="visible"/>
+                                      </p:to>
+                                    </p:set>
+                                    <p:anim calcmode="lin" valueType="num">
+                                      <p:cBhvr additive="base">
+                                        <p:cTn id="7" dur="500" fill="hold"/>
+                                        <p:tgtEl>
+                                          <p:spTgt spid="39"/>
+                                        </p:tgtEl>
+                                        <p:attrNameLst>
+                                          <p:attrName>ppt_x</p:attrName>
+                                        </p:attrNameLst>
+                                      </p:cBhvr>
+                                      <p:tavLst>
+                                        <p:tav tm="0">
+                                          <p:val>
+                                            <p:strVal val="#ppt_x"/>
+                                          </p:val>
+                                        </p:tav>
+                                        <p:tav tm="100000">
+                                          <p:val>
+                                            <p:strVal val="#ppt_x"/>
+                                          </p:val>
+                                        </p:tav>
+                                      </p:tavLst>
+                                    </p:anim>
+                                    <p:anim calcmode="lin" valueType="num">
+                                      <p:cBhvr additive="base">
+                                        <p:cTn id="8" dur="500" fill="hold"/>
+                                        <p:tgtEl>
+                                          <p:spTgt spid="39"/>
+                                        </p:tgtEl>
+                                        <p:attrNameLst>
+                                          <p:attrName>ppt_y</p:attrName>
+                                        </p:attrNameLst>
+                                      </p:cBhvr>
+                                      <p:tavLst>
+                                        <p:tav tm="0">
+                                          <p:val>
+                                            <p:strVal val="1+#ppt_h/2"/>
+                                          </p:val>
+                                        </p:tav>
+                                        <p:tav tm="100000">
+                                          <p:val>
+                                            <p:strVal val="#ppt_y"/>
+                                          </p:val>
+                                        </p:tav>
+                                      </p:tavLst>
+                                    </p:anim>
+                                  </p:childTnLst>
+                                </p:cTn>
+                              </p:par>
+                              <p:par>
+                                <p:cTn id="9" presetID="2" presetClass="entr" presetSubtype="4" fill="hold" grpId="0" nodeType="withEffect">
+                                  <p:stCondLst>
+                                    <p:cond delay="0"/>
+                                  </p:stCondLst>
+                                  <p:childTnLst>
+                                    <p:set>
+                                      <p:cBhvr>
+                                        <p:cTn id="10" dur="1" fill="hold">
+                                          <p:stCondLst>
+                                            <p:cond delay="0"/>
+                                          </p:stCondLst>
+                                        </p:cTn>
+                                        <p:tgtEl>
+                                          <p:spTgt spid="40"/>
+                                        </p:tgtEl>
+                                        <p:attrNameLst>
+                                          <p:attrName>style.visibility</p:attrName>
+                                        </p:attrNameLst>
+                                      </p:cBhvr>
+                                      <p:to>
+                                        <p:strVal val="visible"/>
+                                      </p:to>
+                                    </p:set>
+                                    <p:anim calcmode="lin" valueType="num">
+                                      <p:cBhvr additive="base">
+                                        <p:cTn id="11" dur="500" fill="hold"/>
+                                        <p:tgtEl>
+                                          <p:spTgt spid="40"/>
+                                        </p:tgtEl>
+                                        <p:attrNameLst>
+                                          <p:attrName>ppt_x</p:attrName>
+                                        </p:attrNameLst>
+                                      </p:cBhvr>
+                                      <p:tavLst>
+                                        <p:tav tm="0">
+                                          <p:val>
+                                            <p:strVal val="#ppt_x"/>
+                                          </p:val>
+                                        </p:tav>
+                                        <p:tav tm="100000">
+                                          <p:val>
+                                            <p:strVal val="#ppt_x"/>
+                                          </p:val>
+                                        </p:tav>
+                                      </p:tavLst>
+                                    </p:anim>
+                                    <p:anim calcmode="lin" valueType="num">
+                                      <p:cBhvr additive="base">
+                                        <p:cTn id="12" dur="500" fill="hold"/>
+                                        <p:tgtEl>
+                                          <p:spTgt spid="40"/>
+                                        </p:tgtEl>
+                                        <p:attrNameLst>
+                                          <p:attrName>ppt_y</p:attrName>
+                                        </p:attrNameLst>
+                                      </p:cBhvr>
+                                      <p:tavLst>
+                                        <p:tav tm="0">
+                                          <p:val>
+                                            <p:strVal val="1+#ppt_h/2"/>
+                                          </p:val>
+                                        </p:tav>
+                                        <p:tav tm="100000">
+                                          <p:val>
+                                            <p:strVal val="#ppt_y"/>
+                                          </p:val>
+                                        </p:tav>
+                                      </p:tavLst>
+                                    </p:anim>
+                                  </p:childTnLst>
+                                </p:cTn>
+                              </p:par>
+                              <p:par>
+                                <p:cTn id="13" presetID="2" presetClass="entr" presetSubtype="4" fill="hold" grpId="0" nodeType="withEffect">
+                                  <p:stCondLst>
+                                    <p:cond delay="0"/>
+                                  </p:stCondLst>
+                                  <p:childTnLst>
+                                    <p:set>
+                                      <p:cBhvr>
+                                        <p:cTn id="14" dur="1" fill="hold">
+                                          <p:stCondLst>
+                                            <p:cond delay="0"/>
+                                          </p:stCondLst>
+                                        </p:cTn>
+                                        <p:tgtEl>
+                                          <p:spTgt spid="41"/>
+                                        </p:tgtEl>
+                                        <p:attrNameLst>
+                                          <p:attrName>style.visibility</p:attrName>
+                                        </p:attrNameLst>
+                                      </p:cBhvr>
+                                      <p:to>
+                                        <p:strVal val="visible"/>
+                                      </p:to>
+                                    </p:set>
+                                    <p:anim calcmode="lin" valueType="num">
+                                      <p:cBhvr additive="base">
+                                        <p:cTn id="15" dur="500" fill="hold"/>
+                                        <p:tgtEl>
+                                          <p:spTgt spid="41"/>
+                                        </p:tgtEl>
+                                        <p:attrNameLst>
+                                          <p:attrName>ppt_x</p:attrName>
+                                        </p:attrNameLst>
+                                      </p:cBhvr>
+                                      <p:tavLst>
+                                        <p:tav tm="0">
+                                          <p:val>
+                                            <p:strVal val="#ppt_x"/>
+                                          </p:val>
+                                        </p:tav>
+                                        <p:tav tm="100000">
+                                          <p:val>
+                                            <p:strVal val="#ppt_x"/>
+                                          </p:val>
+                                        </p:tav>
+                                      </p:tavLst>
+                                    </p:anim>
+                                    <p:anim calcmode="lin" valueType="num">
+                                      <p:cBhvr additive="base">
+                                        <p:cTn id="16" dur="500" fill="hold"/>
+                                        <p:tgtEl>
+                                          <p:spTgt spid="41"/>
+                                        </p:tgtEl>
+                                        <p:attrNameLst>
+                                          <p:attrName>ppt_y</p:attrName>
+                                        </p:attrNameLst>
+                                      </p:cBhvr>
+                                      <p:tavLst>
+                                        <p:tav tm="0">
+                                          <p:val>
+                                            <p:strVal val="1+#ppt_h/2"/>
+                                          </p:val>
+                                        </p:tav>
+                                        <p:tav tm="100000">
+                                          <p:val>
+                                            <p:strVal val="#ppt_y"/>
+                                          </p:val>
+                                        </p:tav>
+                                      </p:tavLst>
+                                    </p:anim>
+                                  </p:childTnLst>
+                                </p:cTn>
+                              </p:par>
+                              <p:par>
+                                <p:cTn id="17" presetID="2" presetClass="entr" presetSubtype="4" fill="hold" grpId="0" nodeType="withEffect">
+                                  <p:stCondLst>
+                                    <p:cond delay="0"/>
+                                  </p:stCondLst>
+                                  <p:childTnLst>
+                                    <p:set>
+                                      <p:cBhvr>
+                                        <p:cTn id="18" dur="1" fill="hold">
+                                          <p:stCondLst>
+                                            <p:cond delay="0"/>
+                                          </p:stCondLst>
+                                        </p:cTn>
+                                        <p:tgtEl>
+                                          <p:spTgt spid="42"/>
+                                        </p:tgtEl>
+                                        <p:attrNameLst>
+                                          <p:attrName>style.visibility</p:attrName>
+                                        </p:attrNameLst>
+                                      </p:cBhvr>
+                                      <p:to>
+                                        <p:strVal val="visible"/>
+                                      </p:to>
+                                    </p:set>
+                                    <p:anim calcmode="lin" valueType="num">
+                                      <p:cBhvr additive="base">
+                                        <p:cTn id="19" dur="500" fill="hold"/>
+                                        <p:tgtEl>
+                                          <p:spTgt spid="42"/>
+                                        </p:tgtEl>
+                                        <p:attrNameLst>
+                                          <p:attrName>ppt_x</p:attrName>
+                                        </p:attrNameLst>
+                                      </p:cBhvr>
+                                      <p:tavLst>
+                                        <p:tav tm="0">
+                                          <p:val>
+                                            <p:strVal val="#ppt_x"/>
+                                          </p:val>
+                                        </p:tav>
+                                        <p:tav tm="100000">
+                                          <p:val>
+                                            <p:strVal val="#ppt_x"/>
+                                          </p:val>
+                                        </p:tav>
+                                      </p:tavLst>
+                                    </p:anim>
+                                    <p:anim calcmode="lin" valueType="num">
+                                      <p:cBhvr additive="base">
+                                        <p:cTn id="20" dur="500" fill="hold"/>
+                                        <p:tgtEl>
+                                          <p:spTgt spid="42"/>
+                                        </p:tgtEl>
+                                        <p:attrNameLst>
+                                          <p:attrName>ppt_y</p:attrName>
+                                        </p:attrNameLst>
+                                      </p:cBhvr>
+                                      <p:tavLst>
+                                        <p:tav tm="0">
+                                          <p:val>
+                                            <p:strVal val="1+#ppt_h/2"/>
+                                          </p:val>
+                                        </p:tav>
+                                        <p:tav tm="100000">
+                                          <p:val>
+                                            <p:strVal val="#ppt_y"/>
+                                          </p:val>
+                                        </p:tav>
+                                      </p:tavLst>
+                                    </p:anim>
+                                  </p:childTnLst>
+                                </p:cTn>
+                              </p:par>
+                              <p:par>
+                                <p:cTn id="21" presetID="2" presetClass="entr" presetSubtype="4" fill="hold" grpId="0" nodeType="withEffect">
+                                  <p:stCondLst>
+                                    <p:cond delay="0"/>
+                                  </p:stCondLst>
+                                  <p:childTnLst>
+                                    <p:set>
+                                      <p:cBhvr>
+                                        <p:cTn id="22" dur="1" fill="hold">
+                                          <p:stCondLst>
+                                            <p:cond delay="0"/>
+                                          </p:stCondLst>
+                                        </p:cTn>
+                                        <p:tgtEl>
+                                          <p:spTgt spid="43"/>
+                                        </p:tgtEl>
+                                        <p:attrNameLst>
+                                          <p:attrName>style.visibility</p:attrName>
+                                        </p:attrNameLst>
+                                      </p:cBhvr>
+                                      <p:to>
+                                        <p:strVal val="visible"/>
+                                      </p:to>
+                                    </p:set>
+                                    <p:anim calcmode="lin" valueType="num">
+                                      <p:cBhvr additive="base">
+                                        <p:cTn id="23" dur="500" fill="hold"/>
+                                        <p:tgtEl>
+                                          <p:spTgt spid="43"/>
+                                        </p:tgtEl>
+                                        <p:attrNameLst>
+                                          <p:attrName>ppt_x</p:attrName>
+                                        </p:attrNameLst>
+                                      </p:cBhvr>
+                                      <p:tavLst>
+                                        <p:tav tm="0">
+                                          <p:val>
+                                            <p:strVal val="#ppt_x"/>
+                                          </p:val>
+                                        </p:tav>
+                                        <p:tav tm="100000">
+                                          <p:val>
+                                            <p:strVal val="#ppt_x"/>
+                                          </p:val>
+                                        </p:tav>
+                                      </p:tavLst>
+                                    </p:anim>
+                                    <p:anim calcmode="lin" valueType="num">
+                                      <p:cBhvr additive="base">
+                                        <p:cTn id="24" dur="500" fill="hold"/>
+                                        <p:tgtEl>
+                                          <p:spTgt spid="43"/>
+                                        </p:tgtEl>
+                                        <p:attrNameLst>
+                                          <p:attrName>ppt_y</p:attrName>
+                                        </p:attrNameLst>
+                                      </p:cBhvr>
+                                      <p:tavLst>
+                                        <p:tav tm="0">
+                                          <p:val>
+                                            <p:strVal val="1+#ppt_h/2"/>
+                                          </p:val>
+                                        </p:tav>
+                                        <p:tav tm="100000">
+                                          <p:val>
+                                            <p:strVal val="#ppt_y"/>
+                                          </p:val>
+                                        </p:tav>
+                                      </p:tavLst>
+                                    </p:anim>
+                                  </p:childTnLst>
+                                </p:cTn>
+                              </p:par>
+                              <p:par>
+                                <p:cTn id="25" presetID="2" presetClass="entr" presetSubtype="4" fill="hold" grpId="0" nodeType="withEffect">
+                                  <p:stCondLst>
+                                    <p:cond delay="0"/>
+                                  </p:stCondLst>
+                                  <p:childTnLst>
+                                    <p:set>
+                                      <p:cBhvr>
+                                        <p:cTn id="26" dur="1" fill="hold">
+                                          <p:stCondLst>
+                                            <p:cond delay="0"/>
+                                          </p:stCondLst>
+                                        </p:cTn>
+                                        <p:tgtEl>
+                                          <p:spTgt spid="44"/>
+                                        </p:tgtEl>
+                                        <p:attrNameLst>
+                                          <p:attrName>style.visibility</p:attrName>
+                                        </p:attrNameLst>
+                                      </p:cBhvr>
+                                      <p:to>
+                                        <p:strVal val="visible"/>
+                                      </p:to>
+                                    </p:set>
+                                    <p:anim calcmode="lin" valueType="num">
+                                      <p:cBhvr additive="base">
+                                        <p:cTn id="27" dur="500" fill="hold"/>
+                                        <p:tgtEl>
+                                          <p:spTgt spid="44"/>
+                                        </p:tgtEl>
+                                        <p:attrNameLst>
+                                          <p:attrName>ppt_x</p:attrName>
+                                        </p:attrNameLst>
+                                      </p:cBhvr>
+                                      <p:tavLst>
+                                        <p:tav tm="0">
+                                          <p:val>
+                                            <p:strVal val="#ppt_x"/>
+                                          </p:val>
+                                        </p:tav>
+                                        <p:tav tm="100000">
+                                          <p:val>
+                                            <p:strVal val="#ppt_x"/>
+                                          </p:val>
+                                        </p:tav>
+                                      </p:tavLst>
+                                    </p:anim>
+                                    <p:anim calcmode="lin" valueType="num">
+                                      <p:cBhvr additive="base">
+                                        <p:cTn id="28" dur="500" fill="hold"/>
+                                        <p:tgtEl>
+                                          <p:spTgt spid="44"/>
+                                        </p:tgtEl>
+                                        <p:attrNameLst>
+                                          <p:attrName>ppt_y</p:attrName>
+                                        </p:attrNameLst>
+                                      </p:cBhvr>
+                                      <p:tavLst>
+                                        <p:tav tm="0">
+                                          <p:val>
+                                            <p:strVal val="1+#ppt_h/2"/>
+                                          </p:val>
+                                        </p:tav>
+                                        <p:tav tm="100000">
+                                          <p:val>
+                                            <p:strVal val="#ppt_y"/>
+                                          </p:val>
+                                        </p:tav>
+                                      </p:tavLst>
+                                    </p:anim>
+                                  </p:childTnLst>
+                                </p:cTn>
+                              </p:par>
+                              <p:par>
+                                <p:cTn id="29" presetID="2" presetClass="entr" presetSubtype="4" fill="hold" grpId="0" nodeType="withEffect">
+                                  <p:stCondLst>
+                                    <p:cond delay="0"/>
+                                  </p:stCondLst>
+                                  <p:childTnLst>
+                                    <p:set>
+                                      <p:cBhvr>
+                                        <p:cTn id="30" dur="1" fill="hold">
+                                          <p:stCondLst>
+                                            <p:cond delay="0"/>
+                                          </p:stCondLst>
+                                        </p:cTn>
+                                        <p:tgtEl>
+                                          <p:spTgt spid="45"/>
+                                        </p:tgtEl>
+                                        <p:attrNameLst>
+                                          <p:attrName>style.visibility</p:attrName>
+                                        </p:attrNameLst>
+                                      </p:cBhvr>
+                                      <p:to>
+                                        <p:strVal val="visible"/>
+                                      </p:to>
+                                    </p:set>
+                                    <p:anim calcmode="lin" valueType="num">
+                                      <p:cBhvr additive="base">
+                                        <p:cTn id="31" dur="500" fill="hold"/>
+                                        <p:tgtEl>
+                                          <p:spTgt spid="45"/>
+                                        </p:tgtEl>
+                                        <p:attrNameLst>
+                                          <p:attrName>ppt_x</p:attrName>
+                                        </p:attrNameLst>
+                                      </p:cBhvr>
+                                      <p:tavLst>
+                                        <p:tav tm="0">
+                                          <p:val>
+                                            <p:strVal val="#ppt_x"/>
+                                          </p:val>
+                                        </p:tav>
+                                        <p:tav tm="100000">
+                                          <p:val>
+                                            <p:strVal val="#ppt_x"/>
+                                          </p:val>
+                                        </p:tav>
+                                      </p:tavLst>
+                                    </p:anim>
+                                    <p:anim calcmode="lin" valueType="num">
+                                      <p:cBhvr additive="base">
+                                        <p:cTn id="32" dur="500" fill="hold"/>
+                                        <p:tgtEl>
+                                          <p:spTgt spid="45"/>
+                                        </p:tgtEl>
+                                        <p:attrNameLst>
+                                          <p:attrName>ppt_y</p:attrName>
+                                        </p:attrNameLst>
+                                      </p:cBhvr>
+                                      <p:tavLst>
+                                        <p:tav tm="0">
+                                          <p:val>
+                                            <p:strVal val="1+#ppt_h/2"/>
+                                          </p:val>
+                                        </p:tav>
+                                        <p:tav tm="100000">
+                                          <p:val>
+                                            <p:strVal val="#ppt_y"/>
+                                          </p:val>
+                                        </p:tav>
+                                      </p:tavLst>
+                                    </p:anim>
+                                  </p:childTnLst>
+                                </p:cTn>
+                              </p:par>
+                              <p:par>
+                                <p:cTn id="33" presetID="2" presetClass="entr" presetSubtype="4" fill="hold" grpId="0" nodeType="withEffect">
+                                  <p:stCondLst>
+                                    <p:cond delay="0"/>
+                                  </p:stCondLst>
+                                  <p:childTnLst>
+                                    <p:set>
+                                      <p:cBhvr>
+                                        <p:cTn id="34" dur="1" fill="hold">
+                                          <p:stCondLst>
+                                            <p:cond delay="0"/>
+                                          </p:stCondLst>
+                                        </p:cTn>
+                                        <p:tgtEl>
+                                          <p:spTgt spid="46"/>
+                                        </p:tgtEl>
+                                        <p:attrNameLst>
+                                          <p:attrName>style.visibility</p:attrName>
+                                        </p:attrNameLst>
+                                      </p:cBhvr>
+                                      <p:to>
+                                        <p:strVal val="visible"/>
+                                      </p:to>
+                                    </p:set>
+                                    <p:anim calcmode="lin" valueType="num">
+                                      <p:cBhvr additive="base">
+                                        <p:cTn id="35" dur="500" fill="hold"/>
+                                        <p:tgtEl>
+                                          <p:spTgt spid="46"/>
+                                        </p:tgtEl>
+                                        <p:attrNameLst>
+                                          <p:attrName>ppt_x</p:attrName>
+                                        </p:attrNameLst>
+                                      </p:cBhvr>
+                                      <p:tavLst>
+                                        <p:tav tm="0">
+                                          <p:val>
+                                            <p:strVal val="#ppt_x"/>
+                                          </p:val>
+                                        </p:tav>
+                                        <p:tav tm="100000">
+                                          <p:val>
+                                            <p:strVal val="#ppt_x"/>
+                                          </p:val>
+                                        </p:tav>
+                                      </p:tavLst>
+                                    </p:anim>
+                                    <p:anim calcmode="lin" valueType="num">
+                                      <p:cBhvr additive="base">
+                                        <p:cTn id="36" dur="500" fill="hold"/>
+                                        <p:tgtEl>
+                                          <p:spTgt spid="46"/>
+                                        </p:tgtEl>
+                                        <p:attrNameLst>
+                                          <p:attrName>ppt_y</p:attrName>
+                                        </p:attrNameLst>
+                                      </p:cBhvr>
+                                      <p:tavLst>
+                                        <p:tav tm="0">
+                                          <p:val>
+                                            <p:strVal val="1+#ppt_h/2"/>
+                                          </p:val>
+                                        </p:tav>
+                                        <p:tav tm="100000">
+                                          <p:val>
+                                            <p:strVal val="#ppt_y"/>
+                                          </p:val>
+                                        </p:tav>
+                                      </p:tavLst>
+                                    </p:anim>
+                                  </p:childTnLst>
+                                </p:cTn>
+                              </p:par>
+                              <p:par>
+                                <p:cTn id="37" presetID="2" presetClass="entr" presetSubtype="4" fill="hold" grpId="0" nodeType="withEffect">
+                                  <p:stCondLst>
+                                    <p:cond delay="0"/>
+                                  </p:stCondLst>
+                                  <p:childTnLst>
+                                    <p:set>
+                                      <p:cBhvr>
+                                        <p:cTn id="38" dur="1" fill="hold">
+                                          <p:stCondLst>
+                                            <p:cond delay="0"/>
+                                          </p:stCondLst>
+                                        </p:cTn>
+                                        <p:tgtEl>
+                                          <p:spTgt spid="47"/>
+                                        </p:tgtEl>
+                                        <p:attrNameLst>
+                                          <p:attrName>style.visibility</p:attrName>
+                                        </p:attrNameLst>
+                                      </p:cBhvr>
+                                      <p:to>
+                                        <p:strVal val="visible"/>
+                                      </p:to>
+                                    </p:set>
+                                    <p:anim calcmode="lin" valueType="num">
+                                      <p:cBhvr additive="base">
+                                        <p:cTn id="39" dur="500" fill="hold"/>
+                                        <p:tgtEl>
+                                          <p:spTgt spid="47"/>
+                                        </p:tgtEl>
+                                        <p:attrNameLst>
+                                          <p:attrName>ppt_x</p:attrName>
+                                        </p:attrNameLst>
+                                      </p:cBhvr>
+                                      <p:tavLst>
+                                        <p:tav tm="0">
+                                          <p:val>
+                                            <p:strVal val="#ppt_x"/>
+                                          </p:val>
+                                        </p:tav>
+                                        <p:tav tm="100000">
+                                          <p:val>
+                                            <p:strVal val="#ppt_x"/>
+                                          </p:val>
+                                        </p:tav>
+                                      </p:tavLst>
+                                    </p:anim>
+                                    <p:anim calcmode="lin" valueType="num">
+                                      <p:cBhvr additive="base">
+                                        <p:cTn id="40" dur="500" fill="hold"/>
+                                        <p:tgtEl>
+                                          <p:spTgt spid="47"/>
+                                        </p:tgtEl>
+                                        <p:attrNameLst>
+                                          <p:attrName>ppt_y</p:attrName>
+                                        </p:attrNameLst>
+                                      </p:cBhvr>
+                                      <p:tavLst>
+                                        <p:tav tm="0">
+                                          <p:val>
+                                            <p:strVal val="1+#ppt_h/2"/>
+                                          </p:val>
+                                        </p:tav>
+                                        <p:tav tm="100000">
+                                          <p:val>
+                                            <p:strVal val="#ppt_y"/>
+                                          </p:val>
+                                        </p:tav>
+                                      </p:tavLst>
+                                    </p:anim>
+                                  </p:childTnLst>
+                                </p:cTn>
+                              </p:par>
+                              <p:par>
+                                <p:cTn id="41" presetID="2" presetClass="entr" presetSubtype="4" fill="hold" grpId="0" nodeType="withEffect">
+                                  <p:stCondLst>
+                                    <p:cond delay="0"/>
+                                  </p:stCondLst>
+                                  <p:childTnLst>
+                                    <p:set>
+                                      <p:cBhvr>
+                                        <p:cTn id="42" dur="1" fill="hold">
+                                          <p:stCondLst>
+                                            <p:cond delay="0"/>
+                                          </p:stCondLst>
+                                        </p:cTn>
+                                        <p:tgtEl>
+                                          <p:spTgt spid="48"/>
+                                        </p:tgtEl>
+                                        <p:attrNameLst>
+                                          <p:attrName>style.visibility</p:attrName>
+                                        </p:attrNameLst>
+                                      </p:cBhvr>
+                                      <p:to>
+                                        <p:strVal val="visible"/>
+                                      </p:to>
+                                    </p:set>
+                                    <p:anim calcmode="lin" valueType="num">
+                                      <p:cBhvr additive="base">
+                                        <p:cTn id="43" dur="500" fill="hold"/>
+                                        <p:tgtEl>
+                                          <p:spTgt spid="48"/>
+                                        </p:tgtEl>
+                                        <p:attrNameLst>
+                                          <p:attrName>ppt_x</p:attrName>
+                                        </p:attrNameLst>
+                                      </p:cBhvr>
+                                      <p:tavLst>
+                                        <p:tav tm="0">
+                                          <p:val>
+                                            <p:strVal val="#ppt_x"/>
+                                          </p:val>
+                                        </p:tav>
+                                        <p:tav tm="100000">
+                                          <p:val>
+                                            <p:strVal val="#ppt_x"/>
+                                          </p:val>
+                                        </p:tav>
+                                      </p:tavLst>
+                                    </p:anim>
+                                    <p:anim calcmode="lin" valueType="num">
+                                      <p:cBhvr additive="base">
+                                        <p:cTn id="44" dur="500" fill="hold"/>
+                                        <p:tgtEl>
+                                          <p:spTgt spid="48"/>
+                                        </p:tgtEl>
+                                        <p:attrNameLst>
+                                          <p:attrName>ppt_y</p:attrName>
+                                        </p:attrNameLst>
+                                      </p:cBhvr>
+                                      <p:tavLst>
+                                        <p:tav tm="0">
+                                          <p:val>
+                                            <p:strVal val="1+#ppt_h/2"/>
+                                          </p:val>
+                                        </p:tav>
+                                        <p:tav tm="100000">
+                                          <p:val>
+                                            <p:strVal val="#ppt_y"/>
+                                          </p:val>
+                                        </p:tav>
+                                      </p:tavLst>
+                                    </p:anim>
+                                  </p:childTnLst>
+                                </p:cTn>
+                              </p:par>
+                              <p:par>
+                                <p:cTn id="45" presetID="2" presetClass="entr" presetSubtype="4" fill="hold" nodeType="withEffect">
+                                  <p:stCondLst>
+                                    <p:cond delay="0"/>
+                                  </p:stCondLst>
+                                  <p:childTnLst>
+                                    <p:set>
+                                      <p:cBhvr>
+                                        <p:cTn id="46" dur="1" fill="hold">
+                                          <p:stCondLst>
+                                            <p:cond delay="0"/>
+                                          </p:stCondLst>
+                                        </p:cTn>
+                                        <p:tgtEl>
+                                          <p:spTgt spid="49"/>
+                                        </p:tgtEl>
+                                        <p:attrNameLst>
+                                          <p:attrName>style.visibility</p:attrName>
+                                        </p:attrNameLst>
+                                      </p:cBhvr>
+                                      <p:to>
+                                        <p:strVal val="visible"/>
+                                      </p:to>
+                                    </p:set>
+                                    <p:anim calcmode="lin" valueType="num">
+                                      <p:cBhvr additive="base">
+                                        <p:cTn id="47" dur="500" fill="hold"/>
+                                        <p:tgtEl>
+                                          <p:spTgt spid="49"/>
+                                        </p:tgtEl>
+                                        <p:attrNameLst>
+                                          <p:attrName>ppt_x</p:attrName>
+                                        </p:attrNameLst>
+                                      </p:cBhvr>
+                                      <p:tavLst>
+                                        <p:tav tm="0">
+                                          <p:val>
+                                            <p:strVal val="#ppt_x"/>
+                                          </p:val>
+                                        </p:tav>
+                                        <p:tav tm="100000">
+                                          <p:val>
+                                            <p:strVal val="#ppt_x"/>
+                                          </p:val>
+                                        </p:tav>
+                                      </p:tavLst>
+                                    </p:anim>
+                                    <p:anim calcmode="lin" valueType="num">
+                                      <p:cBhvr additive="base">
+                                        <p:cTn id="48" dur="500" fill="hold"/>
+                                        <p:tgtEl>
+                                          <p:spTgt spid="49"/>
+                                        </p:tgtEl>
+                                        <p:attrNameLst>
+                                          <p:attrName>ppt_y</p:attrName>
+                                        </p:attrNameLst>
+                                      </p:cBhvr>
+                                      <p:tavLst>
+                                        <p:tav tm="0">
+                                          <p:val>
+                                            <p:strVal val="1+#ppt_h/2"/>
+                                          </p:val>
+                                        </p:tav>
+                                        <p:tav tm="100000">
+                                          <p:val>
+                                            <p:strVal val="#ppt_y"/>
+                                          </p:val>
+                                        </p:tav>
+                                      </p:tavLst>
+                                    </p:anim>
+                                  </p:childTnLst>
+                                </p:cTn>
+                              </p:par>
+                              <p:par>
+                                <p:cTn id="49" presetID="2" presetClass="entr" presetSubtype="4" fill="hold" nodeType="withEffect">
+                                  <p:stCondLst>
+                                    <p:cond delay="0"/>
+                                  </p:stCondLst>
+                                  <p:childTnLst>
+                                    <p:set>
+                                      <p:cBhvr>
+                                        <p:cTn id="50" dur="1" fill="hold">
+                                          <p:stCondLst>
+                                            <p:cond delay="0"/>
+                                          </p:stCondLst>
+                                        </p:cTn>
+                                        <p:tgtEl>
+                                          <p:spTgt spid="50"/>
+                                        </p:tgtEl>
+                                        <p:attrNameLst>
+                                          <p:attrName>style.visibility</p:attrName>
+                                        </p:attrNameLst>
+                                      </p:cBhvr>
+                                      <p:to>
+                                        <p:strVal val="visible"/>
+                                      </p:to>
+                                    </p:set>
+                                    <p:anim calcmode="lin" valueType="num">
+                                      <p:cBhvr additive="base">
+                                        <p:cTn id="51" dur="500" fill="hold"/>
+                                        <p:tgtEl>
+                                          <p:spTgt spid="50"/>
+                                        </p:tgtEl>
+                                        <p:attrNameLst>
+                                          <p:attrName>ppt_x</p:attrName>
+                                        </p:attrNameLst>
+                                      </p:cBhvr>
+                                      <p:tavLst>
+                                        <p:tav tm="0">
+                                          <p:val>
+                                            <p:strVal val="#ppt_x"/>
+                                          </p:val>
+                                        </p:tav>
+                                        <p:tav tm="100000">
+                                          <p:val>
+                                            <p:strVal val="#ppt_x"/>
+                                          </p:val>
+                                        </p:tav>
+                                      </p:tavLst>
+                                    </p:anim>
+                                    <p:anim calcmode="lin" valueType="num">
+                                      <p:cBhvr additive="base">
+                                        <p:cTn id="52" dur="500" fill="hold"/>
+                                        <p:tgtEl>
+                                          <p:spTgt spid="50"/>
+                                        </p:tgtEl>
+                                        <p:attrNameLst>
+                                          <p:attrName>ppt_y</p:attrName>
+                                        </p:attrNameLst>
+                                      </p:cBhvr>
+                                      <p:tavLst>
+                                        <p:tav tm="0">
+                                          <p:val>
+                                            <p:strVal val="1+#ppt_h/2"/>
+                                          </p:val>
+                                        </p:tav>
+                                        <p:tav tm="100000">
+                                          <p:val>
+                                            <p:strVal val="#ppt_y"/>
+                                          </p:val>
+                                        </p:tav>
+                                      </p:tavLst>
+                                    </p:anim>
+                                  </p:childTnLst>
+                                </p:cTn>
+                              </p:par>
+                              <p:par>
+                                <p:cTn id="53" presetID="2" presetClass="entr" presetSubtype="4" fill="hold" nodeType="withEffect">
+                                  <p:stCondLst>
+                                    <p:cond delay="0"/>
+                                  </p:stCondLst>
+                                  <p:childTnLst>
+                                    <p:set>
+                                      <p:cBhvr>
+                                        <p:cTn id="54" dur="1" fill="hold">
+                                          <p:stCondLst>
+                                            <p:cond delay="0"/>
+                                          </p:stCondLst>
+                                        </p:cTn>
+                                        <p:tgtEl>
+                                          <p:spTgt spid="62"/>
+                                        </p:tgtEl>
+                                        <p:attrNameLst>
+                                          <p:attrName>style.visibility</p:attrName>
+                                        </p:attrNameLst>
+                                      </p:cBhvr>
+                                      <p:to>
+                                        <p:strVal val="visible"/>
+                                      </p:to>
+                                    </p:set>
+                                    <p:anim calcmode="lin" valueType="num">
+                                      <p:cBhvr additive="base">
+                                        <p:cTn id="55" dur="500" fill="hold"/>
+                                        <p:tgtEl>
+                                          <p:spTgt spid="62"/>
+                                        </p:tgtEl>
+                                        <p:attrNameLst>
+                                          <p:attrName>ppt_x</p:attrName>
+                                        </p:attrNameLst>
+                                      </p:cBhvr>
+                                      <p:tavLst>
+                                        <p:tav tm="0">
+                                          <p:val>
+                                            <p:strVal val="#ppt_x"/>
+                                          </p:val>
+                                        </p:tav>
+                                        <p:tav tm="100000">
+                                          <p:val>
+                                            <p:strVal val="#ppt_x"/>
+                                          </p:val>
+                                        </p:tav>
+                                      </p:tavLst>
+                                    </p:anim>
+                                    <p:anim calcmode="lin" valueType="num">
+                                      <p:cBhvr additive="base">
+                                        <p:cTn id="56" dur="500" fill="hold"/>
+                                        <p:tgtEl>
+                                          <p:spTgt spid="62"/>
+                                        </p:tgtEl>
+                                        <p:attrNameLst>
+                                          <p:attrName>ppt_y</p:attrName>
+                                        </p:attrNameLst>
+                                      </p:cBhvr>
+                                      <p:tavLst>
+                                        <p:tav tm="0">
+                                          <p:val>
+                                            <p:strVal val="1+#ppt_h/2"/>
+                                          </p:val>
+                                        </p:tav>
+                                        <p:tav tm="100000">
+                                          <p:val>
+                                            <p:strVal val="#ppt_y"/>
+                                          </p:val>
+                                        </p:tav>
+                                      </p:tavLst>
+                                    </p:anim>
+                                  </p:childTnLst>
+                                </p:cTn>
+                              </p:par>
+                              <p:par>
+                                <p:cTn id="57" presetID="2" presetClass="entr" presetSubtype="4" fill="hold" nodeType="withEffect">
+                                  <p:stCondLst>
+                                    <p:cond delay="0"/>
+                                  </p:stCondLst>
+                                  <p:childTnLst>
+                                    <p:set>
+                                      <p:cBhvr>
+                                        <p:cTn id="58" dur="1" fill="hold">
+                                          <p:stCondLst>
+                                            <p:cond delay="0"/>
+                                          </p:stCondLst>
+                                        </p:cTn>
+                                        <p:tgtEl>
+                                          <p:spTgt spid="63"/>
+                                        </p:tgtEl>
+                                        <p:attrNameLst>
+                                          <p:attrName>style.visibility</p:attrName>
+                                        </p:attrNameLst>
+                                      </p:cBhvr>
+                                      <p:to>
+                                        <p:strVal val="visible"/>
+                                      </p:to>
+                                    </p:set>
+                                    <p:anim calcmode="lin" valueType="num">
+                                      <p:cBhvr additive="base">
+                                        <p:cTn id="59" dur="500" fill="hold"/>
+                                        <p:tgtEl>
+                                          <p:spTgt spid="63"/>
+                                        </p:tgtEl>
+                                        <p:attrNameLst>
+                                          <p:attrName>ppt_x</p:attrName>
+                                        </p:attrNameLst>
+                                      </p:cBhvr>
+                                      <p:tavLst>
+                                        <p:tav tm="0">
+                                          <p:val>
+                                            <p:strVal val="#ppt_x"/>
+                                          </p:val>
+                                        </p:tav>
+                                        <p:tav tm="100000">
+                                          <p:val>
+                                            <p:strVal val="#ppt_x"/>
+                                          </p:val>
+                                        </p:tav>
+                                      </p:tavLst>
+                                    </p:anim>
+                                    <p:anim calcmode="lin" valueType="num">
+                                      <p:cBhvr additive="base">
+                                        <p:cTn id="60" dur="500" fill="hold"/>
+                                        <p:tgtEl>
+                                          <p:spTgt spid="63"/>
+                                        </p:tgtEl>
+                                        <p:attrNameLst>
+                                          <p:attrName>ppt_y</p:attrName>
+                                        </p:attrNameLst>
+                                      </p:cBhvr>
+                                      <p:tavLst>
+                                        <p:tav tm="0">
+                                          <p:val>
+                                            <p:strVal val="1+#ppt_h/2"/>
+                                          </p:val>
+                                        </p:tav>
+                                        <p:tav tm="100000">
+                                          <p:val>
+                                            <p:strVal val="#ppt_y"/>
+                                          </p:val>
+                                        </p:tav>
+                                      </p:tavLst>
+                                    </p:anim>
+                                  </p:childTnLst>
+                                </p:cTn>
+                              </p:par>
+                              <p:par>
+                                <p:cTn id="61" presetID="2" presetClass="entr" presetSubtype="4" fill="hold" grpId="0" nodeType="withEffect">
+                                  <p:stCondLst>
+                                    <p:cond delay="0"/>
+                                  </p:stCondLst>
+                                  <p:childTnLst>
+                                    <p:set>
+                                      <p:cBhvr>
+                                        <p:cTn id="62" dur="1" fill="hold">
+                                          <p:stCondLst>
+                                            <p:cond delay="0"/>
+                                          </p:stCondLst>
+                                        </p:cTn>
+                                        <p:tgtEl>
+                                          <p:spTgt spid="66"/>
+                                        </p:tgtEl>
+                                        <p:attrNameLst>
+                                          <p:attrName>style.visibility</p:attrName>
+                                        </p:attrNameLst>
+                                      </p:cBhvr>
+                                      <p:to>
+                                        <p:strVal val="visible"/>
+                                      </p:to>
+                                    </p:set>
+                                    <p:anim calcmode="lin" valueType="num">
+                                      <p:cBhvr additive="base">
+                                        <p:cTn id="63" dur="500" fill="hold"/>
+                                        <p:tgtEl>
+                                          <p:spTgt spid="66"/>
+                                        </p:tgtEl>
+                                        <p:attrNameLst>
+                                          <p:attrName>ppt_x</p:attrName>
+                                        </p:attrNameLst>
+                                      </p:cBhvr>
+                                      <p:tavLst>
+                                        <p:tav tm="0">
+                                          <p:val>
+                                            <p:strVal val="#ppt_x"/>
+                                          </p:val>
+                                        </p:tav>
+                                        <p:tav tm="100000">
+                                          <p:val>
+                                            <p:strVal val="#ppt_x"/>
+                                          </p:val>
+                                        </p:tav>
+                                      </p:tavLst>
+                                    </p:anim>
+                                    <p:anim calcmode="lin" valueType="num">
+                                      <p:cBhvr additive="base">
+                                        <p:cTn id="64" dur="500" fill="hold"/>
+                                        <p:tgtEl>
+                                          <p:spTgt spid="66"/>
+                                        </p:tgtEl>
+                                        <p:attrNameLst>
+                                          <p:attrName>ppt_y</p:attrName>
+                                        </p:attrNameLst>
+                                      </p:cBhvr>
+                                      <p:tavLst>
+                                        <p:tav tm="0">
+                                          <p:val>
+                                            <p:strVal val="1+#ppt_h/2"/>
+                                          </p:val>
+                                        </p:tav>
+                                        <p:tav tm="100000">
+                                          <p:val>
+                                            <p:strVal val="#ppt_y"/>
+                                          </p:val>
+                                        </p:tav>
+                                      </p:tavLst>
+                                    </p:anim>
+                                  </p:childTnLst>
+                                </p:cTn>
+                              </p:par>
+                            </p:childTnLst>
+                          </p:cTn>
+                        </p:par>
+                      </p:childTnLst>
+                    </p:cTn>
+                  </p:par>
+                </p:childTnLst>
+              </p:cTn>
+              <p:prevCondLst>
+                <p:cond evt="onPrev" delay="0">
+                  <p:tgtEl>
+                    <p:sldTgt/>
+                  </p:tgtEl>
+                </p:cond>
+              </p:prevCondLst>
+              <p:nextCondLst>
+                <p:cond evt="onNext" delay="0">
+                  <p:tgtEl>
+                    <p:sldTgt/>
+                  </p:tgtEl>
+                </p:cond>
+              </p:nextCondLst>
+            </p:seq>
+          </p:childTnLst>
+        </p:cTn>
+      </p:par>
+    </p:tnLst>
+    <p:bldLst>
+      <p:bldP spid="39" grpId="0"/>
+      <p:bldP spid="40" grpId="0"/>
+      <p:bldP spid="41" grpId="0" animBg="1"/>
+      <p:bldP spid="42" grpId="0" animBg="1"/>
+      <p:bldP spid="43" grpId="0" animBg="1"/>
+      <p:bldP spid="44" grpId="0" animBg="1"/>
+      <p:bldP spid="45" grpId="0" animBg="1"/>
+      <p:bldP spid="46" grpId="0" animBg="1"/>
+      <p:bldP spid="47" grpId="0" animBg="1"/>
+      <p:bldP spid="48" grpId="0" animBg="1"/>
+      <p:bldP spid="66" grpId="0" animBg="1"/>
+    </p:bldLst>
   </p:timing>
 </p:sld>
 </file>
@@ -13655,7 +19113,7 @@
         </p:nvSpPr>
         <p:spPr>
           <a:xfrm>
-            <a:off x="1512540" y="2275688"/>
+            <a:off x="1512540" y="2157581"/>
             <a:ext cx="1705047" cy="369332"/>
           </a:xfrm>
           <a:prstGeom prst="rect">
@@ -13854,7 +19312,7 @@
         </p:nvSpPr>
         <p:spPr>
           <a:xfrm>
-            <a:off x="1512540" y="4289089"/>
+            <a:off x="1512540" y="4159490"/>
             <a:ext cx="1514967" cy="369332"/>
           </a:xfrm>
           <a:prstGeom prst="rect">
@@ -14040,9 +19498,274 @@
   <p:timing>
     <p:tnLst>
       <p:par>
-        <p:cTn id="1" dur="indefinite" restart="never" nodeType="tmRoot"/>
+        <p:cTn id="1" dur="indefinite" restart="never" nodeType="tmRoot">
+          <p:childTnLst>
+            <p:seq concurrent="1" nextAc="seek">
+              <p:cTn id="2" dur="indefinite" nodeType="mainSeq">
+                <p:childTnLst>
+                  <p:par>
+                    <p:cTn id="3" fill="hold">
+                      <p:stCondLst>
+                        <p:cond delay="indefinite"/>
+                      </p:stCondLst>
+                      <p:childTnLst>
+                        <p:par>
+                          <p:cTn id="4" fill="hold">
+                            <p:stCondLst>
+                              <p:cond delay="0"/>
+                            </p:stCondLst>
+                            <p:childTnLst>
+                              <p:par>
+                                <p:cTn id="5" presetID="2" presetClass="entr" presetSubtype="4" fill="hold" grpId="0" nodeType="clickEffect">
+                                  <p:stCondLst>
+                                    <p:cond delay="0"/>
+                                  </p:stCondLst>
+                                  <p:childTnLst>
+                                    <p:set>
+                                      <p:cBhvr>
+                                        <p:cTn id="6" dur="1" fill="hold">
+                                          <p:stCondLst>
+                                            <p:cond delay="0"/>
+                                          </p:stCondLst>
+                                        </p:cTn>
+                                        <p:tgtEl>
+                                          <p:spTgt spid="12"/>
+                                        </p:tgtEl>
+                                        <p:attrNameLst>
+                                          <p:attrName>style.visibility</p:attrName>
+                                        </p:attrNameLst>
+                                      </p:cBhvr>
+                                      <p:to>
+                                        <p:strVal val="visible"/>
+                                      </p:to>
+                                    </p:set>
+                                    <p:anim calcmode="lin" valueType="num">
+                                      <p:cBhvr additive="base">
+                                        <p:cTn id="7" dur="500" fill="hold"/>
+                                        <p:tgtEl>
+                                          <p:spTgt spid="12"/>
+                                        </p:tgtEl>
+                                        <p:attrNameLst>
+                                          <p:attrName>ppt_x</p:attrName>
+                                        </p:attrNameLst>
+                                      </p:cBhvr>
+                                      <p:tavLst>
+                                        <p:tav tm="0">
+                                          <p:val>
+                                            <p:strVal val="#ppt_x"/>
+                                          </p:val>
+                                        </p:tav>
+                                        <p:tav tm="100000">
+                                          <p:val>
+                                            <p:strVal val="#ppt_x"/>
+                                          </p:val>
+                                        </p:tav>
+                                      </p:tavLst>
+                                    </p:anim>
+                                    <p:anim calcmode="lin" valueType="num">
+                                      <p:cBhvr additive="base">
+                                        <p:cTn id="8" dur="500" fill="hold"/>
+                                        <p:tgtEl>
+                                          <p:spTgt spid="12"/>
+                                        </p:tgtEl>
+                                        <p:attrNameLst>
+                                          <p:attrName>ppt_y</p:attrName>
+                                        </p:attrNameLst>
+                                      </p:cBhvr>
+                                      <p:tavLst>
+                                        <p:tav tm="0">
+                                          <p:val>
+                                            <p:strVal val="1+#ppt_h/2"/>
+                                          </p:val>
+                                        </p:tav>
+                                        <p:tav tm="100000">
+                                          <p:val>
+                                            <p:strVal val="#ppt_y"/>
+                                          </p:val>
+                                        </p:tav>
+                                      </p:tavLst>
+                                    </p:anim>
+                                  </p:childTnLst>
+                                </p:cTn>
+                              </p:par>
+                              <p:par>
+                                <p:cTn id="9" presetID="2" presetClass="entr" presetSubtype="4" fill="hold" grpId="0" nodeType="withEffect">
+                                  <p:stCondLst>
+                                    <p:cond delay="0"/>
+                                  </p:stCondLst>
+                                  <p:childTnLst>
+                                    <p:set>
+                                      <p:cBhvr>
+                                        <p:cTn id="10" dur="1" fill="hold">
+                                          <p:stCondLst>
+                                            <p:cond delay="0"/>
+                                          </p:stCondLst>
+                                        </p:cTn>
+                                        <p:tgtEl>
+                                          <p:spTgt spid="13"/>
+                                        </p:tgtEl>
+                                        <p:attrNameLst>
+                                          <p:attrName>style.visibility</p:attrName>
+                                        </p:attrNameLst>
+                                      </p:cBhvr>
+                                      <p:to>
+                                        <p:strVal val="visible"/>
+                                      </p:to>
+                                    </p:set>
+                                    <p:anim calcmode="lin" valueType="num">
+                                      <p:cBhvr additive="base">
+                                        <p:cTn id="11" dur="500" fill="hold"/>
+                                        <p:tgtEl>
+                                          <p:spTgt spid="13"/>
+                                        </p:tgtEl>
+                                        <p:attrNameLst>
+                                          <p:attrName>ppt_x</p:attrName>
+                                        </p:attrNameLst>
+                                      </p:cBhvr>
+                                      <p:tavLst>
+                                        <p:tav tm="0">
+                                          <p:val>
+                                            <p:strVal val="#ppt_x"/>
+                                          </p:val>
+                                        </p:tav>
+                                        <p:tav tm="100000">
+                                          <p:val>
+                                            <p:strVal val="#ppt_x"/>
+                                          </p:val>
+                                        </p:tav>
+                                      </p:tavLst>
+                                    </p:anim>
+                                    <p:anim calcmode="lin" valueType="num">
+                                      <p:cBhvr additive="base">
+                                        <p:cTn id="12" dur="500" fill="hold"/>
+                                        <p:tgtEl>
+                                          <p:spTgt spid="13"/>
+                                        </p:tgtEl>
+                                        <p:attrNameLst>
+                                          <p:attrName>ppt_y</p:attrName>
+                                        </p:attrNameLst>
+                                      </p:cBhvr>
+                                      <p:tavLst>
+                                        <p:tav tm="0">
+                                          <p:val>
+                                            <p:strVal val="1+#ppt_h/2"/>
+                                          </p:val>
+                                        </p:tav>
+                                        <p:tav tm="100000">
+                                          <p:val>
+                                            <p:strVal val="#ppt_y"/>
+                                          </p:val>
+                                        </p:tav>
+                                      </p:tavLst>
+                                    </p:anim>
+                                  </p:childTnLst>
+                                </p:cTn>
+                              </p:par>
+                              <p:par>
+                                <p:cTn id="13" presetID="2" presetClass="entr" presetSubtype="4" fill="hold" grpId="0" nodeType="withEffect">
+                                  <p:stCondLst>
+                                    <p:cond delay="0"/>
+                                  </p:stCondLst>
+                                  <p:childTnLst>
+                                    <p:set>
+                                      <p:cBhvr>
+                                        <p:cTn id="14" dur="1" fill="hold">
+                                          <p:stCondLst>
+                                            <p:cond delay="0"/>
+                                          </p:stCondLst>
+                                        </p:cTn>
+                                        <p:tgtEl>
+                                          <p:spTgt spid="14"/>
+                                        </p:tgtEl>
+                                        <p:attrNameLst>
+                                          <p:attrName>style.visibility</p:attrName>
+                                        </p:attrNameLst>
+                                      </p:cBhvr>
+                                      <p:to>
+                                        <p:strVal val="visible"/>
+                                      </p:to>
+                                    </p:set>
+                                    <p:anim calcmode="lin" valueType="num">
+                                      <p:cBhvr additive="base">
+                                        <p:cTn id="15" dur="500" fill="hold"/>
+                                        <p:tgtEl>
+                                          <p:spTgt spid="14"/>
+                                        </p:tgtEl>
+                                        <p:attrNameLst>
+                                          <p:attrName>ppt_x</p:attrName>
+                                        </p:attrNameLst>
+                                      </p:cBhvr>
+                                      <p:tavLst>
+                                        <p:tav tm="0">
+                                          <p:val>
+                                            <p:strVal val="#ppt_x"/>
+                                          </p:val>
+                                        </p:tav>
+                                        <p:tav tm="100000">
+                                          <p:val>
+                                            <p:strVal val="#ppt_x"/>
+                                          </p:val>
+                                        </p:tav>
+                                      </p:tavLst>
+                                    </p:anim>
+                                    <p:anim calcmode="lin" valueType="num">
+                                      <p:cBhvr additive="base">
+                                        <p:cTn id="16" dur="500" fill="hold"/>
+                                        <p:tgtEl>
+                                          <p:spTgt spid="14"/>
+                                        </p:tgtEl>
+                                        <p:attrNameLst>
+                                          <p:attrName>ppt_y</p:attrName>
+                                        </p:attrNameLst>
+                                      </p:cBhvr>
+                                      <p:tavLst>
+                                        <p:tav tm="0">
+                                          <p:val>
+                                            <p:strVal val="1+#ppt_h/2"/>
+                                          </p:val>
+                                        </p:tav>
+                                        <p:tav tm="100000">
+                                          <p:val>
+                                            <p:strVal val="#ppt_y"/>
+                                          </p:val>
+                                        </p:tav>
+                                      </p:tavLst>
+                                    </p:anim>
+                                  </p:childTnLst>
+                                </p:cTn>
+                              </p:par>
+                            </p:childTnLst>
+                          </p:cTn>
+                        </p:par>
+                      </p:childTnLst>
+                    </p:cTn>
+                  </p:par>
+                </p:childTnLst>
+              </p:cTn>
+              <p:prevCondLst>
+                <p:cond evt="onPrev" delay="0">
+                  <p:tgtEl>
+                    <p:sldTgt/>
+                  </p:tgtEl>
+                </p:cond>
+              </p:prevCondLst>
+              <p:nextCondLst>
+                <p:cond evt="onNext" delay="0">
+                  <p:tgtEl>
+                    <p:sldTgt/>
+                  </p:tgtEl>
+                </p:cond>
+              </p:nextCondLst>
+            </p:seq>
+          </p:childTnLst>
+        </p:cTn>
       </p:par>
     </p:tnLst>
+    <p:bldLst>
+      <p:bldP spid="12" grpId="0" animBg="1"/>
+      <p:bldP spid="13" grpId="0"/>
+      <p:bldP spid="14" grpId="0"/>
+    </p:bldLst>
   </p:timing>
 </p:sld>
 </file>
@@ -14807,7 +20530,6 @@
               <a:rPr lang="en-US" altLang="zh-CN" dirty="0" smtClean="0"/>
               <a:t>Separate the power model from GPGPU-Sim</a:t>
             </a:r>
-            <a:endParaRPr lang="en-US" altLang="zh-CN" dirty="0" smtClean="0"/>
           </a:p>
         </p:txBody>
       </p:sp>
@@ -15404,9 +21126,495 @@
   <p:timing>
     <p:tnLst>
       <p:par>
-        <p:cTn id="1" dur="indefinite" restart="never" nodeType="tmRoot"/>
+        <p:cTn id="1" dur="indefinite" restart="never" nodeType="tmRoot">
+          <p:childTnLst>
+            <p:seq concurrent="1" nextAc="seek">
+              <p:cTn id="2" dur="indefinite" nodeType="mainSeq">
+                <p:childTnLst>
+                  <p:par>
+                    <p:cTn id="3" fill="hold">
+                      <p:stCondLst>
+                        <p:cond delay="indefinite"/>
+                      </p:stCondLst>
+                      <p:childTnLst>
+                        <p:par>
+                          <p:cTn id="4" fill="hold">
+                            <p:stCondLst>
+                              <p:cond delay="0"/>
+                            </p:stCondLst>
+                            <p:childTnLst>
+                              <p:par>
+                                <p:cTn id="5" presetID="2" presetClass="entr" presetSubtype="4" fill="hold" grpId="0" nodeType="clickEffect">
+                                  <p:stCondLst>
+                                    <p:cond delay="0"/>
+                                  </p:stCondLst>
+                                  <p:childTnLst>
+                                    <p:set>
+                                      <p:cBhvr>
+                                        <p:cTn id="6" dur="1" fill="hold">
+                                          <p:stCondLst>
+                                            <p:cond delay="0"/>
+                                          </p:stCondLst>
+                                        </p:cTn>
+                                        <p:tgtEl>
+                                          <p:spTgt spid="10"/>
+                                        </p:tgtEl>
+                                        <p:attrNameLst>
+                                          <p:attrName>style.visibility</p:attrName>
+                                        </p:attrNameLst>
+                                      </p:cBhvr>
+                                      <p:to>
+                                        <p:strVal val="visible"/>
+                                      </p:to>
+                                    </p:set>
+                                    <p:anim calcmode="lin" valueType="num">
+                                      <p:cBhvr additive="base">
+                                        <p:cTn id="7" dur="500" fill="hold"/>
+                                        <p:tgtEl>
+                                          <p:spTgt spid="10"/>
+                                        </p:tgtEl>
+                                        <p:attrNameLst>
+                                          <p:attrName>ppt_x</p:attrName>
+                                        </p:attrNameLst>
+                                      </p:cBhvr>
+                                      <p:tavLst>
+                                        <p:tav tm="0">
+                                          <p:val>
+                                            <p:strVal val="#ppt_x"/>
+                                          </p:val>
+                                        </p:tav>
+                                        <p:tav tm="100000">
+                                          <p:val>
+                                            <p:strVal val="#ppt_x"/>
+                                          </p:val>
+                                        </p:tav>
+                                      </p:tavLst>
+                                    </p:anim>
+                                    <p:anim calcmode="lin" valueType="num">
+                                      <p:cBhvr additive="base">
+                                        <p:cTn id="8" dur="500" fill="hold"/>
+                                        <p:tgtEl>
+                                          <p:spTgt spid="10"/>
+                                        </p:tgtEl>
+                                        <p:attrNameLst>
+                                          <p:attrName>ppt_y</p:attrName>
+                                        </p:attrNameLst>
+                                      </p:cBhvr>
+                                      <p:tavLst>
+                                        <p:tav tm="0">
+                                          <p:val>
+                                            <p:strVal val="1+#ppt_h/2"/>
+                                          </p:val>
+                                        </p:tav>
+                                        <p:tav tm="100000">
+                                          <p:val>
+                                            <p:strVal val="#ppt_y"/>
+                                          </p:val>
+                                        </p:tav>
+                                      </p:tavLst>
+                                    </p:anim>
+                                  </p:childTnLst>
+                                </p:cTn>
+                              </p:par>
+                              <p:par>
+                                <p:cTn id="9" presetID="2" presetClass="entr" presetSubtype="4" fill="hold" grpId="0" nodeType="withEffect">
+                                  <p:stCondLst>
+                                    <p:cond delay="0"/>
+                                  </p:stCondLst>
+                                  <p:childTnLst>
+                                    <p:set>
+                                      <p:cBhvr>
+                                        <p:cTn id="10" dur="1" fill="hold">
+                                          <p:stCondLst>
+                                            <p:cond delay="0"/>
+                                          </p:stCondLst>
+                                        </p:cTn>
+                                        <p:tgtEl>
+                                          <p:spTgt spid="22"/>
+                                        </p:tgtEl>
+                                        <p:attrNameLst>
+                                          <p:attrName>style.visibility</p:attrName>
+                                        </p:attrNameLst>
+                                      </p:cBhvr>
+                                      <p:to>
+                                        <p:strVal val="visible"/>
+                                      </p:to>
+                                    </p:set>
+                                    <p:anim calcmode="lin" valueType="num">
+                                      <p:cBhvr additive="base">
+                                        <p:cTn id="11" dur="500" fill="hold"/>
+                                        <p:tgtEl>
+                                          <p:spTgt spid="22"/>
+                                        </p:tgtEl>
+                                        <p:attrNameLst>
+                                          <p:attrName>ppt_x</p:attrName>
+                                        </p:attrNameLst>
+                                      </p:cBhvr>
+                                      <p:tavLst>
+                                        <p:tav tm="0">
+                                          <p:val>
+                                            <p:strVal val="#ppt_x"/>
+                                          </p:val>
+                                        </p:tav>
+                                        <p:tav tm="100000">
+                                          <p:val>
+                                            <p:strVal val="#ppt_x"/>
+                                          </p:val>
+                                        </p:tav>
+                                      </p:tavLst>
+                                    </p:anim>
+                                    <p:anim calcmode="lin" valueType="num">
+                                      <p:cBhvr additive="base">
+                                        <p:cTn id="12" dur="500" fill="hold"/>
+                                        <p:tgtEl>
+                                          <p:spTgt spid="22"/>
+                                        </p:tgtEl>
+                                        <p:attrNameLst>
+                                          <p:attrName>ppt_y</p:attrName>
+                                        </p:attrNameLst>
+                                      </p:cBhvr>
+                                      <p:tavLst>
+                                        <p:tav tm="0">
+                                          <p:val>
+                                            <p:strVal val="1+#ppt_h/2"/>
+                                          </p:val>
+                                        </p:tav>
+                                        <p:tav tm="100000">
+                                          <p:val>
+                                            <p:strVal val="#ppt_y"/>
+                                          </p:val>
+                                        </p:tav>
+                                      </p:tavLst>
+                                    </p:anim>
+                                  </p:childTnLst>
+                                </p:cTn>
+                              </p:par>
+                              <p:par>
+                                <p:cTn id="13" presetID="2" presetClass="entr" presetSubtype="4" fill="hold" grpId="0" nodeType="withEffect">
+                                  <p:stCondLst>
+                                    <p:cond delay="0"/>
+                                  </p:stCondLst>
+                                  <p:childTnLst>
+                                    <p:set>
+                                      <p:cBhvr>
+                                        <p:cTn id="14" dur="1" fill="hold">
+                                          <p:stCondLst>
+                                            <p:cond delay="0"/>
+                                          </p:stCondLst>
+                                        </p:cTn>
+                                        <p:tgtEl>
+                                          <p:spTgt spid="23"/>
+                                        </p:tgtEl>
+                                        <p:attrNameLst>
+                                          <p:attrName>style.visibility</p:attrName>
+                                        </p:attrNameLst>
+                                      </p:cBhvr>
+                                      <p:to>
+                                        <p:strVal val="visible"/>
+                                      </p:to>
+                                    </p:set>
+                                    <p:anim calcmode="lin" valueType="num">
+                                      <p:cBhvr additive="base">
+                                        <p:cTn id="15" dur="500" fill="hold"/>
+                                        <p:tgtEl>
+                                          <p:spTgt spid="23"/>
+                                        </p:tgtEl>
+                                        <p:attrNameLst>
+                                          <p:attrName>ppt_x</p:attrName>
+                                        </p:attrNameLst>
+                                      </p:cBhvr>
+                                      <p:tavLst>
+                                        <p:tav tm="0">
+                                          <p:val>
+                                            <p:strVal val="#ppt_x"/>
+                                          </p:val>
+                                        </p:tav>
+                                        <p:tav tm="100000">
+                                          <p:val>
+                                            <p:strVal val="#ppt_x"/>
+                                          </p:val>
+                                        </p:tav>
+                                      </p:tavLst>
+                                    </p:anim>
+                                    <p:anim calcmode="lin" valueType="num">
+                                      <p:cBhvr additive="base">
+                                        <p:cTn id="16" dur="500" fill="hold"/>
+                                        <p:tgtEl>
+                                          <p:spTgt spid="23"/>
+                                        </p:tgtEl>
+                                        <p:attrNameLst>
+                                          <p:attrName>ppt_y</p:attrName>
+                                        </p:attrNameLst>
+                                      </p:cBhvr>
+                                      <p:tavLst>
+                                        <p:tav tm="0">
+                                          <p:val>
+                                            <p:strVal val="1+#ppt_h/2"/>
+                                          </p:val>
+                                        </p:tav>
+                                        <p:tav tm="100000">
+                                          <p:val>
+                                            <p:strVal val="#ppt_y"/>
+                                          </p:val>
+                                        </p:tav>
+                                      </p:tavLst>
+                                    </p:anim>
+                                  </p:childTnLst>
+                                </p:cTn>
+                              </p:par>
+                              <p:par>
+                                <p:cTn id="17" presetID="2" presetClass="entr" presetSubtype="4" fill="hold" grpId="0" nodeType="withEffect">
+                                  <p:stCondLst>
+                                    <p:cond delay="0"/>
+                                  </p:stCondLst>
+                                  <p:childTnLst>
+                                    <p:set>
+                                      <p:cBhvr>
+                                        <p:cTn id="18" dur="1" fill="hold">
+                                          <p:stCondLst>
+                                            <p:cond delay="0"/>
+                                          </p:stCondLst>
+                                        </p:cTn>
+                                        <p:tgtEl>
+                                          <p:spTgt spid="24"/>
+                                        </p:tgtEl>
+                                        <p:attrNameLst>
+                                          <p:attrName>style.visibility</p:attrName>
+                                        </p:attrNameLst>
+                                      </p:cBhvr>
+                                      <p:to>
+                                        <p:strVal val="visible"/>
+                                      </p:to>
+                                    </p:set>
+                                    <p:anim calcmode="lin" valueType="num">
+                                      <p:cBhvr additive="base">
+                                        <p:cTn id="19" dur="500" fill="hold"/>
+                                        <p:tgtEl>
+                                          <p:spTgt spid="24"/>
+                                        </p:tgtEl>
+                                        <p:attrNameLst>
+                                          <p:attrName>ppt_x</p:attrName>
+                                        </p:attrNameLst>
+                                      </p:cBhvr>
+                                      <p:tavLst>
+                                        <p:tav tm="0">
+                                          <p:val>
+                                            <p:strVal val="#ppt_x"/>
+                                          </p:val>
+                                        </p:tav>
+                                        <p:tav tm="100000">
+                                          <p:val>
+                                            <p:strVal val="#ppt_x"/>
+                                          </p:val>
+                                        </p:tav>
+                                      </p:tavLst>
+                                    </p:anim>
+                                    <p:anim calcmode="lin" valueType="num">
+                                      <p:cBhvr additive="base">
+                                        <p:cTn id="20" dur="500" fill="hold"/>
+                                        <p:tgtEl>
+                                          <p:spTgt spid="24"/>
+                                        </p:tgtEl>
+                                        <p:attrNameLst>
+                                          <p:attrName>ppt_y</p:attrName>
+                                        </p:attrNameLst>
+                                      </p:cBhvr>
+                                      <p:tavLst>
+                                        <p:tav tm="0">
+                                          <p:val>
+                                            <p:strVal val="1+#ppt_h/2"/>
+                                          </p:val>
+                                        </p:tav>
+                                        <p:tav tm="100000">
+                                          <p:val>
+                                            <p:strVal val="#ppt_y"/>
+                                          </p:val>
+                                        </p:tav>
+                                      </p:tavLst>
+                                    </p:anim>
+                                  </p:childTnLst>
+                                </p:cTn>
+                              </p:par>
+                              <p:par>
+                                <p:cTn id="21" presetID="2" presetClass="entr" presetSubtype="4" fill="hold" nodeType="withEffect">
+                                  <p:stCondLst>
+                                    <p:cond delay="0"/>
+                                  </p:stCondLst>
+                                  <p:childTnLst>
+                                    <p:set>
+                                      <p:cBhvr>
+                                        <p:cTn id="22" dur="1" fill="hold">
+                                          <p:stCondLst>
+                                            <p:cond delay="0"/>
+                                          </p:stCondLst>
+                                        </p:cTn>
+                                        <p:tgtEl>
+                                          <p:spTgt spid="25"/>
+                                        </p:tgtEl>
+                                        <p:attrNameLst>
+                                          <p:attrName>style.visibility</p:attrName>
+                                        </p:attrNameLst>
+                                      </p:cBhvr>
+                                      <p:to>
+                                        <p:strVal val="visible"/>
+                                      </p:to>
+                                    </p:set>
+                                    <p:anim calcmode="lin" valueType="num">
+                                      <p:cBhvr additive="base">
+                                        <p:cTn id="23" dur="500" fill="hold"/>
+                                        <p:tgtEl>
+                                          <p:spTgt spid="25"/>
+                                        </p:tgtEl>
+                                        <p:attrNameLst>
+                                          <p:attrName>ppt_x</p:attrName>
+                                        </p:attrNameLst>
+                                      </p:cBhvr>
+                                      <p:tavLst>
+                                        <p:tav tm="0">
+                                          <p:val>
+                                            <p:strVal val="#ppt_x"/>
+                                          </p:val>
+                                        </p:tav>
+                                        <p:tav tm="100000">
+                                          <p:val>
+                                            <p:strVal val="#ppt_x"/>
+                                          </p:val>
+                                        </p:tav>
+                                      </p:tavLst>
+                                    </p:anim>
+                                    <p:anim calcmode="lin" valueType="num">
+                                      <p:cBhvr additive="base">
+                                        <p:cTn id="24" dur="500" fill="hold"/>
+                                        <p:tgtEl>
+                                          <p:spTgt spid="25"/>
+                                        </p:tgtEl>
+                                        <p:attrNameLst>
+                                          <p:attrName>ppt_y</p:attrName>
+                                        </p:attrNameLst>
+                                      </p:cBhvr>
+                                      <p:tavLst>
+                                        <p:tav tm="0">
+                                          <p:val>
+                                            <p:strVal val="1+#ppt_h/2"/>
+                                          </p:val>
+                                        </p:tav>
+                                        <p:tav tm="100000">
+                                          <p:val>
+                                            <p:strVal val="#ppt_y"/>
+                                          </p:val>
+                                        </p:tav>
+                                      </p:tavLst>
+                                    </p:anim>
+                                  </p:childTnLst>
+                                </p:cTn>
+                              </p:par>
+                              <p:par>
+                                <p:cTn id="25" presetID="2" presetClass="entr" presetSubtype="4" fill="hold" grpId="0" nodeType="withEffect">
+                                  <p:stCondLst>
+                                    <p:cond delay="0"/>
+                                  </p:stCondLst>
+                                  <p:childTnLst>
+                                    <p:set>
+                                      <p:cBhvr>
+                                        <p:cTn id="26" dur="1" fill="hold">
+                                          <p:stCondLst>
+                                            <p:cond delay="0"/>
+                                          </p:stCondLst>
+                                        </p:cTn>
+                                        <p:tgtEl>
+                                          <p:spTgt spid="27"/>
+                                        </p:tgtEl>
+                                        <p:attrNameLst>
+                                          <p:attrName>style.visibility</p:attrName>
+                                        </p:attrNameLst>
+                                      </p:cBhvr>
+                                      <p:to>
+                                        <p:strVal val="visible"/>
+                                      </p:to>
+                                    </p:set>
+                                    <p:anim calcmode="lin" valueType="num">
+                                      <p:cBhvr additive="base">
+                                        <p:cTn id="27" dur="500" fill="hold"/>
+                                        <p:tgtEl>
+                                          <p:spTgt spid="27"/>
+                                        </p:tgtEl>
+                                        <p:attrNameLst>
+                                          <p:attrName>ppt_x</p:attrName>
+                                        </p:attrNameLst>
+                                      </p:cBhvr>
+                                      <p:tavLst>
+                                        <p:tav tm="0">
+                                          <p:val>
+                                            <p:strVal val="#ppt_x"/>
+                                          </p:val>
+                                        </p:tav>
+                                        <p:tav tm="100000">
+                                          <p:val>
+                                            <p:strVal val="#ppt_x"/>
+                                          </p:val>
+                                        </p:tav>
+                                      </p:tavLst>
+                                    </p:anim>
+                                    <p:anim calcmode="lin" valueType="num">
+                                      <p:cBhvr additive="base">
+                                        <p:cTn id="28" dur="500" fill="hold"/>
+                                        <p:tgtEl>
+                                          <p:spTgt spid="27"/>
+                                        </p:tgtEl>
+                                        <p:attrNameLst>
+                                          <p:attrName>ppt_y</p:attrName>
+                                        </p:attrNameLst>
+                                      </p:cBhvr>
+                                      <p:tavLst>
+                                        <p:tav tm="0">
+                                          <p:val>
+                                            <p:strVal val="1+#ppt_h/2"/>
+                                          </p:val>
+                                        </p:tav>
+                                        <p:tav tm="100000">
+                                          <p:val>
+                                            <p:strVal val="#ppt_y"/>
+                                          </p:val>
+                                        </p:tav>
+                                      </p:tavLst>
+                                    </p:anim>
+                                  </p:childTnLst>
+                                </p:cTn>
+                              </p:par>
+                            </p:childTnLst>
+                          </p:cTn>
+                        </p:par>
+                      </p:childTnLst>
+                    </p:cTn>
+                  </p:par>
+                </p:childTnLst>
+              </p:cTn>
+              <p:prevCondLst>
+                <p:cond evt="onPrev" delay="0">
+                  <p:tgtEl>
+                    <p:sldTgt/>
+                  </p:tgtEl>
+                </p:cond>
+              </p:prevCondLst>
+              <p:nextCondLst>
+                <p:cond evt="onNext" delay="0">
+                  <p:tgtEl>
+                    <p:sldTgt/>
+                  </p:tgtEl>
+                </p:cond>
+              </p:nextCondLst>
+            </p:seq>
+          </p:childTnLst>
+        </p:cTn>
       </p:par>
     </p:tnLst>
+    <p:bldLst>
+      <p:bldP spid="10" grpId="0" animBg="1"/>
+      <p:bldP spid="22" grpId="0" animBg="1"/>
+      <p:bldP spid="23" grpId="0" animBg="1"/>
+      <p:bldP spid="24" grpId="0" animBg="1"/>
+      <p:bldP spid="27" grpId="0"/>
+    </p:bldLst>
   </p:timing>
 </p:sld>
 </file>
@@ -15437,7 +21645,7 @@
           <p:nvPr/>
         </p:nvPicPr>
         <p:blipFill>
-          <a:blip r:embed="rId2">
+          <a:blip r:embed="rId3">
             <a:extLst>
               <a:ext uri="{28A0092B-C50C-407E-A947-70E740481C1C}">
                 <a14:useLocalDpi xmlns:a14="http://schemas.microsoft.com/office/drawing/2010/main" val="0"/>
@@ -15467,7 +21675,7 @@
         <p:spPr>
           <a:xfrm>
             <a:off x="501445" y="206477"/>
-            <a:ext cx="5405454" cy="461665"/>
+            <a:ext cx="5525680" cy="461665"/>
           </a:xfrm>
           <a:prstGeom prst="rect">
             <a:avLst/>
@@ -15482,7 +21690,15 @@
           <a:p>
             <a:r>
               <a:rPr lang="en-US" altLang="zh-CN" sz="2400" dirty="0" smtClean="0"/>
-              <a:t>How GPGPU-Sim generate a power report</a:t>
+              <a:t>How GPGPU-Sim </a:t>
+            </a:r>
+            <a:r>
+              <a:rPr lang="en-US" altLang="zh-CN" sz="2400" dirty="0" smtClean="0"/>
+              <a:t>generates </a:t>
+            </a:r>
+            <a:r>
+              <a:rPr lang="en-US" altLang="zh-CN" sz="2400" dirty="0" smtClean="0"/>
+              <a:t>a power report</a:t>
             </a:r>
             <a:endParaRPr lang="zh-CN" altLang="en-US" sz="2400" dirty="0"/>
           </a:p>
@@ -15568,7 +21784,7 @@
         <p:spPr>
           <a:xfrm>
             <a:off x="2013154" y="1224116"/>
-            <a:ext cx="8395632" cy="646331"/>
+            <a:ext cx="8563947" cy="646331"/>
           </a:xfrm>
           <a:prstGeom prst="rect">
             <a:avLst/>
@@ -15583,7 +21799,15 @@
           <a:p>
             <a:r>
               <a:rPr lang="en-US" altLang="zh-CN" dirty="0" smtClean="0"/>
-              <a:t>Every sample period (500 cycles by default), this function will be activated and calculate</a:t>
+              <a:t>Every </a:t>
+            </a:r>
+            <a:r>
+              <a:rPr lang="en-US" altLang="zh-CN" dirty="0" smtClean="0"/>
+              <a:t>sampling </a:t>
+            </a:r>
+            <a:r>
+              <a:rPr lang="en-US" altLang="zh-CN" dirty="0" smtClean="0"/>
+              <a:t>period (500 cycles by default), this function will be activated and calculate</a:t>
             </a:r>
           </a:p>
           <a:p>

--- a/presentation/Shen Zongyi.pptx
+++ b/presentation/Shen Zongyi.pptx
@@ -6197,6 +6197,101 @@
             <a:r>
               <a:rPr lang="en-US" altLang="zh-CN" dirty="0" smtClean="0"/>
               <a:t> Fai </a:t>
+            </a:r>
+            <a:endParaRPr lang="zh-CN" altLang="en-US" dirty="0"/>
+          </a:p>
+        </p:txBody>
+      </p:sp>
+      <p:sp>
+        <p:nvSpPr>
+          <p:cNvPr id="6" name="矩形 5"/>
+          <p:cNvSpPr/>
+          <p:nvPr/>
+        </p:nvSpPr>
+        <p:spPr>
+          <a:xfrm>
+            <a:off x="6012274" y="2248465"/>
+            <a:ext cx="5373481" cy="1107996"/>
+          </a:xfrm>
+          <a:prstGeom prst="rect">
+            <a:avLst/>
+          </a:prstGeom>
+          <a:noFill/>
+        </p:spPr>
+        <p:txBody>
+          <a:bodyPr wrap="square" lIns="91440" tIns="45720" rIns="91440" bIns="45720">
+            <a:spAutoFit/>
+          </a:bodyPr>
+          <a:lstStyle/>
+          <a:p>
+            <a:pPr algn="ctr"/>
+            <a:r>
+              <a:rPr lang="en-US" altLang="zh-CN" sz="6600" b="1" cap="none" spc="0" dirty="0" smtClean="0">
+                <a:ln w="10160">
+                  <a:solidFill>
+                    <a:schemeClr val="accent5"/>
+                  </a:solidFill>
+                  <a:prstDash val="solid"/>
+                </a:ln>
+                <a:solidFill>
+                  <a:srgbClr val="FFFFFF"/>
+                </a:solidFill>
+                <a:effectLst>
+                  <a:outerShdw blurRad="38100" dist="22860" dir="5400000" algn="tl" rotWithShape="0">
+                    <a:srgbClr val="000000">
+                      <a:alpha val="30000"/>
+                    </a:srgbClr>
+                  </a:outerShdw>
+                </a:effectLst>
+              </a:rPr>
+              <a:t>more detailed!</a:t>
+            </a:r>
+            <a:endParaRPr lang="zh-CN" altLang="en-US" sz="6600" b="1" cap="none" spc="0" dirty="0">
+              <a:ln w="10160">
+                <a:solidFill>
+                  <a:schemeClr val="accent5"/>
+                </a:solidFill>
+                <a:prstDash val="solid"/>
+              </a:ln>
+              <a:solidFill>
+                <a:srgbClr val="FFFFFF"/>
+              </a:solidFill>
+              <a:effectLst>
+                <a:outerShdw blurRad="38100" dist="22860" dir="5400000" algn="tl" rotWithShape="0">
+                  <a:srgbClr val="000000">
+                    <a:alpha val="30000"/>
+                  </a:srgbClr>
+                </a:outerShdw>
+              </a:effectLst>
+            </a:endParaRPr>
+          </a:p>
+        </p:txBody>
+      </p:sp>
+      <p:sp>
+        <p:nvSpPr>
+          <p:cNvPr id="2" name="文本框 1"/>
+          <p:cNvSpPr txBox="1"/>
+          <p:nvPr/>
+        </p:nvSpPr>
+        <p:spPr>
+          <a:xfrm>
+            <a:off x="4793227" y="2510075"/>
+            <a:ext cx="814647" cy="584775"/>
+          </a:xfrm>
+          <a:prstGeom prst="rect">
+            <a:avLst/>
+          </a:prstGeom>
+          <a:noFill/>
+        </p:spPr>
+        <p:txBody>
+          <a:bodyPr wrap="none" rtlCol="0">
+            <a:spAutoFit/>
+          </a:bodyPr>
+          <a:lstStyle/>
+          <a:p>
+            <a:r>
+              <a:rPr lang="en-US" altLang="zh-CN" sz="3200" dirty="0" smtClean="0"/>
+              <a:t>and</a:t>
             </a:r>
             <a:endParaRPr lang="zh-CN" altLang="en-US" dirty="0"/>
           </a:p>
@@ -17284,7 +17379,7 @@
         </p:nvSpPr>
         <p:spPr>
           <a:xfrm>
-            <a:off x="139618" y="121894"/>
+            <a:off x="6955213" y="5215869"/>
             <a:ext cx="3129831" cy="523220"/>
           </a:xfrm>
           <a:prstGeom prst="rect">
@@ -19020,6 +19115,97 @@
                       </p:childTnLst>
                     </p:cTn>
                   </p:par>
+                  <p:par>
+                    <p:cTn id="65" fill="hold">
+                      <p:stCondLst>
+                        <p:cond delay="indefinite"/>
+                      </p:stCondLst>
+                      <p:childTnLst>
+                        <p:par>
+                          <p:cTn id="66" fill="hold">
+                            <p:stCondLst>
+                              <p:cond delay="0"/>
+                            </p:stCondLst>
+                            <p:childTnLst>
+                              <p:par>
+                                <p:cTn id="67" presetID="2" presetClass="entr" presetSubtype="4" fill="hold" grpId="0" nodeType="clickEffect">
+                                  <p:stCondLst>
+                                    <p:cond delay="0"/>
+                                  </p:stCondLst>
+                                  <p:childTnLst>
+                                    <p:set>
+                                      <p:cBhvr>
+                                        <p:cTn id="68" dur="1" fill="hold">
+                                          <p:stCondLst>
+                                            <p:cond delay="0"/>
+                                          </p:stCondLst>
+                                        </p:cTn>
+                                        <p:tgtEl>
+                                          <p:spTgt spid="4"/>
+                                        </p:tgtEl>
+                                        <p:attrNameLst>
+                                          <p:attrName>style.visibility</p:attrName>
+                                        </p:attrNameLst>
+                                      </p:cBhvr>
+                                      <p:to>
+                                        <p:strVal val="visible"/>
+                                      </p:to>
+                                    </p:set>
+                                    <p:anim calcmode="lin" valueType="num">
+                                      <p:cBhvr additive="base">
+                                        <p:cTn id="69" dur="500" fill="hold"/>
+                                        <p:tgtEl>
+                                          <p:spTgt spid="4"/>
+                                        </p:tgtEl>
+                                        <p:attrNameLst>
+                                          <p:attrName>ppt_x</p:attrName>
+                                        </p:attrNameLst>
+                                      </p:cBhvr>
+                                      <p:tavLst>
+                                        <p:tav tm="0">
+                                          <p:val>
+                                            <p:strVal val="#ppt_x"/>
+                                          </p:val>
+                                        </p:tav>
+                                        <p:tav tm="100000">
+                                          <p:val>
+                                            <p:strVal val="#ppt_x"/>
+                                          </p:val>
+                                        </p:tav>
+                                      </p:tavLst>
+                                    </p:anim>
+                                    <p:anim calcmode="lin" valueType="num">
+                                      <p:cBhvr additive="base">
+                                        <p:cTn id="70" dur="500" fill="hold"/>
+                                        <p:tgtEl>
+                                          <p:spTgt spid="4"/>
+                                        </p:tgtEl>
+                                        <p:attrNameLst>
+                                          <p:attrName>ppt_y</p:attrName>
+                                        </p:attrNameLst>
+                                      </p:cBhvr>
+                                      <p:tavLst>
+                                        <p:tav tm="0">
+                                          <p:val>
+                                            <p:strVal val="1+#ppt_h/2"/>
+                                          </p:val>
+                                        </p:tav>
+                                        <p:tav tm="100000">
+                                          <p:val>
+                                            <p:strVal val="#ppt_y"/>
+                                          </p:val>
+                                        </p:tav>
+                                      </p:tavLst>
+                                    </p:anim>
+                                  </p:childTnLst>
+                                </p:cTn>
+                              </p:par>
+                            </p:childTnLst>
+                          </p:cTn>
+                        </p:par>
+                      </p:childTnLst>
+                    </p:cTn>
+                  </p:par>
                 </p:childTnLst>
               </p:cTn>
               <p:prevCondLst>
@@ -19042,6 +19228,7 @@
       </p:par>
     </p:tnLst>
     <p:bldLst>
+      <p:bldP spid="4" grpId="0"/>
       <p:bldP spid="39" grpId="0"/>
       <p:bldP spid="40" grpId="0"/>
       <p:bldP spid="41" grpId="0" animBg="1"/>
